--- a/Processing_创意编程.pptx
+++ b/Processing_创意编程.pptx
@@ -6786,6 +6786,41 @@
           </a:effectLst>
         </p:spPr>
       </p:pic>
+      <p:sp>
+        <p:nvSpPr>
+          <p:cNvPr id="13" name="TextBox 12">
+            <a:extLst>
+              <a:ext uri="{FF2B5EF4-FFF2-40B4-BE49-F238E27FC236}">
+                <a16:creationId xmlns:a16="http://schemas.microsoft.com/office/drawing/2014/main" id="{706762A8-DC4C-A43E-2C84-9549E3F47298}"/>
+              </a:ext>
+            </a:extLst>
+          </p:cNvPr>
+          <p:cNvSpPr txBox="1"/>
+          <p:nvPr/>
+        </p:nvSpPr>
+        <p:spPr>
+          <a:xfrm>
+            <a:off x="629737" y="5929271"/>
+            <a:ext cx="6524097" cy="400110"/>
+          </a:xfrm>
+          <a:prstGeom prst="rect">
+            <a:avLst/>
+          </a:prstGeom>
+          <a:noFill/>
+        </p:spPr>
+        <p:txBody>
+          <a:bodyPr wrap="square">
+            <a:spAutoFit/>
+          </a:bodyPr>
+          <a:lstStyle/>
+          <a:p>
+            <a:r>
+              <a:rPr lang="en-US" sz="2000" b="1" dirty="0"/>
+              <a:t>https://github.com/yasenstar/Processing_Programming</a:t>
+            </a:r>
+          </a:p>
+        </p:txBody>
+      </p:sp>
     </p:spTree>
     <p:extLst>
       <p:ext uri="{BB962C8B-B14F-4D97-AF65-F5344CB8AC3E}">

--- a/Processing_创意编程.pptx
+++ b/Processing_创意编程.pptx
@@ -5,13 +5,15 @@
     <p:sldMasterId id="2147483744" r:id="rId4"/>
   </p:sldMasterIdLst>
   <p:notesMasterIdLst>
-    <p:notesMasterId r:id="rId6"/>
+    <p:notesMasterId r:id="rId8"/>
   </p:notesMasterIdLst>
   <p:handoutMasterIdLst>
-    <p:handoutMasterId r:id="rId7"/>
+    <p:handoutMasterId r:id="rId9"/>
   </p:handoutMasterIdLst>
   <p:sldIdLst>
     <p:sldId id="256" r:id="rId5"/>
+    <p:sldId id="257" r:id="rId6"/>
+    <p:sldId id="258" r:id="rId7"/>
   </p:sldIdLst>
   <p:sldSz cx="12192000" cy="6858000"/>
   <p:notesSz cx="6858000" cy="9144000"/>
@@ -6592,7 +6594,7 @@
         <p:spPr>
           <a:xfrm>
             <a:off x="4364536" y="5953434"/>
-            <a:ext cx="7197726" cy="393593"/>
+            <a:ext cx="6347007" cy="375947"/>
           </a:xfrm>
         </p:spPr>
         <p:txBody>
@@ -6830,6 +6832,9698 @@
   </p:cSld>
   <p:clrMapOvr>
     <a:masterClrMapping/>
+  </p:clrMapOvr>
+</p:sld>
+</file>
+
+<file path=ppt/slides/slide2.xml><?xml version="1.0" encoding="utf-8"?>
+<p:sld xmlns:a="http://schemas.openxmlformats.org/drawingml/2006/main" xmlns:r="http://schemas.openxmlformats.org/officeDocument/2006/relationships" xmlns:p="http://schemas.openxmlformats.org/presentationml/2006/main">
+  <p:cSld>
+    <p:bg>
+      <p:bgPr>
+        <a:solidFill>
+          <a:schemeClr val="bg1"/>
+        </a:solidFill>
+        <a:effectLst/>
+      </p:bgPr>
+    </p:bg>
+    <p:spTree>
+      <p:nvGrpSpPr>
+        <p:cNvPr id="1" name=""/>
+        <p:cNvGrpSpPr/>
+        <p:nvPr/>
+      </p:nvGrpSpPr>
+      <p:grpSpPr>
+        <a:xfrm>
+          <a:off x="0" y="0"/>
+          <a:ext cx="0" cy="0"/>
+          <a:chOff x="0" y="0"/>
+          <a:chExt cx="0" cy="0"/>
+        </a:xfrm>
+      </p:grpSpPr>
+      <p:pic>
+        <p:nvPicPr>
+          <p:cNvPr id="11" name="Picture 10">
+            <a:extLst>
+              <a:ext uri="{FF2B5EF4-FFF2-40B4-BE49-F238E27FC236}">
+                <a16:creationId xmlns:a16="http://schemas.microsoft.com/office/drawing/2014/main" id="{6AF6706C-CF07-43A1-BCC4-CBA5D33820DA}"/>
+              </a:ext>
+              <a:ext uri="{C183D7F6-B498-43B3-948B-1728B52AA6E4}">
+                <adec:decorative xmlns:adec="http://schemas.microsoft.com/office/drawing/2017/decorative" val="1"/>
+              </a:ext>
+            </a:extLst>
+          </p:cNvPr>
+          <p:cNvPicPr>
+            <a:picLocks noGrp="1" noRot="1" noChangeAspect="1" noMove="1" noResize="1" noEditPoints="1" noAdjustHandles="1" noChangeArrowheads="1" noChangeShapeType="1" noCrop="1"/>
+          </p:cNvPicPr>
+          <p:nvPr>
+            <p:extLst>
+              <p:ext uri="{386F3935-93C4-4BCD-93E2-E3B085C9AB24}">
+                <p16:designElem xmlns:p16="http://schemas.microsoft.com/office/powerpoint/2015/main" val="1"/>
+              </p:ext>
+            </p:extLst>
+          </p:nvPr>
+        </p:nvPicPr>
+        <p:blipFill>
+          <a:blip r:embed="rId2">
+            <a:extLst>
+              <a:ext uri="{28A0092B-C50C-407E-A947-70E740481C1C}">
+                <a14:useLocalDpi xmlns:a14="http://schemas.microsoft.com/office/drawing/2010/main" val="0"/>
+              </a:ext>
+            </a:extLst>
+          </a:blip>
+          <a:stretch>
+            <a:fillRect/>
+          </a:stretch>
+        </p:blipFill>
+        <p:spPr>
+          <a:xfrm>
+            <a:off x="0" y="0"/>
+            <a:ext cx="12188825" cy="6856214"/>
+          </a:xfrm>
+          <a:prstGeom prst="rect">
+            <a:avLst/>
+          </a:prstGeom>
+        </p:spPr>
+      </p:pic>
+      <p:sp>
+        <p:nvSpPr>
+          <p:cNvPr id="13" name="Rectangle 12">
+            <a:extLst>
+              <a:ext uri="{FF2B5EF4-FFF2-40B4-BE49-F238E27FC236}">
+                <a16:creationId xmlns:a16="http://schemas.microsoft.com/office/drawing/2014/main" id="{09C946AC-2072-4946-A2B8-39F09D0944EE}"/>
+              </a:ext>
+              <a:ext uri="{C183D7F6-B498-43B3-948B-1728B52AA6E4}">
+                <adec:decorative xmlns:adec="http://schemas.microsoft.com/office/drawing/2017/decorative" val="1"/>
+              </a:ext>
+            </a:extLst>
+          </p:cNvPr>
+          <p:cNvSpPr>
+            <a:spLocks noGrp="1" noRot="1" noChangeAspect="1" noMove="1" noResize="1" noEditPoints="1" noAdjustHandles="1" noChangeArrowheads="1" noChangeShapeType="1" noTextEdit="1"/>
+          </p:cNvSpPr>
+          <p:nvPr>
+            <p:extLst>
+              <p:ext uri="{386F3935-93C4-4BCD-93E2-E3B085C9AB24}">
+                <p16:designElem xmlns:p16="http://schemas.microsoft.com/office/powerpoint/2015/main" val="1"/>
+              </p:ext>
+            </p:extLst>
+          </p:nvPr>
+        </p:nvSpPr>
+        <p:spPr>
+          <a:xfrm>
+            <a:off x="0" y="0"/>
+            <a:ext cx="12188952" cy="6858000"/>
+          </a:xfrm>
+          <a:prstGeom prst="rect">
+            <a:avLst/>
+          </a:prstGeom>
+          <a:ln>
+            <a:noFill/>
+          </a:ln>
+        </p:spPr>
+        <p:style>
+          <a:lnRef idx="2">
+            <a:schemeClr val="accent1">
+              <a:shade val="50000"/>
+            </a:schemeClr>
+          </a:lnRef>
+          <a:fillRef idx="1003">
+            <a:schemeClr val="lt1"/>
+          </a:fillRef>
+          <a:effectRef idx="0">
+            <a:schemeClr val="accent1"/>
+          </a:effectRef>
+          <a:fontRef idx="minor">
+            <a:schemeClr val="lt1"/>
+          </a:fontRef>
+        </p:style>
+        <p:txBody>
+          <a:bodyPr rtlCol="0" anchor="ctr"/>
+          <a:lstStyle/>
+          <a:p>
+            <a:pPr algn="ctr"/>
+            <a:endParaRPr lang="en-US"/>
+          </a:p>
+        </p:txBody>
+      </p:sp>
+      <p:pic>
+        <p:nvPicPr>
+          <p:cNvPr id="15" name="Picture 14">
+            <a:extLst>
+              <a:ext uri="{FF2B5EF4-FFF2-40B4-BE49-F238E27FC236}">
+                <a16:creationId xmlns:a16="http://schemas.microsoft.com/office/drawing/2014/main" id="{A748C8C8-F348-4D00-852A-26DD9EBCC24C}"/>
+              </a:ext>
+              <a:ext uri="{C183D7F6-B498-43B3-948B-1728B52AA6E4}">
+                <adec:decorative xmlns:adec="http://schemas.microsoft.com/office/drawing/2017/decorative" val="1"/>
+              </a:ext>
+            </a:extLst>
+          </p:cNvPr>
+          <p:cNvPicPr>
+            <a:picLocks noGrp="1" noRot="1" noChangeAspect="1" noMove="1" noResize="1" noEditPoints="1" noAdjustHandles="1" noChangeArrowheads="1" noChangeShapeType="1" noCrop="1"/>
+          </p:cNvPicPr>
+          <p:nvPr>
+            <p:extLst>
+              <p:ext uri="{386F3935-93C4-4BCD-93E2-E3B085C9AB24}">
+                <p16:designElem xmlns:p16="http://schemas.microsoft.com/office/powerpoint/2015/main" val="1"/>
+              </p:ext>
+            </p:extLst>
+          </p:nvPr>
+        </p:nvPicPr>
+        <p:blipFill rotWithShape="1">
+          <a:blip r:embed="rId2">
+            <a:extLst>
+              <a:ext uri="{28A0092B-C50C-407E-A947-70E740481C1C}">
+                <a14:useLocalDpi xmlns:a14="http://schemas.microsoft.com/office/drawing/2010/main" val="0"/>
+              </a:ext>
+            </a:extLst>
+          </a:blip>
+          <a:srcRect r="50555"/>
+          <a:stretch/>
+        </p:blipFill>
+        <p:spPr>
+          <a:xfrm>
+            <a:off x="0" y="0"/>
+            <a:ext cx="6026763" cy="6856214"/>
+          </a:xfrm>
+          <a:prstGeom prst="rect">
+            <a:avLst/>
+          </a:prstGeom>
+        </p:spPr>
+      </p:pic>
+      <p:sp>
+        <p:nvSpPr>
+          <p:cNvPr id="5" name="Title 4">
+            <a:extLst>
+              <a:ext uri="{FF2B5EF4-FFF2-40B4-BE49-F238E27FC236}">
+                <a16:creationId xmlns:a16="http://schemas.microsoft.com/office/drawing/2014/main" id="{F658C86E-4204-9782-02DC-6BBD4E5ED57D}"/>
+              </a:ext>
+            </a:extLst>
+          </p:cNvPr>
+          <p:cNvSpPr>
+            <a:spLocks noGrp="1"/>
+          </p:cNvSpPr>
+          <p:nvPr>
+            <p:ph type="title"/>
+          </p:nvPr>
+        </p:nvSpPr>
+        <p:spPr>
+          <a:xfrm>
+            <a:off x="486876" y="2032000"/>
+            <a:ext cx="4763878" cy="2819398"/>
+          </a:xfrm>
+        </p:spPr>
+        <p:txBody>
+          <a:bodyPr vert="horz" lIns="91440" tIns="45720" rIns="91440" bIns="45720" rtlCol="0" anchor="b">
+            <a:normAutofit/>
+          </a:bodyPr>
+          <a:lstStyle/>
+          <a:p>
+            <a:r>
+              <a:rPr lang="en-US" sz="4800" dirty="0">
+                <a:solidFill>
+                  <a:srgbClr val="FFFFFF"/>
+                </a:solidFill>
+              </a:rPr>
+              <a:t>Processing </a:t>
+            </a:r>
+            <a:br>
+              <a:rPr lang="en-US" sz="4800" dirty="0">
+                <a:solidFill>
+                  <a:srgbClr val="FFFFFF"/>
+                </a:solidFill>
+              </a:rPr>
+            </a:br>
+            <a:r>
+              <a:rPr lang="zh-CN" altLang="en-US" sz="4800" dirty="0">
+                <a:solidFill>
+                  <a:srgbClr val="FFFFFF"/>
+                </a:solidFill>
+              </a:rPr>
+              <a:t>编程机制</a:t>
+            </a:r>
+            <a:endParaRPr lang="en-US" sz="4800" dirty="0">
+              <a:solidFill>
+                <a:srgbClr val="FFFFFF"/>
+              </a:solidFill>
+            </a:endParaRPr>
+          </a:p>
+        </p:txBody>
+      </p:sp>
+      <p:sp>
+        <p:nvSpPr>
+          <p:cNvPr id="6" name="Text Placeholder 5">
+            <a:extLst>
+              <a:ext uri="{FF2B5EF4-FFF2-40B4-BE49-F238E27FC236}">
+                <a16:creationId xmlns:a16="http://schemas.microsoft.com/office/drawing/2014/main" id="{0948C32B-C854-A931-D9ED-1A29A8A882CA}"/>
+              </a:ext>
+            </a:extLst>
+          </p:cNvPr>
+          <p:cNvSpPr>
+            <a:spLocks noGrp="1"/>
+          </p:cNvSpPr>
+          <p:nvPr>
+            <p:ph type="body" idx="1"/>
+          </p:nvPr>
+        </p:nvSpPr>
+        <p:spPr>
+          <a:xfrm>
+            <a:off x="29384" y="5805023"/>
+            <a:ext cx="6259035" cy="435206"/>
+          </a:xfrm>
+        </p:spPr>
+        <p:txBody>
+          <a:bodyPr vert="horz" lIns="91440" tIns="45720" rIns="91440" bIns="45720" rtlCol="0" anchor="t">
+            <a:normAutofit fontScale="92500" lnSpcReduction="20000"/>
+          </a:bodyPr>
+          <a:lstStyle/>
+          <a:p>
+            <a:pPr algn="r"/>
+            <a:r>
+              <a:rPr lang="en-US" sz="1800" b="1" dirty="0">
+                <a:hlinkClick r:id="rId3"/>
+              </a:rPr>
+              <a:t>https://github.com/yasenstar/Processing_Programming</a:t>
+            </a:r>
+            <a:endParaRPr lang="en-US" sz="1800" b="1" dirty="0">
+              <a:solidFill>
+                <a:srgbClr val="FFFFFF"/>
+              </a:solidFill>
+            </a:endParaRPr>
+          </a:p>
+          <a:p>
+            <a:pPr algn="r"/>
+            <a:endParaRPr lang="en-US" sz="1800" b="1" dirty="0"/>
+          </a:p>
+        </p:txBody>
+      </p:sp>
+      <p:sp useBgFill="1">
+        <p:nvSpPr>
+          <p:cNvPr id="17" name="Freeform 5">
+            <a:extLst>
+              <a:ext uri="{FF2B5EF4-FFF2-40B4-BE49-F238E27FC236}">
+                <a16:creationId xmlns:a16="http://schemas.microsoft.com/office/drawing/2014/main" id="{559FD8B5-8CC4-4CFE-BD2A-1216B1F2C3DB}"/>
+              </a:ext>
+              <a:ext uri="{C183D7F6-B498-43B3-948B-1728B52AA6E4}">
+                <adec:decorative xmlns:adec="http://schemas.microsoft.com/office/drawing/2017/decorative" val="1"/>
+              </a:ext>
+            </a:extLst>
+          </p:cNvPr>
+          <p:cNvSpPr>
+            <a:spLocks noGrp="1" noRot="1" noChangeAspect="1" noMove="1" noResize="1" noEditPoints="1" noAdjustHandles="1" noChangeArrowheads="1" noChangeShapeType="1" noTextEdit="1"/>
+          </p:cNvSpPr>
+          <p:nvPr>
+            <p:extLst>
+              <p:ext uri="{386F3935-93C4-4BCD-93E2-E3B085C9AB24}">
+                <p16:designElem xmlns:p16="http://schemas.microsoft.com/office/powerpoint/2015/main" val="1"/>
+              </p:ext>
+            </p:extLst>
+          </p:nvPr>
+        </p:nvSpPr>
+        <p:spPr bwMode="grayWhite">
+          <a:xfrm>
+            <a:off x="5827529" y="660400"/>
+            <a:ext cx="6381405" cy="6214533"/>
+          </a:xfrm>
+          <a:custGeom>
+            <a:avLst/>
+            <a:gdLst>
+              <a:gd name="T0" fmla="*/ 1333 w 1333"/>
+              <a:gd name="T1" fmla="*/ 1031 h 1298"/>
+              <a:gd name="T2" fmla="*/ 1333 w 1333"/>
+              <a:gd name="T3" fmla="*/ 380 h 1298"/>
+              <a:gd name="T4" fmla="*/ 706 w 1333"/>
+              <a:gd name="T5" fmla="*/ 0 h 1298"/>
+              <a:gd name="T6" fmla="*/ 0 w 1333"/>
+              <a:gd name="T7" fmla="*/ 706 h 1298"/>
+              <a:gd name="T8" fmla="*/ 323 w 1333"/>
+              <a:gd name="T9" fmla="*/ 1298 h 1298"/>
+              <a:gd name="T10" fmla="*/ 1090 w 1333"/>
+              <a:gd name="T11" fmla="*/ 1298 h 1298"/>
+              <a:gd name="T12" fmla="*/ 1333 w 1333"/>
+              <a:gd name="T13" fmla="*/ 1031 h 1298"/>
+            </a:gdLst>
+            <a:ahLst/>
+            <a:cxnLst>
+              <a:cxn ang="0">
+                <a:pos x="T0" y="T1"/>
+              </a:cxn>
+              <a:cxn ang="0">
+                <a:pos x="T2" y="T3"/>
+              </a:cxn>
+              <a:cxn ang="0">
+                <a:pos x="T4" y="T5"/>
+              </a:cxn>
+              <a:cxn ang="0">
+                <a:pos x="T6" y="T7"/>
+              </a:cxn>
+              <a:cxn ang="0">
+                <a:pos x="T8" y="T9"/>
+              </a:cxn>
+              <a:cxn ang="0">
+                <a:pos x="T10" y="T11"/>
+              </a:cxn>
+              <a:cxn ang="0">
+                <a:pos x="T12" y="T13"/>
+              </a:cxn>
+            </a:cxnLst>
+            <a:rect l="0" t="0" r="r" b="b"/>
+            <a:pathLst>
+              <a:path w="1333" h="1298">
+                <a:moveTo>
+                  <a:pt x="1333" y="1031"/>
+                </a:moveTo>
+                <a:cubicBezTo>
+                  <a:pt x="1333" y="380"/>
+                  <a:pt x="1333" y="380"/>
+                  <a:pt x="1333" y="380"/>
+                </a:cubicBezTo>
+                <a:cubicBezTo>
+                  <a:pt x="1215" y="154"/>
+                  <a:pt x="979" y="0"/>
+                  <a:pt x="706" y="0"/>
+                </a:cubicBezTo>
+                <a:cubicBezTo>
+                  <a:pt x="317" y="0"/>
+                  <a:pt x="0" y="316"/>
+                  <a:pt x="0" y="706"/>
+                </a:cubicBezTo>
+                <a:cubicBezTo>
+                  <a:pt x="0" y="954"/>
+                  <a:pt x="129" y="1172"/>
+                  <a:pt x="323" y="1298"/>
+                </a:cubicBezTo>
+                <a:cubicBezTo>
+                  <a:pt x="1090" y="1298"/>
+                  <a:pt x="1090" y="1298"/>
+                  <a:pt x="1090" y="1298"/>
+                </a:cubicBezTo>
+                <a:cubicBezTo>
+                  <a:pt x="1193" y="1232"/>
+                  <a:pt x="1276" y="1140"/>
+                  <a:pt x="1333" y="1031"/>
+                </a:cubicBezTo>
+                <a:close/>
+              </a:path>
+            </a:pathLst>
+          </a:custGeom>
+          <a:ln w="50800" cap="sq" cmpd="dbl">
+            <a:gradFill flip="none" rotWithShape="1">
+              <a:gsLst>
+                <a:gs pos="0">
+                  <a:srgbClr val="FFFFFF"/>
+                </a:gs>
+                <a:gs pos="100000">
+                  <a:schemeClr val="tx1">
+                    <a:alpha val="0"/>
+                  </a:schemeClr>
+                </a:gs>
+              </a:gsLst>
+              <a:path path="circle">
+                <a:fillToRect l="50000" t="50000" r="50000" b="50000"/>
+              </a:path>
+              <a:tileRect/>
+            </a:gradFill>
+            <a:miter lim="800000"/>
+          </a:ln>
+          <a:effectLst>
+            <a:outerShdw blurRad="254000" algn="tl" rotWithShape="0">
+              <a:srgbClr val="000000">
+                <a:alpha val="43000"/>
+              </a:srgbClr>
+            </a:outerShdw>
+          </a:effectLst>
+        </p:spPr>
+        <p:txBody>
+          <a:bodyPr vert="horz" lIns="91440" tIns="45720" rIns="91440" bIns="45720" rtlCol="0" anchor="t">
+            <a:normAutofit/>
+          </a:bodyPr>
+          <a:lstStyle/>
+          <a:p>
+            <a:pPr algn="ctr">
+              <a:spcAft>
+                <a:spcPts val="1000"/>
+              </a:spcAft>
+              <a:buClr>
+                <a:schemeClr val="tx1"/>
+              </a:buClr>
+              <a:buSzPct val="100000"/>
+              <a:buFont typeface="Arial"/>
+              <a:buNone/>
+            </a:pPr>
+            <a:endParaRPr lang="en-US" sz="1600" cap="all"/>
+          </a:p>
+        </p:txBody>
+      </p:sp>
+      <p:sp>
+        <p:nvSpPr>
+          <p:cNvPr id="19" name="Freeform 14">
+            <a:extLst>
+              <a:ext uri="{FF2B5EF4-FFF2-40B4-BE49-F238E27FC236}">
+                <a16:creationId xmlns:a16="http://schemas.microsoft.com/office/drawing/2014/main" id="{9ECF13F4-3D2A-4F2E-9BBD-3038670D21ED}"/>
+              </a:ext>
+              <a:ext uri="{C183D7F6-B498-43B3-948B-1728B52AA6E4}">
+                <adec:decorative xmlns:adec="http://schemas.microsoft.com/office/drawing/2017/decorative" val="1"/>
+              </a:ext>
+            </a:extLst>
+          </p:cNvPr>
+          <p:cNvSpPr>
+            <a:spLocks noGrp="1" noRot="1" noChangeAspect="1" noMove="1" noResize="1" noEditPoints="1" noAdjustHandles="1" noChangeArrowheads="1" noChangeShapeType="1" noTextEdit="1"/>
+          </p:cNvSpPr>
+          <p:nvPr>
+            <p:extLst>
+              <p:ext uri="{386F3935-93C4-4BCD-93E2-E3B085C9AB24}">
+                <p16:designElem xmlns:p16="http://schemas.microsoft.com/office/powerpoint/2015/main" val="1"/>
+              </p:ext>
+            </p:extLst>
+          </p:nvPr>
+        </p:nvSpPr>
+        <p:spPr>
+          <a:xfrm>
+            <a:off x="5281603" y="104899"/>
+            <a:ext cx="6896713" cy="6005491"/>
+          </a:xfrm>
+          <a:custGeom>
+            <a:avLst/>
+            <a:gdLst>
+              <a:gd name="connsiteX0" fmla="*/ 3912717 w 6896713"/>
+              <a:gd name="connsiteY0" fmla="*/ 0 h 6005491"/>
+              <a:gd name="connsiteX1" fmla="*/ 6679426 w 6896713"/>
+              <a:gd name="connsiteY1" fmla="*/ 1146008 h 6005491"/>
+              <a:gd name="connsiteX2" fmla="*/ 6896713 w 6896713"/>
+              <a:gd name="connsiteY2" fmla="*/ 1385085 h 6005491"/>
+              <a:gd name="connsiteX3" fmla="*/ 6896713 w 6896713"/>
+              <a:gd name="connsiteY3" fmla="*/ 1431256 h 6005491"/>
+              <a:gd name="connsiteX4" fmla="*/ 6657442 w 6896713"/>
+              <a:gd name="connsiteY4" fmla="*/ 1167992 h 6005491"/>
+              <a:gd name="connsiteX5" fmla="*/ 3912717 w 6896713"/>
+              <a:gd name="connsiteY5" fmla="*/ 31089 h 6005491"/>
+              <a:gd name="connsiteX6" fmla="*/ 31089 w 6896713"/>
+              <a:gd name="connsiteY6" fmla="*/ 3912717 h 6005491"/>
+              <a:gd name="connsiteX7" fmla="*/ 593046 w 6896713"/>
+              <a:gd name="connsiteY7" fmla="*/ 5925483 h 6005491"/>
+              <a:gd name="connsiteX8" fmla="*/ 633874 w 6896713"/>
+              <a:gd name="connsiteY8" fmla="*/ 5989169 h 6005491"/>
+              <a:gd name="connsiteX9" fmla="*/ 607415 w 6896713"/>
+              <a:gd name="connsiteY9" fmla="*/ 6005491 h 6005491"/>
+              <a:gd name="connsiteX10" fmla="*/ 566458 w 6896713"/>
+              <a:gd name="connsiteY10" fmla="*/ 5941603 h 6005491"/>
+              <a:gd name="connsiteX11" fmla="*/ 0 w 6896713"/>
+              <a:gd name="connsiteY11" fmla="*/ 3912717 h 6005491"/>
+              <a:gd name="connsiteX12" fmla="*/ 3912717 w 6896713"/>
+              <a:gd name="connsiteY12" fmla="*/ 0 h 6005491"/>
+            </a:gdLst>
+            <a:ahLst/>
+            <a:cxnLst>
+              <a:cxn ang="0">
+                <a:pos x="connsiteX0" y="connsiteY0"/>
+              </a:cxn>
+              <a:cxn ang="0">
+                <a:pos x="connsiteX1" y="connsiteY1"/>
+              </a:cxn>
+              <a:cxn ang="0">
+                <a:pos x="connsiteX2" y="connsiteY2"/>
+              </a:cxn>
+              <a:cxn ang="0">
+                <a:pos x="connsiteX3" y="connsiteY3"/>
+              </a:cxn>
+              <a:cxn ang="0">
+                <a:pos x="connsiteX4" y="connsiteY4"/>
+              </a:cxn>
+              <a:cxn ang="0">
+                <a:pos x="connsiteX5" y="connsiteY5"/>
+              </a:cxn>
+              <a:cxn ang="0">
+                <a:pos x="connsiteX6" y="connsiteY6"/>
+              </a:cxn>
+              <a:cxn ang="0">
+                <a:pos x="connsiteX7" y="connsiteY7"/>
+              </a:cxn>
+              <a:cxn ang="0">
+                <a:pos x="connsiteX8" y="connsiteY8"/>
+              </a:cxn>
+              <a:cxn ang="0">
+                <a:pos x="connsiteX9" y="connsiteY9"/>
+              </a:cxn>
+              <a:cxn ang="0">
+                <a:pos x="connsiteX10" y="connsiteY10"/>
+              </a:cxn>
+              <a:cxn ang="0">
+                <a:pos x="connsiteX11" y="connsiteY11"/>
+              </a:cxn>
+              <a:cxn ang="0">
+                <a:pos x="connsiteX12" y="connsiteY12"/>
+              </a:cxn>
+            </a:cxnLst>
+            <a:rect l="l" t="t" r="r" b="b"/>
+            <a:pathLst>
+              <a:path w="6896713" h="6005491">
+                <a:moveTo>
+                  <a:pt x="3912717" y="0"/>
+                </a:moveTo>
+                <a:cubicBezTo>
+                  <a:pt x="4993184" y="0"/>
+                  <a:pt x="5971363" y="437946"/>
+                  <a:pt x="6679426" y="1146008"/>
+                </a:cubicBezTo>
+                <a:lnTo>
+                  <a:pt x="6896713" y="1385085"/>
+                </a:lnTo>
+                <a:lnTo>
+                  <a:pt x="6896713" y="1431256"/>
+                </a:lnTo>
+                <a:lnTo>
+                  <a:pt x="6657442" y="1167992"/>
+                </a:lnTo>
+                <a:cubicBezTo>
+                  <a:pt x="5955006" y="465555"/>
+                  <a:pt x="4984599" y="31089"/>
+                  <a:pt x="3912717" y="31089"/>
+                </a:cubicBezTo>
+                <a:cubicBezTo>
+                  <a:pt x="1768953" y="31089"/>
+                  <a:pt x="31089" y="1768953"/>
+                  <a:pt x="31089" y="3912717"/>
+                </a:cubicBezTo>
+                <a:cubicBezTo>
+                  <a:pt x="31089" y="4649636"/>
+                  <a:pt x="236442" y="5338592"/>
+                  <a:pt x="593046" y="5925483"/>
+                </a:cubicBezTo>
+                <a:lnTo>
+                  <a:pt x="633874" y="5989169"/>
+                </a:lnTo>
+                <a:lnTo>
+                  <a:pt x="607415" y="6005491"/>
+                </a:lnTo>
+                <a:lnTo>
+                  <a:pt x="566458" y="5941603"/>
+                </a:lnTo>
+                <a:cubicBezTo>
+                  <a:pt x="206998" y="5350013"/>
+                  <a:pt x="0" y="4655538"/>
+                  <a:pt x="0" y="3912717"/>
+                </a:cubicBezTo>
+                <a:cubicBezTo>
+                  <a:pt x="0" y="1751783"/>
+                  <a:pt x="1751783" y="0"/>
+                  <a:pt x="3912717" y="0"/>
+                </a:cubicBezTo>
+                <a:close/>
+              </a:path>
+            </a:pathLst>
+          </a:custGeom>
+          <a:solidFill>
+            <a:srgbClr val="FFFFFF">
+              <a:alpha val="41961"/>
+            </a:srgbClr>
+          </a:solidFill>
+          <a:ln>
+            <a:noFill/>
+          </a:ln>
+        </p:spPr>
+        <p:style>
+          <a:lnRef idx="2">
+            <a:schemeClr val="accent1">
+              <a:shade val="50000"/>
+            </a:schemeClr>
+          </a:lnRef>
+          <a:fillRef idx="1">
+            <a:schemeClr val="accent1"/>
+          </a:fillRef>
+          <a:effectRef idx="0">
+            <a:schemeClr val="accent1"/>
+          </a:effectRef>
+          <a:fontRef idx="minor">
+            <a:schemeClr val="lt1"/>
+          </a:fontRef>
+        </p:style>
+        <p:txBody>
+          <a:bodyPr rtlCol="0" anchor="ctr"/>
+          <a:lstStyle/>
+          <a:p>
+            <a:pPr algn="ctr"/>
+            <a:endParaRPr lang="en-US"/>
+          </a:p>
+        </p:txBody>
+      </p:sp>
+      <p:grpSp>
+        <p:nvGrpSpPr>
+          <p:cNvPr id="21" name="Group 20">
+            <a:extLst>
+              <a:ext uri="{FF2B5EF4-FFF2-40B4-BE49-F238E27FC236}">
+                <a16:creationId xmlns:a16="http://schemas.microsoft.com/office/drawing/2014/main" id="{19660E16-DCC0-4B6C-8E84-4C292580059F}"/>
+              </a:ext>
+              <a:ext uri="{C183D7F6-B498-43B3-948B-1728B52AA6E4}">
+                <adec:decorative xmlns:adec="http://schemas.microsoft.com/office/drawing/2017/decorative" val="1"/>
+              </a:ext>
+            </a:extLst>
+          </p:cNvPr>
+          <p:cNvGrpSpPr>
+            <a:grpSpLocks noGrp="1" noUngrp="1" noRot="1" noChangeAspect="1" noMove="1" noResize="1"/>
+          </p:cNvGrpSpPr>
+          <p:nvPr>
+            <p:extLst>
+              <p:ext uri="{386F3935-93C4-4BCD-93E2-E3B085C9AB24}">
+                <p16:designElem xmlns:p16="http://schemas.microsoft.com/office/powerpoint/2015/main" val="1"/>
+              </p:ext>
+            </p:extLst>
+          </p:nvPr>
+        </p:nvGrpSpPr>
+        <p:grpSpPr>
+          <a:xfrm>
+            <a:off x="5516018" y="331504"/>
+            <a:ext cx="6675982" cy="5235326"/>
+            <a:chOff x="5516018" y="331504"/>
+            <a:chExt cx="6675982" cy="5235326"/>
+          </a:xfrm>
+        </p:grpSpPr>
+        <p:cxnSp>
+          <p:nvCxnSpPr>
+            <p:cNvPr id="22" name="Straight Connector 21">
+              <a:extLst>
+                <a:ext uri="{FF2B5EF4-FFF2-40B4-BE49-F238E27FC236}">
+                  <a16:creationId xmlns:a16="http://schemas.microsoft.com/office/drawing/2014/main" id="{29130F79-611E-4458-B53E-36A2572171A9}"/>
+                </a:ext>
+                <a:ext uri="{C183D7F6-B498-43B3-948B-1728B52AA6E4}">
+                  <adec:decorative xmlns:adec="http://schemas.microsoft.com/office/drawing/2017/decorative" val="1"/>
+                </a:ext>
+              </a:extLst>
+            </p:cNvPr>
+            <p:cNvCxnSpPr/>
+            <p:nvPr>
+              <p:extLst>
+                <p:ext uri="{386F3935-93C4-4BCD-93E2-E3B085C9AB24}">
+                  <p16:designElem xmlns:p16="http://schemas.microsoft.com/office/powerpoint/2015/main" val="1"/>
+                </p:ext>
+              </p:extLst>
+            </p:nvPr>
+          </p:nvCxnSpPr>
+          <p:spPr>
+            <a:xfrm flipH="1">
+              <a:off x="9266830" y="331504"/>
+              <a:ext cx="3394" cy="182880"/>
+            </a:xfrm>
+            <a:prstGeom prst="line">
+              <a:avLst/>
+            </a:prstGeom>
+            <a:ln>
+              <a:solidFill>
+                <a:srgbClr val="FFFFFF">
+                  <a:alpha val="30196"/>
+                </a:srgbClr>
+              </a:solidFill>
+            </a:ln>
+          </p:spPr>
+          <p:style>
+            <a:lnRef idx="1">
+              <a:schemeClr val="accent1"/>
+            </a:lnRef>
+            <a:fillRef idx="0">
+              <a:schemeClr val="accent1"/>
+            </a:fillRef>
+            <a:effectRef idx="0">
+              <a:schemeClr val="accent1"/>
+            </a:effectRef>
+            <a:fontRef idx="minor">
+              <a:schemeClr val="tx1"/>
+            </a:fontRef>
+          </p:style>
+        </p:cxnSp>
+        <p:cxnSp>
+          <p:nvCxnSpPr>
+            <p:cNvPr id="23" name="Straight Connector 22">
+              <a:extLst>
+                <a:ext uri="{FF2B5EF4-FFF2-40B4-BE49-F238E27FC236}">
+                  <a16:creationId xmlns:a16="http://schemas.microsoft.com/office/drawing/2014/main" id="{2EA78691-46E9-469A-921B-9D16933EE19E}"/>
+                </a:ext>
+                <a:ext uri="{C183D7F6-B498-43B3-948B-1728B52AA6E4}">
+                  <adec:decorative xmlns:adec="http://schemas.microsoft.com/office/drawing/2017/decorative" val="1"/>
+                </a:ext>
+              </a:extLst>
+            </p:cNvPr>
+            <p:cNvCxnSpPr/>
+            <p:nvPr>
+              <p:extLst>
+                <p:ext uri="{386F3935-93C4-4BCD-93E2-E3B085C9AB24}">
+                  <p16:designElem xmlns:p16="http://schemas.microsoft.com/office/powerpoint/2015/main" val="1"/>
+                </p:ext>
+              </p:extLst>
+            </p:nvPr>
+          </p:nvCxnSpPr>
+          <p:spPr>
+            <a:xfrm rot="120000" flipH="1">
+              <a:off x="9408861" y="338328"/>
+              <a:ext cx="3394" cy="182880"/>
+            </a:xfrm>
+            <a:prstGeom prst="line">
+              <a:avLst/>
+            </a:prstGeom>
+            <a:ln>
+              <a:solidFill>
+                <a:srgbClr val="FFFFFF">
+                  <a:alpha val="30196"/>
+                </a:srgbClr>
+              </a:solidFill>
+            </a:ln>
+          </p:spPr>
+          <p:style>
+            <a:lnRef idx="1">
+              <a:schemeClr val="accent1"/>
+            </a:lnRef>
+            <a:fillRef idx="0">
+              <a:schemeClr val="accent1"/>
+            </a:fillRef>
+            <a:effectRef idx="0">
+              <a:schemeClr val="accent1"/>
+            </a:effectRef>
+            <a:fontRef idx="minor">
+              <a:schemeClr val="tx1"/>
+            </a:fontRef>
+          </p:style>
+        </p:cxnSp>
+        <p:cxnSp>
+          <p:nvCxnSpPr>
+            <p:cNvPr id="24" name="Straight Connector 23">
+              <a:extLst>
+                <a:ext uri="{FF2B5EF4-FFF2-40B4-BE49-F238E27FC236}">
+                  <a16:creationId xmlns:a16="http://schemas.microsoft.com/office/drawing/2014/main" id="{CA4AA196-3090-4283-ADF0-893F81085861}"/>
+                </a:ext>
+                <a:ext uri="{C183D7F6-B498-43B3-948B-1728B52AA6E4}">
+                  <adec:decorative xmlns:adec="http://schemas.microsoft.com/office/drawing/2017/decorative" val="1"/>
+                </a:ext>
+              </a:extLst>
+            </p:cNvPr>
+            <p:cNvCxnSpPr/>
+            <p:nvPr>
+              <p:extLst>
+                <p:ext uri="{386F3935-93C4-4BCD-93E2-E3B085C9AB24}">
+                  <p16:designElem xmlns:p16="http://schemas.microsoft.com/office/powerpoint/2015/main" val="1"/>
+                </p:ext>
+              </p:extLst>
+            </p:nvPr>
+          </p:nvCxnSpPr>
+          <p:spPr>
+            <a:xfrm rot="240000" flipH="1">
+              <a:off x="9551700" y="347636"/>
+              <a:ext cx="3394" cy="182880"/>
+            </a:xfrm>
+            <a:prstGeom prst="line">
+              <a:avLst/>
+            </a:prstGeom>
+            <a:ln>
+              <a:solidFill>
+                <a:srgbClr val="FFFFFF">
+                  <a:alpha val="30196"/>
+                </a:srgbClr>
+              </a:solidFill>
+            </a:ln>
+          </p:spPr>
+          <p:style>
+            <a:lnRef idx="1">
+              <a:schemeClr val="accent1"/>
+            </a:lnRef>
+            <a:fillRef idx="0">
+              <a:schemeClr val="accent1"/>
+            </a:fillRef>
+            <a:effectRef idx="0">
+              <a:schemeClr val="accent1"/>
+            </a:effectRef>
+            <a:fontRef idx="minor">
+              <a:schemeClr val="tx1"/>
+            </a:fontRef>
+          </p:style>
+        </p:cxnSp>
+        <p:cxnSp>
+          <p:nvCxnSpPr>
+            <p:cNvPr id="25" name="Straight Connector 24">
+              <a:extLst>
+                <a:ext uri="{FF2B5EF4-FFF2-40B4-BE49-F238E27FC236}">
+                  <a16:creationId xmlns:a16="http://schemas.microsoft.com/office/drawing/2014/main" id="{1FD33794-9D71-4B08-AE11-8B589EFBA250}"/>
+                </a:ext>
+                <a:ext uri="{C183D7F6-B498-43B3-948B-1728B52AA6E4}">
+                  <adec:decorative xmlns:adec="http://schemas.microsoft.com/office/drawing/2017/decorative" val="1"/>
+                </a:ext>
+              </a:extLst>
+            </p:cNvPr>
+            <p:cNvCxnSpPr/>
+            <p:nvPr>
+              <p:extLst>
+                <p:ext uri="{386F3935-93C4-4BCD-93E2-E3B085C9AB24}">
+                  <p16:designElem xmlns:p16="http://schemas.microsoft.com/office/powerpoint/2015/main" val="1"/>
+                </p:ext>
+              </p:extLst>
+            </p:nvPr>
+          </p:nvCxnSpPr>
+          <p:spPr>
+            <a:xfrm rot="360000" flipH="1">
+              <a:off x="9688748" y="368088"/>
+              <a:ext cx="3394" cy="182880"/>
+            </a:xfrm>
+            <a:prstGeom prst="line">
+              <a:avLst/>
+            </a:prstGeom>
+            <a:ln>
+              <a:solidFill>
+                <a:srgbClr val="FFFFFF">
+                  <a:alpha val="30196"/>
+                </a:srgbClr>
+              </a:solidFill>
+            </a:ln>
+          </p:spPr>
+          <p:style>
+            <a:lnRef idx="1">
+              <a:schemeClr val="accent1"/>
+            </a:lnRef>
+            <a:fillRef idx="0">
+              <a:schemeClr val="accent1"/>
+            </a:fillRef>
+            <a:effectRef idx="0">
+              <a:schemeClr val="accent1"/>
+            </a:effectRef>
+            <a:fontRef idx="minor">
+              <a:schemeClr val="tx1"/>
+            </a:fontRef>
+          </p:style>
+        </p:cxnSp>
+        <p:cxnSp>
+          <p:nvCxnSpPr>
+            <p:cNvPr id="26" name="Straight Connector 25">
+              <a:extLst>
+                <a:ext uri="{FF2B5EF4-FFF2-40B4-BE49-F238E27FC236}">
+                  <a16:creationId xmlns:a16="http://schemas.microsoft.com/office/drawing/2014/main" id="{38AFBF0E-867E-4181-93DF-9A13F334B016}"/>
+                </a:ext>
+                <a:ext uri="{C183D7F6-B498-43B3-948B-1728B52AA6E4}">
+                  <adec:decorative xmlns:adec="http://schemas.microsoft.com/office/drawing/2017/decorative" val="1"/>
+                </a:ext>
+              </a:extLst>
+            </p:cNvPr>
+            <p:cNvCxnSpPr/>
+            <p:nvPr>
+              <p:extLst>
+                <p:ext uri="{386F3935-93C4-4BCD-93E2-E3B085C9AB24}">
+                  <p16:designElem xmlns:p16="http://schemas.microsoft.com/office/powerpoint/2015/main" val="1"/>
+                </p:ext>
+              </p:extLst>
+            </p:nvPr>
+          </p:nvCxnSpPr>
+          <p:spPr>
+            <a:xfrm rot="540000" flipH="1">
+              <a:off x="9824866" y="389224"/>
+              <a:ext cx="3394" cy="182880"/>
+            </a:xfrm>
+            <a:prstGeom prst="line">
+              <a:avLst/>
+            </a:prstGeom>
+            <a:ln>
+              <a:solidFill>
+                <a:srgbClr val="FFFFFF">
+                  <a:alpha val="30196"/>
+                </a:srgbClr>
+              </a:solidFill>
+            </a:ln>
+          </p:spPr>
+          <p:style>
+            <a:lnRef idx="1">
+              <a:schemeClr val="accent1"/>
+            </a:lnRef>
+            <a:fillRef idx="0">
+              <a:schemeClr val="accent1"/>
+            </a:fillRef>
+            <a:effectRef idx="0">
+              <a:schemeClr val="accent1"/>
+            </a:effectRef>
+            <a:fontRef idx="minor">
+              <a:schemeClr val="tx1"/>
+            </a:fontRef>
+          </p:style>
+        </p:cxnSp>
+        <p:cxnSp>
+          <p:nvCxnSpPr>
+            <p:cNvPr id="27" name="Straight Connector 26">
+              <a:extLst>
+                <a:ext uri="{FF2B5EF4-FFF2-40B4-BE49-F238E27FC236}">
+                  <a16:creationId xmlns:a16="http://schemas.microsoft.com/office/drawing/2014/main" id="{C7EA8258-0459-4037-BABC-B1A0A5D7055C}"/>
+                </a:ext>
+                <a:ext uri="{C183D7F6-B498-43B3-948B-1728B52AA6E4}">
+                  <adec:decorative xmlns:adec="http://schemas.microsoft.com/office/drawing/2017/decorative" val="1"/>
+                </a:ext>
+              </a:extLst>
+            </p:cNvPr>
+            <p:cNvCxnSpPr/>
+            <p:nvPr>
+              <p:extLst>
+                <p:ext uri="{386F3935-93C4-4BCD-93E2-E3B085C9AB24}">
+                  <p16:designElem xmlns:p16="http://schemas.microsoft.com/office/powerpoint/2015/main" val="1"/>
+                </p:ext>
+              </p:extLst>
+            </p:nvPr>
+          </p:nvCxnSpPr>
+          <p:spPr>
+            <a:xfrm rot="660000" flipH="1">
+              <a:off x="9966867" y="417549"/>
+              <a:ext cx="3394" cy="182880"/>
+            </a:xfrm>
+            <a:prstGeom prst="line">
+              <a:avLst/>
+            </a:prstGeom>
+            <a:ln>
+              <a:solidFill>
+                <a:srgbClr val="FFFFFF">
+                  <a:alpha val="30196"/>
+                </a:srgbClr>
+              </a:solidFill>
+            </a:ln>
+          </p:spPr>
+          <p:style>
+            <a:lnRef idx="1">
+              <a:schemeClr val="accent1"/>
+            </a:lnRef>
+            <a:fillRef idx="0">
+              <a:schemeClr val="accent1"/>
+            </a:fillRef>
+            <a:effectRef idx="0">
+              <a:schemeClr val="accent1"/>
+            </a:effectRef>
+            <a:fontRef idx="minor">
+              <a:schemeClr val="tx1"/>
+            </a:fontRef>
+          </p:style>
+        </p:cxnSp>
+        <p:cxnSp>
+          <p:nvCxnSpPr>
+            <p:cNvPr id="28" name="Straight Connector 27">
+              <a:extLst>
+                <a:ext uri="{FF2B5EF4-FFF2-40B4-BE49-F238E27FC236}">
+                  <a16:creationId xmlns:a16="http://schemas.microsoft.com/office/drawing/2014/main" id="{E8BB355F-363A-4046-90AF-3DDB7AA18459}"/>
+                </a:ext>
+                <a:ext uri="{C183D7F6-B498-43B3-948B-1728B52AA6E4}">
+                  <adec:decorative xmlns:adec="http://schemas.microsoft.com/office/drawing/2017/decorative" val="1"/>
+                </a:ext>
+              </a:extLst>
+            </p:cNvPr>
+            <p:cNvCxnSpPr/>
+            <p:nvPr>
+              <p:extLst>
+                <p:ext uri="{386F3935-93C4-4BCD-93E2-E3B085C9AB24}">
+                  <p16:designElem xmlns:p16="http://schemas.microsoft.com/office/powerpoint/2015/main" val="1"/>
+                </p:ext>
+              </p:extLst>
+            </p:nvPr>
+          </p:nvCxnSpPr>
+          <p:spPr>
+            <a:xfrm rot="780000" flipH="1">
+              <a:off x="10104425" y="445874"/>
+              <a:ext cx="3394" cy="182880"/>
+            </a:xfrm>
+            <a:prstGeom prst="line">
+              <a:avLst/>
+            </a:prstGeom>
+            <a:ln>
+              <a:solidFill>
+                <a:srgbClr val="FFFFFF">
+                  <a:alpha val="30196"/>
+                </a:srgbClr>
+              </a:solidFill>
+            </a:ln>
+          </p:spPr>
+          <p:style>
+            <a:lnRef idx="1">
+              <a:schemeClr val="accent1"/>
+            </a:lnRef>
+            <a:fillRef idx="0">
+              <a:schemeClr val="accent1"/>
+            </a:fillRef>
+            <a:effectRef idx="0">
+              <a:schemeClr val="accent1"/>
+            </a:effectRef>
+            <a:fontRef idx="minor">
+              <a:schemeClr val="tx1"/>
+            </a:fontRef>
+          </p:style>
+        </p:cxnSp>
+        <p:cxnSp>
+          <p:nvCxnSpPr>
+            <p:cNvPr id="29" name="Straight Connector 28">
+              <a:extLst>
+                <a:ext uri="{FF2B5EF4-FFF2-40B4-BE49-F238E27FC236}">
+                  <a16:creationId xmlns:a16="http://schemas.microsoft.com/office/drawing/2014/main" id="{A9334308-B9EC-41CF-8B6C-23FB134BA582}"/>
+                </a:ext>
+                <a:ext uri="{C183D7F6-B498-43B3-948B-1728B52AA6E4}">
+                  <adec:decorative xmlns:adec="http://schemas.microsoft.com/office/drawing/2017/decorative" val="1"/>
+                </a:ext>
+              </a:extLst>
+            </p:cNvPr>
+            <p:cNvCxnSpPr/>
+            <p:nvPr>
+              <p:extLst>
+                <p:ext uri="{386F3935-93C4-4BCD-93E2-E3B085C9AB24}">
+                  <p16:designElem xmlns:p16="http://schemas.microsoft.com/office/powerpoint/2015/main" val="1"/>
+                </p:ext>
+              </p:extLst>
+            </p:nvPr>
+          </p:nvCxnSpPr>
+          <p:spPr>
+            <a:xfrm rot="900000" flipH="1">
+              <a:off x="10240513" y="479483"/>
+              <a:ext cx="3394" cy="182880"/>
+            </a:xfrm>
+            <a:prstGeom prst="line">
+              <a:avLst/>
+            </a:prstGeom>
+            <a:ln>
+              <a:solidFill>
+                <a:srgbClr val="FFFFFF">
+                  <a:alpha val="30196"/>
+                </a:srgbClr>
+              </a:solidFill>
+            </a:ln>
+          </p:spPr>
+          <p:style>
+            <a:lnRef idx="1">
+              <a:schemeClr val="accent1"/>
+            </a:lnRef>
+            <a:fillRef idx="0">
+              <a:schemeClr val="accent1"/>
+            </a:fillRef>
+            <a:effectRef idx="0">
+              <a:schemeClr val="accent1"/>
+            </a:effectRef>
+            <a:fontRef idx="minor">
+              <a:schemeClr val="tx1"/>
+            </a:fontRef>
+          </p:style>
+        </p:cxnSp>
+        <p:cxnSp>
+          <p:nvCxnSpPr>
+            <p:cNvPr id="30" name="Straight Connector 29">
+              <a:extLst>
+                <a:ext uri="{FF2B5EF4-FFF2-40B4-BE49-F238E27FC236}">
+                  <a16:creationId xmlns:a16="http://schemas.microsoft.com/office/drawing/2014/main" id="{30781133-0656-4918-BE6A-703C148ED9DD}"/>
+                </a:ext>
+                <a:ext uri="{C183D7F6-B498-43B3-948B-1728B52AA6E4}">
+                  <adec:decorative xmlns:adec="http://schemas.microsoft.com/office/drawing/2017/decorative" val="1"/>
+                </a:ext>
+              </a:extLst>
+            </p:cNvPr>
+            <p:cNvCxnSpPr/>
+            <p:nvPr>
+              <p:extLst>
+                <p:ext uri="{386F3935-93C4-4BCD-93E2-E3B085C9AB24}">
+                  <p16:designElem xmlns:p16="http://schemas.microsoft.com/office/powerpoint/2015/main" val="1"/>
+                </p:ext>
+              </p:extLst>
+            </p:nvPr>
+          </p:nvCxnSpPr>
+          <p:spPr>
+            <a:xfrm rot="1080000" flipH="1">
+              <a:off x="10373882" y="524355"/>
+              <a:ext cx="3394" cy="182880"/>
+            </a:xfrm>
+            <a:prstGeom prst="line">
+              <a:avLst/>
+            </a:prstGeom>
+            <a:ln>
+              <a:solidFill>
+                <a:srgbClr val="FFFFFF">
+                  <a:alpha val="30196"/>
+                </a:srgbClr>
+              </a:solidFill>
+            </a:ln>
+          </p:spPr>
+          <p:style>
+            <a:lnRef idx="1">
+              <a:schemeClr val="accent1"/>
+            </a:lnRef>
+            <a:fillRef idx="0">
+              <a:schemeClr val="accent1"/>
+            </a:fillRef>
+            <a:effectRef idx="0">
+              <a:schemeClr val="accent1"/>
+            </a:effectRef>
+            <a:fontRef idx="minor">
+              <a:schemeClr val="tx1"/>
+            </a:fontRef>
+          </p:style>
+        </p:cxnSp>
+        <p:cxnSp>
+          <p:nvCxnSpPr>
+            <p:cNvPr id="31" name="Straight Connector 30">
+              <a:extLst>
+                <a:ext uri="{FF2B5EF4-FFF2-40B4-BE49-F238E27FC236}">
+                  <a16:creationId xmlns:a16="http://schemas.microsoft.com/office/drawing/2014/main" id="{6B4F93AD-8044-447B-8CAC-8A0697160346}"/>
+                </a:ext>
+                <a:ext uri="{C183D7F6-B498-43B3-948B-1728B52AA6E4}">
+                  <adec:decorative xmlns:adec="http://schemas.microsoft.com/office/drawing/2017/decorative" val="1"/>
+                </a:ext>
+              </a:extLst>
+            </p:cNvPr>
+            <p:cNvCxnSpPr/>
+            <p:nvPr>
+              <p:extLst>
+                <p:ext uri="{386F3935-93C4-4BCD-93E2-E3B085C9AB24}">
+                  <p16:designElem xmlns:p16="http://schemas.microsoft.com/office/powerpoint/2015/main" val="1"/>
+                </p:ext>
+              </p:extLst>
+            </p:nvPr>
+          </p:nvCxnSpPr>
+          <p:spPr>
+            <a:xfrm rot="1200000" flipH="1">
+              <a:off x="10505632" y="570628"/>
+              <a:ext cx="3394" cy="182880"/>
+            </a:xfrm>
+            <a:prstGeom prst="line">
+              <a:avLst/>
+            </a:prstGeom>
+            <a:ln>
+              <a:solidFill>
+                <a:srgbClr val="FFFFFF">
+                  <a:alpha val="30196"/>
+                </a:srgbClr>
+              </a:solidFill>
+            </a:ln>
+          </p:spPr>
+          <p:style>
+            <a:lnRef idx="1">
+              <a:schemeClr val="accent1"/>
+            </a:lnRef>
+            <a:fillRef idx="0">
+              <a:schemeClr val="accent1"/>
+            </a:fillRef>
+            <a:effectRef idx="0">
+              <a:schemeClr val="accent1"/>
+            </a:effectRef>
+            <a:fontRef idx="minor">
+              <a:schemeClr val="tx1"/>
+            </a:fontRef>
+          </p:style>
+        </p:cxnSp>
+        <p:cxnSp>
+          <p:nvCxnSpPr>
+            <p:cNvPr id="32" name="Straight Connector 31">
+              <a:extLst>
+                <a:ext uri="{FF2B5EF4-FFF2-40B4-BE49-F238E27FC236}">
+                  <a16:creationId xmlns:a16="http://schemas.microsoft.com/office/drawing/2014/main" id="{EAA78689-5B7A-4420-A3DC-0EA081583534}"/>
+                </a:ext>
+                <a:ext uri="{C183D7F6-B498-43B3-948B-1728B52AA6E4}">
+                  <adec:decorative xmlns:adec="http://schemas.microsoft.com/office/drawing/2017/decorative" val="1"/>
+                </a:ext>
+              </a:extLst>
+            </p:cNvPr>
+            <p:cNvCxnSpPr/>
+            <p:nvPr>
+              <p:extLst>
+                <p:ext uri="{386F3935-93C4-4BCD-93E2-E3B085C9AB24}">
+                  <p16:designElem xmlns:p16="http://schemas.microsoft.com/office/powerpoint/2015/main" val="1"/>
+                </p:ext>
+              </p:extLst>
+            </p:nvPr>
+          </p:nvCxnSpPr>
+          <p:spPr>
+            <a:xfrm rot="1320000" flipH="1">
+              <a:off x="10637382" y="621344"/>
+              <a:ext cx="3394" cy="182880"/>
+            </a:xfrm>
+            <a:prstGeom prst="line">
+              <a:avLst/>
+            </a:prstGeom>
+            <a:ln>
+              <a:solidFill>
+                <a:srgbClr val="FFFFFF">
+                  <a:alpha val="30196"/>
+                </a:srgbClr>
+              </a:solidFill>
+            </a:ln>
+          </p:spPr>
+          <p:style>
+            <a:lnRef idx="1">
+              <a:schemeClr val="accent1"/>
+            </a:lnRef>
+            <a:fillRef idx="0">
+              <a:schemeClr val="accent1"/>
+            </a:fillRef>
+            <a:effectRef idx="0">
+              <a:schemeClr val="accent1"/>
+            </a:effectRef>
+            <a:fontRef idx="minor">
+              <a:schemeClr val="tx1"/>
+            </a:fontRef>
+          </p:style>
+        </p:cxnSp>
+        <p:cxnSp>
+          <p:nvCxnSpPr>
+            <p:cNvPr id="33" name="Straight Connector 32">
+              <a:extLst>
+                <a:ext uri="{FF2B5EF4-FFF2-40B4-BE49-F238E27FC236}">
+                  <a16:creationId xmlns:a16="http://schemas.microsoft.com/office/drawing/2014/main" id="{F09CC934-4D78-4334-8B7F-4D0C13D6C91B}"/>
+                </a:ext>
+                <a:ext uri="{C183D7F6-B498-43B3-948B-1728B52AA6E4}">
+                  <adec:decorative xmlns:adec="http://schemas.microsoft.com/office/drawing/2017/decorative" val="1"/>
+                </a:ext>
+              </a:extLst>
+            </p:cNvPr>
+            <p:cNvCxnSpPr/>
+            <p:nvPr>
+              <p:extLst>
+                <p:ext uri="{386F3935-93C4-4BCD-93E2-E3B085C9AB24}">
+                  <p16:designElem xmlns:p16="http://schemas.microsoft.com/office/powerpoint/2015/main" val="1"/>
+                </p:ext>
+              </p:extLst>
+            </p:nvPr>
+          </p:nvCxnSpPr>
+          <p:spPr>
+            <a:xfrm rot="1440000" flipH="1">
+              <a:off x="10760965" y="690439"/>
+              <a:ext cx="3394" cy="182880"/>
+            </a:xfrm>
+            <a:prstGeom prst="line">
+              <a:avLst/>
+            </a:prstGeom>
+            <a:ln>
+              <a:solidFill>
+                <a:srgbClr val="FFFFFF">
+                  <a:alpha val="30196"/>
+                </a:srgbClr>
+              </a:solidFill>
+            </a:ln>
+          </p:spPr>
+          <p:style>
+            <a:lnRef idx="1">
+              <a:schemeClr val="accent1"/>
+            </a:lnRef>
+            <a:fillRef idx="0">
+              <a:schemeClr val="accent1"/>
+            </a:fillRef>
+            <a:effectRef idx="0">
+              <a:schemeClr val="accent1"/>
+            </a:effectRef>
+            <a:fontRef idx="minor">
+              <a:schemeClr val="tx1"/>
+            </a:fontRef>
+          </p:style>
+        </p:cxnSp>
+        <p:cxnSp>
+          <p:nvCxnSpPr>
+            <p:cNvPr id="34" name="Straight Connector 33">
+              <a:extLst>
+                <a:ext uri="{FF2B5EF4-FFF2-40B4-BE49-F238E27FC236}">
+                  <a16:creationId xmlns:a16="http://schemas.microsoft.com/office/drawing/2014/main" id="{068DA411-6F43-42CF-8A08-B2871E382251}"/>
+                </a:ext>
+                <a:ext uri="{C183D7F6-B498-43B3-948B-1728B52AA6E4}">
+                  <adec:decorative xmlns:adec="http://schemas.microsoft.com/office/drawing/2017/decorative" val="1"/>
+                </a:ext>
+              </a:extLst>
+            </p:cNvPr>
+            <p:cNvCxnSpPr/>
+            <p:nvPr>
+              <p:extLst>
+                <p:ext uri="{386F3935-93C4-4BCD-93E2-E3B085C9AB24}">
+                  <p16:designElem xmlns:p16="http://schemas.microsoft.com/office/powerpoint/2015/main" val="1"/>
+                </p:ext>
+              </p:extLst>
+            </p:nvPr>
+          </p:nvCxnSpPr>
+          <p:spPr>
+            <a:xfrm rot="1620000" flipH="1">
+              <a:off x="10888991" y="755091"/>
+              <a:ext cx="3394" cy="182880"/>
+            </a:xfrm>
+            <a:prstGeom prst="line">
+              <a:avLst/>
+            </a:prstGeom>
+            <a:ln>
+              <a:solidFill>
+                <a:srgbClr val="FFFFFF">
+                  <a:alpha val="30196"/>
+                </a:srgbClr>
+              </a:solidFill>
+            </a:ln>
+          </p:spPr>
+          <p:style>
+            <a:lnRef idx="1">
+              <a:schemeClr val="accent1"/>
+            </a:lnRef>
+            <a:fillRef idx="0">
+              <a:schemeClr val="accent1"/>
+            </a:fillRef>
+            <a:effectRef idx="0">
+              <a:schemeClr val="accent1"/>
+            </a:effectRef>
+            <a:fontRef idx="minor">
+              <a:schemeClr val="tx1"/>
+            </a:fontRef>
+          </p:style>
+        </p:cxnSp>
+        <p:cxnSp>
+          <p:nvCxnSpPr>
+            <p:cNvPr id="35" name="Straight Connector 34">
+              <a:extLst>
+                <a:ext uri="{FF2B5EF4-FFF2-40B4-BE49-F238E27FC236}">
+                  <a16:creationId xmlns:a16="http://schemas.microsoft.com/office/drawing/2014/main" id="{3417563A-04A5-4952-AA6D-E503558C5438}"/>
+                </a:ext>
+                <a:ext uri="{C183D7F6-B498-43B3-948B-1728B52AA6E4}">
+                  <adec:decorative xmlns:adec="http://schemas.microsoft.com/office/drawing/2017/decorative" val="1"/>
+                </a:ext>
+              </a:extLst>
+            </p:cNvPr>
+            <p:cNvCxnSpPr/>
+            <p:nvPr>
+              <p:extLst>
+                <p:ext uri="{386F3935-93C4-4BCD-93E2-E3B085C9AB24}">
+                  <p16:designElem xmlns:p16="http://schemas.microsoft.com/office/powerpoint/2015/main" val="1"/>
+                </p:ext>
+              </p:extLst>
+            </p:nvPr>
+          </p:nvCxnSpPr>
+          <p:spPr>
+            <a:xfrm rot="1740000" flipH="1">
+              <a:off x="11010193" y="819743"/>
+              <a:ext cx="3394" cy="182880"/>
+            </a:xfrm>
+            <a:prstGeom prst="line">
+              <a:avLst/>
+            </a:prstGeom>
+            <a:ln>
+              <a:solidFill>
+                <a:srgbClr val="FFFFFF">
+                  <a:alpha val="30196"/>
+                </a:srgbClr>
+              </a:solidFill>
+            </a:ln>
+          </p:spPr>
+          <p:style>
+            <a:lnRef idx="1">
+              <a:schemeClr val="accent1"/>
+            </a:lnRef>
+            <a:fillRef idx="0">
+              <a:schemeClr val="accent1"/>
+            </a:fillRef>
+            <a:effectRef idx="0">
+              <a:schemeClr val="accent1"/>
+            </a:effectRef>
+            <a:fontRef idx="minor">
+              <a:schemeClr val="tx1"/>
+            </a:fontRef>
+          </p:style>
+        </p:cxnSp>
+        <p:cxnSp>
+          <p:nvCxnSpPr>
+            <p:cNvPr id="36" name="Straight Connector 35">
+              <a:extLst>
+                <a:ext uri="{FF2B5EF4-FFF2-40B4-BE49-F238E27FC236}">
+                  <a16:creationId xmlns:a16="http://schemas.microsoft.com/office/drawing/2014/main" id="{4A41B232-E630-4AC7-9A97-763529D70518}"/>
+                </a:ext>
+                <a:ext uri="{C183D7F6-B498-43B3-948B-1728B52AA6E4}">
+                  <adec:decorative xmlns:adec="http://schemas.microsoft.com/office/drawing/2017/decorative" val="1"/>
+                </a:ext>
+              </a:extLst>
+            </p:cNvPr>
+            <p:cNvCxnSpPr/>
+            <p:nvPr>
+              <p:extLst>
+                <p:ext uri="{386F3935-93C4-4BCD-93E2-E3B085C9AB24}">
+                  <p16:designElem xmlns:p16="http://schemas.microsoft.com/office/powerpoint/2015/main" val="1"/>
+                </p:ext>
+              </p:extLst>
+            </p:nvPr>
+          </p:nvCxnSpPr>
+          <p:spPr>
+            <a:xfrm rot="1860000" flipH="1">
+              <a:off x="11129014" y="895662"/>
+              <a:ext cx="3394" cy="182880"/>
+            </a:xfrm>
+            <a:prstGeom prst="line">
+              <a:avLst/>
+            </a:prstGeom>
+            <a:ln>
+              <a:solidFill>
+                <a:srgbClr val="FFFFFF">
+                  <a:alpha val="30196"/>
+                </a:srgbClr>
+              </a:solidFill>
+            </a:ln>
+          </p:spPr>
+          <p:style>
+            <a:lnRef idx="1">
+              <a:schemeClr val="accent1"/>
+            </a:lnRef>
+            <a:fillRef idx="0">
+              <a:schemeClr val="accent1"/>
+            </a:fillRef>
+            <a:effectRef idx="0">
+              <a:schemeClr val="accent1"/>
+            </a:effectRef>
+            <a:fontRef idx="minor">
+              <a:schemeClr val="tx1"/>
+            </a:fontRef>
+          </p:style>
+        </p:cxnSp>
+        <p:cxnSp>
+          <p:nvCxnSpPr>
+            <p:cNvPr id="37" name="Straight Connector 36">
+              <a:extLst>
+                <a:ext uri="{FF2B5EF4-FFF2-40B4-BE49-F238E27FC236}">
+                  <a16:creationId xmlns:a16="http://schemas.microsoft.com/office/drawing/2014/main" id="{7EABA1A2-F7BA-4FB5-AD0A-A4DBBCF6F7D8}"/>
+                </a:ext>
+                <a:ext uri="{C183D7F6-B498-43B3-948B-1728B52AA6E4}">
+                  <adec:decorative xmlns:adec="http://schemas.microsoft.com/office/drawing/2017/decorative" val="1"/>
+                </a:ext>
+              </a:extLst>
+            </p:cNvPr>
+            <p:cNvCxnSpPr/>
+            <p:nvPr>
+              <p:extLst>
+                <p:ext uri="{386F3935-93C4-4BCD-93E2-E3B085C9AB24}">
+                  <p16:designElem xmlns:p16="http://schemas.microsoft.com/office/powerpoint/2015/main" val="1"/>
+                </p:ext>
+              </p:extLst>
+            </p:nvPr>
+          </p:nvCxnSpPr>
+          <p:spPr>
+            <a:xfrm rot="1980000" flipH="1">
+              <a:off x="11249872" y="968091"/>
+              <a:ext cx="3394" cy="182880"/>
+            </a:xfrm>
+            <a:prstGeom prst="line">
+              <a:avLst/>
+            </a:prstGeom>
+            <a:ln>
+              <a:solidFill>
+                <a:srgbClr val="FFFFFF">
+                  <a:alpha val="30196"/>
+                </a:srgbClr>
+              </a:solidFill>
+            </a:ln>
+          </p:spPr>
+          <p:style>
+            <a:lnRef idx="1">
+              <a:schemeClr val="accent1"/>
+            </a:lnRef>
+            <a:fillRef idx="0">
+              <a:schemeClr val="accent1"/>
+            </a:fillRef>
+            <a:effectRef idx="0">
+              <a:schemeClr val="accent1"/>
+            </a:effectRef>
+            <a:fontRef idx="minor">
+              <a:schemeClr val="tx1"/>
+            </a:fontRef>
+          </p:style>
+        </p:cxnSp>
+        <p:cxnSp>
+          <p:nvCxnSpPr>
+            <p:cNvPr id="38" name="Straight Connector 37">
+              <a:extLst>
+                <a:ext uri="{FF2B5EF4-FFF2-40B4-BE49-F238E27FC236}">
+                  <a16:creationId xmlns:a16="http://schemas.microsoft.com/office/drawing/2014/main" id="{7EA99E51-908F-4D65-AC2B-A8E75A1FE4A4}"/>
+                </a:ext>
+                <a:ext uri="{C183D7F6-B498-43B3-948B-1728B52AA6E4}">
+                  <adec:decorative xmlns:adec="http://schemas.microsoft.com/office/drawing/2017/decorative" val="1"/>
+                </a:ext>
+              </a:extLst>
+            </p:cNvPr>
+            <p:cNvCxnSpPr/>
+            <p:nvPr>
+              <p:extLst>
+                <p:ext uri="{386F3935-93C4-4BCD-93E2-E3B085C9AB24}">
+                  <p16:designElem xmlns:p16="http://schemas.microsoft.com/office/powerpoint/2015/main" val="1"/>
+                </p:ext>
+              </p:extLst>
+            </p:nvPr>
+          </p:nvCxnSpPr>
+          <p:spPr>
+            <a:xfrm rot="2160000" flipH="1">
+              <a:off x="11366875" y="1048084"/>
+              <a:ext cx="3394" cy="182880"/>
+            </a:xfrm>
+            <a:prstGeom prst="line">
+              <a:avLst/>
+            </a:prstGeom>
+            <a:ln>
+              <a:solidFill>
+                <a:srgbClr val="FFFFFF">
+                  <a:alpha val="30196"/>
+                </a:srgbClr>
+              </a:solidFill>
+            </a:ln>
+          </p:spPr>
+          <p:style>
+            <a:lnRef idx="1">
+              <a:schemeClr val="accent1"/>
+            </a:lnRef>
+            <a:fillRef idx="0">
+              <a:schemeClr val="accent1"/>
+            </a:fillRef>
+            <a:effectRef idx="0">
+              <a:schemeClr val="accent1"/>
+            </a:effectRef>
+            <a:fontRef idx="minor">
+              <a:schemeClr val="tx1"/>
+            </a:fontRef>
+          </p:style>
+        </p:cxnSp>
+        <p:cxnSp>
+          <p:nvCxnSpPr>
+            <p:cNvPr id="39" name="Straight Connector 38">
+              <a:extLst>
+                <a:ext uri="{FF2B5EF4-FFF2-40B4-BE49-F238E27FC236}">
+                  <a16:creationId xmlns:a16="http://schemas.microsoft.com/office/drawing/2014/main" id="{5F2D126B-7D1C-4D2C-97D5-2D8C686B782F}"/>
+                </a:ext>
+                <a:ext uri="{C183D7F6-B498-43B3-948B-1728B52AA6E4}">
+                  <adec:decorative xmlns:adec="http://schemas.microsoft.com/office/drawing/2017/decorative" val="1"/>
+                </a:ext>
+              </a:extLst>
+            </p:cNvPr>
+            <p:cNvCxnSpPr/>
+            <p:nvPr>
+              <p:extLst>
+                <p:ext uri="{386F3935-93C4-4BCD-93E2-E3B085C9AB24}">
+                  <p16:designElem xmlns:p16="http://schemas.microsoft.com/office/powerpoint/2015/main" val="1"/>
+                </p:ext>
+              </p:extLst>
+            </p:nvPr>
+          </p:nvCxnSpPr>
+          <p:spPr>
+            <a:xfrm rot="2280000" flipH="1">
+              <a:off x="11474058" y="1131525"/>
+              <a:ext cx="3394" cy="182880"/>
+            </a:xfrm>
+            <a:prstGeom prst="line">
+              <a:avLst/>
+            </a:prstGeom>
+            <a:ln>
+              <a:solidFill>
+                <a:srgbClr val="FFFFFF">
+                  <a:alpha val="30196"/>
+                </a:srgbClr>
+              </a:solidFill>
+            </a:ln>
+          </p:spPr>
+          <p:style>
+            <a:lnRef idx="1">
+              <a:schemeClr val="accent1"/>
+            </a:lnRef>
+            <a:fillRef idx="0">
+              <a:schemeClr val="accent1"/>
+            </a:fillRef>
+            <a:effectRef idx="0">
+              <a:schemeClr val="accent1"/>
+            </a:effectRef>
+            <a:fontRef idx="minor">
+              <a:schemeClr val="tx1"/>
+            </a:fontRef>
+          </p:style>
+        </p:cxnSp>
+        <p:cxnSp>
+          <p:nvCxnSpPr>
+            <p:cNvPr id="40" name="Straight Connector 39">
+              <a:extLst>
+                <a:ext uri="{FF2B5EF4-FFF2-40B4-BE49-F238E27FC236}">
+                  <a16:creationId xmlns:a16="http://schemas.microsoft.com/office/drawing/2014/main" id="{74B20164-1C4E-4FA3-A2E5-389E74077301}"/>
+                </a:ext>
+                <a:ext uri="{C183D7F6-B498-43B3-948B-1728B52AA6E4}">
+                  <adec:decorative xmlns:adec="http://schemas.microsoft.com/office/drawing/2017/decorative" val="1"/>
+                </a:ext>
+              </a:extLst>
+            </p:cNvPr>
+            <p:cNvCxnSpPr/>
+            <p:nvPr>
+              <p:extLst>
+                <p:ext uri="{386F3935-93C4-4BCD-93E2-E3B085C9AB24}">
+                  <p16:designElem xmlns:p16="http://schemas.microsoft.com/office/powerpoint/2015/main" val="1"/>
+                </p:ext>
+              </p:extLst>
+            </p:nvPr>
+          </p:nvCxnSpPr>
+          <p:spPr>
+            <a:xfrm rot="2400000" flipH="1">
+              <a:off x="11583303" y="1221790"/>
+              <a:ext cx="3394" cy="182880"/>
+            </a:xfrm>
+            <a:prstGeom prst="line">
+              <a:avLst/>
+            </a:prstGeom>
+            <a:ln>
+              <a:solidFill>
+                <a:srgbClr val="FFFFFF">
+                  <a:alpha val="30196"/>
+                </a:srgbClr>
+              </a:solidFill>
+            </a:ln>
+          </p:spPr>
+          <p:style>
+            <a:lnRef idx="1">
+              <a:schemeClr val="accent1"/>
+            </a:lnRef>
+            <a:fillRef idx="0">
+              <a:schemeClr val="accent1"/>
+            </a:fillRef>
+            <a:effectRef idx="0">
+              <a:schemeClr val="accent1"/>
+            </a:effectRef>
+            <a:fontRef idx="minor">
+              <a:schemeClr val="tx1"/>
+            </a:fontRef>
+          </p:style>
+        </p:cxnSp>
+        <p:cxnSp>
+          <p:nvCxnSpPr>
+            <p:cNvPr id="41" name="Straight Connector 40">
+              <a:extLst>
+                <a:ext uri="{FF2B5EF4-FFF2-40B4-BE49-F238E27FC236}">
+                  <a16:creationId xmlns:a16="http://schemas.microsoft.com/office/drawing/2014/main" id="{C54E7AD9-228F-47CD-A598-CB579B489AF3}"/>
+                </a:ext>
+                <a:ext uri="{C183D7F6-B498-43B3-948B-1728B52AA6E4}">
+                  <adec:decorative xmlns:adec="http://schemas.microsoft.com/office/drawing/2017/decorative" val="1"/>
+                </a:ext>
+              </a:extLst>
+            </p:cNvPr>
+            <p:cNvCxnSpPr/>
+            <p:nvPr>
+              <p:extLst>
+                <p:ext uri="{386F3935-93C4-4BCD-93E2-E3B085C9AB24}">
+                  <p16:designElem xmlns:p16="http://schemas.microsoft.com/office/powerpoint/2015/main" val="1"/>
+                </p:ext>
+              </p:extLst>
+            </p:nvPr>
+          </p:nvCxnSpPr>
+          <p:spPr>
+            <a:xfrm rot="2520000" flipH="1">
+              <a:off x="11685344" y="1321772"/>
+              <a:ext cx="3394" cy="182880"/>
+            </a:xfrm>
+            <a:prstGeom prst="line">
+              <a:avLst/>
+            </a:prstGeom>
+            <a:ln>
+              <a:solidFill>
+                <a:srgbClr val="FFFFFF">
+                  <a:alpha val="30196"/>
+                </a:srgbClr>
+              </a:solidFill>
+            </a:ln>
+          </p:spPr>
+          <p:style>
+            <a:lnRef idx="1">
+              <a:schemeClr val="accent1"/>
+            </a:lnRef>
+            <a:fillRef idx="0">
+              <a:schemeClr val="accent1"/>
+            </a:fillRef>
+            <a:effectRef idx="0">
+              <a:schemeClr val="accent1"/>
+            </a:effectRef>
+            <a:fontRef idx="minor">
+              <a:schemeClr val="tx1"/>
+            </a:fontRef>
+          </p:style>
+        </p:cxnSp>
+        <p:cxnSp>
+          <p:nvCxnSpPr>
+            <p:cNvPr id="42" name="Straight Connector 41">
+              <a:extLst>
+                <a:ext uri="{FF2B5EF4-FFF2-40B4-BE49-F238E27FC236}">
+                  <a16:creationId xmlns:a16="http://schemas.microsoft.com/office/drawing/2014/main" id="{D7D2B81A-6082-4668-8AA7-F2757C8EC204}"/>
+                </a:ext>
+                <a:ext uri="{C183D7F6-B498-43B3-948B-1728B52AA6E4}">
+                  <adec:decorative xmlns:adec="http://schemas.microsoft.com/office/drawing/2017/decorative" val="1"/>
+                </a:ext>
+              </a:extLst>
+            </p:cNvPr>
+            <p:cNvCxnSpPr/>
+            <p:nvPr>
+              <p:extLst>
+                <p:ext uri="{386F3935-93C4-4BCD-93E2-E3B085C9AB24}">
+                  <p16:designElem xmlns:p16="http://schemas.microsoft.com/office/powerpoint/2015/main" val="1"/>
+                </p:ext>
+              </p:extLst>
+            </p:nvPr>
+          </p:nvCxnSpPr>
+          <p:spPr>
+            <a:xfrm rot="2700000" flipH="1">
+              <a:off x="11787704" y="1417630"/>
+              <a:ext cx="3394" cy="182880"/>
+            </a:xfrm>
+            <a:prstGeom prst="line">
+              <a:avLst/>
+            </a:prstGeom>
+            <a:ln>
+              <a:solidFill>
+                <a:srgbClr val="FFFFFF">
+                  <a:alpha val="30196"/>
+                </a:srgbClr>
+              </a:solidFill>
+            </a:ln>
+          </p:spPr>
+          <p:style>
+            <a:lnRef idx="1">
+              <a:schemeClr val="accent1"/>
+            </a:lnRef>
+            <a:fillRef idx="0">
+              <a:schemeClr val="accent1"/>
+            </a:fillRef>
+            <a:effectRef idx="0">
+              <a:schemeClr val="accent1"/>
+            </a:effectRef>
+            <a:fontRef idx="minor">
+              <a:schemeClr val="tx1"/>
+            </a:fontRef>
+          </p:style>
+        </p:cxnSp>
+        <p:cxnSp>
+          <p:nvCxnSpPr>
+            <p:cNvPr id="43" name="Straight Connector 42">
+              <a:extLst>
+                <a:ext uri="{FF2B5EF4-FFF2-40B4-BE49-F238E27FC236}">
+                  <a16:creationId xmlns:a16="http://schemas.microsoft.com/office/drawing/2014/main" id="{1469BD5F-3BFE-4BA0-A24F-7F80A73B823D}"/>
+                </a:ext>
+                <a:ext uri="{C183D7F6-B498-43B3-948B-1728B52AA6E4}">
+                  <adec:decorative xmlns:adec="http://schemas.microsoft.com/office/drawing/2017/decorative" val="1"/>
+                </a:ext>
+              </a:extLst>
+            </p:cNvPr>
+            <p:cNvCxnSpPr/>
+            <p:nvPr>
+              <p:extLst>
+                <p:ext uri="{386F3935-93C4-4BCD-93E2-E3B085C9AB24}">
+                  <p16:designElem xmlns:p16="http://schemas.microsoft.com/office/powerpoint/2015/main" val="1"/>
+                </p:ext>
+              </p:extLst>
+            </p:nvPr>
+          </p:nvCxnSpPr>
+          <p:spPr>
+            <a:xfrm rot="2820000" flipH="1">
+              <a:off x="11880859" y="1517931"/>
+              <a:ext cx="3394" cy="182880"/>
+            </a:xfrm>
+            <a:prstGeom prst="line">
+              <a:avLst/>
+            </a:prstGeom>
+            <a:ln>
+              <a:solidFill>
+                <a:srgbClr val="FFFFFF">
+                  <a:alpha val="30196"/>
+                </a:srgbClr>
+              </a:solidFill>
+            </a:ln>
+          </p:spPr>
+          <p:style>
+            <a:lnRef idx="1">
+              <a:schemeClr val="accent1"/>
+            </a:lnRef>
+            <a:fillRef idx="0">
+              <a:schemeClr val="accent1"/>
+            </a:fillRef>
+            <a:effectRef idx="0">
+              <a:schemeClr val="accent1"/>
+            </a:effectRef>
+            <a:fontRef idx="minor">
+              <a:schemeClr val="tx1"/>
+            </a:fontRef>
+          </p:style>
+        </p:cxnSp>
+        <p:cxnSp>
+          <p:nvCxnSpPr>
+            <p:cNvPr id="44" name="Straight Connector 43">
+              <a:extLst>
+                <a:ext uri="{FF2B5EF4-FFF2-40B4-BE49-F238E27FC236}">
+                  <a16:creationId xmlns:a16="http://schemas.microsoft.com/office/drawing/2014/main" id="{224D532A-F49F-4BB9-AAA6-8B2B89CB6F15}"/>
+                </a:ext>
+                <a:ext uri="{C183D7F6-B498-43B3-948B-1728B52AA6E4}">
+                  <adec:decorative xmlns:adec="http://schemas.microsoft.com/office/drawing/2017/decorative" val="1"/>
+                </a:ext>
+              </a:extLst>
+            </p:cNvPr>
+            <p:cNvCxnSpPr/>
+            <p:nvPr>
+              <p:extLst>
+                <p:ext uri="{386F3935-93C4-4BCD-93E2-E3B085C9AB24}">
+                  <p16:designElem xmlns:p16="http://schemas.microsoft.com/office/powerpoint/2015/main" val="1"/>
+                </p:ext>
+              </p:extLst>
+            </p:nvPr>
+          </p:nvCxnSpPr>
+          <p:spPr>
+            <a:xfrm rot="2940000" flipH="1">
+              <a:off x="11969252" y="1627437"/>
+              <a:ext cx="3394" cy="182880"/>
+            </a:xfrm>
+            <a:prstGeom prst="line">
+              <a:avLst/>
+            </a:prstGeom>
+            <a:ln>
+              <a:solidFill>
+                <a:srgbClr val="FFFFFF">
+                  <a:alpha val="30196"/>
+                </a:srgbClr>
+              </a:solidFill>
+            </a:ln>
+          </p:spPr>
+          <p:style>
+            <a:lnRef idx="1">
+              <a:schemeClr val="accent1"/>
+            </a:lnRef>
+            <a:fillRef idx="0">
+              <a:schemeClr val="accent1"/>
+            </a:fillRef>
+            <a:effectRef idx="0">
+              <a:schemeClr val="accent1"/>
+            </a:effectRef>
+            <a:fontRef idx="minor">
+              <a:schemeClr val="tx1"/>
+            </a:fontRef>
+          </p:style>
+        </p:cxnSp>
+        <p:cxnSp>
+          <p:nvCxnSpPr>
+            <p:cNvPr id="45" name="Straight Connector 44">
+              <a:extLst>
+                <a:ext uri="{FF2B5EF4-FFF2-40B4-BE49-F238E27FC236}">
+                  <a16:creationId xmlns:a16="http://schemas.microsoft.com/office/drawing/2014/main" id="{EB2224AE-40A4-483D-991E-9490A01B7617}"/>
+                </a:ext>
+                <a:ext uri="{C183D7F6-B498-43B3-948B-1728B52AA6E4}">
+                  <adec:decorative xmlns:adec="http://schemas.microsoft.com/office/drawing/2017/decorative" val="1"/>
+                </a:ext>
+              </a:extLst>
+            </p:cNvPr>
+            <p:cNvCxnSpPr/>
+            <p:nvPr>
+              <p:extLst>
+                <p:ext uri="{386F3935-93C4-4BCD-93E2-E3B085C9AB24}">
+                  <p16:designElem xmlns:p16="http://schemas.microsoft.com/office/powerpoint/2015/main" val="1"/>
+                </p:ext>
+              </p:extLst>
+            </p:nvPr>
+          </p:nvCxnSpPr>
+          <p:spPr>
+            <a:xfrm rot="3060000" flipH="1">
+              <a:off x="12062016" y="1736011"/>
+              <a:ext cx="3394" cy="182880"/>
+            </a:xfrm>
+            <a:prstGeom prst="line">
+              <a:avLst/>
+            </a:prstGeom>
+            <a:ln>
+              <a:solidFill>
+                <a:srgbClr val="FFFFFF">
+                  <a:alpha val="30196"/>
+                </a:srgbClr>
+              </a:solidFill>
+            </a:ln>
+          </p:spPr>
+          <p:style>
+            <a:lnRef idx="1">
+              <a:schemeClr val="accent1"/>
+            </a:lnRef>
+            <a:fillRef idx="0">
+              <a:schemeClr val="accent1"/>
+            </a:fillRef>
+            <a:effectRef idx="0">
+              <a:schemeClr val="accent1"/>
+            </a:effectRef>
+            <a:fontRef idx="minor">
+              <a:schemeClr val="tx1"/>
+            </a:fontRef>
+          </p:style>
+        </p:cxnSp>
+        <p:cxnSp>
+          <p:nvCxnSpPr>
+            <p:cNvPr id="46" name="Straight Connector 45">
+              <a:extLst>
+                <a:ext uri="{FF2B5EF4-FFF2-40B4-BE49-F238E27FC236}">
+                  <a16:creationId xmlns:a16="http://schemas.microsoft.com/office/drawing/2014/main" id="{DD3DE117-F3FA-4657-B4A7-40DE41238FAB}"/>
+                </a:ext>
+                <a:ext uri="{C183D7F6-B498-43B3-948B-1728B52AA6E4}">
+                  <adec:decorative xmlns:adec="http://schemas.microsoft.com/office/drawing/2017/decorative" val="1"/>
+                </a:ext>
+              </a:extLst>
+            </p:cNvPr>
+            <p:cNvCxnSpPr/>
+            <p:nvPr>
+              <p:extLst>
+                <p:ext uri="{386F3935-93C4-4BCD-93E2-E3B085C9AB24}">
+                  <p16:designElem xmlns:p16="http://schemas.microsoft.com/office/powerpoint/2015/main" val="1"/>
+                </p:ext>
+              </p:extLst>
+            </p:nvPr>
+          </p:nvCxnSpPr>
+          <p:spPr>
+            <a:xfrm flipH="1">
+              <a:off x="12074680" y="1910249"/>
+              <a:ext cx="117320" cy="82912"/>
+            </a:xfrm>
+            <a:prstGeom prst="line">
+              <a:avLst/>
+            </a:prstGeom>
+            <a:ln>
+              <a:solidFill>
+                <a:srgbClr val="FFFFFF">
+                  <a:alpha val="30196"/>
+                </a:srgbClr>
+              </a:solidFill>
+            </a:ln>
+          </p:spPr>
+          <p:style>
+            <a:lnRef idx="1">
+              <a:schemeClr val="accent1"/>
+            </a:lnRef>
+            <a:fillRef idx="0">
+              <a:schemeClr val="accent1"/>
+            </a:fillRef>
+            <a:effectRef idx="0">
+              <a:schemeClr val="accent1"/>
+            </a:effectRef>
+            <a:fontRef idx="minor">
+              <a:schemeClr val="tx1"/>
+            </a:fontRef>
+          </p:style>
+        </p:cxnSp>
+        <p:cxnSp>
+          <p:nvCxnSpPr>
+            <p:cNvPr id="47" name="Straight Connector 46">
+              <a:extLst>
+                <a:ext uri="{FF2B5EF4-FFF2-40B4-BE49-F238E27FC236}">
+                  <a16:creationId xmlns:a16="http://schemas.microsoft.com/office/drawing/2014/main" id="{D85EA1EB-1126-463C-AD87-4FB126C6FF4A}"/>
+                </a:ext>
+                <a:ext uri="{C183D7F6-B498-43B3-948B-1728B52AA6E4}">
+                  <adec:decorative xmlns:adec="http://schemas.microsoft.com/office/drawing/2017/decorative" val="1"/>
+                </a:ext>
+              </a:extLst>
+            </p:cNvPr>
+            <p:cNvCxnSpPr/>
+            <p:nvPr>
+              <p:extLst>
+                <p:ext uri="{386F3935-93C4-4BCD-93E2-E3B085C9AB24}">
+                  <p16:designElem xmlns:p16="http://schemas.microsoft.com/office/powerpoint/2015/main" val="1"/>
+                </p:ext>
+              </p:extLst>
+            </p:nvPr>
+          </p:nvCxnSpPr>
+          <p:spPr>
+            <a:xfrm flipH="1">
+              <a:off x="12149943" y="2083594"/>
+              <a:ext cx="39676" cy="21436"/>
+            </a:xfrm>
+            <a:prstGeom prst="line">
+              <a:avLst/>
+            </a:prstGeom>
+            <a:ln>
+              <a:solidFill>
+                <a:srgbClr val="FFFFFF">
+                  <a:alpha val="30196"/>
+                </a:srgbClr>
+              </a:solidFill>
+            </a:ln>
+          </p:spPr>
+          <p:style>
+            <a:lnRef idx="1">
+              <a:schemeClr val="accent1"/>
+            </a:lnRef>
+            <a:fillRef idx="0">
+              <a:schemeClr val="accent1"/>
+            </a:fillRef>
+            <a:effectRef idx="0">
+              <a:schemeClr val="accent1"/>
+            </a:effectRef>
+            <a:fontRef idx="minor">
+              <a:schemeClr val="tx1"/>
+            </a:fontRef>
+          </p:style>
+        </p:cxnSp>
+        <p:cxnSp>
+          <p:nvCxnSpPr>
+            <p:cNvPr id="48" name="Straight Connector 47">
+              <a:extLst>
+                <a:ext uri="{FF2B5EF4-FFF2-40B4-BE49-F238E27FC236}">
+                  <a16:creationId xmlns:a16="http://schemas.microsoft.com/office/drawing/2014/main" id="{90336723-7646-4B25-9EE9-519CC8334227}"/>
+                </a:ext>
+                <a:ext uri="{C183D7F6-B498-43B3-948B-1728B52AA6E4}">
+                  <adec:decorative xmlns:adec="http://schemas.microsoft.com/office/drawing/2017/decorative" val="1"/>
+                </a:ext>
+              </a:extLst>
+            </p:cNvPr>
+            <p:cNvCxnSpPr/>
+            <p:nvPr>
+              <p:extLst>
+                <p:ext uri="{386F3935-93C4-4BCD-93E2-E3B085C9AB24}">
+                  <p16:designElem xmlns:p16="http://schemas.microsoft.com/office/powerpoint/2015/main" val="1"/>
+                </p:ext>
+              </p:extLst>
+            </p:nvPr>
+          </p:nvCxnSpPr>
+          <p:spPr>
+            <a:xfrm rot="-180000" flipH="1">
+              <a:off x="9127990" y="334251"/>
+              <a:ext cx="3394" cy="182880"/>
+            </a:xfrm>
+            <a:prstGeom prst="line">
+              <a:avLst/>
+            </a:prstGeom>
+            <a:ln>
+              <a:solidFill>
+                <a:srgbClr val="FFFFFF">
+                  <a:alpha val="30196"/>
+                </a:srgbClr>
+              </a:solidFill>
+            </a:ln>
+          </p:spPr>
+          <p:style>
+            <a:lnRef idx="1">
+              <a:schemeClr val="accent1"/>
+            </a:lnRef>
+            <a:fillRef idx="0">
+              <a:schemeClr val="accent1"/>
+            </a:fillRef>
+            <a:effectRef idx="0">
+              <a:schemeClr val="accent1"/>
+            </a:effectRef>
+            <a:fontRef idx="minor">
+              <a:schemeClr val="tx1"/>
+            </a:fontRef>
+          </p:style>
+        </p:cxnSp>
+        <p:cxnSp>
+          <p:nvCxnSpPr>
+            <p:cNvPr id="49" name="Straight Connector 48">
+              <a:extLst>
+                <a:ext uri="{FF2B5EF4-FFF2-40B4-BE49-F238E27FC236}">
+                  <a16:creationId xmlns:a16="http://schemas.microsoft.com/office/drawing/2014/main" id="{652B6D8B-5579-4262-9376-B702382B0E29}"/>
+                </a:ext>
+                <a:ext uri="{C183D7F6-B498-43B3-948B-1728B52AA6E4}">
+                  <adec:decorative xmlns:adec="http://schemas.microsoft.com/office/drawing/2017/decorative" val="1"/>
+                </a:ext>
+              </a:extLst>
+            </p:cNvPr>
+            <p:cNvCxnSpPr/>
+            <p:nvPr>
+              <p:extLst>
+                <p:ext uri="{386F3935-93C4-4BCD-93E2-E3B085C9AB24}">
+                  <p16:designElem xmlns:p16="http://schemas.microsoft.com/office/powerpoint/2015/main" val="1"/>
+                </p:ext>
+              </p:extLst>
+            </p:nvPr>
+          </p:nvCxnSpPr>
+          <p:spPr>
+            <a:xfrm rot="-300000" flipH="1">
+              <a:off x="8987576" y="336633"/>
+              <a:ext cx="3394" cy="182880"/>
+            </a:xfrm>
+            <a:prstGeom prst="line">
+              <a:avLst/>
+            </a:prstGeom>
+            <a:ln>
+              <a:solidFill>
+                <a:srgbClr val="FFFFFF">
+                  <a:alpha val="30196"/>
+                </a:srgbClr>
+              </a:solidFill>
+            </a:ln>
+          </p:spPr>
+          <p:style>
+            <a:lnRef idx="1">
+              <a:schemeClr val="accent1"/>
+            </a:lnRef>
+            <a:fillRef idx="0">
+              <a:schemeClr val="accent1"/>
+            </a:fillRef>
+            <a:effectRef idx="0">
+              <a:schemeClr val="accent1"/>
+            </a:effectRef>
+            <a:fontRef idx="minor">
+              <a:schemeClr val="tx1"/>
+            </a:fontRef>
+          </p:style>
+        </p:cxnSp>
+        <p:cxnSp>
+          <p:nvCxnSpPr>
+            <p:cNvPr id="50" name="Straight Connector 49">
+              <a:extLst>
+                <a:ext uri="{FF2B5EF4-FFF2-40B4-BE49-F238E27FC236}">
+                  <a16:creationId xmlns:a16="http://schemas.microsoft.com/office/drawing/2014/main" id="{B07893BD-D1AE-48C1-91A9-D47879376282}"/>
+                </a:ext>
+                <a:ext uri="{C183D7F6-B498-43B3-948B-1728B52AA6E4}">
+                  <adec:decorative xmlns:adec="http://schemas.microsoft.com/office/drawing/2017/decorative" val="1"/>
+                </a:ext>
+              </a:extLst>
+            </p:cNvPr>
+            <p:cNvCxnSpPr/>
+            <p:nvPr>
+              <p:extLst>
+                <p:ext uri="{386F3935-93C4-4BCD-93E2-E3B085C9AB24}">
+                  <p16:designElem xmlns:p16="http://schemas.microsoft.com/office/powerpoint/2015/main" val="1"/>
+                </p:ext>
+              </p:extLst>
+            </p:nvPr>
+          </p:nvCxnSpPr>
+          <p:spPr>
+            <a:xfrm rot="-420000" flipH="1">
+              <a:off x="8844859" y="351176"/>
+              <a:ext cx="3394" cy="182880"/>
+            </a:xfrm>
+            <a:prstGeom prst="line">
+              <a:avLst/>
+            </a:prstGeom>
+            <a:ln>
+              <a:solidFill>
+                <a:srgbClr val="FFFFFF">
+                  <a:alpha val="30196"/>
+                </a:srgbClr>
+              </a:solidFill>
+            </a:ln>
+          </p:spPr>
+          <p:style>
+            <a:lnRef idx="1">
+              <a:schemeClr val="accent1"/>
+            </a:lnRef>
+            <a:fillRef idx="0">
+              <a:schemeClr val="accent1"/>
+            </a:fillRef>
+            <a:effectRef idx="0">
+              <a:schemeClr val="accent1"/>
+            </a:effectRef>
+            <a:fontRef idx="minor">
+              <a:schemeClr val="tx1"/>
+            </a:fontRef>
+          </p:style>
+        </p:cxnSp>
+        <p:cxnSp>
+          <p:nvCxnSpPr>
+            <p:cNvPr id="51" name="Straight Connector 50">
+              <a:extLst>
+                <a:ext uri="{FF2B5EF4-FFF2-40B4-BE49-F238E27FC236}">
+                  <a16:creationId xmlns:a16="http://schemas.microsoft.com/office/drawing/2014/main" id="{0C6FEEA5-8E66-4C31-92AD-01305FF48877}"/>
+                </a:ext>
+                <a:ext uri="{C183D7F6-B498-43B3-948B-1728B52AA6E4}">
+                  <adec:decorative xmlns:adec="http://schemas.microsoft.com/office/drawing/2017/decorative" val="1"/>
+                </a:ext>
+              </a:extLst>
+            </p:cNvPr>
+            <p:cNvCxnSpPr/>
+            <p:nvPr>
+              <p:extLst>
+                <p:ext uri="{386F3935-93C4-4BCD-93E2-E3B085C9AB24}">
+                  <p16:designElem xmlns:p16="http://schemas.microsoft.com/office/powerpoint/2015/main" val="1"/>
+                </p:ext>
+              </p:extLst>
+            </p:nvPr>
+          </p:nvCxnSpPr>
+          <p:spPr>
+            <a:xfrm rot="-540000" flipH="1">
+              <a:off x="8706904" y="365719"/>
+              <a:ext cx="3394" cy="182880"/>
+            </a:xfrm>
+            <a:prstGeom prst="line">
+              <a:avLst/>
+            </a:prstGeom>
+            <a:ln>
+              <a:solidFill>
+                <a:srgbClr val="FFFFFF">
+                  <a:alpha val="30196"/>
+                </a:srgbClr>
+              </a:solidFill>
+            </a:ln>
+          </p:spPr>
+          <p:style>
+            <a:lnRef idx="1">
+              <a:schemeClr val="accent1"/>
+            </a:lnRef>
+            <a:fillRef idx="0">
+              <a:schemeClr val="accent1"/>
+            </a:fillRef>
+            <a:effectRef idx="0">
+              <a:schemeClr val="accent1"/>
+            </a:effectRef>
+            <a:fontRef idx="minor">
+              <a:schemeClr val="tx1"/>
+            </a:fontRef>
+          </p:style>
+        </p:cxnSp>
+        <p:cxnSp>
+          <p:nvCxnSpPr>
+            <p:cNvPr id="52" name="Straight Connector 51">
+              <a:extLst>
+                <a:ext uri="{FF2B5EF4-FFF2-40B4-BE49-F238E27FC236}">
+                  <a16:creationId xmlns:a16="http://schemas.microsoft.com/office/drawing/2014/main" id="{D3E18335-591C-4354-9390-DD371BB3F92A}"/>
+                </a:ext>
+                <a:ext uri="{C183D7F6-B498-43B3-948B-1728B52AA6E4}">
+                  <adec:decorative xmlns:adec="http://schemas.microsoft.com/office/drawing/2017/decorative" val="1"/>
+                </a:ext>
+              </a:extLst>
+            </p:cNvPr>
+            <p:cNvCxnSpPr/>
+            <p:nvPr>
+              <p:extLst>
+                <p:ext uri="{386F3935-93C4-4BCD-93E2-E3B085C9AB24}">
+                  <p16:designElem xmlns:p16="http://schemas.microsoft.com/office/powerpoint/2015/main" val="1"/>
+                </p:ext>
+              </p:extLst>
+            </p:nvPr>
+          </p:nvCxnSpPr>
+          <p:spPr>
+            <a:xfrm rot="-720000" flipH="1">
+              <a:off x="8568008" y="387891"/>
+              <a:ext cx="3394" cy="182880"/>
+            </a:xfrm>
+            <a:prstGeom prst="line">
+              <a:avLst/>
+            </a:prstGeom>
+            <a:ln>
+              <a:solidFill>
+                <a:srgbClr val="FFFFFF">
+                  <a:alpha val="30196"/>
+                </a:srgbClr>
+              </a:solidFill>
+            </a:ln>
+          </p:spPr>
+          <p:style>
+            <a:lnRef idx="1">
+              <a:schemeClr val="accent1"/>
+            </a:lnRef>
+            <a:fillRef idx="0">
+              <a:schemeClr val="accent1"/>
+            </a:fillRef>
+            <a:effectRef idx="0">
+              <a:schemeClr val="accent1"/>
+            </a:effectRef>
+            <a:fontRef idx="minor">
+              <a:schemeClr val="tx1"/>
+            </a:fontRef>
+          </p:style>
+        </p:cxnSp>
+        <p:cxnSp>
+          <p:nvCxnSpPr>
+            <p:cNvPr id="53" name="Straight Connector 52">
+              <a:extLst>
+                <a:ext uri="{FF2B5EF4-FFF2-40B4-BE49-F238E27FC236}">
+                  <a16:creationId xmlns:a16="http://schemas.microsoft.com/office/drawing/2014/main" id="{151098D0-C2B4-4D61-92D5-C81DDBDA22DF}"/>
+                </a:ext>
+                <a:ext uri="{C183D7F6-B498-43B3-948B-1728B52AA6E4}">
+                  <adec:decorative xmlns:adec="http://schemas.microsoft.com/office/drawing/2017/decorative" val="1"/>
+                </a:ext>
+              </a:extLst>
+            </p:cNvPr>
+            <p:cNvCxnSpPr/>
+            <p:nvPr>
+              <p:extLst>
+                <p:ext uri="{386F3935-93C4-4BCD-93E2-E3B085C9AB24}">
+                  <p16:designElem xmlns:p16="http://schemas.microsoft.com/office/powerpoint/2015/main" val="1"/>
+                </p:ext>
+              </p:extLst>
+            </p:nvPr>
+          </p:nvCxnSpPr>
+          <p:spPr>
+            <a:xfrm rot="-840000" flipH="1">
+              <a:off x="8429112" y="410063"/>
+              <a:ext cx="3394" cy="182880"/>
+            </a:xfrm>
+            <a:prstGeom prst="line">
+              <a:avLst/>
+            </a:prstGeom>
+            <a:ln>
+              <a:solidFill>
+                <a:srgbClr val="FFFFFF">
+                  <a:alpha val="30196"/>
+                </a:srgbClr>
+              </a:solidFill>
+            </a:ln>
+          </p:spPr>
+          <p:style>
+            <a:lnRef idx="1">
+              <a:schemeClr val="accent1"/>
+            </a:lnRef>
+            <a:fillRef idx="0">
+              <a:schemeClr val="accent1"/>
+            </a:fillRef>
+            <a:effectRef idx="0">
+              <a:schemeClr val="accent1"/>
+            </a:effectRef>
+            <a:fontRef idx="minor">
+              <a:schemeClr val="tx1"/>
+            </a:fontRef>
+          </p:style>
+        </p:cxnSp>
+        <p:cxnSp>
+          <p:nvCxnSpPr>
+            <p:cNvPr id="54" name="Straight Connector 53">
+              <a:extLst>
+                <a:ext uri="{FF2B5EF4-FFF2-40B4-BE49-F238E27FC236}">
+                  <a16:creationId xmlns:a16="http://schemas.microsoft.com/office/drawing/2014/main" id="{3EACD9C3-3E01-47CF-BC68-BDAE22E30B48}"/>
+                </a:ext>
+                <a:ext uri="{C183D7F6-B498-43B3-948B-1728B52AA6E4}">
+                  <adec:decorative xmlns:adec="http://schemas.microsoft.com/office/drawing/2017/decorative" val="1"/>
+                </a:ext>
+              </a:extLst>
+            </p:cNvPr>
+            <p:cNvCxnSpPr/>
+            <p:nvPr>
+              <p:extLst>
+                <p:ext uri="{386F3935-93C4-4BCD-93E2-E3B085C9AB24}">
+                  <p16:designElem xmlns:p16="http://schemas.microsoft.com/office/powerpoint/2015/main" val="1"/>
+                </p:ext>
+              </p:extLst>
+            </p:nvPr>
+          </p:nvCxnSpPr>
+          <p:spPr>
+            <a:xfrm rot="-960000" flipH="1">
+              <a:off x="8294968" y="446219"/>
+              <a:ext cx="3394" cy="182880"/>
+            </a:xfrm>
+            <a:prstGeom prst="line">
+              <a:avLst/>
+            </a:prstGeom>
+            <a:ln>
+              <a:solidFill>
+                <a:srgbClr val="FFFFFF">
+                  <a:alpha val="30196"/>
+                </a:srgbClr>
+              </a:solidFill>
+            </a:ln>
+          </p:spPr>
+          <p:style>
+            <a:lnRef idx="1">
+              <a:schemeClr val="accent1"/>
+            </a:lnRef>
+            <a:fillRef idx="0">
+              <a:schemeClr val="accent1"/>
+            </a:fillRef>
+            <a:effectRef idx="0">
+              <a:schemeClr val="accent1"/>
+            </a:effectRef>
+            <a:fontRef idx="minor">
+              <a:schemeClr val="tx1"/>
+            </a:fontRef>
+          </p:style>
+        </p:cxnSp>
+        <p:cxnSp>
+          <p:nvCxnSpPr>
+            <p:cNvPr id="55" name="Straight Connector 54">
+              <a:extLst>
+                <a:ext uri="{FF2B5EF4-FFF2-40B4-BE49-F238E27FC236}">
+                  <a16:creationId xmlns:a16="http://schemas.microsoft.com/office/drawing/2014/main" id="{80A5C950-6480-44E0-9D50-F193147D556C}"/>
+                </a:ext>
+                <a:ext uri="{C183D7F6-B498-43B3-948B-1728B52AA6E4}">
+                  <adec:decorative xmlns:adec="http://schemas.microsoft.com/office/drawing/2017/decorative" val="1"/>
+                </a:ext>
+              </a:extLst>
+            </p:cNvPr>
+            <p:cNvCxnSpPr/>
+            <p:nvPr>
+              <p:extLst>
+                <p:ext uri="{386F3935-93C4-4BCD-93E2-E3B085C9AB24}">
+                  <p16:designElem xmlns:p16="http://schemas.microsoft.com/office/powerpoint/2015/main" val="1"/>
+                </p:ext>
+              </p:extLst>
+            </p:nvPr>
+          </p:nvCxnSpPr>
+          <p:spPr>
+            <a:xfrm rot="-1080000" flipH="1">
+              <a:off x="8160824" y="482375"/>
+              <a:ext cx="3394" cy="182880"/>
+            </a:xfrm>
+            <a:prstGeom prst="line">
+              <a:avLst/>
+            </a:prstGeom>
+            <a:ln>
+              <a:solidFill>
+                <a:srgbClr val="FFFFFF">
+                  <a:alpha val="30196"/>
+                </a:srgbClr>
+              </a:solidFill>
+            </a:ln>
+          </p:spPr>
+          <p:style>
+            <a:lnRef idx="1">
+              <a:schemeClr val="accent1"/>
+            </a:lnRef>
+            <a:fillRef idx="0">
+              <a:schemeClr val="accent1"/>
+            </a:fillRef>
+            <a:effectRef idx="0">
+              <a:schemeClr val="accent1"/>
+            </a:effectRef>
+            <a:fontRef idx="minor">
+              <a:schemeClr val="tx1"/>
+            </a:fontRef>
+          </p:style>
+        </p:cxnSp>
+        <p:cxnSp>
+          <p:nvCxnSpPr>
+            <p:cNvPr id="56" name="Straight Connector 55">
+              <a:extLst>
+                <a:ext uri="{FF2B5EF4-FFF2-40B4-BE49-F238E27FC236}">
+                  <a16:creationId xmlns:a16="http://schemas.microsoft.com/office/drawing/2014/main" id="{C68F1BDE-24EB-4308-AB69-F353C8598B47}"/>
+                </a:ext>
+                <a:ext uri="{C183D7F6-B498-43B3-948B-1728B52AA6E4}">
+                  <adec:decorative xmlns:adec="http://schemas.microsoft.com/office/drawing/2017/decorative" val="1"/>
+                </a:ext>
+              </a:extLst>
+            </p:cNvPr>
+            <p:cNvCxnSpPr/>
+            <p:nvPr>
+              <p:extLst>
+                <p:ext uri="{386F3935-93C4-4BCD-93E2-E3B085C9AB24}">
+                  <p16:designElem xmlns:p16="http://schemas.microsoft.com/office/powerpoint/2015/main" val="1"/>
+                </p:ext>
+              </p:extLst>
+            </p:nvPr>
+          </p:nvCxnSpPr>
+          <p:spPr>
+            <a:xfrm rot="-1260000" flipH="1">
+              <a:off x="8027689" y="531848"/>
+              <a:ext cx="3394" cy="182880"/>
+            </a:xfrm>
+            <a:prstGeom prst="line">
+              <a:avLst/>
+            </a:prstGeom>
+            <a:ln>
+              <a:solidFill>
+                <a:srgbClr val="FFFFFF">
+                  <a:alpha val="30196"/>
+                </a:srgbClr>
+              </a:solidFill>
+            </a:ln>
+          </p:spPr>
+          <p:style>
+            <a:lnRef idx="1">
+              <a:schemeClr val="accent1"/>
+            </a:lnRef>
+            <a:fillRef idx="0">
+              <a:schemeClr val="accent1"/>
+            </a:fillRef>
+            <a:effectRef idx="0">
+              <a:schemeClr val="accent1"/>
+            </a:effectRef>
+            <a:fontRef idx="minor">
+              <a:schemeClr val="tx1"/>
+            </a:fontRef>
+          </p:style>
+        </p:cxnSp>
+        <p:cxnSp>
+          <p:nvCxnSpPr>
+            <p:cNvPr id="57" name="Straight Connector 56">
+              <a:extLst>
+                <a:ext uri="{FF2B5EF4-FFF2-40B4-BE49-F238E27FC236}">
+                  <a16:creationId xmlns:a16="http://schemas.microsoft.com/office/drawing/2014/main" id="{D83E12EF-845B-41E6-BA82-F6CD46C0FEAE}"/>
+                </a:ext>
+                <a:ext uri="{C183D7F6-B498-43B3-948B-1728B52AA6E4}">
+                  <adec:decorative xmlns:adec="http://schemas.microsoft.com/office/drawing/2017/decorative" val="1"/>
+                </a:ext>
+              </a:extLst>
+            </p:cNvPr>
+            <p:cNvCxnSpPr/>
+            <p:nvPr>
+              <p:extLst>
+                <p:ext uri="{386F3935-93C4-4BCD-93E2-E3B085C9AB24}">
+                  <p16:designElem xmlns:p16="http://schemas.microsoft.com/office/powerpoint/2015/main" val="1"/>
+                </p:ext>
+              </p:extLst>
+            </p:nvPr>
+          </p:nvCxnSpPr>
+          <p:spPr>
+            <a:xfrm rot="-1380000" flipH="1">
+              <a:off x="7894554" y="581321"/>
+              <a:ext cx="3394" cy="182880"/>
+            </a:xfrm>
+            <a:prstGeom prst="line">
+              <a:avLst/>
+            </a:prstGeom>
+            <a:ln>
+              <a:solidFill>
+                <a:srgbClr val="FFFFFF">
+                  <a:alpha val="30196"/>
+                </a:srgbClr>
+              </a:solidFill>
+            </a:ln>
+          </p:spPr>
+          <p:style>
+            <a:lnRef idx="1">
+              <a:schemeClr val="accent1"/>
+            </a:lnRef>
+            <a:fillRef idx="0">
+              <a:schemeClr val="accent1"/>
+            </a:fillRef>
+            <a:effectRef idx="0">
+              <a:schemeClr val="accent1"/>
+            </a:effectRef>
+            <a:fontRef idx="minor">
+              <a:schemeClr val="tx1"/>
+            </a:fontRef>
+          </p:style>
+        </p:cxnSp>
+        <p:cxnSp>
+          <p:nvCxnSpPr>
+            <p:cNvPr id="58" name="Straight Connector 57">
+              <a:extLst>
+                <a:ext uri="{FF2B5EF4-FFF2-40B4-BE49-F238E27FC236}">
+                  <a16:creationId xmlns:a16="http://schemas.microsoft.com/office/drawing/2014/main" id="{E646EE72-4D70-46B4-B655-74722AAC2ADB}"/>
+                </a:ext>
+                <a:ext uri="{C183D7F6-B498-43B3-948B-1728B52AA6E4}">
+                  <adec:decorative xmlns:adec="http://schemas.microsoft.com/office/drawing/2017/decorative" val="1"/>
+                </a:ext>
+              </a:extLst>
+            </p:cNvPr>
+            <p:cNvCxnSpPr/>
+            <p:nvPr>
+              <p:extLst>
+                <p:ext uri="{386F3935-93C4-4BCD-93E2-E3B085C9AB24}">
+                  <p16:designElem xmlns:p16="http://schemas.microsoft.com/office/powerpoint/2015/main" val="1"/>
+                </p:ext>
+              </p:extLst>
+            </p:nvPr>
+          </p:nvCxnSpPr>
+          <p:spPr>
+            <a:xfrm rot="-1500000" flipH="1">
+              <a:off x="7761419" y="630794"/>
+              <a:ext cx="3394" cy="182880"/>
+            </a:xfrm>
+            <a:prstGeom prst="line">
+              <a:avLst/>
+            </a:prstGeom>
+            <a:ln>
+              <a:solidFill>
+                <a:srgbClr val="FFFFFF">
+                  <a:alpha val="30196"/>
+                </a:srgbClr>
+              </a:solidFill>
+            </a:ln>
+          </p:spPr>
+          <p:style>
+            <a:lnRef idx="1">
+              <a:schemeClr val="accent1"/>
+            </a:lnRef>
+            <a:fillRef idx="0">
+              <a:schemeClr val="accent1"/>
+            </a:fillRef>
+            <a:effectRef idx="0">
+              <a:schemeClr val="accent1"/>
+            </a:effectRef>
+            <a:fontRef idx="minor">
+              <a:schemeClr val="tx1"/>
+            </a:fontRef>
+          </p:style>
+        </p:cxnSp>
+        <p:cxnSp>
+          <p:nvCxnSpPr>
+            <p:cNvPr id="59" name="Straight Connector 58">
+              <a:extLst>
+                <a:ext uri="{FF2B5EF4-FFF2-40B4-BE49-F238E27FC236}">
+                  <a16:creationId xmlns:a16="http://schemas.microsoft.com/office/drawing/2014/main" id="{72BB073B-89FD-4B47-814B-A8EE7A1EE18D}"/>
+                </a:ext>
+                <a:ext uri="{C183D7F6-B498-43B3-948B-1728B52AA6E4}">
+                  <adec:decorative xmlns:adec="http://schemas.microsoft.com/office/drawing/2017/decorative" val="1"/>
+                </a:ext>
+              </a:extLst>
+            </p:cNvPr>
+            <p:cNvCxnSpPr/>
+            <p:nvPr>
+              <p:extLst>
+                <p:ext uri="{386F3935-93C4-4BCD-93E2-E3B085C9AB24}">
+                  <p16:designElem xmlns:p16="http://schemas.microsoft.com/office/powerpoint/2015/main" val="1"/>
+                </p:ext>
+              </p:extLst>
+            </p:nvPr>
+          </p:nvCxnSpPr>
+          <p:spPr>
+            <a:xfrm rot="-1620000" flipH="1">
+              <a:off x="7636645" y="689804"/>
+              <a:ext cx="3394" cy="182880"/>
+            </a:xfrm>
+            <a:prstGeom prst="line">
+              <a:avLst/>
+            </a:prstGeom>
+            <a:ln>
+              <a:solidFill>
+                <a:srgbClr val="FFFFFF">
+                  <a:alpha val="30196"/>
+                </a:srgbClr>
+              </a:solidFill>
+            </a:ln>
+          </p:spPr>
+          <p:style>
+            <a:lnRef idx="1">
+              <a:schemeClr val="accent1"/>
+            </a:lnRef>
+            <a:fillRef idx="0">
+              <a:schemeClr val="accent1"/>
+            </a:fillRef>
+            <a:effectRef idx="0">
+              <a:schemeClr val="accent1"/>
+            </a:effectRef>
+            <a:fontRef idx="minor">
+              <a:schemeClr val="tx1"/>
+            </a:fontRef>
+          </p:style>
+        </p:cxnSp>
+        <p:cxnSp>
+          <p:nvCxnSpPr>
+            <p:cNvPr id="60" name="Straight Connector 59">
+              <a:extLst>
+                <a:ext uri="{FF2B5EF4-FFF2-40B4-BE49-F238E27FC236}">
+                  <a16:creationId xmlns:a16="http://schemas.microsoft.com/office/drawing/2014/main" id="{EEE25488-63A9-43E5-A03F-2E628C3B2115}"/>
+                </a:ext>
+                <a:ext uri="{C183D7F6-B498-43B3-948B-1728B52AA6E4}">
+                  <adec:decorative xmlns:adec="http://schemas.microsoft.com/office/drawing/2017/decorative" val="1"/>
+                </a:ext>
+              </a:extLst>
+            </p:cNvPr>
+            <p:cNvCxnSpPr/>
+            <p:nvPr>
+              <p:extLst>
+                <p:ext uri="{386F3935-93C4-4BCD-93E2-E3B085C9AB24}">
+                  <p16:designElem xmlns:p16="http://schemas.microsoft.com/office/powerpoint/2015/main" val="1"/>
+                </p:ext>
+              </p:extLst>
+            </p:nvPr>
+          </p:nvCxnSpPr>
+          <p:spPr>
+            <a:xfrm rot="-1800000" flipH="1">
+              <a:off x="7511871" y="751195"/>
+              <a:ext cx="3394" cy="182880"/>
+            </a:xfrm>
+            <a:prstGeom prst="line">
+              <a:avLst/>
+            </a:prstGeom>
+            <a:ln>
+              <a:solidFill>
+                <a:srgbClr val="FFFFFF">
+                  <a:alpha val="30196"/>
+                </a:srgbClr>
+              </a:solidFill>
+            </a:ln>
+          </p:spPr>
+          <p:style>
+            <a:lnRef idx="1">
+              <a:schemeClr val="accent1"/>
+            </a:lnRef>
+            <a:fillRef idx="0">
+              <a:schemeClr val="accent1"/>
+            </a:fillRef>
+            <a:effectRef idx="0">
+              <a:schemeClr val="accent1"/>
+            </a:effectRef>
+            <a:fontRef idx="minor">
+              <a:schemeClr val="tx1"/>
+            </a:fontRef>
+          </p:style>
+        </p:cxnSp>
+        <p:cxnSp>
+          <p:nvCxnSpPr>
+            <p:cNvPr id="61" name="Straight Connector 60">
+              <a:extLst>
+                <a:ext uri="{FF2B5EF4-FFF2-40B4-BE49-F238E27FC236}">
+                  <a16:creationId xmlns:a16="http://schemas.microsoft.com/office/drawing/2014/main" id="{2BE7FDEE-BD70-4D8F-B5CE-4D03F1D00E67}"/>
+                </a:ext>
+                <a:ext uri="{C183D7F6-B498-43B3-948B-1728B52AA6E4}">
+                  <adec:decorative xmlns:adec="http://schemas.microsoft.com/office/drawing/2017/decorative" val="1"/>
+                </a:ext>
+              </a:extLst>
+            </p:cNvPr>
+            <p:cNvCxnSpPr/>
+            <p:nvPr>
+              <p:extLst>
+                <p:ext uri="{386F3935-93C4-4BCD-93E2-E3B085C9AB24}">
+                  <p16:designElem xmlns:p16="http://schemas.microsoft.com/office/powerpoint/2015/main" val="1"/>
+                </p:ext>
+              </p:extLst>
+            </p:nvPr>
+          </p:nvCxnSpPr>
+          <p:spPr>
+            <a:xfrm rot="-1920000" flipH="1">
+              <a:off x="7387899" y="819771"/>
+              <a:ext cx="3394" cy="182880"/>
+            </a:xfrm>
+            <a:prstGeom prst="line">
+              <a:avLst/>
+            </a:prstGeom>
+            <a:ln>
+              <a:solidFill>
+                <a:srgbClr val="FFFFFF">
+                  <a:alpha val="30196"/>
+                </a:srgbClr>
+              </a:solidFill>
+            </a:ln>
+          </p:spPr>
+          <p:style>
+            <a:lnRef idx="1">
+              <a:schemeClr val="accent1"/>
+            </a:lnRef>
+            <a:fillRef idx="0">
+              <a:schemeClr val="accent1"/>
+            </a:fillRef>
+            <a:effectRef idx="0">
+              <a:schemeClr val="accent1"/>
+            </a:effectRef>
+            <a:fontRef idx="minor">
+              <a:schemeClr val="tx1"/>
+            </a:fontRef>
+          </p:style>
+        </p:cxnSp>
+        <p:cxnSp>
+          <p:nvCxnSpPr>
+            <p:cNvPr id="62" name="Straight Connector 61">
+              <a:extLst>
+                <a:ext uri="{FF2B5EF4-FFF2-40B4-BE49-F238E27FC236}">
+                  <a16:creationId xmlns:a16="http://schemas.microsoft.com/office/drawing/2014/main" id="{3039673A-8522-4BFC-B8B2-7F2FEAED418D}"/>
+                </a:ext>
+                <a:ext uri="{C183D7F6-B498-43B3-948B-1728B52AA6E4}">
+                  <adec:decorative xmlns:adec="http://schemas.microsoft.com/office/drawing/2017/decorative" val="1"/>
+                </a:ext>
+              </a:extLst>
+            </p:cNvPr>
+            <p:cNvCxnSpPr/>
+            <p:nvPr>
+              <p:extLst>
+                <p:ext uri="{386F3935-93C4-4BCD-93E2-E3B085C9AB24}">
+                  <p16:designElem xmlns:p16="http://schemas.microsoft.com/office/powerpoint/2015/main" val="1"/>
+                </p:ext>
+              </p:extLst>
+            </p:nvPr>
+          </p:nvCxnSpPr>
+          <p:spPr>
+            <a:xfrm rot="-2040000" flipH="1">
+              <a:off x="7268530" y="893163"/>
+              <a:ext cx="3394" cy="182880"/>
+            </a:xfrm>
+            <a:prstGeom prst="line">
+              <a:avLst/>
+            </a:prstGeom>
+            <a:ln>
+              <a:solidFill>
+                <a:srgbClr val="FFFFFF">
+                  <a:alpha val="30196"/>
+                </a:srgbClr>
+              </a:solidFill>
+            </a:ln>
+          </p:spPr>
+          <p:style>
+            <a:lnRef idx="1">
+              <a:schemeClr val="accent1"/>
+            </a:lnRef>
+            <a:fillRef idx="0">
+              <a:schemeClr val="accent1"/>
+            </a:fillRef>
+            <a:effectRef idx="0">
+              <a:schemeClr val="accent1"/>
+            </a:effectRef>
+            <a:fontRef idx="minor">
+              <a:schemeClr val="tx1"/>
+            </a:fontRef>
+          </p:style>
+        </p:cxnSp>
+        <p:cxnSp>
+          <p:nvCxnSpPr>
+            <p:cNvPr id="63" name="Straight Connector 62">
+              <a:extLst>
+                <a:ext uri="{FF2B5EF4-FFF2-40B4-BE49-F238E27FC236}">
+                  <a16:creationId xmlns:a16="http://schemas.microsoft.com/office/drawing/2014/main" id="{47AB08C4-AF01-4D1D-90EA-A4113CFF994C}"/>
+                </a:ext>
+                <a:ext uri="{C183D7F6-B498-43B3-948B-1728B52AA6E4}">
+                  <adec:decorative xmlns:adec="http://schemas.microsoft.com/office/drawing/2017/decorative" val="1"/>
+                </a:ext>
+              </a:extLst>
+            </p:cNvPr>
+            <p:cNvCxnSpPr/>
+            <p:nvPr>
+              <p:extLst>
+                <p:ext uri="{386F3935-93C4-4BCD-93E2-E3B085C9AB24}">
+                  <p16:designElem xmlns:p16="http://schemas.microsoft.com/office/powerpoint/2015/main" val="1"/>
+                </p:ext>
+              </p:extLst>
+            </p:nvPr>
+          </p:nvCxnSpPr>
+          <p:spPr>
+            <a:xfrm rot="-2160000" flipH="1">
+              <a:off x="7152030" y="976584"/>
+              <a:ext cx="3394" cy="182880"/>
+            </a:xfrm>
+            <a:prstGeom prst="line">
+              <a:avLst/>
+            </a:prstGeom>
+            <a:ln>
+              <a:solidFill>
+                <a:srgbClr val="FFFFFF">
+                  <a:alpha val="30196"/>
+                </a:srgbClr>
+              </a:solidFill>
+            </a:ln>
+          </p:spPr>
+          <p:style>
+            <a:lnRef idx="1">
+              <a:schemeClr val="accent1"/>
+            </a:lnRef>
+            <a:fillRef idx="0">
+              <a:schemeClr val="accent1"/>
+            </a:fillRef>
+            <a:effectRef idx="0">
+              <a:schemeClr val="accent1"/>
+            </a:effectRef>
+            <a:fontRef idx="minor">
+              <a:schemeClr val="tx1"/>
+            </a:fontRef>
+          </p:style>
+        </p:cxnSp>
+        <p:cxnSp>
+          <p:nvCxnSpPr>
+            <p:cNvPr id="64" name="Straight Connector 63">
+              <a:extLst>
+                <a:ext uri="{FF2B5EF4-FFF2-40B4-BE49-F238E27FC236}">
+                  <a16:creationId xmlns:a16="http://schemas.microsoft.com/office/drawing/2014/main" id="{FC8E7B06-FF45-4365-9DF4-E8E315A5B34F}"/>
+                </a:ext>
+                <a:ext uri="{C183D7F6-B498-43B3-948B-1728B52AA6E4}">
+                  <adec:decorative xmlns:adec="http://schemas.microsoft.com/office/drawing/2017/decorative" val="1"/>
+                </a:ext>
+              </a:extLst>
+            </p:cNvPr>
+            <p:cNvCxnSpPr/>
+            <p:nvPr>
+              <p:extLst>
+                <p:ext uri="{386F3935-93C4-4BCD-93E2-E3B085C9AB24}">
+                  <p16:designElem xmlns:p16="http://schemas.microsoft.com/office/powerpoint/2015/main" val="1"/>
+                </p:ext>
+              </p:extLst>
+            </p:nvPr>
+          </p:nvCxnSpPr>
+          <p:spPr>
+            <a:xfrm rot="-2340000" flipH="1">
+              <a:off x="7041695" y="1060025"/>
+              <a:ext cx="3394" cy="182880"/>
+            </a:xfrm>
+            <a:prstGeom prst="line">
+              <a:avLst/>
+            </a:prstGeom>
+            <a:ln>
+              <a:solidFill>
+                <a:srgbClr val="FFFFFF">
+                  <a:alpha val="30196"/>
+                </a:srgbClr>
+              </a:solidFill>
+            </a:ln>
+          </p:spPr>
+          <p:style>
+            <a:lnRef idx="1">
+              <a:schemeClr val="accent1"/>
+            </a:lnRef>
+            <a:fillRef idx="0">
+              <a:schemeClr val="accent1"/>
+            </a:fillRef>
+            <a:effectRef idx="0">
+              <a:schemeClr val="accent1"/>
+            </a:effectRef>
+            <a:fontRef idx="minor">
+              <a:schemeClr val="tx1"/>
+            </a:fontRef>
+          </p:style>
+        </p:cxnSp>
+        <p:cxnSp>
+          <p:nvCxnSpPr>
+            <p:cNvPr id="65" name="Straight Connector 64">
+              <a:extLst>
+                <a:ext uri="{FF2B5EF4-FFF2-40B4-BE49-F238E27FC236}">
+                  <a16:creationId xmlns:a16="http://schemas.microsoft.com/office/drawing/2014/main" id="{08F00765-F5EC-427C-A7A1-CDFA0406F2AE}"/>
+                </a:ext>
+                <a:ext uri="{C183D7F6-B498-43B3-948B-1728B52AA6E4}">
+                  <adec:decorative xmlns:adec="http://schemas.microsoft.com/office/drawing/2017/decorative" val="1"/>
+                </a:ext>
+              </a:extLst>
+            </p:cNvPr>
+            <p:cNvCxnSpPr/>
+            <p:nvPr>
+              <p:extLst>
+                <p:ext uri="{386F3935-93C4-4BCD-93E2-E3B085C9AB24}">
+                  <p16:designElem xmlns:p16="http://schemas.microsoft.com/office/powerpoint/2015/main" val="1"/>
+                </p:ext>
+              </p:extLst>
+            </p:nvPr>
+          </p:nvCxnSpPr>
+          <p:spPr>
+            <a:xfrm rot="-2460000" flipH="1">
+              <a:off x="6931360" y="1143466"/>
+              <a:ext cx="3394" cy="182880"/>
+            </a:xfrm>
+            <a:prstGeom prst="line">
+              <a:avLst/>
+            </a:prstGeom>
+            <a:ln>
+              <a:solidFill>
+                <a:srgbClr val="FFFFFF">
+                  <a:alpha val="30196"/>
+                </a:srgbClr>
+              </a:solidFill>
+            </a:ln>
+          </p:spPr>
+          <p:style>
+            <a:lnRef idx="1">
+              <a:schemeClr val="accent1"/>
+            </a:lnRef>
+            <a:fillRef idx="0">
+              <a:schemeClr val="accent1"/>
+            </a:fillRef>
+            <a:effectRef idx="0">
+              <a:schemeClr val="accent1"/>
+            </a:effectRef>
+            <a:fontRef idx="minor">
+              <a:schemeClr val="tx1"/>
+            </a:fontRef>
+          </p:style>
+        </p:cxnSp>
+        <p:cxnSp>
+          <p:nvCxnSpPr>
+            <p:cNvPr id="66" name="Straight Connector 65">
+              <a:extLst>
+                <a:ext uri="{FF2B5EF4-FFF2-40B4-BE49-F238E27FC236}">
+                  <a16:creationId xmlns:a16="http://schemas.microsoft.com/office/drawing/2014/main" id="{2FE1EF8A-C81D-4879-9142-3697CA0BCBD9}"/>
+                </a:ext>
+                <a:ext uri="{C183D7F6-B498-43B3-948B-1728B52AA6E4}">
+                  <adec:decorative xmlns:adec="http://schemas.microsoft.com/office/drawing/2017/decorative" val="1"/>
+                </a:ext>
+              </a:extLst>
+            </p:cNvPr>
+            <p:cNvCxnSpPr/>
+            <p:nvPr>
+              <p:extLst>
+                <p:ext uri="{386F3935-93C4-4BCD-93E2-E3B085C9AB24}">
+                  <p16:designElem xmlns:p16="http://schemas.microsoft.com/office/powerpoint/2015/main" val="1"/>
+                </p:ext>
+              </p:extLst>
+            </p:nvPr>
+          </p:nvCxnSpPr>
+          <p:spPr>
+            <a:xfrm rot="-2580000" flipH="1">
+              <a:off x="6819070" y="1235864"/>
+              <a:ext cx="3394" cy="182880"/>
+            </a:xfrm>
+            <a:prstGeom prst="line">
+              <a:avLst/>
+            </a:prstGeom>
+            <a:ln>
+              <a:solidFill>
+                <a:srgbClr val="FFFFFF">
+                  <a:alpha val="30196"/>
+                </a:srgbClr>
+              </a:solidFill>
+            </a:ln>
+          </p:spPr>
+          <p:style>
+            <a:lnRef idx="1">
+              <a:schemeClr val="accent1"/>
+            </a:lnRef>
+            <a:fillRef idx="0">
+              <a:schemeClr val="accent1"/>
+            </a:fillRef>
+            <a:effectRef idx="0">
+              <a:schemeClr val="accent1"/>
+            </a:effectRef>
+            <a:fontRef idx="minor">
+              <a:schemeClr val="tx1"/>
+            </a:fontRef>
+          </p:style>
+        </p:cxnSp>
+        <p:cxnSp>
+          <p:nvCxnSpPr>
+            <p:cNvPr id="67" name="Straight Connector 66">
+              <a:extLst>
+                <a:ext uri="{FF2B5EF4-FFF2-40B4-BE49-F238E27FC236}">
+                  <a16:creationId xmlns:a16="http://schemas.microsoft.com/office/drawing/2014/main" id="{D80C0B62-6F07-4DD2-B308-F3C29F294438}"/>
+                </a:ext>
+                <a:ext uri="{C183D7F6-B498-43B3-948B-1728B52AA6E4}">
+                  <adec:decorative xmlns:adec="http://schemas.microsoft.com/office/drawing/2017/decorative" val="1"/>
+                </a:ext>
+              </a:extLst>
+            </p:cNvPr>
+            <p:cNvCxnSpPr/>
+            <p:nvPr>
+              <p:extLst>
+                <p:ext uri="{386F3935-93C4-4BCD-93E2-E3B085C9AB24}">
+                  <p16:designElem xmlns:p16="http://schemas.microsoft.com/office/powerpoint/2015/main" val="1"/>
+                </p:ext>
+              </p:extLst>
+            </p:nvPr>
+          </p:nvCxnSpPr>
+          <p:spPr>
+            <a:xfrm rot="-2700000" flipH="1">
+              <a:off x="6721359" y="1332746"/>
+              <a:ext cx="3394" cy="182880"/>
+            </a:xfrm>
+            <a:prstGeom prst="line">
+              <a:avLst/>
+            </a:prstGeom>
+            <a:ln>
+              <a:solidFill>
+                <a:srgbClr val="FFFFFF">
+                  <a:alpha val="30196"/>
+                </a:srgbClr>
+              </a:solidFill>
+            </a:ln>
+          </p:spPr>
+          <p:style>
+            <a:lnRef idx="1">
+              <a:schemeClr val="accent1"/>
+            </a:lnRef>
+            <a:fillRef idx="0">
+              <a:schemeClr val="accent1"/>
+            </a:fillRef>
+            <a:effectRef idx="0">
+              <a:schemeClr val="accent1"/>
+            </a:effectRef>
+            <a:fontRef idx="minor">
+              <a:schemeClr val="tx1"/>
+            </a:fontRef>
+          </p:style>
+        </p:cxnSp>
+        <p:cxnSp>
+          <p:nvCxnSpPr>
+            <p:cNvPr id="68" name="Straight Connector 67">
+              <a:extLst>
+                <a:ext uri="{FF2B5EF4-FFF2-40B4-BE49-F238E27FC236}">
+                  <a16:creationId xmlns:a16="http://schemas.microsoft.com/office/drawing/2014/main" id="{E9C7C8CB-2D13-4138-B3C1-B78EC19B59D6}"/>
+                </a:ext>
+                <a:ext uri="{C183D7F6-B498-43B3-948B-1728B52AA6E4}">
+                  <adec:decorative xmlns:adec="http://schemas.microsoft.com/office/drawing/2017/decorative" val="1"/>
+                </a:ext>
+              </a:extLst>
+            </p:cNvPr>
+            <p:cNvCxnSpPr/>
+            <p:nvPr>
+              <p:extLst>
+                <p:ext uri="{386F3935-93C4-4BCD-93E2-E3B085C9AB24}">
+                  <p16:designElem xmlns:p16="http://schemas.microsoft.com/office/powerpoint/2015/main" val="1"/>
+                </p:ext>
+              </p:extLst>
+            </p:nvPr>
+          </p:nvCxnSpPr>
+          <p:spPr>
+            <a:xfrm rot="-2880000" flipH="1">
+              <a:off x="6617467" y="1429423"/>
+              <a:ext cx="3394" cy="182880"/>
+            </a:xfrm>
+            <a:prstGeom prst="line">
+              <a:avLst/>
+            </a:prstGeom>
+            <a:ln>
+              <a:solidFill>
+                <a:srgbClr val="FFFFFF">
+                  <a:alpha val="30196"/>
+                </a:srgbClr>
+              </a:solidFill>
+            </a:ln>
+          </p:spPr>
+          <p:style>
+            <a:lnRef idx="1">
+              <a:schemeClr val="accent1"/>
+            </a:lnRef>
+            <a:fillRef idx="0">
+              <a:schemeClr val="accent1"/>
+            </a:fillRef>
+            <a:effectRef idx="0">
+              <a:schemeClr val="accent1"/>
+            </a:effectRef>
+            <a:fontRef idx="minor">
+              <a:schemeClr val="tx1"/>
+            </a:fontRef>
+          </p:style>
+        </p:cxnSp>
+        <p:cxnSp>
+          <p:nvCxnSpPr>
+            <p:cNvPr id="69" name="Straight Connector 68">
+              <a:extLst>
+                <a:ext uri="{FF2B5EF4-FFF2-40B4-BE49-F238E27FC236}">
+                  <a16:creationId xmlns:a16="http://schemas.microsoft.com/office/drawing/2014/main" id="{8EB1BC7E-04BC-423C-843D-7C149C25A1A8}"/>
+                </a:ext>
+                <a:ext uri="{C183D7F6-B498-43B3-948B-1728B52AA6E4}">
+                  <adec:decorative xmlns:adec="http://schemas.microsoft.com/office/drawing/2017/decorative" val="1"/>
+                </a:ext>
+              </a:extLst>
+            </p:cNvPr>
+            <p:cNvCxnSpPr/>
+            <p:nvPr>
+              <p:extLst>
+                <p:ext uri="{386F3935-93C4-4BCD-93E2-E3B085C9AB24}">
+                  <p16:designElem xmlns:p16="http://schemas.microsoft.com/office/powerpoint/2015/main" val="1"/>
+                </p:ext>
+              </p:extLst>
+            </p:nvPr>
+          </p:nvCxnSpPr>
+          <p:spPr>
+            <a:xfrm rot="-3000000" flipH="1">
+              <a:off x="6520032" y="1527285"/>
+              <a:ext cx="3394" cy="182880"/>
+            </a:xfrm>
+            <a:prstGeom prst="line">
+              <a:avLst/>
+            </a:prstGeom>
+            <a:ln>
+              <a:solidFill>
+                <a:srgbClr val="FFFFFF">
+                  <a:alpha val="30196"/>
+                </a:srgbClr>
+              </a:solidFill>
+            </a:ln>
+          </p:spPr>
+          <p:style>
+            <a:lnRef idx="1">
+              <a:schemeClr val="accent1"/>
+            </a:lnRef>
+            <a:fillRef idx="0">
+              <a:schemeClr val="accent1"/>
+            </a:fillRef>
+            <a:effectRef idx="0">
+              <a:schemeClr val="accent1"/>
+            </a:effectRef>
+            <a:fontRef idx="minor">
+              <a:schemeClr val="tx1"/>
+            </a:fontRef>
+          </p:style>
+        </p:cxnSp>
+        <p:cxnSp>
+          <p:nvCxnSpPr>
+            <p:cNvPr id="70" name="Straight Connector 69">
+              <a:extLst>
+                <a:ext uri="{FF2B5EF4-FFF2-40B4-BE49-F238E27FC236}">
+                  <a16:creationId xmlns:a16="http://schemas.microsoft.com/office/drawing/2014/main" id="{A8BA62C3-B17C-4AD0-B585-1C42ED74560C}"/>
+                </a:ext>
+                <a:ext uri="{C183D7F6-B498-43B3-948B-1728B52AA6E4}">
+                  <adec:decorative xmlns:adec="http://schemas.microsoft.com/office/drawing/2017/decorative" val="1"/>
+                </a:ext>
+              </a:extLst>
+            </p:cNvPr>
+            <p:cNvCxnSpPr/>
+            <p:nvPr>
+              <p:extLst>
+                <p:ext uri="{386F3935-93C4-4BCD-93E2-E3B085C9AB24}">
+                  <p16:designElem xmlns:p16="http://schemas.microsoft.com/office/powerpoint/2015/main" val="1"/>
+                </p:ext>
+              </p:extLst>
+            </p:nvPr>
+          </p:nvCxnSpPr>
+          <p:spPr>
+            <a:xfrm rot="-3120000" flipH="1">
+              <a:off x="6429579" y="1641610"/>
+              <a:ext cx="3394" cy="182880"/>
+            </a:xfrm>
+            <a:prstGeom prst="line">
+              <a:avLst/>
+            </a:prstGeom>
+            <a:ln>
+              <a:solidFill>
+                <a:srgbClr val="FFFFFF">
+                  <a:alpha val="30196"/>
+                </a:srgbClr>
+              </a:solidFill>
+            </a:ln>
+          </p:spPr>
+          <p:style>
+            <a:lnRef idx="1">
+              <a:schemeClr val="accent1"/>
+            </a:lnRef>
+            <a:fillRef idx="0">
+              <a:schemeClr val="accent1"/>
+            </a:fillRef>
+            <a:effectRef idx="0">
+              <a:schemeClr val="accent1"/>
+            </a:effectRef>
+            <a:fontRef idx="minor">
+              <a:schemeClr val="tx1"/>
+            </a:fontRef>
+          </p:style>
+        </p:cxnSp>
+        <p:cxnSp>
+          <p:nvCxnSpPr>
+            <p:cNvPr id="71" name="Straight Connector 70">
+              <a:extLst>
+                <a:ext uri="{FF2B5EF4-FFF2-40B4-BE49-F238E27FC236}">
+                  <a16:creationId xmlns:a16="http://schemas.microsoft.com/office/drawing/2014/main" id="{1B6F8BD1-22F9-4EE2-93C7-F859F3B9908D}"/>
+                </a:ext>
+                <a:ext uri="{C183D7F6-B498-43B3-948B-1728B52AA6E4}">
+                  <adec:decorative xmlns:adec="http://schemas.microsoft.com/office/drawing/2017/decorative" val="1"/>
+                </a:ext>
+              </a:extLst>
+            </p:cNvPr>
+            <p:cNvCxnSpPr/>
+            <p:nvPr>
+              <p:extLst>
+                <p:ext uri="{386F3935-93C4-4BCD-93E2-E3B085C9AB24}">
+                  <p16:designElem xmlns:p16="http://schemas.microsoft.com/office/powerpoint/2015/main" val="1"/>
+                </p:ext>
+              </p:extLst>
+            </p:nvPr>
+          </p:nvCxnSpPr>
+          <p:spPr>
+            <a:xfrm rot="-3240000" flipH="1">
+              <a:off x="6340532" y="1750423"/>
+              <a:ext cx="3394" cy="182880"/>
+            </a:xfrm>
+            <a:prstGeom prst="line">
+              <a:avLst/>
+            </a:prstGeom>
+            <a:ln>
+              <a:solidFill>
+                <a:srgbClr val="FFFFFF">
+                  <a:alpha val="30196"/>
+                </a:srgbClr>
+              </a:solidFill>
+            </a:ln>
+          </p:spPr>
+          <p:style>
+            <a:lnRef idx="1">
+              <a:schemeClr val="accent1"/>
+            </a:lnRef>
+            <a:fillRef idx="0">
+              <a:schemeClr val="accent1"/>
+            </a:fillRef>
+            <a:effectRef idx="0">
+              <a:schemeClr val="accent1"/>
+            </a:effectRef>
+            <a:fontRef idx="minor">
+              <a:schemeClr val="tx1"/>
+            </a:fontRef>
+          </p:style>
+        </p:cxnSp>
+        <p:cxnSp>
+          <p:nvCxnSpPr>
+            <p:cNvPr id="72" name="Straight Connector 71">
+              <a:extLst>
+                <a:ext uri="{FF2B5EF4-FFF2-40B4-BE49-F238E27FC236}">
+                  <a16:creationId xmlns:a16="http://schemas.microsoft.com/office/drawing/2014/main" id="{B173F2AA-33AE-4A43-AFA9-50C60D6F689E}"/>
+                </a:ext>
+                <a:ext uri="{C183D7F6-B498-43B3-948B-1728B52AA6E4}">
+                  <adec:decorative xmlns:adec="http://schemas.microsoft.com/office/drawing/2017/decorative" val="1"/>
+                </a:ext>
+              </a:extLst>
+            </p:cNvPr>
+            <p:cNvCxnSpPr/>
+            <p:nvPr>
+              <p:extLst>
+                <p:ext uri="{386F3935-93C4-4BCD-93E2-E3B085C9AB24}">
+                  <p16:designElem xmlns:p16="http://schemas.microsoft.com/office/powerpoint/2015/main" val="1"/>
+                </p:ext>
+              </p:extLst>
+            </p:nvPr>
+          </p:nvCxnSpPr>
+          <p:spPr>
+            <a:xfrm rot="-3420000" flipH="1">
+              <a:off x="6261757" y="1860178"/>
+              <a:ext cx="3394" cy="182880"/>
+            </a:xfrm>
+            <a:prstGeom prst="line">
+              <a:avLst/>
+            </a:prstGeom>
+            <a:ln>
+              <a:solidFill>
+                <a:srgbClr val="FFFFFF">
+                  <a:alpha val="30196"/>
+                </a:srgbClr>
+              </a:solidFill>
+            </a:ln>
+          </p:spPr>
+          <p:style>
+            <a:lnRef idx="1">
+              <a:schemeClr val="accent1"/>
+            </a:lnRef>
+            <a:fillRef idx="0">
+              <a:schemeClr val="accent1"/>
+            </a:fillRef>
+            <a:effectRef idx="0">
+              <a:schemeClr val="accent1"/>
+            </a:effectRef>
+            <a:fontRef idx="minor">
+              <a:schemeClr val="tx1"/>
+            </a:fontRef>
+          </p:style>
+        </p:cxnSp>
+        <p:cxnSp>
+          <p:nvCxnSpPr>
+            <p:cNvPr id="73" name="Straight Connector 72">
+              <a:extLst>
+                <a:ext uri="{FF2B5EF4-FFF2-40B4-BE49-F238E27FC236}">
+                  <a16:creationId xmlns:a16="http://schemas.microsoft.com/office/drawing/2014/main" id="{16339DB1-5BB0-42C5-B12D-7555AD403DAA}"/>
+                </a:ext>
+                <a:ext uri="{C183D7F6-B498-43B3-948B-1728B52AA6E4}">
+                  <adec:decorative xmlns:adec="http://schemas.microsoft.com/office/drawing/2017/decorative" val="1"/>
+                </a:ext>
+              </a:extLst>
+            </p:cNvPr>
+            <p:cNvCxnSpPr/>
+            <p:nvPr>
+              <p:extLst>
+                <p:ext uri="{386F3935-93C4-4BCD-93E2-E3B085C9AB24}">
+                  <p16:designElem xmlns:p16="http://schemas.microsoft.com/office/powerpoint/2015/main" val="1"/>
+                </p:ext>
+              </p:extLst>
+            </p:nvPr>
+          </p:nvCxnSpPr>
+          <p:spPr>
+            <a:xfrm rot="-3540000" flipH="1">
+              <a:off x="6184144" y="1979619"/>
+              <a:ext cx="3394" cy="182880"/>
+            </a:xfrm>
+            <a:prstGeom prst="line">
+              <a:avLst/>
+            </a:prstGeom>
+            <a:ln>
+              <a:solidFill>
+                <a:srgbClr val="FFFFFF">
+                  <a:alpha val="30196"/>
+                </a:srgbClr>
+              </a:solidFill>
+            </a:ln>
+          </p:spPr>
+          <p:style>
+            <a:lnRef idx="1">
+              <a:schemeClr val="accent1"/>
+            </a:lnRef>
+            <a:fillRef idx="0">
+              <a:schemeClr val="accent1"/>
+            </a:fillRef>
+            <a:effectRef idx="0">
+              <a:schemeClr val="accent1"/>
+            </a:effectRef>
+            <a:fontRef idx="minor">
+              <a:schemeClr val="tx1"/>
+            </a:fontRef>
+          </p:style>
+        </p:cxnSp>
+        <p:cxnSp>
+          <p:nvCxnSpPr>
+            <p:cNvPr id="74" name="Straight Connector 73">
+              <a:extLst>
+                <a:ext uri="{FF2B5EF4-FFF2-40B4-BE49-F238E27FC236}">
+                  <a16:creationId xmlns:a16="http://schemas.microsoft.com/office/drawing/2014/main" id="{1413BF1A-CE02-41EB-8977-EBE39AE0DAB1}"/>
+                </a:ext>
+                <a:ext uri="{C183D7F6-B498-43B3-948B-1728B52AA6E4}">
+                  <adec:decorative xmlns:adec="http://schemas.microsoft.com/office/drawing/2017/decorative" val="1"/>
+                </a:ext>
+              </a:extLst>
+            </p:cNvPr>
+            <p:cNvCxnSpPr/>
+            <p:nvPr>
+              <p:extLst>
+                <p:ext uri="{386F3935-93C4-4BCD-93E2-E3B085C9AB24}">
+                  <p16:designElem xmlns:p16="http://schemas.microsoft.com/office/powerpoint/2015/main" val="1"/>
+                </p:ext>
+              </p:extLst>
+            </p:nvPr>
+          </p:nvCxnSpPr>
+          <p:spPr>
+            <a:xfrm rot="-3660000" flipH="1">
+              <a:off x="6106531" y="2099060"/>
+              <a:ext cx="3394" cy="182880"/>
+            </a:xfrm>
+            <a:prstGeom prst="line">
+              <a:avLst/>
+            </a:prstGeom>
+            <a:ln>
+              <a:solidFill>
+                <a:srgbClr val="FFFFFF">
+                  <a:alpha val="30196"/>
+                </a:srgbClr>
+              </a:solidFill>
+            </a:ln>
+          </p:spPr>
+          <p:style>
+            <a:lnRef idx="1">
+              <a:schemeClr val="accent1"/>
+            </a:lnRef>
+            <a:fillRef idx="0">
+              <a:schemeClr val="accent1"/>
+            </a:fillRef>
+            <a:effectRef idx="0">
+              <a:schemeClr val="accent1"/>
+            </a:effectRef>
+            <a:fontRef idx="minor">
+              <a:schemeClr val="tx1"/>
+            </a:fontRef>
+          </p:style>
+        </p:cxnSp>
+        <p:cxnSp>
+          <p:nvCxnSpPr>
+            <p:cNvPr id="75" name="Straight Connector 74">
+              <a:extLst>
+                <a:ext uri="{FF2B5EF4-FFF2-40B4-BE49-F238E27FC236}">
+                  <a16:creationId xmlns:a16="http://schemas.microsoft.com/office/drawing/2014/main" id="{7899680C-3DC7-4B71-8D34-7EE8306FEC20}"/>
+                </a:ext>
+                <a:ext uri="{C183D7F6-B498-43B3-948B-1728B52AA6E4}">
+                  <adec:decorative xmlns:adec="http://schemas.microsoft.com/office/drawing/2017/decorative" val="1"/>
+                </a:ext>
+              </a:extLst>
+            </p:cNvPr>
+            <p:cNvCxnSpPr/>
+            <p:nvPr>
+              <p:extLst>
+                <p:ext uri="{386F3935-93C4-4BCD-93E2-E3B085C9AB24}">
+                  <p16:designElem xmlns:p16="http://schemas.microsoft.com/office/powerpoint/2015/main" val="1"/>
+                </p:ext>
+              </p:extLst>
+            </p:nvPr>
+          </p:nvCxnSpPr>
+          <p:spPr>
+            <a:xfrm rot="-3780000" flipH="1">
+              <a:off x="6043206" y="2222556"/>
+              <a:ext cx="3394" cy="182880"/>
+            </a:xfrm>
+            <a:prstGeom prst="line">
+              <a:avLst/>
+            </a:prstGeom>
+            <a:ln>
+              <a:solidFill>
+                <a:srgbClr val="FFFFFF">
+                  <a:alpha val="30196"/>
+                </a:srgbClr>
+              </a:solidFill>
+            </a:ln>
+          </p:spPr>
+          <p:style>
+            <a:lnRef idx="1">
+              <a:schemeClr val="accent1"/>
+            </a:lnRef>
+            <a:fillRef idx="0">
+              <a:schemeClr val="accent1"/>
+            </a:fillRef>
+            <a:effectRef idx="0">
+              <a:schemeClr val="accent1"/>
+            </a:effectRef>
+            <a:fontRef idx="minor">
+              <a:schemeClr val="tx1"/>
+            </a:fontRef>
+          </p:style>
+        </p:cxnSp>
+        <p:cxnSp>
+          <p:nvCxnSpPr>
+            <p:cNvPr id="76" name="Straight Connector 75">
+              <a:extLst>
+                <a:ext uri="{FF2B5EF4-FFF2-40B4-BE49-F238E27FC236}">
+                  <a16:creationId xmlns:a16="http://schemas.microsoft.com/office/drawing/2014/main" id="{13B57EA5-419A-4EE0-BB93-356B12F6D030}"/>
+                </a:ext>
+                <a:ext uri="{C183D7F6-B498-43B3-948B-1728B52AA6E4}">
+                  <adec:decorative xmlns:adec="http://schemas.microsoft.com/office/drawing/2017/decorative" val="1"/>
+                </a:ext>
+              </a:extLst>
+            </p:cNvPr>
+            <p:cNvCxnSpPr/>
+            <p:nvPr>
+              <p:extLst>
+                <p:ext uri="{386F3935-93C4-4BCD-93E2-E3B085C9AB24}">
+                  <p16:designElem xmlns:p16="http://schemas.microsoft.com/office/powerpoint/2015/main" val="1"/>
+                </p:ext>
+              </p:extLst>
+            </p:nvPr>
+          </p:nvCxnSpPr>
+          <p:spPr>
+            <a:xfrm rot="-3960000" flipH="1">
+              <a:off x="5978913" y="2344301"/>
+              <a:ext cx="3394" cy="182880"/>
+            </a:xfrm>
+            <a:prstGeom prst="line">
+              <a:avLst/>
+            </a:prstGeom>
+            <a:ln>
+              <a:solidFill>
+                <a:srgbClr val="FFFFFF">
+                  <a:alpha val="30196"/>
+                </a:srgbClr>
+              </a:solidFill>
+            </a:ln>
+          </p:spPr>
+          <p:style>
+            <a:lnRef idx="1">
+              <a:schemeClr val="accent1"/>
+            </a:lnRef>
+            <a:fillRef idx="0">
+              <a:schemeClr val="accent1"/>
+            </a:fillRef>
+            <a:effectRef idx="0">
+              <a:schemeClr val="accent1"/>
+            </a:effectRef>
+            <a:fontRef idx="minor">
+              <a:schemeClr val="tx1"/>
+            </a:fontRef>
+          </p:style>
+        </p:cxnSp>
+        <p:cxnSp>
+          <p:nvCxnSpPr>
+            <p:cNvPr id="77" name="Straight Connector 76">
+              <a:extLst>
+                <a:ext uri="{FF2B5EF4-FFF2-40B4-BE49-F238E27FC236}">
+                  <a16:creationId xmlns:a16="http://schemas.microsoft.com/office/drawing/2014/main" id="{37A79B15-73B1-417F-A985-25FBC893F731}"/>
+                </a:ext>
+                <a:ext uri="{C183D7F6-B498-43B3-948B-1728B52AA6E4}">
+                  <adec:decorative xmlns:adec="http://schemas.microsoft.com/office/drawing/2017/decorative" val="1"/>
+                </a:ext>
+              </a:extLst>
+            </p:cNvPr>
+            <p:cNvCxnSpPr/>
+            <p:nvPr>
+              <p:extLst>
+                <p:ext uri="{386F3935-93C4-4BCD-93E2-E3B085C9AB24}">
+                  <p16:designElem xmlns:p16="http://schemas.microsoft.com/office/powerpoint/2015/main" val="1"/>
+                </p:ext>
+              </p:extLst>
+            </p:nvPr>
+          </p:nvCxnSpPr>
+          <p:spPr>
+            <a:xfrm rot="-4080000" flipH="1">
+              <a:off x="5912438" y="2470678"/>
+              <a:ext cx="3394" cy="182880"/>
+            </a:xfrm>
+            <a:prstGeom prst="line">
+              <a:avLst/>
+            </a:prstGeom>
+            <a:ln>
+              <a:solidFill>
+                <a:srgbClr val="FFFFFF">
+                  <a:alpha val="30196"/>
+                </a:srgbClr>
+              </a:solidFill>
+            </a:ln>
+          </p:spPr>
+          <p:style>
+            <a:lnRef idx="1">
+              <a:schemeClr val="accent1"/>
+            </a:lnRef>
+            <a:fillRef idx="0">
+              <a:schemeClr val="accent1"/>
+            </a:fillRef>
+            <a:effectRef idx="0">
+              <a:schemeClr val="accent1"/>
+            </a:effectRef>
+            <a:fontRef idx="minor">
+              <a:schemeClr val="tx1"/>
+            </a:fontRef>
+          </p:style>
+        </p:cxnSp>
+        <p:cxnSp>
+          <p:nvCxnSpPr>
+            <p:cNvPr id="78" name="Straight Connector 77">
+              <a:extLst>
+                <a:ext uri="{FF2B5EF4-FFF2-40B4-BE49-F238E27FC236}">
+                  <a16:creationId xmlns:a16="http://schemas.microsoft.com/office/drawing/2014/main" id="{566DE9DC-92E2-44D8-B7D0-D1295DD8F034}"/>
+                </a:ext>
+                <a:ext uri="{C183D7F6-B498-43B3-948B-1728B52AA6E4}">
+                  <adec:decorative xmlns:adec="http://schemas.microsoft.com/office/drawing/2017/decorative" val="1"/>
+                </a:ext>
+              </a:extLst>
+            </p:cNvPr>
+            <p:cNvCxnSpPr/>
+            <p:nvPr>
+              <p:extLst>
+                <p:ext uri="{386F3935-93C4-4BCD-93E2-E3B085C9AB24}">
+                  <p16:designElem xmlns:p16="http://schemas.microsoft.com/office/powerpoint/2015/main" val="1"/>
+                </p:ext>
+              </p:extLst>
+            </p:nvPr>
+          </p:nvCxnSpPr>
+          <p:spPr>
+            <a:xfrm rot="-4200000" flipH="1">
+              <a:off x="5858875" y="2600922"/>
+              <a:ext cx="3394" cy="182880"/>
+            </a:xfrm>
+            <a:prstGeom prst="line">
+              <a:avLst/>
+            </a:prstGeom>
+            <a:ln>
+              <a:solidFill>
+                <a:srgbClr val="FFFFFF">
+                  <a:alpha val="30196"/>
+                </a:srgbClr>
+              </a:solidFill>
+            </a:ln>
+          </p:spPr>
+          <p:style>
+            <a:lnRef idx="1">
+              <a:schemeClr val="accent1"/>
+            </a:lnRef>
+            <a:fillRef idx="0">
+              <a:schemeClr val="accent1"/>
+            </a:fillRef>
+            <a:effectRef idx="0">
+              <a:schemeClr val="accent1"/>
+            </a:effectRef>
+            <a:fontRef idx="minor">
+              <a:schemeClr val="tx1"/>
+            </a:fontRef>
+          </p:style>
+        </p:cxnSp>
+        <p:cxnSp>
+          <p:nvCxnSpPr>
+            <p:cNvPr id="79" name="Straight Connector 78">
+              <a:extLst>
+                <a:ext uri="{FF2B5EF4-FFF2-40B4-BE49-F238E27FC236}">
+                  <a16:creationId xmlns:a16="http://schemas.microsoft.com/office/drawing/2014/main" id="{A9A1F3CD-685D-4541-8715-91E39B1E2302}"/>
+                </a:ext>
+                <a:ext uri="{C183D7F6-B498-43B3-948B-1728B52AA6E4}">
+                  <adec:decorative xmlns:adec="http://schemas.microsoft.com/office/drawing/2017/decorative" val="1"/>
+                </a:ext>
+              </a:extLst>
+            </p:cNvPr>
+            <p:cNvCxnSpPr/>
+            <p:nvPr>
+              <p:extLst>
+                <p:ext uri="{386F3935-93C4-4BCD-93E2-E3B085C9AB24}">
+                  <p16:designElem xmlns:p16="http://schemas.microsoft.com/office/powerpoint/2015/main" val="1"/>
+                </p:ext>
+              </p:extLst>
+            </p:nvPr>
+          </p:nvCxnSpPr>
+          <p:spPr>
+            <a:xfrm rot="-4320000" flipH="1">
+              <a:off x="5808182" y="2734040"/>
+              <a:ext cx="3394" cy="182880"/>
+            </a:xfrm>
+            <a:prstGeom prst="line">
+              <a:avLst/>
+            </a:prstGeom>
+            <a:ln>
+              <a:solidFill>
+                <a:srgbClr val="FFFFFF">
+                  <a:alpha val="30196"/>
+                </a:srgbClr>
+              </a:solidFill>
+            </a:ln>
+          </p:spPr>
+          <p:style>
+            <a:lnRef idx="1">
+              <a:schemeClr val="accent1"/>
+            </a:lnRef>
+            <a:fillRef idx="0">
+              <a:schemeClr val="accent1"/>
+            </a:fillRef>
+            <a:effectRef idx="0">
+              <a:schemeClr val="accent1"/>
+            </a:effectRef>
+            <a:fontRef idx="minor">
+              <a:schemeClr val="tx1"/>
+            </a:fontRef>
+          </p:style>
+        </p:cxnSp>
+        <p:cxnSp>
+          <p:nvCxnSpPr>
+            <p:cNvPr id="80" name="Straight Connector 79">
+              <a:extLst>
+                <a:ext uri="{FF2B5EF4-FFF2-40B4-BE49-F238E27FC236}">
+                  <a16:creationId xmlns:a16="http://schemas.microsoft.com/office/drawing/2014/main" id="{C63E90F9-BD80-4805-A68E-CA56D5249618}"/>
+                </a:ext>
+                <a:ext uri="{C183D7F6-B498-43B3-948B-1728B52AA6E4}">
+                  <adec:decorative xmlns:adec="http://schemas.microsoft.com/office/drawing/2017/decorative" val="1"/>
+                </a:ext>
+              </a:extLst>
+            </p:cNvPr>
+            <p:cNvCxnSpPr/>
+            <p:nvPr>
+              <p:extLst>
+                <p:ext uri="{386F3935-93C4-4BCD-93E2-E3B085C9AB24}">
+                  <p16:designElem xmlns:p16="http://schemas.microsoft.com/office/powerpoint/2015/main" val="1"/>
+                </p:ext>
+              </p:extLst>
+            </p:nvPr>
+          </p:nvCxnSpPr>
+          <p:spPr>
+            <a:xfrm rot="-4500000" flipH="1">
+              <a:off x="5773263" y="2866860"/>
+              <a:ext cx="3394" cy="182880"/>
+            </a:xfrm>
+            <a:prstGeom prst="line">
+              <a:avLst/>
+            </a:prstGeom>
+            <a:ln>
+              <a:solidFill>
+                <a:srgbClr val="FFFFFF">
+                  <a:alpha val="30196"/>
+                </a:srgbClr>
+              </a:solidFill>
+            </a:ln>
+          </p:spPr>
+          <p:style>
+            <a:lnRef idx="1">
+              <a:schemeClr val="accent1"/>
+            </a:lnRef>
+            <a:fillRef idx="0">
+              <a:schemeClr val="accent1"/>
+            </a:fillRef>
+            <a:effectRef idx="0">
+              <a:schemeClr val="accent1"/>
+            </a:effectRef>
+            <a:fontRef idx="minor">
+              <a:schemeClr val="tx1"/>
+            </a:fontRef>
+          </p:style>
+        </p:cxnSp>
+        <p:cxnSp>
+          <p:nvCxnSpPr>
+            <p:cNvPr id="81" name="Straight Connector 80">
+              <a:extLst>
+                <a:ext uri="{FF2B5EF4-FFF2-40B4-BE49-F238E27FC236}">
+                  <a16:creationId xmlns:a16="http://schemas.microsoft.com/office/drawing/2014/main" id="{1014402D-979B-4D18-9E85-4D8F6C986F44}"/>
+                </a:ext>
+                <a:ext uri="{C183D7F6-B498-43B3-948B-1728B52AA6E4}">
+                  <adec:decorative xmlns:adec="http://schemas.microsoft.com/office/drawing/2017/decorative" val="1"/>
+                </a:ext>
+              </a:extLst>
+            </p:cNvPr>
+            <p:cNvCxnSpPr/>
+            <p:nvPr>
+              <p:extLst>
+                <p:ext uri="{386F3935-93C4-4BCD-93E2-E3B085C9AB24}">
+                  <p16:designElem xmlns:p16="http://schemas.microsoft.com/office/powerpoint/2015/main" val="1"/>
+                </p:ext>
+              </p:extLst>
+            </p:nvPr>
+          </p:nvCxnSpPr>
+          <p:spPr>
+            <a:xfrm rot="-4620000" flipH="1">
+              <a:off x="5735963" y="3002061"/>
+              <a:ext cx="3394" cy="182880"/>
+            </a:xfrm>
+            <a:prstGeom prst="line">
+              <a:avLst/>
+            </a:prstGeom>
+            <a:ln>
+              <a:solidFill>
+                <a:srgbClr val="FFFFFF">
+                  <a:alpha val="30196"/>
+                </a:srgbClr>
+              </a:solidFill>
+            </a:ln>
+          </p:spPr>
+          <p:style>
+            <a:lnRef idx="1">
+              <a:schemeClr val="accent1"/>
+            </a:lnRef>
+            <a:fillRef idx="0">
+              <a:schemeClr val="accent1"/>
+            </a:fillRef>
+            <a:effectRef idx="0">
+              <a:schemeClr val="accent1"/>
+            </a:effectRef>
+            <a:fontRef idx="minor">
+              <a:schemeClr val="tx1"/>
+            </a:fontRef>
+          </p:style>
+        </p:cxnSp>
+        <p:cxnSp>
+          <p:nvCxnSpPr>
+            <p:cNvPr id="82" name="Straight Connector 81">
+              <a:extLst>
+                <a:ext uri="{FF2B5EF4-FFF2-40B4-BE49-F238E27FC236}">
+                  <a16:creationId xmlns:a16="http://schemas.microsoft.com/office/drawing/2014/main" id="{2A04AE49-4B0B-4908-B1DB-480F568D2845}"/>
+                </a:ext>
+                <a:ext uri="{C183D7F6-B498-43B3-948B-1728B52AA6E4}">
+                  <adec:decorative xmlns:adec="http://schemas.microsoft.com/office/drawing/2017/decorative" val="1"/>
+                </a:ext>
+              </a:extLst>
+            </p:cNvPr>
+            <p:cNvCxnSpPr/>
+            <p:nvPr>
+              <p:extLst>
+                <p:ext uri="{386F3935-93C4-4BCD-93E2-E3B085C9AB24}">
+                  <p16:designElem xmlns:p16="http://schemas.microsoft.com/office/powerpoint/2015/main" val="1"/>
+                </p:ext>
+              </p:extLst>
+            </p:nvPr>
+          </p:nvCxnSpPr>
+          <p:spPr>
+            <a:xfrm rot="-4740000" flipH="1">
+              <a:off x="5700105" y="3138910"/>
+              <a:ext cx="3394" cy="182880"/>
+            </a:xfrm>
+            <a:prstGeom prst="line">
+              <a:avLst/>
+            </a:prstGeom>
+            <a:ln>
+              <a:solidFill>
+                <a:srgbClr val="FFFFFF">
+                  <a:alpha val="30196"/>
+                </a:srgbClr>
+              </a:solidFill>
+            </a:ln>
+          </p:spPr>
+          <p:style>
+            <a:lnRef idx="1">
+              <a:schemeClr val="accent1"/>
+            </a:lnRef>
+            <a:fillRef idx="0">
+              <a:schemeClr val="accent1"/>
+            </a:fillRef>
+            <a:effectRef idx="0">
+              <a:schemeClr val="accent1"/>
+            </a:effectRef>
+            <a:fontRef idx="minor">
+              <a:schemeClr val="tx1"/>
+            </a:fontRef>
+          </p:style>
+        </p:cxnSp>
+        <p:cxnSp>
+          <p:nvCxnSpPr>
+            <p:cNvPr id="83" name="Straight Connector 82">
+              <a:extLst>
+                <a:ext uri="{FF2B5EF4-FFF2-40B4-BE49-F238E27FC236}">
+                  <a16:creationId xmlns:a16="http://schemas.microsoft.com/office/drawing/2014/main" id="{3293E6AC-4EF0-4B88-AC7E-BCB112010B64}"/>
+                </a:ext>
+                <a:ext uri="{C183D7F6-B498-43B3-948B-1728B52AA6E4}">
+                  <adec:decorative xmlns:adec="http://schemas.microsoft.com/office/drawing/2017/decorative" val="1"/>
+                </a:ext>
+              </a:extLst>
+            </p:cNvPr>
+            <p:cNvCxnSpPr/>
+            <p:nvPr>
+              <p:extLst>
+                <p:ext uri="{386F3935-93C4-4BCD-93E2-E3B085C9AB24}">
+                  <p16:designElem xmlns:p16="http://schemas.microsoft.com/office/powerpoint/2015/main" val="1"/>
+                </p:ext>
+              </p:extLst>
+            </p:nvPr>
+          </p:nvCxnSpPr>
+          <p:spPr>
+            <a:xfrm rot="-4860000" flipH="1">
+              <a:off x="5665939" y="3275489"/>
+              <a:ext cx="3394" cy="182880"/>
+            </a:xfrm>
+            <a:prstGeom prst="line">
+              <a:avLst/>
+            </a:prstGeom>
+            <a:ln>
+              <a:solidFill>
+                <a:srgbClr val="FFFFFF">
+                  <a:alpha val="30196"/>
+                </a:srgbClr>
+              </a:solidFill>
+            </a:ln>
+          </p:spPr>
+          <p:style>
+            <a:lnRef idx="1">
+              <a:schemeClr val="accent1"/>
+            </a:lnRef>
+            <a:fillRef idx="0">
+              <a:schemeClr val="accent1"/>
+            </a:fillRef>
+            <a:effectRef idx="0">
+              <a:schemeClr val="accent1"/>
+            </a:effectRef>
+            <a:fontRef idx="minor">
+              <a:schemeClr val="tx1"/>
+            </a:fontRef>
+          </p:style>
+        </p:cxnSp>
+        <p:cxnSp>
+          <p:nvCxnSpPr>
+            <p:cNvPr id="84" name="Straight Connector 83">
+              <a:extLst>
+                <a:ext uri="{FF2B5EF4-FFF2-40B4-BE49-F238E27FC236}">
+                  <a16:creationId xmlns:a16="http://schemas.microsoft.com/office/drawing/2014/main" id="{6344B49D-AFCD-4426-AC08-F3128282C344}"/>
+                </a:ext>
+                <a:ext uri="{C183D7F6-B498-43B3-948B-1728B52AA6E4}">
+                  <adec:decorative xmlns:adec="http://schemas.microsoft.com/office/drawing/2017/decorative" val="1"/>
+                </a:ext>
+              </a:extLst>
+            </p:cNvPr>
+            <p:cNvCxnSpPr/>
+            <p:nvPr>
+              <p:extLst>
+                <p:ext uri="{386F3935-93C4-4BCD-93E2-E3B085C9AB24}">
+                  <p16:designElem xmlns:p16="http://schemas.microsoft.com/office/powerpoint/2015/main" val="1"/>
+                </p:ext>
+              </p:extLst>
+            </p:nvPr>
+          </p:nvCxnSpPr>
+          <p:spPr>
+            <a:xfrm rot="-5040000" flipH="1">
+              <a:off x="5644476" y="3414251"/>
+              <a:ext cx="3394" cy="182880"/>
+            </a:xfrm>
+            <a:prstGeom prst="line">
+              <a:avLst/>
+            </a:prstGeom>
+            <a:ln>
+              <a:solidFill>
+                <a:srgbClr val="FFFFFF">
+                  <a:alpha val="30196"/>
+                </a:srgbClr>
+              </a:solidFill>
+            </a:ln>
+          </p:spPr>
+          <p:style>
+            <a:lnRef idx="1">
+              <a:schemeClr val="accent1"/>
+            </a:lnRef>
+            <a:fillRef idx="0">
+              <a:schemeClr val="accent1"/>
+            </a:fillRef>
+            <a:effectRef idx="0">
+              <a:schemeClr val="accent1"/>
+            </a:effectRef>
+            <a:fontRef idx="minor">
+              <a:schemeClr val="tx1"/>
+            </a:fontRef>
+          </p:style>
+        </p:cxnSp>
+        <p:cxnSp>
+          <p:nvCxnSpPr>
+            <p:cNvPr id="85" name="Straight Connector 84">
+              <a:extLst>
+                <a:ext uri="{FF2B5EF4-FFF2-40B4-BE49-F238E27FC236}">
+                  <a16:creationId xmlns:a16="http://schemas.microsoft.com/office/drawing/2014/main" id="{83B776AB-0884-47E4-AC8D-69A19A6103DD}"/>
+                </a:ext>
+                <a:ext uri="{C183D7F6-B498-43B3-948B-1728B52AA6E4}">
+                  <adec:decorative xmlns:adec="http://schemas.microsoft.com/office/drawing/2017/decorative" val="1"/>
+                </a:ext>
+              </a:extLst>
+            </p:cNvPr>
+            <p:cNvCxnSpPr/>
+            <p:nvPr>
+              <p:extLst>
+                <p:ext uri="{386F3935-93C4-4BCD-93E2-E3B085C9AB24}">
+                  <p16:designElem xmlns:p16="http://schemas.microsoft.com/office/powerpoint/2015/main" val="1"/>
+                </p:ext>
+              </p:extLst>
+            </p:nvPr>
+          </p:nvCxnSpPr>
+          <p:spPr>
+            <a:xfrm rot="-5160000" flipH="1">
+              <a:off x="5626530" y="3554628"/>
+              <a:ext cx="3394" cy="182880"/>
+            </a:xfrm>
+            <a:prstGeom prst="line">
+              <a:avLst/>
+            </a:prstGeom>
+            <a:ln>
+              <a:solidFill>
+                <a:srgbClr val="FFFFFF">
+                  <a:alpha val="30196"/>
+                </a:srgbClr>
+              </a:solidFill>
+            </a:ln>
+          </p:spPr>
+          <p:style>
+            <a:lnRef idx="1">
+              <a:schemeClr val="accent1"/>
+            </a:lnRef>
+            <a:fillRef idx="0">
+              <a:schemeClr val="accent1"/>
+            </a:fillRef>
+            <a:effectRef idx="0">
+              <a:schemeClr val="accent1"/>
+            </a:effectRef>
+            <a:fontRef idx="minor">
+              <a:schemeClr val="tx1"/>
+            </a:fontRef>
+          </p:style>
+        </p:cxnSp>
+        <p:cxnSp>
+          <p:nvCxnSpPr>
+            <p:cNvPr id="86" name="Straight Connector 85">
+              <a:extLst>
+                <a:ext uri="{FF2B5EF4-FFF2-40B4-BE49-F238E27FC236}">
+                  <a16:creationId xmlns:a16="http://schemas.microsoft.com/office/drawing/2014/main" id="{01EC5397-87DB-4803-855B-44DFE9BBB81D}"/>
+                </a:ext>
+                <a:ext uri="{C183D7F6-B498-43B3-948B-1728B52AA6E4}">
+                  <adec:decorative xmlns:adec="http://schemas.microsoft.com/office/drawing/2017/decorative" val="1"/>
+                </a:ext>
+              </a:extLst>
+            </p:cNvPr>
+            <p:cNvCxnSpPr/>
+            <p:nvPr>
+              <p:extLst>
+                <p:ext uri="{386F3935-93C4-4BCD-93E2-E3B085C9AB24}">
+                  <p16:designElem xmlns:p16="http://schemas.microsoft.com/office/powerpoint/2015/main" val="1"/>
+                </p:ext>
+              </p:extLst>
+            </p:nvPr>
+          </p:nvCxnSpPr>
+          <p:spPr>
+            <a:xfrm rot="-5280000" flipH="1">
+              <a:off x="5616429" y="3691831"/>
+              <a:ext cx="3394" cy="182880"/>
+            </a:xfrm>
+            <a:prstGeom prst="line">
+              <a:avLst/>
+            </a:prstGeom>
+            <a:ln>
+              <a:solidFill>
+                <a:srgbClr val="FFFFFF">
+                  <a:alpha val="30196"/>
+                </a:srgbClr>
+              </a:solidFill>
+            </a:ln>
+          </p:spPr>
+          <p:style>
+            <a:lnRef idx="1">
+              <a:schemeClr val="accent1"/>
+            </a:lnRef>
+            <a:fillRef idx="0">
+              <a:schemeClr val="accent1"/>
+            </a:fillRef>
+            <a:effectRef idx="0">
+              <a:schemeClr val="accent1"/>
+            </a:effectRef>
+            <a:fontRef idx="minor">
+              <a:schemeClr val="tx1"/>
+            </a:fontRef>
+          </p:style>
+        </p:cxnSp>
+        <p:cxnSp>
+          <p:nvCxnSpPr>
+            <p:cNvPr id="87" name="Straight Connector 86">
+              <a:extLst>
+                <a:ext uri="{FF2B5EF4-FFF2-40B4-BE49-F238E27FC236}">
+                  <a16:creationId xmlns:a16="http://schemas.microsoft.com/office/drawing/2014/main" id="{18EF0075-59DA-4C16-BF01-C65EE2DDD80A}"/>
+                </a:ext>
+                <a:ext uri="{C183D7F6-B498-43B3-948B-1728B52AA6E4}">
+                  <adec:decorative xmlns:adec="http://schemas.microsoft.com/office/drawing/2017/decorative" val="1"/>
+                </a:ext>
+              </a:extLst>
+            </p:cNvPr>
+            <p:cNvCxnSpPr/>
+            <p:nvPr>
+              <p:extLst>
+                <p:ext uri="{386F3935-93C4-4BCD-93E2-E3B085C9AB24}">
+                  <p16:designElem xmlns:p16="http://schemas.microsoft.com/office/powerpoint/2015/main" val="1"/>
+                </p:ext>
+              </p:extLst>
+            </p:nvPr>
+          </p:nvCxnSpPr>
+          <p:spPr>
+            <a:xfrm rot="-5400000" flipH="1">
+              <a:off x="5611319" y="3835374"/>
+              <a:ext cx="3394" cy="182880"/>
+            </a:xfrm>
+            <a:prstGeom prst="line">
+              <a:avLst/>
+            </a:prstGeom>
+            <a:ln>
+              <a:solidFill>
+                <a:srgbClr val="FFFFFF">
+                  <a:alpha val="30196"/>
+                </a:srgbClr>
+              </a:solidFill>
+            </a:ln>
+          </p:spPr>
+          <p:style>
+            <a:lnRef idx="1">
+              <a:schemeClr val="accent1"/>
+            </a:lnRef>
+            <a:fillRef idx="0">
+              <a:schemeClr val="accent1"/>
+            </a:fillRef>
+            <a:effectRef idx="0">
+              <a:schemeClr val="accent1"/>
+            </a:effectRef>
+            <a:fontRef idx="minor">
+              <a:schemeClr val="tx1"/>
+            </a:fontRef>
+          </p:style>
+        </p:cxnSp>
+        <p:cxnSp>
+          <p:nvCxnSpPr>
+            <p:cNvPr id="88" name="Straight Connector 87">
+              <a:extLst>
+                <a:ext uri="{FF2B5EF4-FFF2-40B4-BE49-F238E27FC236}">
+                  <a16:creationId xmlns:a16="http://schemas.microsoft.com/office/drawing/2014/main" id="{9ABF3642-CC62-4EA5-8A59-1AFF97A5608A}"/>
+                </a:ext>
+                <a:ext uri="{C183D7F6-B498-43B3-948B-1728B52AA6E4}">
+                  <adec:decorative xmlns:adec="http://schemas.microsoft.com/office/drawing/2017/decorative" val="1"/>
+                </a:ext>
+              </a:extLst>
+            </p:cNvPr>
+            <p:cNvCxnSpPr/>
+            <p:nvPr>
+              <p:extLst>
+                <p:ext uri="{386F3935-93C4-4BCD-93E2-E3B085C9AB24}">
+                  <p16:designElem xmlns:p16="http://schemas.microsoft.com/office/powerpoint/2015/main" val="1"/>
+                </p:ext>
+              </p:extLst>
+            </p:nvPr>
+          </p:nvCxnSpPr>
+          <p:spPr>
+            <a:xfrm rot="-5580000" flipH="1">
+              <a:off x="5608540" y="3975726"/>
+              <a:ext cx="3394" cy="182880"/>
+            </a:xfrm>
+            <a:prstGeom prst="line">
+              <a:avLst/>
+            </a:prstGeom>
+            <a:ln>
+              <a:solidFill>
+                <a:srgbClr val="FFFFFF">
+                  <a:alpha val="30196"/>
+                </a:srgbClr>
+              </a:solidFill>
+            </a:ln>
+          </p:spPr>
+          <p:style>
+            <a:lnRef idx="1">
+              <a:schemeClr val="accent1"/>
+            </a:lnRef>
+            <a:fillRef idx="0">
+              <a:schemeClr val="accent1"/>
+            </a:fillRef>
+            <a:effectRef idx="0">
+              <a:schemeClr val="accent1"/>
+            </a:effectRef>
+            <a:fontRef idx="minor">
+              <a:schemeClr val="tx1"/>
+            </a:fontRef>
+          </p:style>
+        </p:cxnSp>
+        <p:cxnSp>
+          <p:nvCxnSpPr>
+            <p:cNvPr id="89" name="Straight Connector 88">
+              <a:extLst>
+                <a:ext uri="{FF2B5EF4-FFF2-40B4-BE49-F238E27FC236}">
+                  <a16:creationId xmlns:a16="http://schemas.microsoft.com/office/drawing/2014/main" id="{F7715913-AE6D-4FFC-A6EC-E7EE027D2718}"/>
+                </a:ext>
+                <a:ext uri="{C183D7F6-B498-43B3-948B-1728B52AA6E4}">
+                  <adec:decorative xmlns:adec="http://schemas.microsoft.com/office/drawing/2017/decorative" val="1"/>
+                </a:ext>
+              </a:extLst>
+            </p:cNvPr>
+            <p:cNvCxnSpPr/>
+            <p:nvPr>
+              <p:extLst>
+                <p:ext uri="{386F3935-93C4-4BCD-93E2-E3B085C9AB24}">
+                  <p16:designElem xmlns:p16="http://schemas.microsoft.com/office/powerpoint/2015/main" val="1"/>
+                </p:ext>
+              </p:extLst>
+            </p:nvPr>
+          </p:nvCxnSpPr>
+          <p:spPr>
+            <a:xfrm rot="-5700000" flipH="1">
+              <a:off x="5605761" y="4116078"/>
+              <a:ext cx="3394" cy="182880"/>
+            </a:xfrm>
+            <a:prstGeom prst="line">
+              <a:avLst/>
+            </a:prstGeom>
+            <a:ln>
+              <a:solidFill>
+                <a:srgbClr val="FFFFFF">
+                  <a:alpha val="30196"/>
+                </a:srgbClr>
+              </a:solidFill>
+            </a:ln>
+          </p:spPr>
+          <p:style>
+            <a:lnRef idx="1">
+              <a:schemeClr val="accent1"/>
+            </a:lnRef>
+            <a:fillRef idx="0">
+              <a:schemeClr val="accent1"/>
+            </a:fillRef>
+            <a:effectRef idx="0">
+              <a:schemeClr val="accent1"/>
+            </a:effectRef>
+            <a:fontRef idx="minor">
+              <a:schemeClr val="tx1"/>
+            </a:fontRef>
+          </p:style>
+        </p:cxnSp>
+        <p:cxnSp>
+          <p:nvCxnSpPr>
+            <p:cNvPr id="90" name="Straight Connector 89">
+              <a:extLst>
+                <a:ext uri="{FF2B5EF4-FFF2-40B4-BE49-F238E27FC236}">
+                  <a16:creationId xmlns:a16="http://schemas.microsoft.com/office/drawing/2014/main" id="{46B78CB6-17D0-445E-A523-FD18D3BE29D4}"/>
+                </a:ext>
+                <a:ext uri="{C183D7F6-B498-43B3-948B-1728B52AA6E4}">
+                  <adec:decorative xmlns:adec="http://schemas.microsoft.com/office/drawing/2017/decorative" val="1"/>
+                </a:ext>
+              </a:extLst>
+            </p:cNvPr>
+            <p:cNvCxnSpPr/>
+            <p:nvPr>
+              <p:extLst>
+                <p:ext uri="{386F3935-93C4-4BCD-93E2-E3B085C9AB24}">
+                  <p16:designElem xmlns:p16="http://schemas.microsoft.com/office/powerpoint/2015/main" val="1"/>
+                </p:ext>
+              </p:extLst>
+            </p:nvPr>
+          </p:nvCxnSpPr>
+          <p:spPr>
+            <a:xfrm rot="-5820000" flipH="1">
+              <a:off x="5624195" y="4254218"/>
+              <a:ext cx="3394" cy="182880"/>
+            </a:xfrm>
+            <a:prstGeom prst="line">
+              <a:avLst/>
+            </a:prstGeom>
+            <a:ln>
+              <a:solidFill>
+                <a:srgbClr val="FFFFFF">
+                  <a:alpha val="30196"/>
+                </a:srgbClr>
+              </a:solidFill>
+            </a:ln>
+          </p:spPr>
+          <p:style>
+            <a:lnRef idx="1">
+              <a:schemeClr val="accent1"/>
+            </a:lnRef>
+            <a:fillRef idx="0">
+              <a:schemeClr val="accent1"/>
+            </a:fillRef>
+            <a:effectRef idx="0">
+              <a:schemeClr val="accent1"/>
+            </a:effectRef>
+            <a:fontRef idx="minor">
+              <a:schemeClr val="tx1"/>
+            </a:fontRef>
+          </p:style>
+        </p:cxnSp>
+        <p:cxnSp>
+          <p:nvCxnSpPr>
+            <p:cNvPr id="91" name="Straight Connector 90">
+              <a:extLst>
+                <a:ext uri="{FF2B5EF4-FFF2-40B4-BE49-F238E27FC236}">
+                  <a16:creationId xmlns:a16="http://schemas.microsoft.com/office/drawing/2014/main" id="{783E7655-41DA-4DFA-9DEC-FD37064F0AB2}"/>
+                </a:ext>
+                <a:ext uri="{C183D7F6-B498-43B3-948B-1728B52AA6E4}">
+                  <adec:decorative xmlns:adec="http://schemas.microsoft.com/office/drawing/2017/decorative" val="1"/>
+                </a:ext>
+              </a:extLst>
+            </p:cNvPr>
+            <p:cNvCxnSpPr/>
+            <p:nvPr>
+              <p:extLst>
+                <p:ext uri="{386F3935-93C4-4BCD-93E2-E3B085C9AB24}">
+                  <p16:designElem xmlns:p16="http://schemas.microsoft.com/office/powerpoint/2015/main" val="1"/>
+                </p:ext>
+              </p:extLst>
+            </p:nvPr>
+          </p:nvCxnSpPr>
+          <p:spPr>
+            <a:xfrm rot="-5940000" flipH="1">
+              <a:off x="5642629" y="4392358"/>
+              <a:ext cx="3394" cy="182880"/>
+            </a:xfrm>
+            <a:prstGeom prst="line">
+              <a:avLst/>
+            </a:prstGeom>
+            <a:ln>
+              <a:solidFill>
+                <a:srgbClr val="FFFFFF">
+                  <a:alpha val="30196"/>
+                </a:srgbClr>
+              </a:solidFill>
+            </a:ln>
+          </p:spPr>
+          <p:style>
+            <a:lnRef idx="1">
+              <a:schemeClr val="accent1"/>
+            </a:lnRef>
+            <a:fillRef idx="0">
+              <a:schemeClr val="accent1"/>
+            </a:fillRef>
+            <a:effectRef idx="0">
+              <a:schemeClr val="accent1"/>
+            </a:effectRef>
+            <a:fontRef idx="minor">
+              <a:schemeClr val="tx1"/>
+            </a:fontRef>
+          </p:style>
+        </p:cxnSp>
+        <p:cxnSp>
+          <p:nvCxnSpPr>
+            <p:cNvPr id="92" name="Straight Connector 91">
+              <a:extLst>
+                <a:ext uri="{FF2B5EF4-FFF2-40B4-BE49-F238E27FC236}">
+                  <a16:creationId xmlns:a16="http://schemas.microsoft.com/office/drawing/2014/main" id="{5E953697-F897-4DE0-B735-80C721129E64}"/>
+                </a:ext>
+                <a:ext uri="{C183D7F6-B498-43B3-948B-1728B52AA6E4}">
+                  <adec:decorative xmlns:adec="http://schemas.microsoft.com/office/drawing/2017/decorative" val="1"/>
+                </a:ext>
+              </a:extLst>
+            </p:cNvPr>
+            <p:cNvCxnSpPr/>
+            <p:nvPr>
+              <p:extLst>
+                <p:ext uri="{386F3935-93C4-4BCD-93E2-E3B085C9AB24}">
+                  <p16:designElem xmlns:p16="http://schemas.microsoft.com/office/powerpoint/2015/main" val="1"/>
+                </p:ext>
+              </p:extLst>
+            </p:nvPr>
+          </p:nvCxnSpPr>
+          <p:spPr>
+            <a:xfrm rot="-6120000" flipH="1">
+              <a:off x="5654818" y="4536385"/>
+              <a:ext cx="3394" cy="182880"/>
+            </a:xfrm>
+            <a:prstGeom prst="line">
+              <a:avLst/>
+            </a:prstGeom>
+            <a:ln>
+              <a:solidFill>
+                <a:srgbClr val="FFFFFF">
+                  <a:alpha val="30196"/>
+                </a:srgbClr>
+              </a:solidFill>
+            </a:ln>
+          </p:spPr>
+          <p:style>
+            <a:lnRef idx="1">
+              <a:schemeClr val="accent1"/>
+            </a:lnRef>
+            <a:fillRef idx="0">
+              <a:schemeClr val="accent1"/>
+            </a:fillRef>
+            <a:effectRef idx="0">
+              <a:schemeClr val="accent1"/>
+            </a:effectRef>
+            <a:fontRef idx="minor">
+              <a:schemeClr val="tx1"/>
+            </a:fontRef>
+          </p:style>
+        </p:cxnSp>
+        <p:cxnSp>
+          <p:nvCxnSpPr>
+            <p:cNvPr id="93" name="Straight Connector 92">
+              <a:extLst>
+                <a:ext uri="{FF2B5EF4-FFF2-40B4-BE49-F238E27FC236}">
+                  <a16:creationId xmlns:a16="http://schemas.microsoft.com/office/drawing/2014/main" id="{7C7CED19-0566-4D81-A59A-5A3561F1B70C}"/>
+                </a:ext>
+                <a:ext uri="{C183D7F6-B498-43B3-948B-1728B52AA6E4}">
+                  <adec:decorative xmlns:adec="http://schemas.microsoft.com/office/drawing/2017/decorative" val="1"/>
+                </a:ext>
+              </a:extLst>
+            </p:cNvPr>
+            <p:cNvCxnSpPr/>
+            <p:nvPr>
+              <p:extLst>
+                <p:ext uri="{386F3935-93C4-4BCD-93E2-E3B085C9AB24}">
+                  <p16:designElem xmlns:p16="http://schemas.microsoft.com/office/powerpoint/2015/main" val="1"/>
+                </p:ext>
+              </p:extLst>
+            </p:nvPr>
+          </p:nvCxnSpPr>
+          <p:spPr>
+            <a:xfrm rot="-6240000" flipH="1">
+              <a:off x="5684446" y="4671367"/>
+              <a:ext cx="3394" cy="182880"/>
+            </a:xfrm>
+            <a:prstGeom prst="line">
+              <a:avLst/>
+            </a:prstGeom>
+            <a:ln>
+              <a:solidFill>
+                <a:srgbClr val="FFFFFF">
+                  <a:alpha val="30196"/>
+                </a:srgbClr>
+              </a:solidFill>
+            </a:ln>
+          </p:spPr>
+          <p:style>
+            <a:lnRef idx="1">
+              <a:schemeClr val="accent1"/>
+            </a:lnRef>
+            <a:fillRef idx="0">
+              <a:schemeClr val="accent1"/>
+            </a:fillRef>
+            <a:effectRef idx="0">
+              <a:schemeClr val="accent1"/>
+            </a:effectRef>
+            <a:fontRef idx="minor">
+              <a:schemeClr val="tx1"/>
+            </a:fontRef>
+          </p:style>
+        </p:cxnSp>
+        <p:cxnSp>
+          <p:nvCxnSpPr>
+            <p:cNvPr id="94" name="Straight Connector 93">
+              <a:extLst>
+                <a:ext uri="{FF2B5EF4-FFF2-40B4-BE49-F238E27FC236}">
+                  <a16:creationId xmlns:a16="http://schemas.microsoft.com/office/drawing/2014/main" id="{CE247A59-B18F-4331-BC8D-07C3DA5E8E8C}"/>
+                </a:ext>
+                <a:ext uri="{C183D7F6-B498-43B3-948B-1728B52AA6E4}">
+                  <adec:decorative xmlns:adec="http://schemas.microsoft.com/office/drawing/2017/decorative" val="1"/>
+                </a:ext>
+              </a:extLst>
+            </p:cNvPr>
+            <p:cNvCxnSpPr/>
+            <p:nvPr>
+              <p:extLst>
+                <p:ext uri="{386F3935-93C4-4BCD-93E2-E3B085C9AB24}">
+                  <p16:designElem xmlns:p16="http://schemas.microsoft.com/office/powerpoint/2015/main" val="1"/>
+                </p:ext>
+              </p:extLst>
+            </p:nvPr>
+          </p:nvCxnSpPr>
+          <p:spPr>
+            <a:xfrm rot="-6360000" flipH="1">
+              <a:off x="5714074" y="4808730"/>
+              <a:ext cx="3394" cy="182880"/>
+            </a:xfrm>
+            <a:prstGeom prst="line">
+              <a:avLst/>
+            </a:prstGeom>
+            <a:ln>
+              <a:solidFill>
+                <a:srgbClr val="FFFFFF">
+                  <a:alpha val="30196"/>
+                </a:srgbClr>
+              </a:solidFill>
+            </a:ln>
+          </p:spPr>
+          <p:style>
+            <a:lnRef idx="1">
+              <a:schemeClr val="accent1"/>
+            </a:lnRef>
+            <a:fillRef idx="0">
+              <a:schemeClr val="accent1"/>
+            </a:fillRef>
+            <a:effectRef idx="0">
+              <a:schemeClr val="accent1"/>
+            </a:effectRef>
+            <a:fontRef idx="minor">
+              <a:schemeClr val="tx1"/>
+            </a:fontRef>
+          </p:style>
+        </p:cxnSp>
+        <p:cxnSp>
+          <p:nvCxnSpPr>
+            <p:cNvPr id="95" name="Straight Connector 94">
+              <a:extLst>
+                <a:ext uri="{FF2B5EF4-FFF2-40B4-BE49-F238E27FC236}">
+                  <a16:creationId xmlns:a16="http://schemas.microsoft.com/office/drawing/2014/main" id="{F21C3132-6A07-4EB5-A00C-2176067CB118}"/>
+                </a:ext>
+                <a:ext uri="{C183D7F6-B498-43B3-948B-1728B52AA6E4}">
+                  <adec:decorative xmlns:adec="http://schemas.microsoft.com/office/drawing/2017/decorative" val="1"/>
+                </a:ext>
+              </a:extLst>
+            </p:cNvPr>
+            <p:cNvCxnSpPr/>
+            <p:nvPr>
+              <p:extLst>
+                <p:ext uri="{386F3935-93C4-4BCD-93E2-E3B085C9AB24}">
+                  <p16:designElem xmlns:p16="http://schemas.microsoft.com/office/powerpoint/2015/main" val="1"/>
+                </p:ext>
+              </p:extLst>
+            </p:nvPr>
+          </p:nvCxnSpPr>
+          <p:spPr>
+            <a:xfrm rot="-6480000" flipH="1">
+              <a:off x="5748464" y="4948474"/>
+              <a:ext cx="3394" cy="182880"/>
+            </a:xfrm>
+            <a:prstGeom prst="line">
+              <a:avLst/>
+            </a:prstGeom>
+            <a:ln>
+              <a:solidFill>
+                <a:srgbClr val="FFFFFF">
+                  <a:alpha val="30196"/>
+                </a:srgbClr>
+              </a:solidFill>
+            </a:ln>
+          </p:spPr>
+          <p:style>
+            <a:lnRef idx="1">
+              <a:schemeClr val="accent1"/>
+            </a:lnRef>
+            <a:fillRef idx="0">
+              <a:schemeClr val="accent1"/>
+            </a:fillRef>
+            <a:effectRef idx="0">
+              <a:schemeClr val="accent1"/>
+            </a:effectRef>
+            <a:fontRef idx="minor">
+              <a:schemeClr val="tx1"/>
+            </a:fontRef>
+          </p:style>
+        </p:cxnSp>
+        <p:cxnSp>
+          <p:nvCxnSpPr>
+            <p:cNvPr id="96" name="Straight Connector 95">
+              <a:extLst>
+                <a:ext uri="{FF2B5EF4-FFF2-40B4-BE49-F238E27FC236}">
+                  <a16:creationId xmlns:a16="http://schemas.microsoft.com/office/drawing/2014/main" id="{4067D677-3FA9-4187-B1CA-F6298A917C27}"/>
+                </a:ext>
+                <a:ext uri="{C183D7F6-B498-43B3-948B-1728B52AA6E4}">
+                  <adec:decorative xmlns:adec="http://schemas.microsoft.com/office/drawing/2017/decorative" val="1"/>
+                </a:ext>
+              </a:extLst>
+            </p:cNvPr>
+            <p:cNvCxnSpPr/>
+            <p:nvPr>
+              <p:extLst>
+                <p:ext uri="{386F3935-93C4-4BCD-93E2-E3B085C9AB24}">
+                  <p16:designElem xmlns:p16="http://schemas.microsoft.com/office/powerpoint/2015/main" val="1"/>
+                </p:ext>
+              </p:extLst>
+            </p:nvPr>
+          </p:nvCxnSpPr>
+          <p:spPr>
+            <a:xfrm rot="-6660000" flipH="1">
+              <a:off x="5792091" y="5077607"/>
+              <a:ext cx="3394" cy="182880"/>
+            </a:xfrm>
+            <a:prstGeom prst="line">
+              <a:avLst/>
+            </a:prstGeom>
+            <a:ln>
+              <a:solidFill>
+                <a:srgbClr val="FFFFFF">
+                  <a:alpha val="30196"/>
+                </a:srgbClr>
+              </a:solidFill>
+            </a:ln>
+          </p:spPr>
+          <p:style>
+            <a:lnRef idx="1">
+              <a:schemeClr val="accent1"/>
+            </a:lnRef>
+            <a:fillRef idx="0">
+              <a:schemeClr val="accent1"/>
+            </a:fillRef>
+            <a:effectRef idx="0">
+              <a:schemeClr val="accent1"/>
+            </a:effectRef>
+            <a:fontRef idx="minor">
+              <a:schemeClr val="tx1"/>
+            </a:fontRef>
+          </p:style>
+        </p:cxnSp>
+        <p:cxnSp>
+          <p:nvCxnSpPr>
+            <p:cNvPr id="97" name="Straight Connector 96">
+              <a:extLst>
+                <a:ext uri="{FF2B5EF4-FFF2-40B4-BE49-F238E27FC236}">
+                  <a16:creationId xmlns:a16="http://schemas.microsoft.com/office/drawing/2014/main" id="{82E9FC80-B3E8-47CE-862C-9F6E9E598A41}"/>
+                </a:ext>
+                <a:ext uri="{C183D7F6-B498-43B3-948B-1728B52AA6E4}">
+                  <adec:decorative xmlns:adec="http://schemas.microsoft.com/office/drawing/2017/decorative" val="1"/>
+                </a:ext>
+              </a:extLst>
+            </p:cNvPr>
+            <p:cNvCxnSpPr/>
+            <p:nvPr>
+              <p:extLst>
+                <p:ext uri="{386F3935-93C4-4BCD-93E2-E3B085C9AB24}">
+                  <p16:designElem xmlns:p16="http://schemas.microsoft.com/office/powerpoint/2015/main" val="1"/>
+                </p:ext>
+              </p:extLst>
+            </p:nvPr>
+          </p:nvCxnSpPr>
+          <p:spPr>
+            <a:xfrm rot="-6780000" flipH="1">
+              <a:off x="5847441" y="5211223"/>
+              <a:ext cx="3394" cy="182880"/>
+            </a:xfrm>
+            <a:prstGeom prst="line">
+              <a:avLst/>
+            </a:prstGeom>
+            <a:ln>
+              <a:solidFill>
+                <a:srgbClr val="FFFFFF">
+                  <a:alpha val="30196"/>
+                </a:srgbClr>
+              </a:solidFill>
+            </a:ln>
+          </p:spPr>
+          <p:style>
+            <a:lnRef idx="1">
+              <a:schemeClr val="accent1"/>
+            </a:lnRef>
+            <a:fillRef idx="0">
+              <a:schemeClr val="accent1"/>
+            </a:fillRef>
+            <a:effectRef idx="0">
+              <a:schemeClr val="accent1"/>
+            </a:effectRef>
+            <a:fontRef idx="minor">
+              <a:schemeClr val="tx1"/>
+            </a:fontRef>
+          </p:style>
+        </p:cxnSp>
+        <p:cxnSp>
+          <p:nvCxnSpPr>
+            <p:cNvPr id="98" name="Straight Connector 97">
+              <a:extLst>
+                <a:ext uri="{FF2B5EF4-FFF2-40B4-BE49-F238E27FC236}">
+                  <a16:creationId xmlns:a16="http://schemas.microsoft.com/office/drawing/2014/main" id="{2D383F3C-A57C-472A-9E05-CCD8A4F8E507}"/>
+                </a:ext>
+                <a:ext uri="{C183D7F6-B498-43B3-948B-1728B52AA6E4}">
+                  <adec:decorative xmlns:adec="http://schemas.microsoft.com/office/drawing/2017/decorative" val="1"/>
+                </a:ext>
+              </a:extLst>
+            </p:cNvPr>
+            <p:cNvCxnSpPr/>
+            <p:nvPr>
+              <p:extLst>
+                <p:ext uri="{386F3935-93C4-4BCD-93E2-E3B085C9AB24}">
+                  <p16:designElem xmlns:p16="http://schemas.microsoft.com/office/powerpoint/2015/main" val="1"/>
+                </p:ext>
+              </p:extLst>
+            </p:nvPr>
+          </p:nvCxnSpPr>
+          <p:spPr>
+            <a:xfrm rot="-6900000" flipH="1">
+              <a:off x="5900410" y="5342458"/>
+              <a:ext cx="3394" cy="182880"/>
+            </a:xfrm>
+            <a:prstGeom prst="line">
+              <a:avLst/>
+            </a:prstGeom>
+            <a:ln>
+              <a:solidFill>
+                <a:srgbClr val="FFFFFF">
+                  <a:alpha val="30196"/>
+                </a:srgbClr>
+              </a:solidFill>
+            </a:ln>
+          </p:spPr>
+          <p:style>
+            <a:lnRef idx="1">
+              <a:schemeClr val="accent1"/>
+            </a:lnRef>
+            <a:fillRef idx="0">
+              <a:schemeClr val="accent1"/>
+            </a:fillRef>
+            <a:effectRef idx="0">
+              <a:schemeClr val="accent1"/>
+            </a:effectRef>
+            <a:fontRef idx="minor">
+              <a:schemeClr val="tx1"/>
+            </a:fontRef>
+          </p:style>
+        </p:cxnSp>
+        <p:cxnSp>
+          <p:nvCxnSpPr>
+            <p:cNvPr id="99" name="Straight Connector 98">
+              <a:extLst>
+                <a:ext uri="{FF2B5EF4-FFF2-40B4-BE49-F238E27FC236}">
+                  <a16:creationId xmlns:a16="http://schemas.microsoft.com/office/drawing/2014/main" id="{E534D376-6ABA-4DF9-BBEA-EB5A88180432}"/>
+                </a:ext>
+                <a:ext uri="{C183D7F6-B498-43B3-948B-1728B52AA6E4}">
+                  <adec:decorative xmlns:adec="http://schemas.microsoft.com/office/drawing/2017/decorative" val="1"/>
+                </a:ext>
+              </a:extLst>
+            </p:cNvPr>
+            <p:cNvCxnSpPr/>
+            <p:nvPr>
+              <p:extLst>
+                <p:ext uri="{386F3935-93C4-4BCD-93E2-E3B085C9AB24}">
+                  <p16:designElem xmlns:p16="http://schemas.microsoft.com/office/powerpoint/2015/main" val="1"/>
+                </p:ext>
+              </p:extLst>
+            </p:nvPr>
+          </p:nvCxnSpPr>
+          <p:spPr>
+            <a:xfrm rot="-7020000" flipH="1">
+              <a:off x="5955760" y="5473693"/>
+              <a:ext cx="3394" cy="182880"/>
+            </a:xfrm>
+            <a:prstGeom prst="line">
+              <a:avLst/>
+            </a:prstGeom>
+            <a:ln>
+              <a:solidFill>
+                <a:srgbClr val="FFFFFF">
+                  <a:alpha val="30196"/>
+                </a:srgbClr>
+              </a:solidFill>
+            </a:ln>
+          </p:spPr>
+          <p:style>
+            <a:lnRef idx="1">
+              <a:schemeClr val="accent1"/>
+            </a:lnRef>
+            <a:fillRef idx="0">
+              <a:schemeClr val="accent1"/>
+            </a:fillRef>
+            <a:effectRef idx="0">
+              <a:schemeClr val="accent1"/>
+            </a:effectRef>
+            <a:fontRef idx="minor">
+              <a:schemeClr val="tx1"/>
+            </a:fontRef>
+          </p:style>
+        </p:cxnSp>
+      </p:grpSp>
+      <p:pic>
+        <p:nvPicPr>
+          <p:cNvPr id="4" name="Picture 3">
+            <a:extLst>
+              <a:ext uri="{FF2B5EF4-FFF2-40B4-BE49-F238E27FC236}">
+                <a16:creationId xmlns:a16="http://schemas.microsoft.com/office/drawing/2014/main" id="{2BB64D50-2612-E1AB-3582-3EC0F25781DD}"/>
+              </a:ext>
+            </a:extLst>
+          </p:cNvPr>
+          <p:cNvPicPr>
+            <a:picLocks noChangeAspect="1"/>
+          </p:cNvPicPr>
+          <p:nvPr/>
+        </p:nvPicPr>
+        <p:blipFill>
+          <a:blip r:embed="rId4"/>
+          <a:stretch>
+            <a:fillRect/>
+          </a:stretch>
+        </p:blipFill>
+        <p:spPr>
+          <a:xfrm>
+            <a:off x="532208" y="1066542"/>
+            <a:ext cx="1611141" cy="2012451"/>
+          </a:xfrm>
+          <a:prstGeom prst="rect">
+            <a:avLst/>
+          </a:prstGeom>
+          <a:solidFill>
+            <a:srgbClr val="FFFFFF">
+              <a:shade val="85000"/>
+            </a:srgbClr>
+          </a:solidFill>
+        </p:spPr>
+      </p:pic>
+      <p:sp>
+        <p:nvSpPr>
+          <p:cNvPr id="7" name="TextBox 6">
+            <a:extLst>
+              <a:ext uri="{FF2B5EF4-FFF2-40B4-BE49-F238E27FC236}">
+                <a16:creationId xmlns:a16="http://schemas.microsoft.com/office/drawing/2014/main" id="{EC30F526-AE41-E2C2-352A-037BA5C2D2A9}"/>
+              </a:ext>
+            </a:extLst>
+          </p:cNvPr>
+          <p:cNvSpPr txBox="1"/>
+          <p:nvPr/>
+        </p:nvSpPr>
+        <p:spPr>
+          <a:xfrm>
+            <a:off x="433294" y="91241"/>
+            <a:ext cx="1353256" cy="1015663"/>
+          </a:xfrm>
+          <a:prstGeom prst="rect">
+            <a:avLst/>
+          </a:prstGeom>
+          <a:noFill/>
+        </p:spPr>
+        <p:txBody>
+          <a:bodyPr wrap="none" rtlCol="0">
+            <a:spAutoFit/>
+          </a:bodyPr>
+          <a:lstStyle/>
+          <a:p>
+            <a:pPr algn="ctr"/>
+            <a:r>
+              <a:rPr lang="en-US" sz="6000" dirty="0">
+                <a:solidFill>
+                  <a:schemeClr val="bg1"/>
+                </a:solidFill>
+              </a:rPr>
+              <a:t>002</a:t>
+            </a:r>
+          </a:p>
+        </p:txBody>
+      </p:sp>
+      <p:pic>
+        <p:nvPicPr>
+          <p:cNvPr id="9" name="Picture 8">
+            <a:extLst>
+              <a:ext uri="{FF2B5EF4-FFF2-40B4-BE49-F238E27FC236}">
+                <a16:creationId xmlns:a16="http://schemas.microsoft.com/office/drawing/2014/main" id="{3A42DE49-400B-55E1-A1B7-B32D70340520}"/>
+              </a:ext>
+            </a:extLst>
+          </p:cNvPr>
+          <p:cNvPicPr>
+            <a:picLocks noChangeAspect="1"/>
+          </p:cNvPicPr>
+          <p:nvPr/>
+        </p:nvPicPr>
+        <p:blipFill>
+          <a:blip r:embed="rId5"/>
+          <a:stretch>
+            <a:fillRect/>
+          </a:stretch>
+        </p:blipFill>
+        <p:spPr>
+          <a:xfrm>
+            <a:off x="5890080" y="1172866"/>
+            <a:ext cx="6090993" cy="4563644"/>
+          </a:xfrm>
+          <a:prstGeom prst="rect">
+            <a:avLst/>
+          </a:prstGeom>
+          <a:ln>
+            <a:noFill/>
+          </a:ln>
+          <a:effectLst>
+            <a:outerShdw blurRad="292100" dist="139700" dir="2700000" algn="tl" rotWithShape="0">
+              <a:srgbClr val="333333">
+                <a:alpha val="65000"/>
+              </a:srgbClr>
+            </a:outerShdw>
+          </a:effectLst>
+        </p:spPr>
+      </p:pic>
+    </p:spTree>
+    <p:extLst>
+      <p:ext uri="{BB962C8B-B14F-4D97-AF65-F5344CB8AC3E}">
+        <p14:creationId xmlns:p14="http://schemas.microsoft.com/office/powerpoint/2010/main" val="3181717894"/>
+      </p:ext>
+    </p:extLst>
+  </p:cSld>
+  <p:clrMapOvr>
+    <a:overrideClrMapping bg1="lt1" tx1="dk1" bg2="lt2" tx2="dk2" accent1="accent1" accent2="accent2" accent3="accent3" accent4="accent4" accent5="accent5" accent6="accent6" hlink="hlink" folHlink="folHlink"/>
+  </p:clrMapOvr>
+</p:sld>
+</file>
+
+<file path=ppt/slides/slide3.xml><?xml version="1.0" encoding="utf-8"?>
+<p:sld xmlns:a="http://schemas.openxmlformats.org/drawingml/2006/main" xmlns:r="http://schemas.openxmlformats.org/officeDocument/2006/relationships" xmlns:p="http://schemas.openxmlformats.org/presentationml/2006/main">
+  <p:cSld>
+    <p:bg>
+      <p:bgPr>
+        <a:solidFill>
+          <a:schemeClr val="bg1"/>
+        </a:solidFill>
+        <a:effectLst/>
+      </p:bgPr>
+    </p:bg>
+    <p:spTree>
+      <p:nvGrpSpPr>
+        <p:cNvPr id="1" name=""/>
+        <p:cNvGrpSpPr/>
+        <p:nvPr/>
+      </p:nvGrpSpPr>
+      <p:grpSpPr>
+        <a:xfrm>
+          <a:off x="0" y="0"/>
+          <a:ext cx="0" cy="0"/>
+          <a:chOff x="0" y="0"/>
+          <a:chExt cx="0" cy="0"/>
+        </a:xfrm>
+      </p:grpSpPr>
+      <p:pic>
+        <p:nvPicPr>
+          <p:cNvPr id="11" name="Picture 10">
+            <a:extLst>
+              <a:ext uri="{FF2B5EF4-FFF2-40B4-BE49-F238E27FC236}">
+                <a16:creationId xmlns:a16="http://schemas.microsoft.com/office/drawing/2014/main" id="{6AF6706C-CF07-43A1-BCC4-CBA5D33820DA}"/>
+              </a:ext>
+              <a:ext uri="{C183D7F6-B498-43B3-948B-1728B52AA6E4}">
+                <adec:decorative xmlns:adec="http://schemas.microsoft.com/office/drawing/2017/decorative" val="1"/>
+              </a:ext>
+            </a:extLst>
+          </p:cNvPr>
+          <p:cNvPicPr>
+            <a:picLocks noGrp="1" noRot="1" noChangeAspect="1" noMove="1" noResize="1" noEditPoints="1" noAdjustHandles="1" noChangeArrowheads="1" noChangeShapeType="1" noCrop="1"/>
+          </p:cNvPicPr>
+          <p:nvPr>
+            <p:extLst>
+              <p:ext uri="{386F3935-93C4-4BCD-93E2-E3B085C9AB24}">
+                <p16:designElem xmlns:p16="http://schemas.microsoft.com/office/powerpoint/2015/main" val="1"/>
+              </p:ext>
+            </p:extLst>
+          </p:nvPr>
+        </p:nvPicPr>
+        <p:blipFill>
+          <a:blip r:embed="rId2">
+            <a:extLst>
+              <a:ext uri="{28A0092B-C50C-407E-A947-70E740481C1C}">
+                <a14:useLocalDpi xmlns:a14="http://schemas.microsoft.com/office/drawing/2010/main" val="0"/>
+              </a:ext>
+            </a:extLst>
+          </a:blip>
+          <a:stretch>
+            <a:fillRect/>
+          </a:stretch>
+        </p:blipFill>
+        <p:spPr>
+          <a:xfrm>
+            <a:off x="0" y="0"/>
+            <a:ext cx="12188825" cy="6856214"/>
+          </a:xfrm>
+          <a:prstGeom prst="rect">
+            <a:avLst/>
+          </a:prstGeom>
+        </p:spPr>
+      </p:pic>
+      <p:sp>
+        <p:nvSpPr>
+          <p:cNvPr id="13" name="Rectangle 12">
+            <a:extLst>
+              <a:ext uri="{FF2B5EF4-FFF2-40B4-BE49-F238E27FC236}">
+                <a16:creationId xmlns:a16="http://schemas.microsoft.com/office/drawing/2014/main" id="{09C946AC-2072-4946-A2B8-39F09D0944EE}"/>
+              </a:ext>
+              <a:ext uri="{C183D7F6-B498-43B3-948B-1728B52AA6E4}">
+                <adec:decorative xmlns:adec="http://schemas.microsoft.com/office/drawing/2017/decorative" val="1"/>
+              </a:ext>
+            </a:extLst>
+          </p:cNvPr>
+          <p:cNvSpPr>
+            <a:spLocks noGrp="1" noRot="1" noChangeAspect="1" noMove="1" noResize="1" noEditPoints="1" noAdjustHandles="1" noChangeArrowheads="1" noChangeShapeType="1" noTextEdit="1"/>
+          </p:cNvSpPr>
+          <p:nvPr>
+            <p:extLst>
+              <p:ext uri="{386F3935-93C4-4BCD-93E2-E3B085C9AB24}">
+                <p16:designElem xmlns:p16="http://schemas.microsoft.com/office/powerpoint/2015/main" val="1"/>
+              </p:ext>
+            </p:extLst>
+          </p:nvPr>
+        </p:nvSpPr>
+        <p:spPr>
+          <a:xfrm>
+            <a:off x="0" y="0"/>
+            <a:ext cx="12188952" cy="6858000"/>
+          </a:xfrm>
+          <a:prstGeom prst="rect">
+            <a:avLst/>
+          </a:prstGeom>
+          <a:ln>
+            <a:noFill/>
+          </a:ln>
+        </p:spPr>
+        <p:style>
+          <a:lnRef idx="2">
+            <a:schemeClr val="accent1">
+              <a:shade val="50000"/>
+            </a:schemeClr>
+          </a:lnRef>
+          <a:fillRef idx="1003">
+            <a:schemeClr val="lt1"/>
+          </a:fillRef>
+          <a:effectRef idx="0">
+            <a:schemeClr val="accent1"/>
+          </a:effectRef>
+          <a:fontRef idx="minor">
+            <a:schemeClr val="lt1"/>
+          </a:fontRef>
+        </p:style>
+        <p:txBody>
+          <a:bodyPr rtlCol="0" anchor="ctr"/>
+          <a:lstStyle/>
+          <a:p>
+            <a:pPr algn="ctr"/>
+            <a:endParaRPr lang="en-US"/>
+          </a:p>
+        </p:txBody>
+      </p:sp>
+      <p:pic>
+        <p:nvPicPr>
+          <p:cNvPr id="15" name="Picture 14">
+            <a:extLst>
+              <a:ext uri="{FF2B5EF4-FFF2-40B4-BE49-F238E27FC236}">
+                <a16:creationId xmlns:a16="http://schemas.microsoft.com/office/drawing/2014/main" id="{A748C8C8-F348-4D00-852A-26DD9EBCC24C}"/>
+              </a:ext>
+              <a:ext uri="{C183D7F6-B498-43B3-948B-1728B52AA6E4}">
+                <adec:decorative xmlns:adec="http://schemas.microsoft.com/office/drawing/2017/decorative" val="1"/>
+              </a:ext>
+            </a:extLst>
+          </p:cNvPr>
+          <p:cNvPicPr>
+            <a:picLocks noGrp="1" noRot="1" noChangeAspect="1" noMove="1" noResize="1" noEditPoints="1" noAdjustHandles="1" noChangeArrowheads="1" noChangeShapeType="1" noCrop="1"/>
+          </p:cNvPicPr>
+          <p:nvPr>
+            <p:extLst>
+              <p:ext uri="{386F3935-93C4-4BCD-93E2-E3B085C9AB24}">
+                <p16:designElem xmlns:p16="http://schemas.microsoft.com/office/powerpoint/2015/main" val="1"/>
+              </p:ext>
+            </p:extLst>
+          </p:nvPr>
+        </p:nvPicPr>
+        <p:blipFill rotWithShape="1">
+          <a:blip r:embed="rId2">
+            <a:extLst>
+              <a:ext uri="{28A0092B-C50C-407E-A947-70E740481C1C}">
+                <a14:useLocalDpi xmlns:a14="http://schemas.microsoft.com/office/drawing/2010/main" val="0"/>
+              </a:ext>
+            </a:extLst>
+          </a:blip>
+          <a:srcRect r="50555"/>
+          <a:stretch/>
+        </p:blipFill>
+        <p:spPr>
+          <a:xfrm>
+            <a:off x="0" y="0"/>
+            <a:ext cx="6026763" cy="6856214"/>
+          </a:xfrm>
+          <a:prstGeom prst="rect">
+            <a:avLst/>
+          </a:prstGeom>
+        </p:spPr>
+      </p:pic>
+      <p:sp>
+        <p:nvSpPr>
+          <p:cNvPr id="5" name="Title 4">
+            <a:extLst>
+              <a:ext uri="{FF2B5EF4-FFF2-40B4-BE49-F238E27FC236}">
+                <a16:creationId xmlns:a16="http://schemas.microsoft.com/office/drawing/2014/main" id="{F658C86E-4204-9782-02DC-6BBD4E5ED57D}"/>
+              </a:ext>
+            </a:extLst>
+          </p:cNvPr>
+          <p:cNvSpPr>
+            <a:spLocks noGrp="1"/>
+          </p:cNvSpPr>
+          <p:nvPr>
+            <p:ph type="title"/>
+          </p:nvPr>
+        </p:nvSpPr>
+        <p:spPr>
+          <a:xfrm>
+            <a:off x="568031" y="3536903"/>
+            <a:ext cx="5196272" cy="1576276"/>
+          </a:xfrm>
+        </p:spPr>
+        <p:txBody>
+          <a:bodyPr vert="horz" lIns="91440" tIns="45720" rIns="91440" bIns="45720" rtlCol="0" anchor="b">
+            <a:normAutofit/>
+          </a:bodyPr>
+          <a:lstStyle/>
+          <a:p>
+            <a:r>
+              <a:rPr lang="en-US" sz="4400" dirty="0">
+                <a:solidFill>
+                  <a:srgbClr val="FFFFFF"/>
+                </a:solidFill>
+              </a:rPr>
+              <a:t>Processing </a:t>
+            </a:r>
+            <a:br>
+              <a:rPr lang="en-US" sz="4400" dirty="0">
+                <a:solidFill>
+                  <a:srgbClr val="FFFFFF"/>
+                </a:solidFill>
+              </a:rPr>
+            </a:br>
+            <a:r>
+              <a:rPr lang="zh-CN" altLang="en-US" sz="4400" dirty="0">
+                <a:solidFill>
+                  <a:srgbClr val="FFFFFF"/>
+                </a:solidFill>
+              </a:rPr>
+              <a:t>第一段代码</a:t>
+            </a:r>
+            <a:endParaRPr lang="en-US" sz="4400" dirty="0">
+              <a:solidFill>
+                <a:srgbClr val="FFFFFF"/>
+              </a:solidFill>
+            </a:endParaRPr>
+          </a:p>
+        </p:txBody>
+      </p:sp>
+      <p:sp>
+        <p:nvSpPr>
+          <p:cNvPr id="6" name="Text Placeholder 5">
+            <a:extLst>
+              <a:ext uri="{FF2B5EF4-FFF2-40B4-BE49-F238E27FC236}">
+                <a16:creationId xmlns:a16="http://schemas.microsoft.com/office/drawing/2014/main" id="{0948C32B-C854-A931-D9ED-1A29A8A882CA}"/>
+              </a:ext>
+            </a:extLst>
+          </p:cNvPr>
+          <p:cNvSpPr>
+            <a:spLocks noGrp="1"/>
+          </p:cNvSpPr>
+          <p:nvPr>
+            <p:ph type="body" idx="1"/>
+          </p:nvPr>
+        </p:nvSpPr>
+        <p:spPr>
+          <a:xfrm>
+            <a:off x="29384" y="5805023"/>
+            <a:ext cx="6259035" cy="435206"/>
+          </a:xfrm>
+        </p:spPr>
+        <p:txBody>
+          <a:bodyPr vert="horz" lIns="91440" tIns="45720" rIns="91440" bIns="45720" rtlCol="0" anchor="t">
+            <a:normAutofit fontScale="92500" lnSpcReduction="20000"/>
+          </a:bodyPr>
+          <a:lstStyle/>
+          <a:p>
+            <a:pPr algn="r"/>
+            <a:r>
+              <a:rPr lang="en-US" sz="1800" b="1" dirty="0">
+                <a:hlinkClick r:id="rId3"/>
+              </a:rPr>
+              <a:t>https://github.com/yasenstar/Processing_Programming</a:t>
+            </a:r>
+            <a:endParaRPr lang="en-US" sz="1800" b="1" dirty="0">
+              <a:solidFill>
+                <a:srgbClr val="FFFFFF"/>
+              </a:solidFill>
+            </a:endParaRPr>
+          </a:p>
+          <a:p>
+            <a:pPr algn="r"/>
+            <a:endParaRPr lang="en-US" sz="1800" b="1" dirty="0"/>
+          </a:p>
+        </p:txBody>
+      </p:sp>
+      <p:sp useBgFill="1">
+        <p:nvSpPr>
+          <p:cNvPr id="17" name="Freeform 5">
+            <a:extLst>
+              <a:ext uri="{FF2B5EF4-FFF2-40B4-BE49-F238E27FC236}">
+                <a16:creationId xmlns:a16="http://schemas.microsoft.com/office/drawing/2014/main" id="{559FD8B5-8CC4-4CFE-BD2A-1216B1F2C3DB}"/>
+              </a:ext>
+              <a:ext uri="{C183D7F6-B498-43B3-948B-1728B52AA6E4}">
+                <adec:decorative xmlns:adec="http://schemas.microsoft.com/office/drawing/2017/decorative" val="1"/>
+              </a:ext>
+            </a:extLst>
+          </p:cNvPr>
+          <p:cNvSpPr>
+            <a:spLocks noGrp="1" noRot="1" noChangeAspect="1" noMove="1" noResize="1" noEditPoints="1" noAdjustHandles="1" noChangeArrowheads="1" noChangeShapeType="1" noTextEdit="1"/>
+          </p:cNvSpPr>
+          <p:nvPr>
+            <p:extLst>
+              <p:ext uri="{386F3935-93C4-4BCD-93E2-E3B085C9AB24}">
+                <p16:designElem xmlns:p16="http://schemas.microsoft.com/office/powerpoint/2015/main" val="1"/>
+              </p:ext>
+            </p:extLst>
+          </p:nvPr>
+        </p:nvSpPr>
+        <p:spPr bwMode="grayWhite">
+          <a:xfrm>
+            <a:off x="5827529" y="660400"/>
+            <a:ext cx="6381405" cy="6214533"/>
+          </a:xfrm>
+          <a:custGeom>
+            <a:avLst/>
+            <a:gdLst>
+              <a:gd name="T0" fmla="*/ 1333 w 1333"/>
+              <a:gd name="T1" fmla="*/ 1031 h 1298"/>
+              <a:gd name="T2" fmla="*/ 1333 w 1333"/>
+              <a:gd name="T3" fmla="*/ 380 h 1298"/>
+              <a:gd name="T4" fmla="*/ 706 w 1333"/>
+              <a:gd name="T5" fmla="*/ 0 h 1298"/>
+              <a:gd name="T6" fmla="*/ 0 w 1333"/>
+              <a:gd name="T7" fmla="*/ 706 h 1298"/>
+              <a:gd name="T8" fmla="*/ 323 w 1333"/>
+              <a:gd name="T9" fmla="*/ 1298 h 1298"/>
+              <a:gd name="T10" fmla="*/ 1090 w 1333"/>
+              <a:gd name="T11" fmla="*/ 1298 h 1298"/>
+              <a:gd name="T12" fmla="*/ 1333 w 1333"/>
+              <a:gd name="T13" fmla="*/ 1031 h 1298"/>
+            </a:gdLst>
+            <a:ahLst/>
+            <a:cxnLst>
+              <a:cxn ang="0">
+                <a:pos x="T0" y="T1"/>
+              </a:cxn>
+              <a:cxn ang="0">
+                <a:pos x="T2" y="T3"/>
+              </a:cxn>
+              <a:cxn ang="0">
+                <a:pos x="T4" y="T5"/>
+              </a:cxn>
+              <a:cxn ang="0">
+                <a:pos x="T6" y="T7"/>
+              </a:cxn>
+              <a:cxn ang="0">
+                <a:pos x="T8" y="T9"/>
+              </a:cxn>
+              <a:cxn ang="0">
+                <a:pos x="T10" y="T11"/>
+              </a:cxn>
+              <a:cxn ang="0">
+                <a:pos x="T12" y="T13"/>
+              </a:cxn>
+            </a:cxnLst>
+            <a:rect l="0" t="0" r="r" b="b"/>
+            <a:pathLst>
+              <a:path w="1333" h="1298">
+                <a:moveTo>
+                  <a:pt x="1333" y="1031"/>
+                </a:moveTo>
+                <a:cubicBezTo>
+                  <a:pt x="1333" y="380"/>
+                  <a:pt x="1333" y="380"/>
+                  <a:pt x="1333" y="380"/>
+                </a:cubicBezTo>
+                <a:cubicBezTo>
+                  <a:pt x="1215" y="154"/>
+                  <a:pt x="979" y="0"/>
+                  <a:pt x="706" y="0"/>
+                </a:cubicBezTo>
+                <a:cubicBezTo>
+                  <a:pt x="317" y="0"/>
+                  <a:pt x="0" y="316"/>
+                  <a:pt x="0" y="706"/>
+                </a:cubicBezTo>
+                <a:cubicBezTo>
+                  <a:pt x="0" y="954"/>
+                  <a:pt x="129" y="1172"/>
+                  <a:pt x="323" y="1298"/>
+                </a:cubicBezTo>
+                <a:cubicBezTo>
+                  <a:pt x="1090" y="1298"/>
+                  <a:pt x="1090" y="1298"/>
+                  <a:pt x="1090" y="1298"/>
+                </a:cubicBezTo>
+                <a:cubicBezTo>
+                  <a:pt x="1193" y="1232"/>
+                  <a:pt x="1276" y="1140"/>
+                  <a:pt x="1333" y="1031"/>
+                </a:cubicBezTo>
+                <a:close/>
+              </a:path>
+            </a:pathLst>
+          </a:custGeom>
+          <a:ln w="50800" cap="sq" cmpd="dbl">
+            <a:gradFill flip="none" rotWithShape="1">
+              <a:gsLst>
+                <a:gs pos="0">
+                  <a:srgbClr val="FFFFFF"/>
+                </a:gs>
+                <a:gs pos="100000">
+                  <a:schemeClr val="tx1">
+                    <a:alpha val="0"/>
+                  </a:schemeClr>
+                </a:gs>
+              </a:gsLst>
+              <a:path path="circle">
+                <a:fillToRect l="50000" t="50000" r="50000" b="50000"/>
+              </a:path>
+              <a:tileRect/>
+            </a:gradFill>
+            <a:miter lim="800000"/>
+          </a:ln>
+          <a:effectLst>
+            <a:outerShdw blurRad="254000" algn="tl" rotWithShape="0">
+              <a:srgbClr val="000000">
+                <a:alpha val="43000"/>
+              </a:srgbClr>
+            </a:outerShdw>
+          </a:effectLst>
+        </p:spPr>
+        <p:txBody>
+          <a:bodyPr vert="horz" lIns="91440" tIns="45720" rIns="91440" bIns="45720" rtlCol="0" anchor="t">
+            <a:normAutofit/>
+          </a:bodyPr>
+          <a:lstStyle/>
+          <a:p>
+            <a:pPr algn="ctr">
+              <a:spcAft>
+                <a:spcPts val="1000"/>
+              </a:spcAft>
+              <a:buClr>
+                <a:schemeClr val="tx1"/>
+              </a:buClr>
+              <a:buSzPct val="100000"/>
+              <a:buFont typeface="Arial"/>
+              <a:buNone/>
+            </a:pPr>
+            <a:endParaRPr lang="en-US" sz="1600" cap="all"/>
+          </a:p>
+        </p:txBody>
+      </p:sp>
+      <p:sp>
+        <p:nvSpPr>
+          <p:cNvPr id="19" name="Freeform 14">
+            <a:extLst>
+              <a:ext uri="{FF2B5EF4-FFF2-40B4-BE49-F238E27FC236}">
+                <a16:creationId xmlns:a16="http://schemas.microsoft.com/office/drawing/2014/main" id="{9ECF13F4-3D2A-4F2E-9BBD-3038670D21ED}"/>
+              </a:ext>
+              <a:ext uri="{C183D7F6-B498-43B3-948B-1728B52AA6E4}">
+                <adec:decorative xmlns:adec="http://schemas.microsoft.com/office/drawing/2017/decorative" val="1"/>
+              </a:ext>
+            </a:extLst>
+          </p:cNvPr>
+          <p:cNvSpPr>
+            <a:spLocks noGrp="1" noRot="1" noChangeAspect="1" noMove="1" noResize="1" noEditPoints="1" noAdjustHandles="1" noChangeArrowheads="1" noChangeShapeType="1" noTextEdit="1"/>
+          </p:cNvSpPr>
+          <p:nvPr>
+            <p:extLst>
+              <p:ext uri="{386F3935-93C4-4BCD-93E2-E3B085C9AB24}">
+                <p16:designElem xmlns:p16="http://schemas.microsoft.com/office/powerpoint/2015/main" val="1"/>
+              </p:ext>
+            </p:extLst>
+          </p:nvPr>
+        </p:nvSpPr>
+        <p:spPr>
+          <a:xfrm>
+            <a:off x="5281603" y="104899"/>
+            <a:ext cx="6896713" cy="6005491"/>
+          </a:xfrm>
+          <a:custGeom>
+            <a:avLst/>
+            <a:gdLst>
+              <a:gd name="connsiteX0" fmla="*/ 3912717 w 6896713"/>
+              <a:gd name="connsiteY0" fmla="*/ 0 h 6005491"/>
+              <a:gd name="connsiteX1" fmla="*/ 6679426 w 6896713"/>
+              <a:gd name="connsiteY1" fmla="*/ 1146008 h 6005491"/>
+              <a:gd name="connsiteX2" fmla="*/ 6896713 w 6896713"/>
+              <a:gd name="connsiteY2" fmla="*/ 1385085 h 6005491"/>
+              <a:gd name="connsiteX3" fmla="*/ 6896713 w 6896713"/>
+              <a:gd name="connsiteY3" fmla="*/ 1431256 h 6005491"/>
+              <a:gd name="connsiteX4" fmla="*/ 6657442 w 6896713"/>
+              <a:gd name="connsiteY4" fmla="*/ 1167992 h 6005491"/>
+              <a:gd name="connsiteX5" fmla="*/ 3912717 w 6896713"/>
+              <a:gd name="connsiteY5" fmla="*/ 31089 h 6005491"/>
+              <a:gd name="connsiteX6" fmla="*/ 31089 w 6896713"/>
+              <a:gd name="connsiteY6" fmla="*/ 3912717 h 6005491"/>
+              <a:gd name="connsiteX7" fmla="*/ 593046 w 6896713"/>
+              <a:gd name="connsiteY7" fmla="*/ 5925483 h 6005491"/>
+              <a:gd name="connsiteX8" fmla="*/ 633874 w 6896713"/>
+              <a:gd name="connsiteY8" fmla="*/ 5989169 h 6005491"/>
+              <a:gd name="connsiteX9" fmla="*/ 607415 w 6896713"/>
+              <a:gd name="connsiteY9" fmla="*/ 6005491 h 6005491"/>
+              <a:gd name="connsiteX10" fmla="*/ 566458 w 6896713"/>
+              <a:gd name="connsiteY10" fmla="*/ 5941603 h 6005491"/>
+              <a:gd name="connsiteX11" fmla="*/ 0 w 6896713"/>
+              <a:gd name="connsiteY11" fmla="*/ 3912717 h 6005491"/>
+              <a:gd name="connsiteX12" fmla="*/ 3912717 w 6896713"/>
+              <a:gd name="connsiteY12" fmla="*/ 0 h 6005491"/>
+            </a:gdLst>
+            <a:ahLst/>
+            <a:cxnLst>
+              <a:cxn ang="0">
+                <a:pos x="connsiteX0" y="connsiteY0"/>
+              </a:cxn>
+              <a:cxn ang="0">
+                <a:pos x="connsiteX1" y="connsiteY1"/>
+              </a:cxn>
+              <a:cxn ang="0">
+                <a:pos x="connsiteX2" y="connsiteY2"/>
+              </a:cxn>
+              <a:cxn ang="0">
+                <a:pos x="connsiteX3" y="connsiteY3"/>
+              </a:cxn>
+              <a:cxn ang="0">
+                <a:pos x="connsiteX4" y="connsiteY4"/>
+              </a:cxn>
+              <a:cxn ang="0">
+                <a:pos x="connsiteX5" y="connsiteY5"/>
+              </a:cxn>
+              <a:cxn ang="0">
+                <a:pos x="connsiteX6" y="connsiteY6"/>
+              </a:cxn>
+              <a:cxn ang="0">
+                <a:pos x="connsiteX7" y="connsiteY7"/>
+              </a:cxn>
+              <a:cxn ang="0">
+                <a:pos x="connsiteX8" y="connsiteY8"/>
+              </a:cxn>
+              <a:cxn ang="0">
+                <a:pos x="connsiteX9" y="connsiteY9"/>
+              </a:cxn>
+              <a:cxn ang="0">
+                <a:pos x="connsiteX10" y="connsiteY10"/>
+              </a:cxn>
+              <a:cxn ang="0">
+                <a:pos x="connsiteX11" y="connsiteY11"/>
+              </a:cxn>
+              <a:cxn ang="0">
+                <a:pos x="connsiteX12" y="connsiteY12"/>
+              </a:cxn>
+            </a:cxnLst>
+            <a:rect l="l" t="t" r="r" b="b"/>
+            <a:pathLst>
+              <a:path w="6896713" h="6005491">
+                <a:moveTo>
+                  <a:pt x="3912717" y="0"/>
+                </a:moveTo>
+                <a:cubicBezTo>
+                  <a:pt x="4993184" y="0"/>
+                  <a:pt x="5971363" y="437946"/>
+                  <a:pt x="6679426" y="1146008"/>
+                </a:cubicBezTo>
+                <a:lnTo>
+                  <a:pt x="6896713" y="1385085"/>
+                </a:lnTo>
+                <a:lnTo>
+                  <a:pt x="6896713" y="1431256"/>
+                </a:lnTo>
+                <a:lnTo>
+                  <a:pt x="6657442" y="1167992"/>
+                </a:lnTo>
+                <a:cubicBezTo>
+                  <a:pt x="5955006" y="465555"/>
+                  <a:pt x="4984599" y="31089"/>
+                  <a:pt x="3912717" y="31089"/>
+                </a:cubicBezTo>
+                <a:cubicBezTo>
+                  <a:pt x="1768953" y="31089"/>
+                  <a:pt x="31089" y="1768953"/>
+                  <a:pt x="31089" y="3912717"/>
+                </a:cubicBezTo>
+                <a:cubicBezTo>
+                  <a:pt x="31089" y="4649636"/>
+                  <a:pt x="236442" y="5338592"/>
+                  <a:pt x="593046" y="5925483"/>
+                </a:cubicBezTo>
+                <a:lnTo>
+                  <a:pt x="633874" y="5989169"/>
+                </a:lnTo>
+                <a:lnTo>
+                  <a:pt x="607415" y="6005491"/>
+                </a:lnTo>
+                <a:lnTo>
+                  <a:pt x="566458" y="5941603"/>
+                </a:lnTo>
+                <a:cubicBezTo>
+                  <a:pt x="206998" y="5350013"/>
+                  <a:pt x="0" y="4655538"/>
+                  <a:pt x="0" y="3912717"/>
+                </a:cubicBezTo>
+                <a:cubicBezTo>
+                  <a:pt x="0" y="1751783"/>
+                  <a:pt x="1751783" y="0"/>
+                  <a:pt x="3912717" y="0"/>
+                </a:cubicBezTo>
+                <a:close/>
+              </a:path>
+            </a:pathLst>
+          </a:custGeom>
+          <a:solidFill>
+            <a:srgbClr val="FFFFFF">
+              <a:alpha val="41961"/>
+            </a:srgbClr>
+          </a:solidFill>
+          <a:ln>
+            <a:noFill/>
+          </a:ln>
+        </p:spPr>
+        <p:style>
+          <a:lnRef idx="2">
+            <a:schemeClr val="accent1">
+              <a:shade val="50000"/>
+            </a:schemeClr>
+          </a:lnRef>
+          <a:fillRef idx="1">
+            <a:schemeClr val="accent1"/>
+          </a:fillRef>
+          <a:effectRef idx="0">
+            <a:schemeClr val="accent1"/>
+          </a:effectRef>
+          <a:fontRef idx="minor">
+            <a:schemeClr val="lt1"/>
+          </a:fontRef>
+        </p:style>
+        <p:txBody>
+          <a:bodyPr rtlCol="0" anchor="ctr"/>
+          <a:lstStyle/>
+          <a:p>
+            <a:pPr algn="ctr"/>
+            <a:endParaRPr lang="en-US"/>
+          </a:p>
+        </p:txBody>
+      </p:sp>
+      <p:grpSp>
+        <p:nvGrpSpPr>
+          <p:cNvPr id="21" name="Group 20">
+            <a:extLst>
+              <a:ext uri="{FF2B5EF4-FFF2-40B4-BE49-F238E27FC236}">
+                <a16:creationId xmlns:a16="http://schemas.microsoft.com/office/drawing/2014/main" id="{19660E16-DCC0-4B6C-8E84-4C292580059F}"/>
+              </a:ext>
+              <a:ext uri="{C183D7F6-B498-43B3-948B-1728B52AA6E4}">
+                <adec:decorative xmlns:adec="http://schemas.microsoft.com/office/drawing/2017/decorative" val="1"/>
+              </a:ext>
+            </a:extLst>
+          </p:cNvPr>
+          <p:cNvGrpSpPr>
+            <a:grpSpLocks noGrp="1" noUngrp="1" noRot="1" noChangeAspect="1" noMove="1" noResize="1"/>
+          </p:cNvGrpSpPr>
+          <p:nvPr>
+            <p:extLst>
+              <p:ext uri="{386F3935-93C4-4BCD-93E2-E3B085C9AB24}">
+                <p16:designElem xmlns:p16="http://schemas.microsoft.com/office/powerpoint/2015/main" val="1"/>
+              </p:ext>
+            </p:extLst>
+          </p:nvPr>
+        </p:nvGrpSpPr>
+        <p:grpSpPr>
+          <a:xfrm>
+            <a:off x="5516018" y="331504"/>
+            <a:ext cx="6675982" cy="5235326"/>
+            <a:chOff x="5516018" y="331504"/>
+            <a:chExt cx="6675982" cy="5235326"/>
+          </a:xfrm>
+        </p:grpSpPr>
+        <p:cxnSp>
+          <p:nvCxnSpPr>
+            <p:cNvPr id="22" name="Straight Connector 21">
+              <a:extLst>
+                <a:ext uri="{FF2B5EF4-FFF2-40B4-BE49-F238E27FC236}">
+                  <a16:creationId xmlns:a16="http://schemas.microsoft.com/office/drawing/2014/main" id="{29130F79-611E-4458-B53E-36A2572171A9}"/>
+                </a:ext>
+                <a:ext uri="{C183D7F6-B498-43B3-948B-1728B52AA6E4}">
+                  <adec:decorative xmlns:adec="http://schemas.microsoft.com/office/drawing/2017/decorative" val="1"/>
+                </a:ext>
+              </a:extLst>
+            </p:cNvPr>
+            <p:cNvCxnSpPr/>
+            <p:nvPr>
+              <p:extLst>
+                <p:ext uri="{386F3935-93C4-4BCD-93E2-E3B085C9AB24}">
+                  <p16:designElem xmlns:p16="http://schemas.microsoft.com/office/powerpoint/2015/main" val="1"/>
+                </p:ext>
+              </p:extLst>
+            </p:nvPr>
+          </p:nvCxnSpPr>
+          <p:spPr>
+            <a:xfrm flipH="1">
+              <a:off x="9266830" y="331504"/>
+              <a:ext cx="3394" cy="182880"/>
+            </a:xfrm>
+            <a:prstGeom prst="line">
+              <a:avLst/>
+            </a:prstGeom>
+            <a:ln>
+              <a:solidFill>
+                <a:srgbClr val="FFFFFF">
+                  <a:alpha val="30196"/>
+                </a:srgbClr>
+              </a:solidFill>
+            </a:ln>
+          </p:spPr>
+          <p:style>
+            <a:lnRef idx="1">
+              <a:schemeClr val="accent1"/>
+            </a:lnRef>
+            <a:fillRef idx="0">
+              <a:schemeClr val="accent1"/>
+            </a:fillRef>
+            <a:effectRef idx="0">
+              <a:schemeClr val="accent1"/>
+            </a:effectRef>
+            <a:fontRef idx="minor">
+              <a:schemeClr val="tx1"/>
+            </a:fontRef>
+          </p:style>
+        </p:cxnSp>
+        <p:cxnSp>
+          <p:nvCxnSpPr>
+            <p:cNvPr id="23" name="Straight Connector 22">
+              <a:extLst>
+                <a:ext uri="{FF2B5EF4-FFF2-40B4-BE49-F238E27FC236}">
+                  <a16:creationId xmlns:a16="http://schemas.microsoft.com/office/drawing/2014/main" id="{2EA78691-46E9-469A-921B-9D16933EE19E}"/>
+                </a:ext>
+                <a:ext uri="{C183D7F6-B498-43B3-948B-1728B52AA6E4}">
+                  <adec:decorative xmlns:adec="http://schemas.microsoft.com/office/drawing/2017/decorative" val="1"/>
+                </a:ext>
+              </a:extLst>
+            </p:cNvPr>
+            <p:cNvCxnSpPr/>
+            <p:nvPr>
+              <p:extLst>
+                <p:ext uri="{386F3935-93C4-4BCD-93E2-E3B085C9AB24}">
+                  <p16:designElem xmlns:p16="http://schemas.microsoft.com/office/powerpoint/2015/main" val="1"/>
+                </p:ext>
+              </p:extLst>
+            </p:nvPr>
+          </p:nvCxnSpPr>
+          <p:spPr>
+            <a:xfrm rot="120000" flipH="1">
+              <a:off x="9408861" y="338328"/>
+              <a:ext cx="3394" cy="182880"/>
+            </a:xfrm>
+            <a:prstGeom prst="line">
+              <a:avLst/>
+            </a:prstGeom>
+            <a:ln>
+              <a:solidFill>
+                <a:srgbClr val="FFFFFF">
+                  <a:alpha val="30196"/>
+                </a:srgbClr>
+              </a:solidFill>
+            </a:ln>
+          </p:spPr>
+          <p:style>
+            <a:lnRef idx="1">
+              <a:schemeClr val="accent1"/>
+            </a:lnRef>
+            <a:fillRef idx="0">
+              <a:schemeClr val="accent1"/>
+            </a:fillRef>
+            <a:effectRef idx="0">
+              <a:schemeClr val="accent1"/>
+            </a:effectRef>
+            <a:fontRef idx="minor">
+              <a:schemeClr val="tx1"/>
+            </a:fontRef>
+          </p:style>
+        </p:cxnSp>
+        <p:cxnSp>
+          <p:nvCxnSpPr>
+            <p:cNvPr id="24" name="Straight Connector 23">
+              <a:extLst>
+                <a:ext uri="{FF2B5EF4-FFF2-40B4-BE49-F238E27FC236}">
+                  <a16:creationId xmlns:a16="http://schemas.microsoft.com/office/drawing/2014/main" id="{CA4AA196-3090-4283-ADF0-893F81085861}"/>
+                </a:ext>
+                <a:ext uri="{C183D7F6-B498-43B3-948B-1728B52AA6E4}">
+                  <adec:decorative xmlns:adec="http://schemas.microsoft.com/office/drawing/2017/decorative" val="1"/>
+                </a:ext>
+              </a:extLst>
+            </p:cNvPr>
+            <p:cNvCxnSpPr/>
+            <p:nvPr>
+              <p:extLst>
+                <p:ext uri="{386F3935-93C4-4BCD-93E2-E3B085C9AB24}">
+                  <p16:designElem xmlns:p16="http://schemas.microsoft.com/office/powerpoint/2015/main" val="1"/>
+                </p:ext>
+              </p:extLst>
+            </p:nvPr>
+          </p:nvCxnSpPr>
+          <p:spPr>
+            <a:xfrm rot="240000" flipH="1">
+              <a:off x="9551700" y="347636"/>
+              <a:ext cx="3394" cy="182880"/>
+            </a:xfrm>
+            <a:prstGeom prst="line">
+              <a:avLst/>
+            </a:prstGeom>
+            <a:ln>
+              <a:solidFill>
+                <a:srgbClr val="FFFFFF">
+                  <a:alpha val="30196"/>
+                </a:srgbClr>
+              </a:solidFill>
+            </a:ln>
+          </p:spPr>
+          <p:style>
+            <a:lnRef idx="1">
+              <a:schemeClr val="accent1"/>
+            </a:lnRef>
+            <a:fillRef idx="0">
+              <a:schemeClr val="accent1"/>
+            </a:fillRef>
+            <a:effectRef idx="0">
+              <a:schemeClr val="accent1"/>
+            </a:effectRef>
+            <a:fontRef idx="minor">
+              <a:schemeClr val="tx1"/>
+            </a:fontRef>
+          </p:style>
+        </p:cxnSp>
+        <p:cxnSp>
+          <p:nvCxnSpPr>
+            <p:cNvPr id="25" name="Straight Connector 24">
+              <a:extLst>
+                <a:ext uri="{FF2B5EF4-FFF2-40B4-BE49-F238E27FC236}">
+                  <a16:creationId xmlns:a16="http://schemas.microsoft.com/office/drawing/2014/main" id="{1FD33794-9D71-4B08-AE11-8B589EFBA250}"/>
+                </a:ext>
+                <a:ext uri="{C183D7F6-B498-43B3-948B-1728B52AA6E4}">
+                  <adec:decorative xmlns:adec="http://schemas.microsoft.com/office/drawing/2017/decorative" val="1"/>
+                </a:ext>
+              </a:extLst>
+            </p:cNvPr>
+            <p:cNvCxnSpPr/>
+            <p:nvPr>
+              <p:extLst>
+                <p:ext uri="{386F3935-93C4-4BCD-93E2-E3B085C9AB24}">
+                  <p16:designElem xmlns:p16="http://schemas.microsoft.com/office/powerpoint/2015/main" val="1"/>
+                </p:ext>
+              </p:extLst>
+            </p:nvPr>
+          </p:nvCxnSpPr>
+          <p:spPr>
+            <a:xfrm rot="360000" flipH="1">
+              <a:off x="9688748" y="368088"/>
+              <a:ext cx="3394" cy="182880"/>
+            </a:xfrm>
+            <a:prstGeom prst="line">
+              <a:avLst/>
+            </a:prstGeom>
+            <a:ln>
+              <a:solidFill>
+                <a:srgbClr val="FFFFFF">
+                  <a:alpha val="30196"/>
+                </a:srgbClr>
+              </a:solidFill>
+            </a:ln>
+          </p:spPr>
+          <p:style>
+            <a:lnRef idx="1">
+              <a:schemeClr val="accent1"/>
+            </a:lnRef>
+            <a:fillRef idx="0">
+              <a:schemeClr val="accent1"/>
+            </a:fillRef>
+            <a:effectRef idx="0">
+              <a:schemeClr val="accent1"/>
+            </a:effectRef>
+            <a:fontRef idx="minor">
+              <a:schemeClr val="tx1"/>
+            </a:fontRef>
+          </p:style>
+        </p:cxnSp>
+        <p:cxnSp>
+          <p:nvCxnSpPr>
+            <p:cNvPr id="26" name="Straight Connector 25">
+              <a:extLst>
+                <a:ext uri="{FF2B5EF4-FFF2-40B4-BE49-F238E27FC236}">
+                  <a16:creationId xmlns:a16="http://schemas.microsoft.com/office/drawing/2014/main" id="{38AFBF0E-867E-4181-93DF-9A13F334B016}"/>
+                </a:ext>
+                <a:ext uri="{C183D7F6-B498-43B3-948B-1728B52AA6E4}">
+                  <adec:decorative xmlns:adec="http://schemas.microsoft.com/office/drawing/2017/decorative" val="1"/>
+                </a:ext>
+              </a:extLst>
+            </p:cNvPr>
+            <p:cNvCxnSpPr/>
+            <p:nvPr>
+              <p:extLst>
+                <p:ext uri="{386F3935-93C4-4BCD-93E2-E3B085C9AB24}">
+                  <p16:designElem xmlns:p16="http://schemas.microsoft.com/office/powerpoint/2015/main" val="1"/>
+                </p:ext>
+              </p:extLst>
+            </p:nvPr>
+          </p:nvCxnSpPr>
+          <p:spPr>
+            <a:xfrm rot="540000" flipH="1">
+              <a:off x="9824866" y="389224"/>
+              <a:ext cx="3394" cy="182880"/>
+            </a:xfrm>
+            <a:prstGeom prst="line">
+              <a:avLst/>
+            </a:prstGeom>
+            <a:ln>
+              <a:solidFill>
+                <a:srgbClr val="FFFFFF">
+                  <a:alpha val="30196"/>
+                </a:srgbClr>
+              </a:solidFill>
+            </a:ln>
+          </p:spPr>
+          <p:style>
+            <a:lnRef idx="1">
+              <a:schemeClr val="accent1"/>
+            </a:lnRef>
+            <a:fillRef idx="0">
+              <a:schemeClr val="accent1"/>
+            </a:fillRef>
+            <a:effectRef idx="0">
+              <a:schemeClr val="accent1"/>
+            </a:effectRef>
+            <a:fontRef idx="minor">
+              <a:schemeClr val="tx1"/>
+            </a:fontRef>
+          </p:style>
+        </p:cxnSp>
+        <p:cxnSp>
+          <p:nvCxnSpPr>
+            <p:cNvPr id="27" name="Straight Connector 26">
+              <a:extLst>
+                <a:ext uri="{FF2B5EF4-FFF2-40B4-BE49-F238E27FC236}">
+                  <a16:creationId xmlns:a16="http://schemas.microsoft.com/office/drawing/2014/main" id="{C7EA8258-0459-4037-BABC-B1A0A5D7055C}"/>
+                </a:ext>
+                <a:ext uri="{C183D7F6-B498-43B3-948B-1728B52AA6E4}">
+                  <adec:decorative xmlns:adec="http://schemas.microsoft.com/office/drawing/2017/decorative" val="1"/>
+                </a:ext>
+              </a:extLst>
+            </p:cNvPr>
+            <p:cNvCxnSpPr/>
+            <p:nvPr>
+              <p:extLst>
+                <p:ext uri="{386F3935-93C4-4BCD-93E2-E3B085C9AB24}">
+                  <p16:designElem xmlns:p16="http://schemas.microsoft.com/office/powerpoint/2015/main" val="1"/>
+                </p:ext>
+              </p:extLst>
+            </p:nvPr>
+          </p:nvCxnSpPr>
+          <p:spPr>
+            <a:xfrm rot="660000" flipH="1">
+              <a:off x="9966867" y="417549"/>
+              <a:ext cx="3394" cy="182880"/>
+            </a:xfrm>
+            <a:prstGeom prst="line">
+              <a:avLst/>
+            </a:prstGeom>
+            <a:ln>
+              <a:solidFill>
+                <a:srgbClr val="FFFFFF">
+                  <a:alpha val="30196"/>
+                </a:srgbClr>
+              </a:solidFill>
+            </a:ln>
+          </p:spPr>
+          <p:style>
+            <a:lnRef idx="1">
+              <a:schemeClr val="accent1"/>
+            </a:lnRef>
+            <a:fillRef idx="0">
+              <a:schemeClr val="accent1"/>
+            </a:fillRef>
+            <a:effectRef idx="0">
+              <a:schemeClr val="accent1"/>
+            </a:effectRef>
+            <a:fontRef idx="minor">
+              <a:schemeClr val="tx1"/>
+            </a:fontRef>
+          </p:style>
+        </p:cxnSp>
+        <p:cxnSp>
+          <p:nvCxnSpPr>
+            <p:cNvPr id="28" name="Straight Connector 27">
+              <a:extLst>
+                <a:ext uri="{FF2B5EF4-FFF2-40B4-BE49-F238E27FC236}">
+                  <a16:creationId xmlns:a16="http://schemas.microsoft.com/office/drawing/2014/main" id="{E8BB355F-363A-4046-90AF-3DDB7AA18459}"/>
+                </a:ext>
+                <a:ext uri="{C183D7F6-B498-43B3-948B-1728B52AA6E4}">
+                  <adec:decorative xmlns:adec="http://schemas.microsoft.com/office/drawing/2017/decorative" val="1"/>
+                </a:ext>
+              </a:extLst>
+            </p:cNvPr>
+            <p:cNvCxnSpPr/>
+            <p:nvPr>
+              <p:extLst>
+                <p:ext uri="{386F3935-93C4-4BCD-93E2-E3B085C9AB24}">
+                  <p16:designElem xmlns:p16="http://schemas.microsoft.com/office/powerpoint/2015/main" val="1"/>
+                </p:ext>
+              </p:extLst>
+            </p:nvPr>
+          </p:nvCxnSpPr>
+          <p:spPr>
+            <a:xfrm rot="780000" flipH="1">
+              <a:off x="10104425" y="445874"/>
+              <a:ext cx="3394" cy="182880"/>
+            </a:xfrm>
+            <a:prstGeom prst="line">
+              <a:avLst/>
+            </a:prstGeom>
+            <a:ln>
+              <a:solidFill>
+                <a:srgbClr val="FFFFFF">
+                  <a:alpha val="30196"/>
+                </a:srgbClr>
+              </a:solidFill>
+            </a:ln>
+          </p:spPr>
+          <p:style>
+            <a:lnRef idx="1">
+              <a:schemeClr val="accent1"/>
+            </a:lnRef>
+            <a:fillRef idx="0">
+              <a:schemeClr val="accent1"/>
+            </a:fillRef>
+            <a:effectRef idx="0">
+              <a:schemeClr val="accent1"/>
+            </a:effectRef>
+            <a:fontRef idx="minor">
+              <a:schemeClr val="tx1"/>
+            </a:fontRef>
+          </p:style>
+        </p:cxnSp>
+        <p:cxnSp>
+          <p:nvCxnSpPr>
+            <p:cNvPr id="29" name="Straight Connector 28">
+              <a:extLst>
+                <a:ext uri="{FF2B5EF4-FFF2-40B4-BE49-F238E27FC236}">
+                  <a16:creationId xmlns:a16="http://schemas.microsoft.com/office/drawing/2014/main" id="{A9334308-B9EC-41CF-8B6C-23FB134BA582}"/>
+                </a:ext>
+                <a:ext uri="{C183D7F6-B498-43B3-948B-1728B52AA6E4}">
+                  <adec:decorative xmlns:adec="http://schemas.microsoft.com/office/drawing/2017/decorative" val="1"/>
+                </a:ext>
+              </a:extLst>
+            </p:cNvPr>
+            <p:cNvCxnSpPr/>
+            <p:nvPr>
+              <p:extLst>
+                <p:ext uri="{386F3935-93C4-4BCD-93E2-E3B085C9AB24}">
+                  <p16:designElem xmlns:p16="http://schemas.microsoft.com/office/powerpoint/2015/main" val="1"/>
+                </p:ext>
+              </p:extLst>
+            </p:nvPr>
+          </p:nvCxnSpPr>
+          <p:spPr>
+            <a:xfrm rot="900000" flipH="1">
+              <a:off x="10240513" y="479483"/>
+              <a:ext cx="3394" cy="182880"/>
+            </a:xfrm>
+            <a:prstGeom prst="line">
+              <a:avLst/>
+            </a:prstGeom>
+            <a:ln>
+              <a:solidFill>
+                <a:srgbClr val="FFFFFF">
+                  <a:alpha val="30196"/>
+                </a:srgbClr>
+              </a:solidFill>
+            </a:ln>
+          </p:spPr>
+          <p:style>
+            <a:lnRef idx="1">
+              <a:schemeClr val="accent1"/>
+            </a:lnRef>
+            <a:fillRef idx="0">
+              <a:schemeClr val="accent1"/>
+            </a:fillRef>
+            <a:effectRef idx="0">
+              <a:schemeClr val="accent1"/>
+            </a:effectRef>
+            <a:fontRef idx="minor">
+              <a:schemeClr val="tx1"/>
+            </a:fontRef>
+          </p:style>
+        </p:cxnSp>
+        <p:cxnSp>
+          <p:nvCxnSpPr>
+            <p:cNvPr id="30" name="Straight Connector 29">
+              <a:extLst>
+                <a:ext uri="{FF2B5EF4-FFF2-40B4-BE49-F238E27FC236}">
+                  <a16:creationId xmlns:a16="http://schemas.microsoft.com/office/drawing/2014/main" id="{30781133-0656-4918-BE6A-703C148ED9DD}"/>
+                </a:ext>
+                <a:ext uri="{C183D7F6-B498-43B3-948B-1728B52AA6E4}">
+                  <adec:decorative xmlns:adec="http://schemas.microsoft.com/office/drawing/2017/decorative" val="1"/>
+                </a:ext>
+              </a:extLst>
+            </p:cNvPr>
+            <p:cNvCxnSpPr/>
+            <p:nvPr>
+              <p:extLst>
+                <p:ext uri="{386F3935-93C4-4BCD-93E2-E3B085C9AB24}">
+                  <p16:designElem xmlns:p16="http://schemas.microsoft.com/office/powerpoint/2015/main" val="1"/>
+                </p:ext>
+              </p:extLst>
+            </p:nvPr>
+          </p:nvCxnSpPr>
+          <p:spPr>
+            <a:xfrm rot="1080000" flipH="1">
+              <a:off x="10373882" y="524355"/>
+              <a:ext cx="3394" cy="182880"/>
+            </a:xfrm>
+            <a:prstGeom prst="line">
+              <a:avLst/>
+            </a:prstGeom>
+            <a:ln>
+              <a:solidFill>
+                <a:srgbClr val="FFFFFF">
+                  <a:alpha val="30196"/>
+                </a:srgbClr>
+              </a:solidFill>
+            </a:ln>
+          </p:spPr>
+          <p:style>
+            <a:lnRef idx="1">
+              <a:schemeClr val="accent1"/>
+            </a:lnRef>
+            <a:fillRef idx="0">
+              <a:schemeClr val="accent1"/>
+            </a:fillRef>
+            <a:effectRef idx="0">
+              <a:schemeClr val="accent1"/>
+            </a:effectRef>
+            <a:fontRef idx="minor">
+              <a:schemeClr val="tx1"/>
+            </a:fontRef>
+          </p:style>
+        </p:cxnSp>
+        <p:cxnSp>
+          <p:nvCxnSpPr>
+            <p:cNvPr id="31" name="Straight Connector 30">
+              <a:extLst>
+                <a:ext uri="{FF2B5EF4-FFF2-40B4-BE49-F238E27FC236}">
+                  <a16:creationId xmlns:a16="http://schemas.microsoft.com/office/drawing/2014/main" id="{6B4F93AD-8044-447B-8CAC-8A0697160346}"/>
+                </a:ext>
+                <a:ext uri="{C183D7F6-B498-43B3-948B-1728B52AA6E4}">
+                  <adec:decorative xmlns:adec="http://schemas.microsoft.com/office/drawing/2017/decorative" val="1"/>
+                </a:ext>
+              </a:extLst>
+            </p:cNvPr>
+            <p:cNvCxnSpPr/>
+            <p:nvPr>
+              <p:extLst>
+                <p:ext uri="{386F3935-93C4-4BCD-93E2-E3B085C9AB24}">
+                  <p16:designElem xmlns:p16="http://schemas.microsoft.com/office/powerpoint/2015/main" val="1"/>
+                </p:ext>
+              </p:extLst>
+            </p:nvPr>
+          </p:nvCxnSpPr>
+          <p:spPr>
+            <a:xfrm rot="1200000" flipH="1">
+              <a:off x="10505632" y="570628"/>
+              <a:ext cx="3394" cy="182880"/>
+            </a:xfrm>
+            <a:prstGeom prst="line">
+              <a:avLst/>
+            </a:prstGeom>
+            <a:ln>
+              <a:solidFill>
+                <a:srgbClr val="FFFFFF">
+                  <a:alpha val="30196"/>
+                </a:srgbClr>
+              </a:solidFill>
+            </a:ln>
+          </p:spPr>
+          <p:style>
+            <a:lnRef idx="1">
+              <a:schemeClr val="accent1"/>
+            </a:lnRef>
+            <a:fillRef idx="0">
+              <a:schemeClr val="accent1"/>
+            </a:fillRef>
+            <a:effectRef idx="0">
+              <a:schemeClr val="accent1"/>
+            </a:effectRef>
+            <a:fontRef idx="minor">
+              <a:schemeClr val="tx1"/>
+            </a:fontRef>
+          </p:style>
+        </p:cxnSp>
+        <p:cxnSp>
+          <p:nvCxnSpPr>
+            <p:cNvPr id="32" name="Straight Connector 31">
+              <a:extLst>
+                <a:ext uri="{FF2B5EF4-FFF2-40B4-BE49-F238E27FC236}">
+                  <a16:creationId xmlns:a16="http://schemas.microsoft.com/office/drawing/2014/main" id="{EAA78689-5B7A-4420-A3DC-0EA081583534}"/>
+                </a:ext>
+                <a:ext uri="{C183D7F6-B498-43B3-948B-1728B52AA6E4}">
+                  <adec:decorative xmlns:adec="http://schemas.microsoft.com/office/drawing/2017/decorative" val="1"/>
+                </a:ext>
+              </a:extLst>
+            </p:cNvPr>
+            <p:cNvCxnSpPr/>
+            <p:nvPr>
+              <p:extLst>
+                <p:ext uri="{386F3935-93C4-4BCD-93E2-E3B085C9AB24}">
+                  <p16:designElem xmlns:p16="http://schemas.microsoft.com/office/powerpoint/2015/main" val="1"/>
+                </p:ext>
+              </p:extLst>
+            </p:nvPr>
+          </p:nvCxnSpPr>
+          <p:spPr>
+            <a:xfrm rot="1320000" flipH="1">
+              <a:off x="10637382" y="621344"/>
+              <a:ext cx="3394" cy="182880"/>
+            </a:xfrm>
+            <a:prstGeom prst="line">
+              <a:avLst/>
+            </a:prstGeom>
+            <a:ln>
+              <a:solidFill>
+                <a:srgbClr val="FFFFFF">
+                  <a:alpha val="30196"/>
+                </a:srgbClr>
+              </a:solidFill>
+            </a:ln>
+          </p:spPr>
+          <p:style>
+            <a:lnRef idx="1">
+              <a:schemeClr val="accent1"/>
+            </a:lnRef>
+            <a:fillRef idx="0">
+              <a:schemeClr val="accent1"/>
+            </a:fillRef>
+            <a:effectRef idx="0">
+              <a:schemeClr val="accent1"/>
+            </a:effectRef>
+            <a:fontRef idx="minor">
+              <a:schemeClr val="tx1"/>
+            </a:fontRef>
+          </p:style>
+        </p:cxnSp>
+        <p:cxnSp>
+          <p:nvCxnSpPr>
+            <p:cNvPr id="33" name="Straight Connector 32">
+              <a:extLst>
+                <a:ext uri="{FF2B5EF4-FFF2-40B4-BE49-F238E27FC236}">
+                  <a16:creationId xmlns:a16="http://schemas.microsoft.com/office/drawing/2014/main" id="{F09CC934-4D78-4334-8B7F-4D0C13D6C91B}"/>
+                </a:ext>
+                <a:ext uri="{C183D7F6-B498-43B3-948B-1728B52AA6E4}">
+                  <adec:decorative xmlns:adec="http://schemas.microsoft.com/office/drawing/2017/decorative" val="1"/>
+                </a:ext>
+              </a:extLst>
+            </p:cNvPr>
+            <p:cNvCxnSpPr/>
+            <p:nvPr>
+              <p:extLst>
+                <p:ext uri="{386F3935-93C4-4BCD-93E2-E3B085C9AB24}">
+                  <p16:designElem xmlns:p16="http://schemas.microsoft.com/office/powerpoint/2015/main" val="1"/>
+                </p:ext>
+              </p:extLst>
+            </p:nvPr>
+          </p:nvCxnSpPr>
+          <p:spPr>
+            <a:xfrm rot="1440000" flipH="1">
+              <a:off x="10760965" y="690439"/>
+              <a:ext cx="3394" cy="182880"/>
+            </a:xfrm>
+            <a:prstGeom prst="line">
+              <a:avLst/>
+            </a:prstGeom>
+            <a:ln>
+              <a:solidFill>
+                <a:srgbClr val="FFFFFF">
+                  <a:alpha val="30196"/>
+                </a:srgbClr>
+              </a:solidFill>
+            </a:ln>
+          </p:spPr>
+          <p:style>
+            <a:lnRef idx="1">
+              <a:schemeClr val="accent1"/>
+            </a:lnRef>
+            <a:fillRef idx="0">
+              <a:schemeClr val="accent1"/>
+            </a:fillRef>
+            <a:effectRef idx="0">
+              <a:schemeClr val="accent1"/>
+            </a:effectRef>
+            <a:fontRef idx="minor">
+              <a:schemeClr val="tx1"/>
+            </a:fontRef>
+          </p:style>
+        </p:cxnSp>
+        <p:cxnSp>
+          <p:nvCxnSpPr>
+            <p:cNvPr id="34" name="Straight Connector 33">
+              <a:extLst>
+                <a:ext uri="{FF2B5EF4-FFF2-40B4-BE49-F238E27FC236}">
+                  <a16:creationId xmlns:a16="http://schemas.microsoft.com/office/drawing/2014/main" id="{068DA411-6F43-42CF-8A08-B2871E382251}"/>
+                </a:ext>
+                <a:ext uri="{C183D7F6-B498-43B3-948B-1728B52AA6E4}">
+                  <adec:decorative xmlns:adec="http://schemas.microsoft.com/office/drawing/2017/decorative" val="1"/>
+                </a:ext>
+              </a:extLst>
+            </p:cNvPr>
+            <p:cNvCxnSpPr/>
+            <p:nvPr>
+              <p:extLst>
+                <p:ext uri="{386F3935-93C4-4BCD-93E2-E3B085C9AB24}">
+                  <p16:designElem xmlns:p16="http://schemas.microsoft.com/office/powerpoint/2015/main" val="1"/>
+                </p:ext>
+              </p:extLst>
+            </p:nvPr>
+          </p:nvCxnSpPr>
+          <p:spPr>
+            <a:xfrm rot="1620000" flipH="1">
+              <a:off x="10888991" y="755091"/>
+              <a:ext cx="3394" cy="182880"/>
+            </a:xfrm>
+            <a:prstGeom prst="line">
+              <a:avLst/>
+            </a:prstGeom>
+            <a:ln>
+              <a:solidFill>
+                <a:srgbClr val="FFFFFF">
+                  <a:alpha val="30196"/>
+                </a:srgbClr>
+              </a:solidFill>
+            </a:ln>
+          </p:spPr>
+          <p:style>
+            <a:lnRef idx="1">
+              <a:schemeClr val="accent1"/>
+            </a:lnRef>
+            <a:fillRef idx="0">
+              <a:schemeClr val="accent1"/>
+            </a:fillRef>
+            <a:effectRef idx="0">
+              <a:schemeClr val="accent1"/>
+            </a:effectRef>
+            <a:fontRef idx="minor">
+              <a:schemeClr val="tx1"/>
+            </a:fontRef>
+          </p:style>
+        </p:cxnSp>
+        <p:cxnSp>
+          <p:nvCxnSpPr>
+            <p:cNvPr id="35" name="Straight Connector 34">
+              <a:extLst>
+                <a:ext uri="{FF2B5EF4-FFF2-40B4-BE49-F238E27FC236}">
+                  <a16:creationId xmlns:a16="http://schemas.microsoft.com/office/drawing/2014/main" id="{3417563A-04A5-4952-AA6D-E503558C5438}"/>
+                </a:ext>
+                <a:ext uri="{C183D7F6-B498-43B3-948B-1728B52AA6E4}">
+                  <adec:decorative xmlns:adec="http://schemas.microsoft.com/office/drawing/2017/decorative" val="1"/>
+                </a:ext>
+              </a:extLst>
+            </p:cNvPr>
+            <p:cNvCxnSpPr/>
+            <p:nvPr>
+              <p:extLst>
+                <p:ext uri="{386F3935-93C4-4BCD-93E2-E3B085C9AB24}">
+                  <p16:designElem xmlns:p16="http://schemas.microsoft.com/office/powerpoint/2015/main" val="1"/>
+                </p:ext>
+              </p:extLst>
+            </p:nvPr>
+          </p:nvCxnSpPr>
+          <p:spPr>
+            <a:xfrm rot="1740000" flipH="1">
+              <a:off x="11010193" y="819743"/>
+              <a:ext cx="3394" cy="182880"/>
+            </a:xfrm>
+            <a:prstGeom prst="line">
+              <a:avLst/>
+            </a:prstGeom>
+            <a:ln>
+              <a:solidFill>
+                <a:srgbClr val="FFFFFF">
+                  <a:alpha val="30196"/>
+                </a:srgbClr>
+              </a:solidFill>
+            </a:ln>
+          </p:spPr>
+          <p:style>
+            <a:lnRef idx="1">
+              <a:schemeClr val="accent1"/>
+            </a:lnRef>
+            <a:fillRef idx="0">
+              <a:schemeClr val="accent1"/>
+            </a:fillRef>
+            <a:effectRef idx="0">
+              <a:schemeClr val="accent1"/>
+            </a:effectRef>
+            <a:fontRef idx="minor">
+              <a:schemeClr val="tx1"/>
+            </a:fontRef>
+          </p:style>
+        </p:cxnSp>
+        <p:cxnSp>
+          <p:nvCxnSpPr>
+            <p:cNvPr id="36" name="Straight Connector 35">
+              <a:extLst>
+                <a:ext uri="{FF2B5EF4-FFF2-40B4-BE49-F238E27FC236}">
+                  <a16:creationId xmlns:a16="http://schemas.microsoft.com/office/drawing/2014/main" id="{4A41B232-E630-4AC7-9A97-763529D70518}"/>
+                </a:ext>
+                <a:ext uri="{C183D7F6-B498-43B3-948B-1728B52AA6E4}">
+                  <adec:decorative xmlns:adec="http://schemas.microsoft.com/office/drawing/2017/decorative" val="1"/>
+                </a:ext>
+              </a:extLst>
+            </p:cNvPr>
+            <p:cNvCxnSpPr/>
+            <p:nvPr>
+              <p:extLst>
+                <p:ext uri="{386F3935-93C4-4BCD-93E2-E3B085C9AB24}">
+                  <p16:designElem xmlns:p16="http://schemas.microsoft.com/office/powerpoint/2015/main" val="1"/>
+                </p:ext>
+              </p:extLst>
+            </p:nvPr>
+          </p:nvCxnSpPr>
+          <p:spPr>
+            <a:xfrm rot="1860000" flipH="1">
+              <a:off x="11129014" y="895662"/>
+              <a:ext cx="3394" cy="182880"/>
+            </a:xfrm>
+            <a:prstGeom prst="line">
+              <a:avLst/>
+            </a:prstGeom>
+            <a:ln>
+              <a:solidFill>
+                <a:srgbClr val="FFFFFF">
+                  <a:alpha val="30196"/>
+                </a:srgbClr>
+              </a:solidFill>
+            </a:ln>
+          </p:spPr>
+          <p:style>
+            <a:lnRef idx="1">
+              <a:schemeClr val="accent1"/>
+            </a:lnRef>
+            <a:fillRef idx="0">
+              <a:schemeClr val="accent1"/>
+            </a:fillRef>
+            <a:effectRef idx="0">
+              <a:schemeClr val="accent1"/>
+            </a:effectRef>
+            <a:fontRef idx="minor">
+              <a:schemeClr val="tx1"/>
+            </a:fontRef>
+          </p:style>
+        </p:cxnSp>
+        <p:cxnSp>
+          <p:nvCxnSpPr>
+            <p:cNvPr id="37" name="Straight Connector 36">
+              <a:extLst>
+                <a:ext uri="{FF2B5EF4-FFF2-40B4-BE49-F238E27FC236}">
+                  <a16:creationId xmlns:a16="http://schemas.microsoft.com/office/drawing/2014/main" id="{7EABA1A2-F7BA-4FB5-AD0A-A4DBBCF6F7D8}"/>
+                </a:ext>
+                <a:ext uri="{C183D7F6-B498-43B3-948B-1728B52AA6E4}">
+                  <adec:decorative xmlns:adec="http://schemas.microsoft.com/office/drawing/2017/decorative" val="1"/>
+                </a:ext>
+              </a:extLst>
+            </p:cNvPr>
+            <p:cNvCxnSpPr/>
+            <p:nvPr>
+              <p:extLst>
+                <p:ext uri="{386F3935-93C4-4BCD-93E2-E3B085C9AB24}">
+                  <p16:designElem xmlns:p16="http://schemas.microsoft.com/office/powerpoint/2015/main" val="1"/>
+                </p:ext>
+              </p:extLst>
+            </p:nvPr>
+          </p:nvCxnSpPr>
+          <p:spPr>
+            <a:xfrm rot="1980000" flipH="1">
+              <a:off x="11249872" y="968091"/>
+              <a:ext cx="3394" cy="182880"/>
+            </a:xfrm>
+            <a:prstGeom prst="line">
+              <a:avLst/>
+            </a:prstGeom>
+            <a:ln>
+              <a:solidFill>
+                <a:srgbClr val="FFFFFF">
+                  <a:alpha val="30196"/>
+                </a:srgbClr>
+              </a:solidFill>
+            </a:ln>
+          </p:spPr>
+          <p:style>
+            <a:lnRef idx="1">
+              <a:schemeClr val="accent1"/>
+            </a:lnRef>
+            <a:fillRef idx="0">
+              <a:schemeClr val="accent1"/>
+            </a:fillRef>
+            <a:effectRef idx="0">
+              <a:schemeClr val="accent1"/>
+            </a:effectRef>
+            <a:fontRef idx="minor">
+              <a:schemeClr val="tx1"/>
+            </a:fontRef>
+          </p:style>
+        </p:cxnSp>
+        <p:cxnSp>
+          <p:nvCxnSpPr>
+            <p:cNvPr id="38" name="Straight Connector 37">
+              <a:extLst>
+                <a:ext uri="{FF2B5EF4-FFF2-40B4-BE49-F238E27FC236}">
+                  <a16:creationId xmlns:a16="http://schemas.microsoft.com/office/drawing/2014/main" id="{7EA99E51-908F-4D65-AC2B-A8E75A1FE4A4}"/>
+                </a:ext>
+                <a:ext uri="{C183D7F6-B498-43B3-948B-1728B52AA6E4}">
+                  <adec:decorative xmlns:adec="http://schemas.microsoft.com/office/drawing/2017/decorative" val="1"/>
+                </a:ext>
+              </a:extLst>
+            </p:cNvPr>
+            <p:cNvCxnSpPr/>
+            <p:nvPr>
+              <p:extLst>
+                <p:ext uri="{386F3935-93C4-4BCD-93E2-E3B085C9AB24}">
+                  <p16:designElem xmlns:p16="http://schemas.microsoft.com/office/powerpoint/2015/main" val="1"/>
+                </p:ext>
+              </p:extLst>
+            </p:nvPr>
+          </p:nvCxnSpPr>
+          <p:spPr>
+            <a:xfrm rot="2160000" flipH="1">
+              <a:off x="11366875" y="1048084"/>
+              <a:ext cx="3394" cy="182880"/>
+            </a:xfrm>
+            <a:prstGeom prst="line">
+              <a:avLst/>
+            </a:prstGeom>
+            <a:ln>
+              <a:solidFill>
+                <a:srgbClr val="FFFFFF">
+                  <a:alpha val="30196"/>
+                </a:srgbClr>
+              </a:solidFill>
+            </a:ln>
+          </p:spPr>
+          <p:style>
+            <a:lnRef idx="1">
+              <a:schemeClr val="accent1"/>
+            </a:lnRef>
+            <a:fillRef idx="0">
+              <a:schemeClr val="accent1"/>
+            </a:fillRef>
+            <a:effectRef idx="0">
+              <a:schemeClr val="accent1"/>
+            </a:effectRef>
+            <a:fontRef idx="minor">
+              <a:schemeClr val="tx1"/>
+            </a:fontRef>
+          </p:style>
+        </p:cxnSp>
+        <p:cxnSp>
+          <p:nvCxnSpPr>
+            <p:cNvPr id="39" name="Straight Connector 38">
+              <a:extLst>
+                <a:ext uri="{FF2B5EF4-FFF2-40B4-BE49-F238E27FC236}">
+                  <a16:creationId xmlns:a16="http://schemas.microsoft.com/office/drawing/2014/main" id="{5F2D126B-7D1C-4D2C-97D5-2D8C686B782F}"/>
+                </a:ext>
+                <a:ext uri="{C183D7F6-B498-43B3-948B-1728B52AA6E4}">
+                  <adec:decorative xmlns:adec="http://schemas.microsoft.com/office/drawing/2017/decorative" val="1"/>
+                </a:ext>
+              </a:extLst>
+            </p:cNvPr>
+            <p:cNvCxnSpPr/>
+            <p:nvPr>
+              <p:extLst>
+                <p:ext uri="{386F3935-93C4-4BCD-93E2-E3B085C9AB24}">
+                  <p16:designElem xmlns:p16="http://schemas.microsoft.com/office/powerpoint/2015/main" val="1"/>
+                </p:ext>
+              </p:extLst>
+            </p:nvPr>
+          </p:nvCxnSpPr>
+          <p:spPr>
+            <a:xfrm rot="2280000" flipH="1">
+              <a:off x="11474058" y="1131525"/>
+              <a:ext cx="3394" cy="182880"/>
+            </a:xfrm>
+            <a:prstGeom prst="line">
+              <a:avLst/>
+            </a:prstGeom>
+            <a:ln>
+              <a:solidFill>
+                <a:srgbClr val="FFFFFF">
+                  <a:alpha val="30196"/>
+                </a:srgbClr>
+              </a:solidFill>
+            </a:ln>
+          </p:spPr>
+          <p:style>
+            <a:lnRef idx="1">
+              <a:schemeClr val="accent1"/>
+            </a:lnRef>
+            <a:fillRef idx="0">
+              <a:schemeClr val="accent1"/>
+            </a:fillRef>
+            <a:effectRef idx="0">
+              <a:schemeClr val="accent1"/>
+            </a:effectRef>
+            <a:fontRef idx="minor">
+              <a:schemeClr val="tx1"/>
+            </a:fontRef>
+          </p:style>
+        </p:cxnSp>
+        <p:cxnSp>
+          <p:nvCxnSpPr>
+            <p:cNvPr id="40" name="Straight Connector 39">
+              <a:extLst>
+                <a:ext uri="{FF2B5EF4-FFF2-40B4-BE49-F238E27FC236}">
+                  <a16:creationId xmlns:a16="http://schemas.microsoft.com/office/drawing/2014/main" id="{74B20164-1C4E-4FA3-A2E5-389E74077301}"/>
+                </a:ext>
+                <a:ext uri="{C183D7F6-B498-43B3-948B-1728B52AA6E4}">
+                  <adec:decorative xmlns:adec="http://schemas.microsoft.com/office/drawing/2017/decorative" val="1"/>
+                </a:ext>
+              </a:extLst>
+            </p:cNvPr>
+            <p:cNvCxnSpPr/>
+            <p:nvPr>
+              <p:extLst>
+                <p:ext uri="{386F3935-93C4-4BCD-93E2-E3B085C9AB24}">
+                  <p16:designElem xmlns:p16="http://schemas.microsoft.com/office/powerpoint/2015/main" val="1"/>
+                </p:ext>
+              </p:extLst>
+            </p:nvPr>
+          </p:nvCxnSpPr>
+          <p:spPr>
+            <a:xfrm rot="2400000" flipH="1">
+              <a:off x="11583303" y="1221790"/>
+              <a:ext cx="3394" cy="182880"/>
+            </a:xfrm>
+            <a:prstGeom prst="line">
+              <a:avLst/>
+            </a:prstGeom>
+            <a:ln>
+              <a:solidFill>
+                <a:srgbClr val="FFFFFF">
+                  <a:alpha val="30196"/>
+                </a:srgbClr>
+              </a:solidFill>
+            </a:ln>
+          </p:spPr>
+          <p:style>
+            <a:lnRef idx="1">
+              <a:schemeClr val="accent1"/>
+            </a:lnRef>
+            <a:fillRef idx="0">
+              <a:schemeClr val="accent1"/>
+            </a:fillRef>
+            <a:effectRef idx="0">
+              <a:schemeClr val="accent1"/>
+            </a:effectRef>
+            <a:fontRef idx="minor">
+              <a:schemeClr val="tx1"/>
+            </a:fontRef>
+          </p:style>
+        </p:cxnSp>
+        <p:cxnSp>
+          <p:nvCxnSpPr>
+            <p:cNvPr id="41" name="Straight Connector 40">
+              <a:extLst>
+                <a:ext uri="{FF2B5EF4-FFF2-40B4-BE49-F238E27FC236}">
+                  <a16:creationId xmlns:a16="http://schemas.microsoft.com/office/drawing/2014/main" id="{C54E7AD9-228F-47CD-A598-CB579B489AF3}"/>
+                </a:ext>
+                <a:ext uri="{C183D7F6-B498-43B3-948B-1728B52AA6E4}">
+                  <adec:decorative xmlns:adec="http://schemas.microsoft.com/office/drawing/2017/decorative" val="1"/>
+                </a:ext>
+              </a:extLst>
+            </p:cNvPr>
+            <p:cNvCxnSpPr/>
+            <p:nvPr>
+              <p:extLst>
+                <p:ext uri="{386F3935-93C4-4BCD-93E2-E3B085C9AB24}">
+                  <p16:designElem xmlns:p16="http://schemas.microsoft.com/office/powerpoint/2015/main" val="1"/>
+                </p:ext>
+              </p:extLst>
+            </p:nvPr>
+          </p:nvCxnSpPr>
+          <p:spPr>
+            <a:xfrm rot="2520000" flipH="1">
+              <a:off x="11685344" y="1321772"/>
+              <a:ext cx="3394" cy="182880"/>
+            </a:xfrm>
+            <a:prstGeom prst="line">
+              <a:avLst/>
+            </a:prstGeom>
+            <a:ln>
+              <a:solidFill>
+                <a:srgbClr val="FFFFFF">
+                  <a:alpha val="30196"/>
+                </a:srgbClr>
+              </a:solidFill>
+            </a:ln>
+          </p:spPr>
+          <p:style>
+            <a:lnRef idx="1">
+              <a:schemeClr val="accent1"/>
+            </a:lnRef>
+            <a:fillRef idx="0">
+              <a:schemeClr val="accent1"/>
+            </a:fillRef>
+            <a:effectRef idx="0">
+              <a:schemeClr val="accent1"/>
+            </a:effectRef>
+            <a:fontRef idx="minor">
+              <a:schemeClr val="tx1"/>
+            </a:fontRef>
+          </p:style>
+        </p:cxnSp>
+        <p:cxnSp>
+          <p:nvCxnSpPr>
+            <p:cNvPr id="42" name="Straight Connector 41">
+              <a:extLst>
+                <a:ext uri="{FF2B5EF4-FFF2-40B4-BE49-F238E27FC236}">
+                  <a16:creationId xmlns:a16="http://schemas.microsoft.com/office/drawing/2014/main" id="{D7D2B81A-6082-4668-8AA7-F2757C8EC204}"/>
+                </a:ext>
+                <a:ext uri="{C183D7F6-B498-43B3-948B-1728B52AA6E4}">
+                  <adec:decorative xmlns:adec="http://schemas.microsoft.com/office/drawing/2017/decorative" val="1"/>
+                </a:ext>
+              </a:extLst>
+            </p:cNvPr>
+            <p:cNvCxnSpPr/>
+            <p:nvPr>
+              <p:extLst>
+                <p:ext uri="{386F3935-93C4-4BCD-93E2-E3B085C9AB24}">
+                  <p16:designElem xmlns:p16="http://schemas.microsoft.com/office/powerpoint/2015/main" val="1"/>
+                </p:ext>
+              </p:extLst>
+            </p:nvPr>
+          </p:nvCxnSpPr>
+          <p:spPr>
+            <a:xfrm rot="2700000" flipH="1">
+              <a:off x="11787704" y="1417630"/>
+              <a:ext cx="3394" cy="182880"/>
+            </a:xfrm>
+            <a:prstGeom prst="line">
+              <a:avLst/>
+            </a:prstGeom>
+            <a:ln>
+              <a:solidFill>
+                <a:srgbClr val="FFFFFF">
+                  <a:alpha val="30196"/>
+                </a:srgbClr>
+              </a:solidFill>
+            </a:ln>
+          </p:spPr>
+          <p:style>
+            <a:lnRef idx="1">
+              <a:schemeClr val="accent1"/>
+            </a:lnRef>
+            <a:fillRef idx="0">
+              <a:schemeClr val="accent1"/>
+            </a:fillRef>
+            <a:effectRef idx="0">
+              <a:schemeClr val="accent1"/>
+            </a:effectRef>
+            <a:fontRef idx="minor">
+              <a:schemeClr val="tx1"/>
+            </a:fontRef>
+          </p:style>
+        </p:cxnSp>
+        <p:cxnSp>
+          <p:nvCxnSpPr>
+            <p:cNvPr id="43" name="Straight Connector 42">
+              <a:extLst>
+                <a:ext uri="{FF2B5EF4-FFF2-40B4-BE49-F238E27FC236}">
+                  <a16:creationId xmlns:a16="http://schemas.microsoft.com/office/drawing/2014/main" id="{1469BD5F-3BFE-4BA0-A24F-7F80A73B823D}"/>
+                </a:ext>
+                <a:ext uri="{C183D7F6-B498-43B3-948B-1728B52AA6E4}">
+                  <adec:decorative xmlns:adec="http://schemas.microsoft.com/office/drawing/2017/decorative" val="1"/>
+                </a:ext>
+              </a:extLst>
+            </p:cNvPr>
+            <p:cNvCxnSpPr/>
+            <p:nvPr>
+              <p:extLst>
+                <p:ext uri="{386F3935-93C4-4BCD-93E2-E3B085C9AB24}">
+                  <p16:designElem xmlns:p16="http://schemas.microsoft.com/office/powerpoint/2015/main" val="1"/>
+                </p:ext>
+              </p:extLst>
+            </p:nvPr>
+          </p:nvCxnSpPr>
+          <p:spPr>
+            <a:xfrm rot="2820000" flipH="1">
+              <a:off x="11880859" y="1517931"/>
+              <a:ext cx="3394" cy="182880"/>
+            </a:xfrm>
+            <a:prstGeom prst="line">
+              <a:avLst/>
+            </a:prstGeom>
+            <a:ln>
+              <a:solidFill>
+                <a:srgbClr val="FFFFFF">
+                  <a:alpha val="30196"/>
+                </a:srgbClr>
+              </a:solidFill>
+            </a:ln>
+          </p:spPr>
+          <p:style>
+            <a:lnRef idx="1">
+              <a:schemeClr val="accent1"/>
+            </a:lnRef>
+            <a:fillRef idx="0">
+              <a:schemeClr val="accent1"/>
+            </a:fillRef>
+            <a:effectRef idx="0">
+              <a:schemeClr val="accent1"/>
+            </a:effectRef>
+            <a:fontRef idx="minor">
+              <a:schemeClr val="tx1"/>
+            </a:fontRef>
+          </p:style>
+        </p:cxnSp>
+        <p:cxnSp>
+          <p:nvCxnSpPr>
+            <p:cNvPr id="44" name="Straight Connector 43">
+              <a:extLst>
+                <a:ext uri="{FF2B5EF4-FFF2-40B4-BE49-F238E27FC236}">
+                  <a16:creationId xmlns:a16="http://schemas.microsoft.com/office/drawing/2014/main" id="{224D532A-F49F-4BB9-AAA6-8B2B89CB6F15}"/>
+                </a:ext>
+                <a:ext uri="{C183D7F6-B498-43B3-948B-1728B52AA6E4}">
+                  <adec:decorative xmlns:adec="http://schemas.microsoft.com/office/drawing/2017/decorative" val="1"/>
+                </a:ext>
+              </a:extLst>
+            </p:cNvPr>
+            <p:cNvCxnSpPr/>
+            <p:nvPr>
+              <p:extLst>
+                <p:ext uri="{386F3935-93C4-4BCD-93E2-E3B085C9AB24}">
+                  <p16:designElem xmlns:p16="http://schemas.microsoft.com/office/powerpoint/2015/main" val="1"/>
+                </p:ext>
+              </p:extLst>
+            </p:nvPr>
+          </p:nvCxnSpPr>
+          <p:spPr>
+            <a:xfrm rot="2940000" flipH="1">
+              <a:off x="11969252" y="1627437"/>
+              <a:ext cx="3394" cy="182880"/>
+            </a:xfrm>
+            <a:prstGeom prst="line">
+              <a:avLst/>
+            </a:prstGeom>
+            <a:ln>
+              <a:solidFill>
+                <a:srgbClr val="FFFFFF">
+                  <a:alpha val="30196"/>
+                </a:srgbClr>
+              </a:solidFill>
+            </a:ln>
+          </p:spPr>
+          <p:style>
+            <a:lnRef idx="1">
+              <a:schemeClr val="accent1"/>
+            </a:lnRef>
+            <a:fillRef idx="0">
+              <a:schemeClr val="accent1"/>
+            </a:fillRef>
+            <a:effectRef idx="0">
+              <a:schemeClr val="accent1"/>
+            </a:effectRef>
+            <a:fontRef idx="minor">
+              <a:schemeClr val="tx1"/>
+            </a:fontRef>
+          </p:style>
+        </p:cxnSp>
+        <p:cxnSp>
+          <p:nvCxnSpPr>
+            <p:cNvPr id="45" name="Straight Connector 44">
+              <a:extLst>
+                <a:ext uri="{FF2B5EF4-FFF2-40B4-BE49-F238E27FC236}">
+                  <a16:creationId xmlns:a16="http://schemas.microsoft.com/office/drawing/2014/main" id="{EB2224AE-40A4-483D-991E-9490A01B7617}"/>
+                </a:ext>
+                <a:ext uri="{C183D7F6-B498-43B3-948B-1728B52AA6E4}">
+                  <adec:decorative xmlns:adec="http://schemas.microsoft.com/office/drawing/2017/decorative" val="1"/>
+                </a:ext>
+              </a:extLst>
+            </p:cNvPr>
+            <p:cNvCxnSpPr/>
+            <p:nvPr>
+              <p:extLst>
+                <p:ext uri="{386F3935-93C4-4BCD-93E2-E3B085C9AB24}">
+                  <p16:designElem xmlns:p16="http://schemas.microsoft.com/office/powerpoint/2015/main" val="1"/>
+                </p:ext>
+              </p:extLst>
+            </p:nvPr>
+          </p:nvCxnSpPr>
+          <p:spPr>
+            <a:xfrm rot="3060000" flipH="1">
+              <a:off x="12062016" y="1736011"/>
+              <a:ext cx="3394" cy="182880"/>
+            </a:xfrm>
+            <a:prstGeom prst="line">
+              <a:avLst/>
+            </a:prstGeom>
+            <a:ln>
+              <a:solidFill>
+                <a:srgbClr val="FFFFFF">
+                  <a:alpha val="30196"/>
+                </a:srgbClr>
+              </a:solidFill>
+            </a:ln>
+          </p:spPr>
+          <p:style>
+            <a:lnRef idx="1">
+              <a:schemeClr val="accent1"/>
+            </a:lnRef>
+            <a:fillRef idx="0">
+              <a:schemeClr val="accent1"/>
+            </a:fillRef>
+            <a:effectRef idx="0">
+              <a:schemeClr val="accent1"/>
+            </a:effectRef>
+            <a:fontRef idx="minor">
+              <a:schemeClr val="tx1"/>
+            </a:fontRef>
+          </p:style>
+        </p:cxnSp>
+        <p:cxnSp>
+          <p:nvCxnSpPr>
+            <p:cNvPr id="46" name="Straight Connector 45">
+              <a:extLst>
+                <a:ext uri="{FF2B5EF4-FFF2-40B4-BE49-F238E27FC236}">
+                  <a16:creationId xmlns:a16="http://schemas.microsoft.com/office/drawing/2014/main" id="{DD3DE117-F3FA-4657-B4A7-40DE41238FAB}"/>
+                </a:ext>
+                <a:ext uri="{C183D7F6-B498-43B3-948B-1728B52AA6E4}">
+                  <adec:decorative xmlns:adec="http://schemas.microsoft.com/office/drawing/2017/decorative" val="1"/>
+                </a:ext>
+              </a:extLst>
+            </p:cNvPr>
+            <p:cNvCxnSpPr/>
+            <p:nvPr>
+              <p:extLst>
+                <p:ext uri="{386F3935-93C4-4BCD-93E2-E3B085C9AB24}">
+                  <p16:designElem xmlns:p16="http://schemas.microsoft.com/office/powerpoint/2015/main" val="1"/>
+                </p:ext>
+              </p:extLst>
+            </p:nvPr>
+          </p:nvCxnSpPr>
+          <p:spPr>
+            <a:xfrm flipH="1">
+              <a:off x="12074680" y="1910249"/>
+              <a:ext cx="117320" cy="82912"/>
+            </a:xfrm>
+            <a:prstGeom prst="line">
+              <a:avLst/>
+            </a:prstGeom>
+            <a:ln>
+              <a:solidFill>
+                <a:srgbClr val="FFFFFF">
+                  <a:alpha val="30196"/>
+                </a:srgbClr>
+              </a:solidFill>
+            </a:ln>
+          </p:spPr>
+          <p:style>
+            <a:lnRef idx="1">
+              <a:schemeClr val="accent1"/>
+            </a:lnRef>
+            <a:fillRef idx="0">
+              <a:schemeClr val="accent1"/>
+            </a:fillRef>
+            <a:effectRef idx="0">
+              <a:schemeClr val="accent1"/>
+            </a:effectRef>
+            <a:fontRef idx="minor">
+              <a:schemeClr val="tx1"/>
+            </a:fontRef>
+          </p:style>
+        </p:cxnSp>
+        <p:cxnSp>
+          <p:nvCxnSpPr>
+            <p:cNvPr id="47" name="Straight Connector 46">
+              <a:extLst>
+                <a:ext uri="{FF2B5EF4-FFF2-40B4-BE49-F238E27FC236}">
+                  <a16:creationId xmlns:a16="http://schemas.microsoft.com/office/drawing/2014/main" id="{D85EA1EB-1126-463C-AD87-4FB126C6FF4A}"/>
+                </a:ext>
+                <a:ext uri="{C183D7F6-B498-43B3-948B-1728B52AA6E4}">
+                  <adec:decorative xmlns:adec="http://schemas.microsoft.com/office/drawing/2017/decorative" val="1"/>
+                </a:ext>
+              </a:extLst>
+            </p:cNvPr>
+            <p:cNvCxnSpPr/>
+            <p:nvPr>
+              <p:extLst>
+                <p:ext uri="{386F3935-93C4-4BCD-93E2-E3B085C9AB24}">
+                  <p16:designElem xmlns:p16="http://schemas.microsoft.com/office/powerpoint/2015/main" val="1"/>
+                </p:ext>
+              </p:extLst>
+            </p:nvPr>
+          </p:nvCxnSpPr>
+          <p:spPr>
+            <a:xfrm flipH="1">
+              <a:off x="12149943" y="2083594"/>
+              <a:ext cx="39676" cy="21436"/>
+            </a:xfrm>
+            <a:prstGeom prst="line">
+              <a:avLst/>
+            </a:prstGeom>
+            <a:ln>
+              <a:solidFill>
+                <a:srgbClr val="FFFFFF">
+                  <a:alpha val="30196"/>
+                </a:srgbClr>
+              </a:solidFill>
+            </a:ln>
+          </p:spPr>
+          <p:style>
+            <a:lnRef idx="1">
+              <a:schemeClr val="accent1"/>
+            </a:lnRef>
+            <a:fillRef idx="0">
+              <a:schemeClr val="accent1"/>
+            </a:fillRef>
+            <a:effectRef idx="0">
+              <a:schemeClr val="accent1"/>
+            </a:effectRef>
+            <a:fontRef idx="minor">
+              <a:schemeClr val="tx1"/>
+            </a:fontRef>
+          </p:style>
+        </p:cxnSp>
+        <p:cxnSp>
+          <p:nvCxnSpPr>
+            <p:cNvPr id="48" name="Straight Connector 47">
+              <a:extLst>
+                <a:ext uri="{FF2B5EF4-FFF2-40B4-BE49-F238E27FC236}">
+                  <a16:creationId xmlns:a16="http://schemas.microsoft.com/office/drawing/2014/main" id="{90336723-7646-4B25-9EE9-519CC8334227}"/>
+                </a:ext>
+                <a:ext uri="{C183D7F6-B498-43B3-948B-1728B52AA6E4}">
+                  <adec:decorative xmlns:adec="http://schemas.microsoft.com/office/drawing/2017/decorative" val="1"/>
+                </a:ext>
+              </a:extLst>
+            </p:cNvPr>
+            <p:cNvCxnSpPr/>
+            <p:nvPr>
+              <p:extLst>
+                <p:ext uri="{386F3935-93C4-4BCD-93E2-E3B085C9AB24}">
+                  <p16:designElem xmlns:p16="http://schemas.microsoft.com/office/powerpoint/2015/main" val="1"/>
+                </p:ext>
+              </p:extLst>
+            </p:nvPr>
+          </p:nvCxnSpPr>
+          <p:spPr>
+            <a:xfrm rot="-180000" flipH="1">
+              <a:off x="9127990" y="334251"/>
+              <a:ext cx="3394" cy="182880"/>
+            </a:xfrm>
+            <a:prstGeom prst="line">
+              <a:avLst/>
+            </a:prstGeom>
+            <a:ln>
+              <a:solidFill>
+                <a:srgbClr val="FFFFFF">
+                  <a:alpha val="30196"/>
+                </a:srgbClr>
+              </a:solidFill>
+            </a:ln>
+          </p:spPr>
+          <p:style>
+            <a:lnRef idx="1">
+              <a:schemeClr val="accent1"/>
+            </a:lnRef>
+            <a:fillRef idx="0">
+              <a:schemeClr val="accent1"/>
+            </a:fillRef>
+            <a:effectRef idx="0">
+              <a:schemeClr val="accent1"/>
+            </a:effectRef>
+            <a:fontRef idx="minor">
+              <a:schemeClr val="tx1"/>
+            </a:fontRef>
+          </p:style>
+        </p:cxnSp>
+        <p:cxnSp>
+          <p:nvCxnSpPr>
+            <p:cNvPr id="49" name="Straight Connector 48">
+              <a:extLst>
+                <a:ext uri="{FF2B5EF4-FFF2-40B4-BE49-F238E27FC236}">
+                  <a16:creationId xmlns:a16="http://schemas.microsoft.com/office/drawing/2014/main" id="{652B6D8B-5579-4262-9376-B702382B0E29}"/>
+                </a:ext>
+                <a:ext uri="{C183D7F6-B498-43B3-948B-1728B52AA6E4}">
+                  <adec:decorative xmlns:adec="http://schemas.microsoft.com/office/drawing/2017/decorative" val="1"/>
+                </a:ext>
+              </a:extLst>
+            </p:cNvPr>
+            <p:cNvCxnSpPr/>
+            <p:nvPr>
+              <p:extLst>
+                <p:ext uri="{386F3935-93C4-4BCD-93E2-E3B085C9AB24}">
+                  <p16:designElem xmlns:p16="http://schemas.microsoft.com/office/powerpoint/2015/main" val="1"/>
+                </p:ext>
+              </p:extLst>
+            </p:nvPr>
+          </p:nvCxnSpPr>
+          <p:spPr>
+            <a:xfrm rot="-300000" flipH="1">
+              <a:off x="8987576" y="336633"/>
+              <a:ext cx="3394" cy="182880"/>
+            </a:xfrm>
+            <a:prstGeom prst="line">
+              <a:avLst/>
+            </a:prstGeom>
+            <a:ln>
+              <a:solidFill>
+                <a:srgbClr val="FFFFFF">
+                  <a:alpha val="30196"/>
+                </a:srgbClr>
+              </a:solidFill>
+            </a:ln>
+          </p:spPr>
+          <p:style>
+            <a:lnRef idx="1">
+              <a:schemeClr val="accent1"/>
+            </a:lnRef>
+            <a:fillRef idx="0">
+              <a:schemeClr val="accent1"/>
+            </a:fillRef>
+            <a:effectRef idx="0">
+              <a:schemeClr val="accent1"/>
+            </a:effectRef>
+            <a:fontRef idx="minor">
+              <a:schemeClr val="tx1"/>
+            </a:fontRef>
+          </p:style>
+        </p:cxnSp>
+        <p:cxnSp>
+          <p:nvCxnSpPr>
+            <p:cNvPr id="50" name="Straight Connector 49">
+              <a:extLst>
+                <a:ext uri="{FF2B5EF4-FFF2-40B4-BE49-F238E27FC236}">
+                  <a16:creationId xmlns:a16="http://schemas.microsoft.com/office/drawing/2014/main" id="{B07893BD-D1AE-48C1-91A9-D47879376282}"/>
+                </a:ext>
+                <a:ext uri="{C183D7F6-B498-43B3-948B-1728B52AA6E4}">
+                  <adec:decorative xmlns:adec="http://schemas.microsoft.com/office/drawing/2017/decorative" val="1"/>
+                </a:ext>
+              </a:extLst>
+            </p:cNvPr>
+            <p:cNvCxnSpPr/>
+            <p:nvPr>
+              <p:extLst>
+                <p:ext uri="{386F3935-93C4-4BCD-93E2-E3B085C9AB24}">
+                  <p16:designElem xmlns:p16="http://schemas.microsoft.com/office/powerpoint/2015/main" val="1"/>
+                </p:ext>
+              </p:extLst>
+            </p:nvPr>
+          </p:nvCxnSpPr>
+          <p:spPr>
+            <a:xfrm rot="-420000" flipH="1">
+              <a:off x="8844859" y="351176"/>
+              <a:ext cx="3394" cy="182880"/>
+            </a:xfrm>
+            <a:prstGeom prst="line">
+              <a:avLst/>
+            </a:prstGeom>
+            <a:ln>
+              <a:solidFill>
+                <a:srgbClr val="FFFFFF">
+                  <a:alpha val="30196"/>
+                </a:srgbClr>
+              </a:solidFill>
+            </a:ln>
+          </p:spPr>
+          <p:style>
+            <a:lnRef idx="1">
+              <a:schemeClr val="accent1"/>
+            </a:lnRef>
+            <a:fillRef idx="0">
+              <a:schemeClr val="accent1"/>
+            </a:fillRef>
+            <a:effectRef idx="0">
+              <a:schemeClr val="accent1"/>
+            </a:effectRef>
+            <a:fontRef idx="minor">
+              <a:schemeClr val="tx1"/>
+            </a:fontRef>
+          </p:style>
+        </p:cxnSp>
+        <p:cxnSp>
+          <p:nvCxnSpPr>
+            <p:cNvPr id="51" name="Straight Connector 50">
+              <a:extLst>
+                <a:ext uri="{FF2B5EF4-FFF2-40B4-BE49-F238E27FC236}">
+                  <a16:creationId xmlns:a16="http://schemas.microsoft.com/office/drawing/2014/main" id="{0C6FEEA5-8E66-4C31-92AD-01305FF48877}"/>
+                </a:ext>
+                <a:ext uri="{C183D7F6-B498-43B3-948B-1728B52AA6E4}">
+                  <adec:decorative xmlns:adec="http://schemas.microsoft.com/office/drawing/2017/decorative" val="1"/>
+                </a:ext>
+              </a:extLst>
+            </p:cNvPr>
+            <p:cNvCxnSpPr/>
+            <p:nvPr>
+              <p:extLst>
+                <p:ext uri="{386F3935-93C4-4BCD-93E2-E3B085C9AB24}">
+                  <p16:designElem xmlns:p16="http://schemas.microsoft.com/office/powerpoint/2015/main" val="1"/>
+                </p:ext>
+              </p:extLst>
+            </p:nvPr>
+          </p:nvCxnSpPr>
+          <p:spPr>
+            <a:xfrm rot="-540000" flipH="1">
+              <a:off x="8706904" y="365719"/>
+              <a:ext cx="3394" cy="182880"/>
+            </a:xfrm>
+            <a:prstGeom prst="line">
+              <a:avLst/>
+            </a:prstGeom>
+            <a:ln>
+              <a:solidFill>
+                <a:srgbClr val="FFFFFF">
+                  <a:alpha val="30196"/>
+                </a:srgbClr>
+              </a:solidFill>
+            </a:ln>
+          </p:spPr>
+          <p:style>
+            <a:lnRef idx="1">
+              <a:schemeClr val="accent1"/>
+            </a:lnRef>
+            <a:fillRef idx="0">
+              <a:schemeClr val="accent1"/>
+            </a:fillRef>
+            <a:effectRef idx="0">
+              <a:schemeClr val="accent1"/>
+            </a:effectRef>
+            <a:fontRef idx="minor">
+              <a:schemeClr val="tx1"/>
+            </a:fontRef>
+          </p:style>
+        </p:cxnSp>
+        <p:cxnSp>
+          <p:nvCxnSpPr>
+            <p:cNvPr id="52" name="Straight Connector 51">
+              <a:extLst>
+                <a:ext uri="{FF2B5EF4-FFF2-40B4-BE49-F238E27FC236}">
+                  <a16:creationId xmlns:a16="http://schemas.microsoft.com/office/drawing/2014/main" id="{D3E18335-591C-4354-9390-DD371BB3F92A}"/>
+                </a:ext>
+                <a:ext uri="{C183D7F6-B498-43B3-948B-1728B52AA6E4}">
+                  <adec:decorative xmlns:adec="http://schemas.microsoft.com/office/drawing/2017/decorative" val="1"/>
+                </a:ext>
+              </a:extLst>
+            </p:cNvPr>
+            <p:cNvCxnSpPr/>
+            <p:nvPr>
+              <p:extLst>
+                <p:ext uri="{386F3935-93C4-4BCD-93E2-E3B085C9AB24}">
+                  <p16:designElem xmlns:p16="http://schemas.microsoft.com/office/powerpoint/2015/main" val="1"/>
+                </p:ext>
+              </p:extLst>
+            </p:nvPr>
+          </p:nvCxnSpPr>
+          <p:spPr>
+            <a:xfrm rot="-720000" flipH="1">
+              <a:off x="8568008" y="387891"/>
+              <a:ext cx="3394" cy="182880"/>
+            </a:xfrm>
+            <a:prstGeom prst="line">
+              <a:avLst/>
+            </a:prstGeom>
+            <a:ln>
+              <a:solidFill>
+                <a:srgbClr val="FFFFFF">
+                  <a:alpha val="30196"/>
+                </a:srgbClr>
+              </a:solidFill>
+            </a:ln>
+          </p:spPr>
+          <p:style>
+            <a:lnRef idx="1">
+              <a:schemeClr val="accent1"/>
+            </a:lnRef>
+            <a:fillRef idx="0">
+              <a:schemeClr val="accent1"/>
+            </a:fillRef>
+            <a:effectRef idx="0">
+              <a:schemeClr val="accent1"/>
+            </a:effectRef>
+            <a:fontRef idx="minor">
+              <a:schemeClr val="tx1"/>
+            </a:fontRef>
+          </p:style>
+        </p:cxnSp>
+        <p:cxnSp>
+          <p:nvCxnSpPr>
+            <p:cNvPr id="53" name="Straight Connector 52">
+              <a:extLst>
+                <a:ext uri="{FF2B5EF4-FFF2-40B4-BE49-F238E27FC236}">
+                  <a16:creationId xmlns:a16="http://schemas.microsoft.com/office/drawing/2014/main" id="{151098D0-C2B4-4D61-92D5-C81DDBDA22DF}"/>
+                </a:ext>
+                <a:ext uri="{C183D7F6-B498-43B3-948B-1728B52AA6E4}">
+                  <adec:decorative xmlns:adec="http://schemas.microsoft.com/office/drawing/2017/decorative" val="1"/>
+                </a:ext>
+              </a:extLst>
+            </p:cNvPr>
+            <p:cNvCxnSpPr/>
+            <p:nvPr>
+              <p:extLst>
+                <p:ext uri="{386F3935-93C4-4BCD-93E2-E3B085C9AB24}">
+                  <p16:designElem xmlns:p16="http://schemas.microsoft.com/office/powerpoint/2015/main" val="1"/>
+                </p:ext>
+              </p:extLst>
+            </p:nvPr>
+          </p:nvCxnSpPr>
+          <p:spPr>
+            <a:xfrm rot="-840000" flipH="1">
+              <a:off x="8429112" y="410063"/>
+              <a:ext cx="3394" cy="182880"/>
+            </a:xfrm>
+            <a:prstGeom prst="line">
+              <a:avLst/>
+            </a:prstGeom>
+            <a:ln>
+              <a:solidFill>
+                <a:srgbClr val="FFFFFF">
+                  <a:alpha val="30196"/>
+                </a:srgbClr>
+              </a:solidFill>
+            </a:ln>
+          </p:spPr>
+          <p:style>
+            <a:lnRef idx="1">
+              <a:schemeClr val="accent1"/>
+            </a:lnRef>
+            <a:fillRef idx="0">
+              <a:schemeClr val="accent1"/>
+            </a:fillRef>
+            <a:effectRef idx="0">
+              <a:schemeClr val="accent1"/>
+            </a:effectRef>
+            <a:fontRef idx="minor">
+              <a:schemeClr val="tx1"/>
+            </a:fontRef>
+          </p:style>
+        </p:cxnSp>
+        <p:cxnSp>
+          <p:nvCxnSpPr>
+            <p:cNvPr id="54" name="Straight Connector 53">
+              <a:extLst>
+                <a:ext uri="{FF2B5EF4-FFF2-40B4-BE49-F238E27FC236}">
+                  <a16:creationId xmlns:a16="http://schemas.microsoft.com/office/drawing/2014/main" id="{3EACD9C3-3E01-47CF-BC68-BDAE22E30B48}"/>
+                </a:ext>
+                <a:ext uri="{C183D7F6-B498-43B3-948B-1728B52AA6E4}">
+                  <adec:decorative xmlns:adec="http://schemas.microsoft.com/office/drawing/2017/decorative" val="1"/>
+                </a:ext>
+              </a:extLst>
+            </p:cNvPr>
+            <p:cNvCxnSpPr/>
+            <p:nvPr>
+              <p:extLst>
+                <p:ext uri="{386F3935-93C4-4BCD-93E2-E3B085C9AB24}">
+                  <p16:designElem xmlns:p16="http://schemas.microsoft.com/office/powerpoint/2015/main" val="1"/>
+                </p:ext>
+              </p:extLst>
+            </p:nvPr>
+          </p:nvCxnSpPr>
+          <p:spPr>
+            <a:xfrm rot="-960000" flipH="1">
+              <a:off x="8294968" y="446219"/>
+              <a:ext cx="3394" cy="182880"/>
+            </a:xfrm>
+            <a:prstGeom prst="line">
+              <a:avLst/>
+            </a:prstGeom>
+            <a:ln>
+              <a:solidFill>
+                <a:srgbClr val="FFFFFF">
+                  <a:alpha val="30196"/>
+                </a:srgbClr>
+              </a:solidFill>
+            </a:ln>
+          </p:spPr>
+          <p:style>
+            <a:lnRef idx="1">
+              <a:schemeClr val="accent1"/>
+            </a:lnRef>
+            <a:fillRef idx="0">
+              <a:schemeClr val="accent1"/>
+            </a:fillRef>
+            <a:effectRef idx="0">
+              <a:schemeClr val="accent1"/>
+            </a:effectRef>
+            <a:fontRef idx="minor">
+              <a:schemeClr val="tx1"/>
+            </a:fontRef>
+          </p:style>
+        </p:cxnSp>
+        <p:cxnSp>
+          <p:nvCxnSpPr>
+            <p:cNvPr id="55" name="Straight Connector 54">
+              <a:extLst>
+                <a:ext uri="{FF2B5EF4-FFF2-40B4-BE49-F238E27FC236}">
+                  <a16:creationId xmlns:a16="http://schemas.microsoft.com/office/drawing/2014/main" id="{80A5C950-6480-44E0-9D50-F193147D556C}"/>
+                </a:ext>
+                <a:ext uri="{C183D7F6-B498-43B3-948B-1728B52AA6E4}">
+                  <adec:decorative xmlns:adec="http://schemas.microsoft.com/office/drawing/2017/decorative" val="1"/>
+                </a:ext>
+              </a:extLst>
+            </p:cNvPr>
+            <p:cNvCxnSpPr/>
+            <p:nvPr>
+              <p:extLst>
+                <p:ext uri="{386F3935-93C4-4BCD-93E2-E3B085C9AB24}">
+                  <p16:designElem xmlns:p16="http://schemas.microsoft.com/office/powerpoint/2015/main" val="1"/>
+                </p:ext>
+              </p:extLst>
+            </p:nvPr>
+          </p:nvCxnSpPr>
+          <p:spPr>
+            <a:xfrm rot="-1080000" flipH="1">
+              <a:off x="8160824" y="482375"/>
+              <a:ext cx="3394" cy="182880"/>
+            </a:xfrm>
+            <a:prstGeom prst="line">
+              <a:avLst/>
+            </a:prstGeom>
+            <a:ln>
+              <a:solidFill>
+                <a:srgbClr val="FFFFFF">
+                  <a:alpha val="30196"/>
+                </a:srgbClr>
+              </a:solidFill>
+            </a:ln>
+          </p:spPr>
+          <p:style>
+            <a:lnRef idx="1">
+              <a:schemeClr val="accent1"/>
+            </a:lnRef>
+            <a:fillRef idx="0">
+              <a:schemeClr val="accent1"/>
+            </a:fillRef>
+            <a:effectRef idx="0">
+              <a:schemeClr val="accent1"/>
+            </a:effectRef>
+            <a:fontRef idx="minor">
+              <a:schemeClr val="tx1"/>
+            </a:fontRef>
+          </p:style>
+        </p:cxnSp>
+        <p:cxnSp>
+          <p:nvCxnSpPr>
+            <p:cNvPr id="56" name="Straight Connector 55">
+              <a:extLst>
+                <a:ext uri="{FF2B5EF4-FFF2-40B4-BE49-F238E27FC236}">
+                  <a16:creationId xmlns:a16="http://schemas.microsoft.com/office/drawing/2014/main" id="{C68F1BDE-24EB-4308-AB69-F353C8598B47}"/>
+                </a:ext>
+                <a:ext uri="{C183D7F6-B498-43B3-948B-1728B52AA6E4}">
+                  <adec:decorative xmlns:adec="http://schemas.microsoft.com/office/drawing/2017/decorative" val="1"/>
+                </a:ext>
+              </a:extLst>
+            </p:cNvPr>
+            <p:cNvCxnSpPr/>
+            <p:nvPr>
+              <p:extLst>
+                <p:ext uri="{386F3935-93C4-4BCD-93E2-E3B085C9AB24}">
+                  <p16:designElem xmlns:p16="http://schemas.microsoft.com/office/powerpoint/2015/main" val="1"/>
+                </p:ext>
+              </p:extLst>
+            </p:nvPr>
+          </p:nvCxnSpPr>
+          <p:spPr>
+            <a:xfrm rot="-1260000" flipH="1">
+              <a:off x="8027689" y="531848"/>
+              <a:ext cx="3394" cy="182880"/>
+            </a:xfrm>
+            <a:prstGeom prst="line">
+              <a:avLst/>
+            </a:prstGeom>
+            <a:ln>
+              <a:solidFill>
+                <a:srgbClr val="FFFFFF">
+                  <a:alpha val="30196"/>
+                </a:srgbClr>
+              </a:solidFill>
+            </a:ln>
+          </p:spPr>
+          <p:style>
+            <a:lnRef idx="1">
+              <a:schemeClr val="accent1"/>
+            </a:lnRef>
+            <a:fillRef idx="0">
+              <a:schemeClr val="accent1"/>
+            </a:fillRef>
+            <a:effectRef idx="0">
+              <a:schemeClr val="accent1"/>
+            </a:effectRef>
+            <a:fontRef idx="minor">
+              <a:schemeClr val="tx1"/>
+            </a:fontRef>
+          </p:style>
+        </p:cxnSp>
+        <p:cxnSp>
+          <p:nvCxnSpPr>
+            <p:cNvPr id="57" name="Straight Connector 56">
+              <a:extLst>
+                <a:ext uri="{FF2B5EF4-FFF2-40B4-BE49-F238E27FC236}">
+                  <a16:creationId xmlns:a16="http://schemas.microsoft.com/office/drawing/2014/main" id="{D83E12EF-845B-41E6-BA82-F6CD46C0FEAE}"/>
+                </a:ext>
+                <a:ext uri="{C183D7F6-B498-43B3-948B-1728B52AA6E4}">
+                  <adec:decorative xmlns:adec="http://schemas.microsoft.com/office/drawing/2017/decorative" val="1"/>
+                </a:ext>
+              </a:extLst>
+            </p:cNvPr>
+            <p:cNvCxnSpPr/>
+            <p:nvPr>
+              <p:extLst>
+                <p:ext uri="{386F3935-93C4-4BCD-93E2-E3B085C9AB24}">
+                  <p16:designElem xmlns:p16="http://schemas.microsoft.com/office/powerpoint/2015/main" val="1"/>
+                </p:ext>
+              </p:extLst>
+            </p:nvPr>
+          </p:nvCxnSpPr>
+          <p:spPr>
+            <a:xfrm rot="-1380000" flipH="1">
+              <a:off x="7894554" y="581321"/>
+              <a:ext cx="3394" cy="182880"/>
+            </a:xfrm>
+            <a:prstGeom prst="line">
+              <a:avLst/>
+            </a:prstGeom>
+            <a:ln>
+              <a:solidFill>
+                <a:srgbClr val="FFFFFF">
+                  <a:alpha val="30196"/>
+                </a:srgbClr>
+              </a:solidFill>
+            </a:ln>
+          </p:spPr>
+          <p:style>
+            <a:lnRef idx="1">
+              <a:schemeClr val="accent1"/>
+            </a:lnRef>
+            <a:fillRef idx="0">
+              <a:schemeClr val="accent1"/>
+            </a:fillRef>
+            <a:effectRef idx="0">
+              <a:schemeClr val="accent1"/>
+            </a:effectRef>
+            <a:fontRef idx="minor">
+              <a:schemeClr val="tx1"/>
+            </a:fontRef>
+          </p:style>
+        </p:cxnSp>
+        <p:cxnSp>
+          <p:nvCxnSpPr>
+            <p:cNvPr id="58" name="Straight Connector 57">
+              <a:extLst>
+                <a:ext uri="{FF2B5EF4-FFF2-40B4-BE49-F238E27FC236}">
+                  <a16:creationId xmlns:a16="http://schemas.microsoft.com/office/drawing/2014/main" id="{E646EE72-4D70-46B4-B655-74722AAC2ADB}"/>
+                </a:ext>
+                <a:ext uri="{C183D7F6-B498-43B3-948B-1728B52AA6E4}">
+                  <adec:decorative xmlns:adec="http://schemas.microsoft.com/office/drawing/2017/decorative" val="1"/>
+                </a:ext>
+              </a:extLst>
+            </p:cNvPr>
+            <p:cNvCxnSpPr/>
+            <p:nvPr>
+              <p:extLst>
+                <p:ext uri="{386F3935-93C4-4BCD-93E2-E3B085C9AB24}">
+                  <p16:designElem xmlns:p16="http://schemas.microsoft.com/office/powerpoint/2015/main" val="1"/>
+                </p:ext>
+              </p:extLst>
+            </p:nvPr>
+          </p:nvCxnSpPr>
+          <p:spPr>
+            <a:xfrm rot="-1500000" flipH="1">
+              <a:off x="7761419" y="630794"/>
+              <a:ext cx="3394" cy="182880"/>
+            </a:xfrm>
+            <a:prstGeom prst="line">
+              <a:avLst/>
+            </a:prstGeom>
+            <a:ln>
+              <a:solidFill>
+                <a:srgbClr val="FFFFFF">
+                  <a:alpha val="30196"/>
+                </a:srgbClr>
+              </a:solidFill>
+            </a:ln>
+          </p:spPr>
+          <p:style>
+            <a:lnRef idx="1">
+              <a:schemeClr val="accent1"/>
+            </a:lnRef>
+            <a:fillRef idx="0">
+              <a:schemeClr val="accent1"/>
+            </a:fillRef>
+            <a:effectRef idx="0">
+              <a:schemeClr val="accent1"/>
+            </a:effectRef>
+            <a:fontRef idx="minor">
+              <a:schemeClr val="tx1"/>
+            </a:fontRef>
+          </p:style>
+        </p:cxnSp>
+        <p:cxnSp>
+          <p:nvCxnSpPr>
+            <p:cNvPr id="59" name="Straight Connector 58">
+              <a:extLst>
+                <a:ext uri="{FF2B5EF4-FFF2-40B4-BE49-F238E27FC236}">
+                  <a16:creationId xmlns:a16="http://schemas.microsoft.com/office/drawing/2014/main" id="{72BB073B-89FD-4B47-814B-A8EE7A1EE18D}"/>
+                </a:ext>
+                <a:ext uri="{C183D7F6-B498-43B3-948B-1728B52AA6E4}">
+                  <adec:decorative xmlns:adec="http://schemas.microsoft.com/office/drawing/2017/decorative" val="1"/>
+                </a:ext>
+              </a:extLst>
+            </p:cNvPr>
+            <p:cNvCxnSpPr/>
+            <p:nvPr>
+              <p:extLst>
+                <p:ext uri="{386F3935-93C4-4BCD-93E2-E3B085C9AB24}">
+                  <p16:designElem xmlns:p16="http://schemas.microsoft.com/office/powerpoint/2015/main" val="1"/>
+                </p:ext>
+              </p:extLst>
+            </p:nvPr>
+          </p:nvCxnSpPr>
+          <p:spPr>
+            <a:xfrm rot="-1620000" flipH="1">
+              <a:off x="7636645" y="689804"/>
+              <a:ext cx="3394" cy="182880"/>
+            </a:xfrm>
+            <a:prstGeom prst="line">
+              <a:avLst/>
+            </a:prstGeom>
+            <a:ln>
+              <a:solidFill>
+                <a:srgbClr val="FFFFFF">
+                  <a:alpha val="30196"/>
+                </a:srgbClr>
+              </a:solidFill>
+            </a:ln>
+          </p:spPr>
+          <p:style>
+            <a:lnRef idx="1">
+              <a:schemeClr val="accent1"/>
+            </a:lnRef>
+            <a:fillRef idx="0">
+              <a:schemeClr val="accent1"/>
+            </a:fillRef>
+            <a:effectRef idx="0">
+              <a:schemeClr val="accent1"/>
+            </a:effectRef>
+            <a:fontRef idx="minor">
+              <a:schemeClr val="tx1"/>
+            </a:fontRef>
+          </p:style>
+        </p:cxnSp>
+        <p:cxnSp>
+          <p:nvCxnSpPr>
+            <p:cNvPr id="60" name="Straight Connector 59">
+              <a:extLst>
+                <a:ext uri="{FF2B5EF4-FFF2-40B4-BE49-F238E27FC236}">
+                  <a16:creationId xmlns:a16="http://schemas.microsoft.com/office/drawing/2014/main" id="{EEE25488-63A9-43E5-A03F-2E628C3B2115}"/>
+                </a:ext>
+                <a:ext uri="{C183D7F6-B498-43B3-948B-1728B52AA6E4}">
+                  <adec:decorative xmlns:adec="http://schemas.microsoft.com/office/drawing/2017/decorative" val="1"/>
+                </a:ext>
+              </a:extLst>
+            </p:cNvPr>
+            <p:cNvCxnSpPr/>
+            <p:nvPr>
+              <p:extLst>
+                <p:ext uri="{386F3935-93C4-4BCD-93E2-E3B085C9AB24}">
+                  <p16:designElem xmlns:p16="http://schemas.microsoft.com/office/powerpoint/2015/main" val="1"/>
+                </p:ext>
+              </p:extLst>
+            </p:nvPr>
+          </p:nvCxnSpPr>
+          <p:spPr>
+            <a:xfrm rot="-1800000" flipH="1">
+              <a:off x="7511871" y="751195"/>
+              <a:ext cx="3394" cy="182880"/>
+            </a:xfrm>
+            <a:prstGeom prst="line">
+              <a:avLst/>
+            </a:prstGeom>
+            <a:ln>
+              <a:solidFill>
+                <a:srgbClr val="FFFFFF">
+                  <a:alpha val="30196"/>
+                </a:srgbClr>
+              </a:solidFill>
+            </a:ln>
+          </p:spPr>
+          <p:style>
+            <a:lnRef idx="1">
+              <a:schemeClr val="accent1"/>
+            </a:lnRef>
+            <a:fillRef idx="0">
+              <a:schemeClr val="accent1"/>
+            </a:fillRef>
+            <a:effectRef idx="0">
+              <a:schemeClr val="accent1"/>
+            </a:effectRef>
+            <a:fontRef idx="minor">
+              <a:schemeClr val="tx1"/>
+            </a:fontRef>
+          </p:style>
+        </p:cxnSp>
+        <p:cxnSp>
+          <p:nvCxnSpPr>
+            <p:cNvPr id="61" name="Straight Connector 60">
+              <a:extLst>
+                <a:ext uri="{FF2B5EF4-FFF2-40B4-BE49-F238E27FC236}">
+                  <a16:creationId xmlns:a16="http://schemas.microsoft.com/office/drawing/2014/main" id="{2BE7FDEE-BD70-4D8F-B5CE-4D03F1D00E67}"/>
+                </a:ext>
+                <a:ext uri="{C183D7F6-B498-43B3-948B-1728B52AA6E4}">
+                  <adec:decorative xmlns:adec="http://schemas.microsoft.com/office/drawing/2017/decorative" val="1"/>
+                </a:ext>
+              </a:extLst>
+            </p:cNvPr>
+            <p:cNvCxnSpPr/>
+            <p:nvPr>
+              <p:extLst>
+                <p:ext uri="{386F3935-93C4-4BCD-93E2-E3B085C9AB24}">
+                  <p16:designElem xmlns:p16="http://schemas.microsoft.com/office/powerpoint/2015/main" val="1"/>
+                </p:ext>
+              </p:extLst>
+            </p:nvPr>
+          </p:nvCxnSpPr>
+          <p:spPr>
+            <a:xfrm rot="-1920000" flipH="1">
+              <a:off x="7387899" y="819771"/>
+              <a:ext cx="3394" cy="182880"/>
+            </a:xfrm>
+            <a:prstGeom prst="line">
+              <a:avLst/>
+            </a:prstGeom>
+            <a:ln>
+              <a:solidFill>
+                <a:srgbClr val="FFFFFF">
+                  <a:alpha val="30196"/>
+                </a:srgbClr>
+              </a:solidFill>
+            </a:ln>
+          </p:spPr>
+          <p:style>
+            <a:lnRef idx="1">
+              <a:schemeClr val="accent1"/>
+            </a:lnRef>
+            <a:fillRef idx="0">
+              <a:schemeClr val="accent1"/>
+            </a:fillRef>
+            <a:effectRef idx="0">
+              <a:schemeClr val="accent1"/>
+            </a:effectRef>
+            <a:fontRef idx="minor">
+              <a:schemeClr val="tx1"/>
+            </a:fontRef>
+          </p:style>
+        </p:cxnSp>
+        <p:cxnSp>
+          <p:nvCxnSpPr>
+            <p:cNvPr id="62" name="Straight Connector 61">
+              <a:extLst>
+                <a:ext uri="{FF2B5EF4-FFF2-40B4-BE49-F238E27FC236}">
+                  <a16:creationId xmlns:a16="http://schemas.microsoft.com/office/drawing/2014/main" id="{3039673A-8522-4BFC-B8B2-7F2FEAED418D}"/>
+                </a:ext>
+                <a:ext uri="{C183D7F6-B498-43B3-948B-1728B52AA6E4}">
+                  <adec:decorative xmlns:adec="http://schemas.microsoft.com/office/drawing/2017/decorative" val="1"/>
+                </a:ext>
+              </a:extLst>
+            </p:cNvPr>
+            <p:cNvCxnSpPr/>
+            <p:nvPr>
+              <p:extLst>
+                <p:ext uri="{386F3935-93C4-4BCD-93E2-E3B085C9AB24}">
+                  <p16:designElem xmlns:p16="http://schemas.microsoft.com/office/powerpoint/2015/main" val="1"/>
+                </p:ext>
+              </p:extLst>
+            </p:nvPr>
+          </p:nvCxnSpPr>
+          <p:spPr>
+            <a:xfrm rot="-2040000" flipH="1">
+              <a:off x="7268530" y="893163"/>
+              <a:ext cx="3394" cy="182880"/>
+            </a:xfrm>
+            <a:prstGeom prst="line">
+              <a:avLst/>
+            </a:prstGeom>
+            <a:ln>
+              <a:solidFill>
+                <a:srgbClr val="FFFFFF">
+                  <a:alpha val="30196"/>
+                </a:srgbClr>
+              </a:solidFill>
+            </a:ln>
+          </p:spPr>
+          <p:style>
+            <a:lnRef idx="1">
+              <a:schemeClr val="accent1"/>
+            </a:lnRef>
+            <a:fillRef idx="0">
+              <a:schemeClr val="accent1"/>
+            </a:fillRef>
+            <a:effectRef idx="0">
+              <a:schemeClr val="accent1"/>
+            </a:effectRef>
+            <a:fontRef idx="minor">
+              <a:schemeClr val="tx1"/>
+            </a:fontRef>
+          </p:style>
+        </p:cxnSp>
+        <p:cxnSp>
+          <p:nvCxnSpPr>
+            <p:cNvPr id="63" name="Straight Connector 62">
+              <a:extLst>
+                <a:ext uri="{FF2B5EF4-FFF2-40B4-BE49-F238E27FC236}">
+                  <a16:creationId xmlns:a16="http://schemas.microsoft.com/office/drawing/2014/main" id="{47AB08C4-AF01-4D1D-90EA-A4113CFF994C}"/>
+                </a:ext>
+                <a:ext uri="{C183D7F6-B498-43B3-948B-1728B52AA6E4}">
+                  <adec:decorative xmlns:adec="http://schemas.microsoft.com/office/drawing/2017/decorative" val="1"/>
+                </a:ext>
+              </a:extLst>
+            </p:cNvPr>
+            <p:cNvCxnSpPr/>
+            <p:nvPr>
+              <p:extLst>
+                <p:ext uri="{386F3935-93C4-4BCD-93E2-E3B085C9AB24}">
+                  <p16:designElem xmlns:p16="http://schemas.microsoft.com/office/powerpoint/2015/main" val="1"/>
+                </p:ext>
+              </p:extLst>
+            </p:nvPr>
+          </p:nvCxnSpPr>
+          <p:spPr>
+            <a:xfrm rot="-2160000" flipH="1">
+              <a:off x="7152030" y="976584"/>
+              <a:ext cx="3394" cy="182880"/>
+            </a:xfrm>
+            <a:prstGeom prst="line">
+              <a:avLst/>
+            </a:prstGeom>
+            <a:ln>
+              <a:solidFill>
+                <a:srgbClr val="FFFFFF">
+                  <a:alpha val="30196"/>
+                </a:srgbClr>
+              </a:solidFill>
+            </a:ln>
+          </p:spPr>
+          <p:style>
+            <a:lnRef idx="1">
+              <a:schemeClr val="accent1"/>
+            </a:lnRef>
+            <a:fillRef idx="0">
+              <a:schemeClr val="accent1"/>
+            </a:fillRef>
+            <a:effectRef idx="0">
+              <a:schemeClr val="accent1"/>
+            </a:effectRef>
+            <a:fontRef idx="minor">
+              <a:schemeClr val="tx1"/>
+            </a:fontRef>
+          </p:style>
+        </p:cxnSp>
+        <p:cxnSp>
+          <p:nvCxnSpPr>
+            <p:cNvPr id="64" name="Straight Connector 63">
+              <a:extLst>
+                <a:ext uri="{FF2B5EF4-FFF2-40B4-BE49-F238E27FC236}">
+                  <a16:creationId xmlns:a16="http://schemas.microsoft.com/office/drawing/2014/main" id="{FC8E7B06-FF45-4365-9DF4-E8E315A5B34F}"/>
+                </a:ext>
+                <a:ext uri="{C183D7F6-B498-43B3-948B-1728B52AA6E4}">
+                  <adec:decorative xmlns:adec="http://schemas.microsoft.com/office/drawing/2017/decorative" val="1"/>
+                </a:ext>
+              </a:extLst>
+            </p:cNvPr>
+            <p:cNvCxnSpPr/>
+            <p:nvPr>
+              <p:extLst>
+                <p:ext uri="{386F3935-93C4-4BCD-93E2-E3B085C9AB24}">
+                  <p16:designElem xmlns:p16="http://schemas.microsoft.com/office/powerpoint/2015/main" val="1"/>
+                </p:ext>
+              </p:extLst>
+            </p:nvPr>
+          </p:nvCxnSpPr>
+          <p:spPr>
+            <a:xfrm rot="-2340000" flipH="1">
+              <a:off x="7041695" y="1060025"/>
+              <a:ext cx="3394" cy="182880"/>
+            </a:xfrm>
+            <a:prstGeom prst="line">
+              <a:avLst/>
+            </a:prstGeom>
+            <a:ln>
+              <a:solidFill>
+                <a:srgbClr val="FFFFFF">
+                  <a:alpha val="30196"/>
+                </a:srgbClr>
+              </a:solidFill>
+            </a:ln>
+          </p:spPr>
+          <p:style>
+            <a:lnRef idx="1">
+              <a:schemeClr val="accent1"/>
+            </a:lnRef>
+            <a:fillRef idx="0">
+              <a:schemeClr val="accent1"/>
+            </a:fillRef>
+            <a:effectRef idx="0">
+              <a:schemeClr val="accent1"/>
+            </a:effectRef>
+            <a:fontRef idx="minor">
+              <a:schemeClr val="tx1"/>
+            </a:fontRef>
+          </p:style>
+        </p:cxnSp>
+        <p:cxnSp>
+          <p:nvCxnSpPr>
+            <p:cNvPr id="65" name="Straight Connector 64">
+              <a:extLst>
+                <a:ext uri="{FF2B5EF4-FFF2-40B4-BE49-F238E27FC236}">
+                  <a16:creationId xmlns:a16="http://schemas.microsoft.com/office/drawing/2014/main" id="{08F00765-F5EC-427C-A7A1-CDFA0406F2AE}"/>
+                </a:ext>
+                <a:ext uri="{C183D7F6-B498-43B3-948B-1728B52AA6E4}">
+                  <adec:decorative xmlns:adec="http://schemas.microsoft.com/office/drawing/2017/decorative" val="1"/>
+                </a:ext>
+              </a:extLst>
+            </p:cNvPr>
+            <p:cNvCxnSpPr/>
+            <p:nvPr>
+              <p:extLst>
+                <p:ext uri="{386F3935-93C4-4BCD-93E2-E3B085C9AB24}">
+                  <p16:designElem xmlns:p16="http://schemas.microsoft.com/office/powerpoint/2015/main" val="1"/>
+                </p:ext>
+              </p:extLst>
+            </p:nvPr>
+          </p:nvCxnSpPr>
+          <p:spPr>
+            <a:xfrm rot="-2460000" flipH="1">
+              <a:off x="6931360" y="1143466"/>
+              <a:ext cx="3394" cy="182880"/>
+            </a:xfrm>
+            <a:prstGeom prst="line">
+              <a:avLst/>
+            </a:prstGeom>
+            <a:ln>
+              <a:solidFill>
+                <a:srgbClr val="FFFFFF">
+                  <a:alpha val="30196"/>
+                </a:srgbClr>
+              </a:solidFill>
+            </a:ln>
+          </p:spPr>
+          <p:style>
+            <a:lnRef idx="1">
+              <a:schemeClr val="accent1"/>
+            </a:lnRef>
+            <a:fillRef idx="0">
+              <a:schemeClr val="accent1"/>
+            </a:fillRef>
+            <a:effectRef idx="0">
+              <a:schemeClr val="accent1"/>
+            </a:effectRef>
+            <a:fontRef idx="minor">
+              <a:schemeClr val="tx1"/>
+            </a:fontRef>
+          </p:style>
+        </p:cxnSp>
+        <p:cxnSp>
+          <p:nvCxnSpPr>
+            <p:cNvPr id="66" name="Straight Connector 65">
+              <a:extLst>
+                <a:ext uri="{FF2B5EF4-FFF2-40B4-BE49-F238E27FC236}">
+                  <a16:creationId xmlns:a16="http://schemas.microsoft.com/office/drawing/2014/main" id="{2FE1EF8A-C81D-4879-9142-3697CA0BCBD9}"/>
+                </a:ext>
+                <a:ext uri="{C183D7F6-B498-43B3-948B-1728B52AA6E4}">
+                  <adec:decorative xmlns:adec="http://schemas.microsoft.com/office/drawing/2017/decorative" val="1"/>
+                </a:ext>
+              </a:extLst>
+            </p:cNvPr>
+            <p:cNvCxnSpPr/>
+            <p:nvPr>
+              <p:extLst>
+                <p:ext uri="{386F3935-93C4-4BCD-93E2-E3B085C9AB24}">
+                  <p16:designElem xmlns:p16="http://schemas.microsoft.com/office/powerpoint/2015/main" val="1"/>
+                </p:ext>
+              </p:extLst>
+            </p:nvPr>
+          </p:nvCxnSpPr>
+          <p:spPr>
+            <a:xfrm rot="-2580000" flipH="1">
+              <a:off x="6819070" y="1235864"/>
+              <a:ext cx="3394" cy="182880"/>
+            </a:xfrm>
+            <a:prstGeom prst="line">
+              <a:avLst/>
+            </a:prstGeom>
+            <a:ln>
+              <a:solidFill>
+                <a:srgbClr val="FFFFFF">
+                  <a:alpha val="30196"/>
+                </a:srgbClr>
+              </a:solidFill>
+            </a:ln>
+          </p:spPr>
+          <p:style>
+            <a:lnRef idx="1">
+              <a:schemeClr val="accent1"/>
+            </a:lnRef>
+            <a:fillRef idx="0">
+              <a:schemeClr val="accent1"/>
+            </a:fillRef>
+            <a:effectRef idx="0">
+              <a:schemeClr val="accent1"/>
+            </a:effectRef>
+            <a:fontRef idx="minor">
+              <a:schemeClr val="tx1"/>
+            </a:fontRef>
+          </p:style>
+        </p:cxnSp>
+        <p:cxnSp>
+          <p:nvCxnSpPr>
+            <p:cNvPr id="67" name="Straight Connector 66">
+              <a:extLst>
+                <a:ext uri="{FF2B5EF4-FFF2-40B4-BE49-F238E27FC236}">
+                  <a16:creationId xmlns:a16="http://schemas.microsoft.com/office/drawing/2014/main" id="{D80C0B62-6F07-4DD2-B308-F3C29F294438}"/>
+                </a:ext>
+                <a:ext uri="{C183D7F6-B498-43B3-948B-1728B52AA6E4}">
+                  <adec:decorative xmlns:adec="http://schemas.microsoft.com/office/drawing/2017/decorative" val="1"/>
+                </a:ext>
+              </a:extLst>
+            </p:cNvPr>
+            <p:cNvCxnSpPr/>
+            <p:nvPr>
+              <p:extLst>
+                <p:ext uri="{386F3935-93C4-4BCD-93E2-E3B085C9AB24}">
+                  <p16:designElem xmlns:p16="http://schemas.microsoft.com/office/powerpoint/2015/main" val="1"/>
+                </p:ext>
+              </p:extLst>
+            </p:nvPr>
+          </p:nvCxnSpPr>
+          <p:spPr>
+            <a:xfrm rot="-2700000" flipH="1">
+              <a:off x="6721359" y="1332746"/>
+              <a:ext cx="3394" cy="182880"/>
+            </a:xfrm>
+            <a:prstGeom prst="line">
+              <a:avLst/>
+            </a:prstGeom>
+            <a:ln>
+              <a:solidFill>
+                <a:srgbClr val="FFFFFF">
+                  <a:alpha val="30196"/>
+                </a:srgbClr>
+              </a:solidFill>
+            </a:ln>
+          </p:spPr>
+          <p:style>
+            <a:lnRef idx="1">
+              <a:schemeClr val="accent1"/>
+            </a:lnRef>
+            <a:fillRef idx="0">
+              <a:schemeClr val="accent1"/>
+            </a:fillRef>
+            <a:effectRef idx="0">
+              <a:schemeClr val="accent1"/>
+            </a:effectRef>
+            <a:fontRef idx="minor">
+              <a:schemeClr val="tx1"/>
+            </a:fontRef>
+          </p:style>
+        </p:cxnSp>
+        <p:cxnSp>
+          <p:nvCxnSpPr>
+            <p:cNvPr id="68" name="Straight Connector 67">
+              <a:extLst>
+                <a:ext uri="{FF2B5EF4-FFF2-40B4-BE49-F238E27FC236}">
+                  <a16:creationId xmlns:a16="http://schemas.microsoft.com/office/drawing/2014/main" id="{E9C7C8CB-2D13-4138-B3C1-B78EC19B59D6}"/>
+                </a:ext>
+                <a:ext uri="{C183D7F6-B498-43B3-948B-1728B52AA6E4}">
+                  <adec:decorative xmlns:adec="http://schemas.microsoft.com/office/drawing/2017/decorative" val="1"/>
+                </a:ext>
+              </a:extLst>
+            </p:cNvPr>
+            <p:cNvCxnSpPr/>
+            <p:nvPr>
+              <p:extLst>
+                <p:ext uri="{386F3935-93C4-4BCD-93E2-E3B085C9AB24}">
+                  <p16:designElem xmlns:p16="http://schemas.microsoft.com/office/powerpoint/2015/main" val="1"/>
+                </p:ext>
+              </p:extLst>
+            </p:nvPr>
+          </p:nvCxnSpPr>
+          <p:spPr>
+            <a:xfrm rot="-2880000" flipH="1">
+              <a:off x="6617467" y="1429423"/>
+              <a:ext cx="3394" cy="182880"/>
+            </a:xfrm>
+            <a:prstGeom prst="line">
+              <a:avLst/>
+            </a:prstGeom>
+            <a:ln>
+              <a:solidFill>
+                <a:srgbClr val="FFFFFF">
+                  <a:alpha val="30196"/>
+                </a:srgbClr>
+              </a:solidFill>
+            </a:ln>
+          </p:spPr>
+          <p:style>
+            <a:lnRef idx="1">
+              <a:schemeClr val="accent1"/>
+            </a:lnRef>
+            <a:fillRef idx="0">
+              <a:schemeClr val="accent1"/>
+            </a:fillRef>
+            <a:effectRef idx="0">
+              <a:schemeClr val="accent1"/>
+            </a:effectRef>
+            <a:fontRef idx="minor">
+              <a:schemeClr val="tx1"/>
+            </a:fontRef>
+          </p:style>
+        </p:cxnSp>
+        <p:cxnSp>
+          <p:nvCxnSpPr>
+            <p:cNvPr id="69" name="Straight Connector 68">
+              <a:extLst>
+                <a:ext uri="{FF2B5EF4-FFF2-40B4-BE49-F238E27FC236}">
+                  <a16:creationId xmlns:a16="http://schemas.microsoft.com/office/drawing/2014/main" id="{8EB1BC7E-04BC-423C-843D-7C149C25A1A8}"/>
+                </a:ext>
+                <a:ext uri="{C183D7F6-B498-43B3-948B-1728B52AA6E4}">
+                  <adec:decorative xmlns:adec="http://schemas.microsoft.com/office/drawing/2017/decorative" val="1"/>
+                </a:ext>
+              </a:extLst>
+            </p:cNvPr>
+            <p:cNvCxnSpPr/>
+            <p:nvPr>
+              <p:extLst>
+                <p:ext uri="{386F3935-93C4-4BCD-93E2-E3B085C9AB24}">
+                  <p16:designElem xmlns:p16="http://schemas.microsoft.com/office/powerpoint/2015/main" val="1"/>
+                </p:ext>
+              </p:extLst>
+            </p:nvPr>
+          </p:nvCxnSpPr>
+          <p:spPr>
+            <a:xfrm rot="-3000000" flipH="1">
+              <a:off x="6520032" y="1527285"/>
+              <a:ext cx="3394" cy="182880"/>
+            </a:xfrm>
+            <a:prstGeom prst="line">
+              <a:avLst/>
+            </a:prstGeom>
+            <a:ln>
+              <a:solidFill>
+                <a:srgbClr val="FFFFFF">
+                  <a:alpha val="30196"/>
+                </a:srgbClr>
+              </a:solidFill>
+            </a:ln>
+          </p:spPr>
+          <p:style>
+            <a:lnRef idx="1">
+              <a:schemeClr val="accent1"/>
+            </a:lnRef>
+            <a:fillRef idx="0">
+              <a:schemeClr val="accent1"/>
+            </a:fillRef>
+            <a:effectRef idx="0">
+              <a:schemeClr val="accent1"/>
+            </a:effectRef>
+            <a:fontRef idx="minor">
+              <a:schemeClr val="tx1"/>
+            </a:fontRef>
+          </p:style>
+        </p:cxnSp>
+        <p:cxnSp>
+          <p:nvCxnSpPr>
+            <p:cNvPr id="70" name="Straight Connector 69">
+              <a:extLst>
+                <a:ext uri="{FF2B5EF4-FFF2-40B4-BE49-F238E27FC236}">
+                  <a16:creationId xmlns:a16="http://schemas.microsoft.com/office/drawing/2014/main" id="{A8BA62C3-B17C-4AD0-B585-1C42ED74560C}"/>
+                </a:ext>
+                <a:ext uri="{C183D7F6-B498-43B3-948B-1728B52AA6E4}">
+                  <adec:decorative xmlns:adec="http://schemas.microsoft.com/office/drawing/2017/decorative" val="1"/>
+                </a:ext>
+              </a:extLst>
+            </p:cNvPr>
+            <p:cNvCxnSpPr/>
+            <p:nvPr>
+              <p:extLst>
+                <p:ext uri="{386F3935-93C4-4BCD-93E2-E3B085C9AB24}">
+                  <p16:designElem xmlns:p16="http://schemas.microsoft.com/office/powerpoint/2015/main" val="1"/>
+                </p:ext>
+              </p:extLst>
+            </p:nvPr>
+          </p:nvCxnSpPr>
+          <p:spPr>
+            <a:xfrm rot="-3120000" flipH="1">
+              <a:off x="6429579" y="1641610"/>
+              <a:ext cx="3394" cy="182880"/>
+            </a:xfrm>
+            <a:prstGeom prst="line">
+              <a:avLst/>
+            </a:prstGeom>
+            <a:ln>
+              <a:solidFill>
+                <a:srgbClr val="FFFFFF">
+                  <a:alpha val="30196"/>
+                </a:srgbClr>
+              </a:solidFill>
+            </a:ln>
+          </p:spPr>
+          <p:style>
+            <a:lnRef idx="1">
+              <a:schemeClr val="accent1"/>
+            </a:lnRef>
+            <a:fillRef idx="0">
+              <a:schemeClr val="accent1"/>
+            </a:fillRef>
+            <a:effectRef idx="0">
+              <a:schemeClr val="accent1"/>
+            </a:effectRef>
+            <a:fontRef idx="minor">
+              <a:schemeClr val="tx1"/>
+            </a:fontRef>
+          </p:style>
+        </p:cxnSp>
+        <p:cxnSp>
+          <p:nvCxnSpPr>
+            <p:cNvPr id="71" name="Straight Connector 70">
+              <a:extLst>
+                <a:ext uri="{FF2B5EF4-FFF2-40B4-BE49-F238E27FC236}">
+                  <a16:creationId xmlns:a16="http://schemas.microsoft.com/office/drawing/2014/main" id="{1B6F8BD1-22F9-4EE2-93C7-F859F3B9908D}"/>
+                </a:ext>
+                <a:ext uri="{C183D7F6-B498-43B3-948B-1728B52AA6E4}">
+                  <adec:decorative xmlns:adec="http://schemas.microsoft.com/office/drawing/2017/decorative" val="1"/>
+                </a:ext>
+              </a:extLst>
+            </p:cNvPr>
+            <p:cNvCxnSpPr/>
+            <p:nvPr>
+              <p:extLst>
+                <p:ext uri="{386F3935-93C4-4BCD-93E2-E3B085C9AB24}">
+                  <p16:designElem xmlns:p16="http://schemas.microsoft.com/office/powerpoint/2015/main" val="1"/>
+                </p:ext>
+              </p:extLst>
+            </p:nvPr>
+          </p:nvCxnSpPr>
+          <p:spPr>
+            <a:xfrm rot="-3240000" flipH="1">
+              <a:off x="6340532" y="1750423"/>
+              <a:ext cx="3394" cy="182880"/>
+            </a:xfrm>
+            <a:prstGeom prst="line">
+              <a:avLst/>
+            </a:prstGeom>
+            <a:ln>
+              <a:solidFill>
+                <a:srgbClr val="FFFFFF">
+                  <a:alpha val="30196"/>
+                </a:srgbClr>
+              </a:solidFill>
+            </a:ln>
+          </p:spPr>
+          <p:style>
+            <a:lnRef idx="1">
+              <a:schemeClr val="accent1"/>
+            </a:lnRef>
+            <a:fillRef idx="0">
+              <a:schemeClr val="accent1"/>
+            </a:fillRef>
+            <a:effectRef idx="0">
+              <a:schemeClr val="accent1"/>
+            </a:effectRef>
+            <a:fontRef idx="minor">
+              <a:schemeClr val="tx1"/>
+            </a:fontRef>
+          </p:style>
+        </p:cxnSp>
+        <p:cxnSp>
+          <p:nvCxnSpPr>
+            <p:cNvPr id="72" name="Straight Connector 71">
+              <a:extLst>
+                <a:ext uri="{FF2B5EF4-FFF2-40B4-BE49-F238E27FC236}">
+                  <a16:creationId xmlns:a16="http://schemas.microsoft.com/office/drawing/2014/main" id="{B173F2AA-33AE-4A43-AFA9-50C60D6F689E}"/>
+                </a:ext>
+                <a:ext uri="{C183D7F6-B498-43B3-948B-1728B52AA6E4}">
+                  <adec:decorative xmlns:adec="http://schemas.microsoft.com/office/drawing/2017/decorative" val="1"/>
+                </a:ext>
+              </a:extLst>
+            </p:cNvPr>
+            <p:cNvCxnSpPr/>
+            <p:nvPr>
+              <p:extLst>
+                <p:ext uri="{386F3935-93C4-4BCD-93E2-E3B085C9AB24}">
+                  <p16:designElem xmlns:p16="http://schemas.microsoft.com/office/powerpoint/2015/main" val="1"/>
+                </p:ext>
+              </p:extLst>
+            </p:nvPr>
+          </p:nvCxnSpPr>
+          <p:spPr>
+            <a:xfrm rot="-3420000" flipH="1">
+              <a:off x="6261757" y="1860178"/>
+              <a:ext cx="3394" cy="182880"/>
+            </a:xfrm>
+            <a:prstGeom prst="line">
+              <a:avLst/>
+            </a:prstGeom>
+            <a:ln>
+              <a:solidFill>
+                <a:srgbClr val="FFFFFF">
+                  <a:alpha val="30196"/>
+                </a:srgbClr>
+              </a:solidFill>
+            </a:ln>
+          </p:spPr>
+          <p:style>
+            <a:lnRef idx="1">
+              <a:schemeClr val="accent1"/>
+            </a:lnRef>
+            <a:fillRef idx="0">
+              <a:schemeClr val="accent1"/>
+            </a:fillRef>
+            <a:effectRef idx="0">
+              <a:schemeClr val="accent1"/>
+            </a:effectRef>
+            <a:fontRef idx="minor">
+              <a:schemeClr val="tx1"/>
+            </a:fontRef>
+          </p:style>
+        </p:cxnSp>
+        <p:cxnSp>
+          <p:nvCxnSpPr>
+            <p:cNvPr id="73" name="Straight Connector 72">
+              <a:extLst>
+                <a:ext uri="{FF2B5EF4-FFF2-40B4-BE49-F238E27FC236}">
+                  <a16:creationId xmlns:a16="http://schemas.microsoft.com/office/drawing/2014/main" id="{16339DB1-5BB0-42C5-B12D-7555AD403DAA}"/>
+                </a:ext>
+                <a:ext uri="{C183D7F6-B498-43B3-948B-1728B52AA6E4}">
+                  <adec:decorative xmlns:adec="http://schemas.microsoft.com/office/drawing/2017/decorative" val="1"/>
+                </a:ext>
+              </a:extLst>
+            </p:cNvPr>
+            <p:cNvCxnSpPr/>
+            <p:nvPr>
+              <p:extLst>
+                <p:ext uri="{386F3935-93C4-4BCD-93E2-E3B085C9AB24}">
+                  <p16:designElem xmlns:p16="http://schemas.microsoft.com/office/powerpoint/2015/main" val="1"/>
+                </p:ext>
+              </p:extLst>
+            </p:nvPr>
+          </p:nvCxnSpPr>
+          <p:spPr>
+            <a:xfrm rot="-3540000" flipH="1">
+              <a:off x="6184144" y="1979619"/>
+              <a:ext cx="3394" cy="182880"/>
+            </a:xfrm>
+            <a:prstGeom prst="line">
+              <a:avLst/>
+            </a:prstGeom>
+            <a:ln>
+              <a:solidFill>
+                <a:srgbClr val="FFFFFF">
+                  <a:alpha val="30196"/>
+                </a:srgbClr>
+              </a:solidFill>
+            </a:ln>
+          </p:spPr>
+          <p:style>
+            <a:lnRef idx="1">
+              <a:schemeClr val="accent1"/>
+            </a:lnRef>
+            <a:fillRef idx="0">
+              <a:schemeClr val="accent1"/>
+            </a:fillRef>
+            <a:effectRef idx="0">
+              <a:schemeClr val="accent1"/>
+            </a:effectRef>
+            <a:fontRef idx="minor">
+              <a:schemeClr val="tx1"/>
+            </a:fontRef>
+          </p:style>
+        </p:cxnSp>
+        <p:cxnSp>
+          <p:nvCxnSpPr>
+            <p:cNvPr id="74" name="Straight Connector 73">
+              <a:extLst>
+                <a:ext uri="{FF2B5EF4-FFF2-40B4-BE49-F238E27FC236}">
+                  <a16:creationId xmlns:a16="http://schemas.microsoft.com/office/drawing/2014/main" id="{1413BF1A-CE02-41EB-8977-EBE39AE0DAB1}"/>
+                </a:ext>
+                <a:ext uri="{C183D7F6-B498-43B3-948B-1728B52AA6E4}">
+                  <adec:decorative xmlns:adec="http://schemas.microsoft.com/office/drawing/2017/decorative" val="1"/>
+                </a:ext>
+              </a:extLst>
+            </p:cNvPr>
+            <p:cNvCxnSpPr/>
+            <p:nvPr>
+              <p:extLst>
+                <p:ext uri="{386F3935-93C4-4BCD-93E2-E3B085C9AB24}">
+                  <p16:designElem xmlns:p16="http://schemas.microsoft.com/office/powerpoint/2015/main" val="1"/>
+                </p:ext>
+              </p:extLst>
+            </p:nvPr>
+          </p:nvCxnSpPr>
+          <p:spPr>
+            <a:xfrm rot="-3660000" flipH="1">
+              <a:off x="6106531" y="2099060"/>
+              <a:ext cx="3394" cy="182880"/>
+            </a:xfrm>
+            <a:prstGeom prst="line">
+              <a:avLst/>
+            </a:prstGeom>
+            <a:ln>
+              <a:solidFill>
+                <a:srgbClr val="FFFFFF">
+                  <a:alpha val="30196"/>
+                </a:srgbClr>
+              </a:solidFill>
+            </a:ln>
+          </p:spPr>
+          <p:style>
+            <a:lnRef idx="1">
+              <a:schemeClr val="accent1"/>
+            </a:lnRef>
+            <a:fillRef idx="0">
+              <a:schemeClr val="accent1"/>
+            </a:fillRef>
+            <a:effectRef idx="0">
+              <a:schemeClr val="accent1"/>
+            </a:effectRef>
+            <a:fontRef idx="minor">
+              <a:schemeClr val="tx1"/>
+            </a:fontRef>
+          </p:style>
+        </p:cxnSp>
+        <p:cxnSp>
+          <p:nvCxnSpPr>
+            <p:cNvPr id="75" name="Straight Connector 74">
+              <a:extLst>
+                <a:ext uri="{FF2B5EF4-FFF2-40B4-BE49-F238E27FC236}">
+                  <a16:creationId xmlns:a16="http://schemas.microsoft.com/office/drawing/2014/main" id="{7899680C-3DC7-4B71-8D34-7EE8306FEC20}"/>
+                </a:ext>
+                <a:ext uri="{C183D7F6-B498-43B3-948B-1728B52AA6E4}">
+                  <adec:decorative xmlns:adec="http://schemas.microsoft.com/office/drawing/2017/decorative" val="1"/>
+                </a:ext>
+              </a:extLst>
+            </p:cNvPr>
+            <p:cNvCxnSpPr/>
+            <p:nvPr>
+              <p:extLst>
+                <p:ext uri="{386F3935-93C4-4BCD-93E2-E3B085C9AB24}">
+                  <p16:designElem xmlns:p16="http://schemas.microsoft.com/office/powerpoint/2015/main" val="1"/>
+                </p:ext>
+              </p:extLst>
+            </p:nvPr>
+          </p:nvCxnSpPr>
+          <p:spPr>
+            <a:xfrm rot="-3780000" flipH="1">
+              <a:off x="6043206" y="2222556"/>
+              <a:ext cx="3394" cy="182880"/>
+            </a:xfrm>
+            <a:prstGeom prst="line">
+              <a:avLst/>
+            </a:prstGeom>
+            <a:ln>
+              <a:solidFill>
+                <a:srgbClr val="FFFFFF">
+                  <a:alpha val="30196"/>
+                </a:srgbClr>
+              </a:solidFill>
+            </a:ln>
+          </p:spPr>
+          <p:style>
+            <a:lnRef idx="1">
+              <a:schemeClr val="accent1"/>
+            </a:lnRef>
+            <a:fillRef idx="0">
+              <a:schemeClr val="accent1"/>
+            </a:fillRef>
+            <a:effectRef idx="0">
+              <a:schemeClr val="accent1"/>
+            </a:effectRef>
+            <a:fontRef idx="minor">
+              <a:schemeClr val="tx1"/>
+            </a:fontRef>
+          </p:style>
+        </p:cxnSp>
+        <p:cxnSp>
+          <p:nvCxnSpPr>
+            <p:cNvPr id="76" name="Straight Connector 75">
+              <a:extLst>
+                <a:ext uri="{FF2B5EF4-FFF2-40B4-BE49-F238E27FC236}">
+                  <a16:creationId xmlns:a16="http://schemas.microsoft.com/office/drawing/2014/main" id="{13B57EA5-419A-4EE0-BB93-356B12F6D030}"/>
+                </a:ext>
+                <a:ext uri="{C183D7F6-B498-43B3-948B-1728B52AA6E4}">
+                  <adec:decorative xmlns:adec="http://schemas.microsoft.com/office/drawing/2017/decorative" val="1"/>
+                </a:ext>
+              </a:extLst>
+            </p:cNvPr>
+            <p:cNvCxnSpPr/>
+            <p:nvPr>
+              <p:extLst>
+                <p:ext uri="{386F3935-93C4-4BCD-93E2-E3B085C9AB24}">
+                  <p16:designElem xmlns:p16="http://schemas.microsoft.com/office/powerpoint/2015/main" val="1"/>
+                </p:ext>
+              </p:extLst>
+            </p:nvPr>
+          </p:nvCxnSpPr>
+          <p:spPr>
+            <a:xfrm rot="-3960000" flipH="1">
+              <a:off x="5978913" y="2344301"/>
+              <a:ext cx="3394" cy="182880"/>
+            </a:xfrm>
+            <a:prstGeom prst="line">
+              <a:avLst/>
+            </a:prstGeom>
+            <a:ln>
+              <a:solidFill>
+                <a:srgbClr val="FFFFFF">
+                  <a:alpha val="30196"/>
+                </a:srgbClr>
+              </a:solidFill>
+            </a:ln>
+          </p:spPr>
+          <p:style>
+            <a:lnRef idx="1">
+              <a:schemeClr val="accent1"/>
+            </a:lnRef>
+            <a:fillRef idx="0">
+              <a:schemeClr val="accent1"/>
+            </a:fillRef>
+            <a:effectRef idx="0">
+              <a:schemeClr val="accent1"/>
+            </a:effectRef>
+            <a:fontRef idx="minor">
+              <a:schemeClr val="tx1"/>
+            </a:fontRef>
+          </p:style>
+        </p:cxnSp>
+        <p:cxnSp>
+          <p:nvCxnSpPr>
+            <p:cNvPr id="77" name="Straight Connector 76">
+              <a:extLst>
+                <a:ext uri="{FF2B5EF4-FFF2-40B4-BE49-F238E27FC236}">
+                  <a16:creationId xmlns:a16="http://schemas.microsoft.com/office/drawing/2014/main" id="{37A79B15-73B1-417F-A985-25FBC893F731}"/>
+                </a:ext>
+                <a:ext uri="{C183D7F6-B498-43B3-948B-1728B52AA6E4}">
+                  <adec:decorative xmlns:adec="http://schemas.microsoft.com/office/drawing/2017/decorative" val="1"/>
+                </a:ext>
+              </a:extLst>
+            </p:cNvPr>
+            <p:cNvCxnSpPr/>
+            <p:nvPr>
+              <p:extLst>
+                <p:ext uri="{386F3935-93C4-4BCD-93E2-E3B085C9AB24}">
+                  <p16:designElem xmlns:p16="http://schemas.microsoft.com/office/powerpoint/2015/main" val="1"/>
+                </p:ext>
+              </p:extLst>
+            </p:nvPr>
+          </p:nvCxnSpPr>
+          <p:spPr>
+            <a:xfrm rot="-4080000" flipH="1">
+              <a:off x="5912438" y="2470678"/>
+              <a:ext cx="3394" cy="182880"/>
+            </a:xfrm>
+            <a:prstGeom prst="line">
+              <a:avLst/>
+            </a:prstGeom>
+            <a:ln>
+              <a:solidFill>
+                <a:srgbClr val="FFFFFF">
+                  <a:alpha val="30196"/>
+                </a:srgbClr>
+              </a:solidFill>
+            </a:ln>
+          </p:spPr>
+          <p:style>
+            <a:lnRef idx="1">
+              <a:schemeClr val="accent1"/>
+            </a:lnRef>
+            <a:fillRef idx="0">
+              <a:schemeClr val="accent1"/>
+            </a:fillRef>
+            <a:effectRef idx="0">
+              <a:schemeClr val="accent1"/>
+            </a:effectRef>
+            <a:fontRef idx="minor">
+              <a:schemeClr val="tx1"/>
+            </a:fontRef>
+          </p:style>
+        </p:cxnSp>
+        <p:cxnSp>
+          <p:nvCxnSpPr>
+            <p:cNvPr id="78" name="Straight Connector 77">
+              <a:extLst>
+                <a:ext uri="{FF2B5EF4-FFF2-40B4-BE49-F238E27FC236}">
+                  <a16:creationId xmlns:a16="http://schemas.microsoft.com/office/drawing/2014/main" id="{566DE9DC-92E2-44D8-B7D0-D1295DD8F034}"/>
+                </a:ext>
+                <a:ext uri="{C183D7F6-B498-43B3-948B-1728B52AA6E4}">
+                  <adec:decorative xmlns:adec="http://schemas.microsoft.com/office/drawing/2017/decorative" val="1"/>
+                </a:ext>
+              </a:extLst>
+            </p:cNvPr>
+            <p:cNvCxnSpPr/>
+            <p:nvPr>
+              <p:extLst>
+                <p:ext uri="{386F3935-93C4-4BCD-93E2-E3B085C9AB24}">
+                  <p16:designElem xmlns:p16="http://schemas.microsoft.com/office/powerpoint/2015/main" val="1"/>
+                </p:ext>
+              </p:extLst>
+            </p:nvPr>
+          </p:nvCxnSpPr>
+          <p:spPr>
+            <a:xfrm rot="-4200000" flipH="1">
+              <a:off x="5858875" y="2600922"/>
+              <a:ext cx="3394" cy="182880"/>
+            </a:xfrm>
+            <a:prstGeom prst="line">
+              <a:avLst/>
+            </a:prstGeom>
+            <a:ln>
+              <a:solidFill>
+                <a:srgbClr val="FFFFFF">
+                  <a:alpha val="30196"/>
+                </a:srgbClr>
+              </a:solidFill>
+            </a:ln>
+          </p:spPr>
+          <p:style>
+            <a:lnRef idx="1">
+              <a:schemeClr val="accent1"/>
+            </a:lnRef>
+            <a:fillRef idx="0">
+              <a:schemeClr val="accent1"/>
+            </a:fillRef>
+            <a:effectRef idx="0">
+              <a:schemeClr val="accent1"/>
+            </a:effectRef>
+            <a:fontRef idx="minor">
+              <a:schemeClr val="tx1"/>
+            </a:fontRef>
+          </p:style>
+        </p:cxnSp>
+        <p:cxnSp>
+          <p:nvCxnSpPr>
+            <p:cNvPr id="79" name="Straight Connector 78">
+              <a:extLst>
+                <a:ext uri="{FF2B5EF4-FFF2-40B4-BE49-F238E27FC236}">
+                  <a16:creationId xmlns:a16="http://schemas.microsoft.com/office/drawing/2014/main" id="{A9A1F3CD-685D-4541-8715-91E39B1E2302}"/>
+                </a:ext>
+                <a:ext uri="{C183D7F6-B498-43B3-948B-1728B52AA6E4}">
+                  <adec:decorative xmlns:adec="http://schemas.microsoft.com/office/drawing/2017/decorative" val="1"/>
+                </a:ext>
+              </a:extLst>
+            </p:cNvPr>
+            <p:cNvCxnSpPr/>
+            <p:nvPr>
+              <p:extLst>
+                <p:ext uri="{386F3935-93C4-4BCD-93E2-E3B085C9AB24}">
+                  <p16:designElem xmlns:p16="http://schemas.microsoft.com/office/powerpoint/2015/main" val="1"/>
+                </p:ext>
+              </p:extLst>
+            </p:nvPr>
+          </p:nvCxnSpPr>
+          <p:spPr>
+            <a:xfrm rot="-4320000" flipH="1">
+              <a:off x="5808182" y="2734040"/>
+              <a:ext cx="3394" cy="182880"/>
+            </a:xfrm>
+            <a:prstGeom prst="line">
+              <a:avLst/>
+            </a:prstGeom>
+            <a:ln>
+              <a:solidFill>
+                <a:srgbClr val="FFFFFF">
+                  <a:alpha val="30196"/>
+                </a:srgbClr>
+              </a:solidFill>
+            </a:ln>
+          </p:spPr>
+          <p:style>
+            <a:lnRef idx="1">
+              <a:schemeClr val="accent1"/>
+            </a:lnRef>
+            <a:fillRef idx="0">
+              <a:schemeClr val="accent1"/>
+            </a:fillRef>
+            <a:effectRef idx="0">
+              <a:schemeClr val="accent1"/>
+            </a:effectRef>
+            <a:fontRef idx="minor">
+              <a:schemeClr val="tx1"/>
+            </a:fontRef>
+          </p:style>
+        </p:cxnSp>
+        <p:cxnSp>
+          <p:nvCxnSpPr>
+            <p:cNvPr id="80" name="Straight Connector 79">
+              <a:extLst>
+                <a:ext uri="{FF2B5EF4-FFF2-40B4-BE49-F238E27FC236}">
+                  <a16:creationId xmlns:a16="http://schemas.microsoft.com/office/drawing/2014/main" id="{C63E90F9-BD80-4805-A68E-CA56D5249618}"/>
+                </a:ext>
+                <a:ext uri="{C183D7F6-B498-43B3-948B-1728B52AA6E4}">
+                  <adec:decorative xmlns:adec="http://schemas.microsoft.com/office/drawing/2017/decorative" val="1"/>
+                </a:ext>
+              </a:extLst>
+            </p:cNvPr>
+            <p:cNvCxnSpPr/>
+            <p:nvPr>
+              <p:extLst>
+                <p:ext uri="{386F3935-93C4-4BCD-93E2-E3B085C9AB24}">
+                  <p16:designElem xmlns:p16="http://schemas.microsoft.com/office/powerpoint/2015/main" val="1"/>
+                </p:ext>
+              </p:extLst>
+            </p:nvPr>
+          </p:nvCxnSpPr>
+          <p:spPr>
+            <a:xfrm rot="-4500000" flipH="1">
+              <a:off x="5773263" y="2866860"/>
+              <a:ext cx="3394" cy="182880"/>
+            </a:xfrm>
+            <a:prstGeom prst="line">
+              <a:avLst/>
+            </a:prstGeom>
+            <a:ln>
+              <a:solidFill>
+                <a:srgbClr val="FFFFFF">
+                  <a:alpha val="30196"/>
+                </a:srgbClr>
+              </a:solidFill>
+            </a:ln>
+          </p:spPr>
+          <p:style>
+            <a:lnRef idx="1">
+              <a:schemeClr val="accent1"/>
+            </a:lnRef>
+            <a:fillRef idx="0">
+              <a:schemeClr val="accent1"/>
+            </a:fillRef>
+            <a:effectRef idx="0">
+              <a:schemeClr val="accent1"/>
+            </a:effectRef>
+            <a:fontRef idx="minor">
+              <a:schemeClr val="tx1"/>
+            </a:fontRef>
+          </p:style>
+        </p:cxnSp>
+        <p:cxnSp>
+          <p:nvCxnSpPr>
+            <p:cNvPr id="81" name="Straight Connector 80">
+              <a:extLst>
+                <a:ext uri="{FF2B5EF4-FFF2-40B4-BE49-F238E27FC236}">
+                  <a16:creationId xmlns:a16="http://schemas.microsoft.com/office/drawing/2014/main" id="{1014402D-979B-4D18-9E85-4D8F6C986F44}"/>
+                </a:ext>
+                <a:ext uri="{C183D7F6-B498-43B3-948B-1728B52AA6E4}">
+                  <adec:decorative xmlns:adec="http://schemas.microsoft.com/office/drawing/2017/decorative" val="1"/>
+                </a:ext>
+              </a:extLst>
+            </p:cNvPr>
+            <p:cNvCxnSpPr/>
+            <p:nvPr>
+              <p:extLst>
+                <p:ext uri="{386F3935-93C4-4BCD-93E2-E3B085C9AB24}">
+                  <p16:designElem xmlns:p16="http://schemas.microsoft.com/office/powerpoint/2015/main" val="1"/>
+                </p:ext>
+              </p:extLst>
+            </p:nvPr>
+          </p:nvCxnSpPr>
+          <p:spPr>
+            <a:xfrm rot="-4620000" flipH="1">
+              <a:off x="5735963" y="3002061"/>
+              <a:ext cx="3394" cy="182880"/>
+            </a:xfrm>
+            <a:prstGeom prst="line">
+              <a:avLst/>
+            </a:prstGeom>
+            <a:ln>
+              <a:solidFill>
+                <a:srgbClr val="FFFFFF">
+                  <a:alpha val="30196"/>
+                </a:srgbClr>
+              </a:solidFill>
+            </a:ln>
+          </p:spPr>
+          <p:style>
+            <a:lnRef idx="1">
+              <a:schemeClr val="accent1"/>
+            </a:lnRef>
+            <a:fillRef idx="0">
+              <a:schemeClr val="accent1"/>
+            </a:fillRef>
+            <a:effectRef idx="0">
+              <a:schemeClr val="accent1"/>
+            </a:effectRef>
+            <a:fontRef idx="minor">
+              <a:schemeClr val="tx1"/>
+            </a:fontRef>
+          </p:style>
+        </p:cxnSp>
+        <p:cxnSp>
+          <p:nvCxnSpPr>
+            <p:cNvPr id="82" name="Straight Connector 81">
+              <a:extLst>
+                <a:ext uri="{FF2B5EF4-FFF2-40B4-BE49-F238E27FC236}">
+                  <a16:creationId xmlns:a16="http://schemas.microsoft.com/office/drawing/2014/main" id="{2A04AE49-4B0B-4908-B1DB-480F568D2845}"/>
+                </a:ext>
+                <a:ext uri="{C183D7F6-B498-43B3-948B-1728B52AA6E4}">
+                  <adec:decorative xmlns:adec="http://schemas.microsoft.com/office/drawing/2017/decorative" val="1"/>
+                </a:ext>
+              </a:extLst>
+            </p:cNvPr>
+            <p:cNvCxnSpPr/>
+            <p:nvPr>
+              <p:extLst>
+                <p:ext uri="{386F3935-93C4-4BCD-93E2-E3B085C9AB24}">
+                  <p16:designElem xmlns:p16="http://schemas.microsoft.com/office/powerpoint/2015/main" val="1"/>
+                </p:ext>
+              </p:extLst>
+            </p:nvPr>
+          </p:nvCxnSpPr>
+          <p:spPr>
+            <a:xfrm rot="-4740000" flipH="1">
+              <a:off x="5700105" y="3138910"/>
+              <a:ext cx="3394" cy="182880"/>
+            </a:xfrm>
+            <a:prstGeom prst="line">
+              <a:avLst/>
+            </a:prstGeom>
+            <a:ln>
+              <a:solidFill>
+                <a:srgbClr val="FFFFFF">
+                  <a:alpha val="30196"/>
+                </a:srgbClr>
+              </a:solidFill>
+            </a:ln>
+          </p:spPr>
+          <p:style>
+            <a:lnRef idx="1">
+              <a:schemeClr val="accent1"/>
+            </a:lnRef>
+            <a:fillRef idx="0">
+              <a:schemeClr val="accent1"/>
+            </a:fillRef>
+            <a:effectRef idx="0">
+              <a:schemeClr val="accent1"/>
+            </a:effectRef>
+            <a:fontRef idx="minor">
+              <a:schemeClr val="tx1"/>
+            </a:fontRef>
+          </p:style>
+        </p:cxnSp>
+        <p:cxnSp>
+          <p:nvCxnSpPr>
+            <p:cNvPr id="83" name="Straight Connector 82">
+              <a:extLst>
+                <a:ext uri="{FF2B5EF4-FFF2-40B4-BE49-F238E27FC236}">
+                  <a16:creationId xmlns:a16="http://schemas.microsoft.com/office/drawing/2014/main" id="{3293E6AC-4EF0-4B88-AC7E-BCB112010B64}"/>
+                </a:ext>
+                <a:ext uri="{C183D7F6-B498-43B3-948B-1728B52AA6E4}">
+                  <adec:decorative xmlns:adec="http://schemas.microsoft.com/office/drawing/2017/decorative" val="1"/>
+                </a:ext>
+              </a:extLst>
+            </p:cNvPr>
+            <p:cNvCxnSpPr/>
+            <p:nvPr>
+              <p:extLst>
+                <p:ext uri="{386F3935-93C4-4BCD-93E2-E3B085C9AB24}">
+                  <p16:designElem xmlns:p16="http://schemas.microsoft.com/office/powerpoint/2015/main" val="1"/>
+                </p:ext>
+              </p:extLst>
+            </p:nvPr>
+          </p:nvCxnSpPr>
+          <p:spPr>
+            <a:xfrm rot="-4860000" flipH="1">
+              <a:off x="5665939" y="3275489"/>
+              <a:ext cx="3394" cy="182880"/>
+            </a:xfrm>
+            <a:prstGeom prst="line">
+              <a:avLst/>
+            </a:prstGeom>
+            <a:ln>
+              <a:solidFill>
+                <a:srgbClr val="FFFFFF">
+                  <a:alpha val="30196"/>
+                </a:srgbClr>
+              </a:solidFill>
+            </a:ln>
+          </p:spPr>
+          <p:style>
+            <a:lnRef idx="1">
+              <a:schemeClr val="accent1"/>
+            </a:lnRef>
+            <a:fillRef idx="0">
+              <a:schemeClr val="accent1"/>
+            </a:fillRef>
+            <a:effectRef idx="0">
+              <a:schemeClr val="accent1"/>
+            </a:effectRef>
+            <a:fontRef idx="minor">
+              <a:schemeClr val="tx1"/>
+            </a:fontRef>
+          </p:style>
+        </p:cxnSp>
+        <p:cxnSp>
+          <p:nvCxnSpPr>
+            <p:cNvPr id="84" name="Straight Connector 83">
+              <a:extLst>
+                <a:ext uri="{FF2B5EF4-FFF2-40B4-BE49-F238E27FC236}">
+                  <a16:creationId xmlns:a16="http://schemas.microsoft.com/office/drawing/2014/main" id="{6344B49D-AFCD-4426-AC08-F3128282C344}"/>
+                </a:ext>
+                <a:ext uri="{C183D7F6-B498-43B3-948B-1728B52AA6E4}">
+                  <adec:decorative xmlns:adec="http://schemas.microsoft.com/office/drawing/2017/decorative" val="1"/>
+                </a:ext>
+              </a:extLst>
+            </p:cNvPr>
+            <p:cNvCxnSpPr/>
+            <p:nvPr>
+              <p:extLst>
+                <p:ext uri="{386F3935-93C4-4BCD-93E2-E3B085C9AB24}">
+                  <p16:designElem xmlns:p16="http://schemas.microsoft.com/office/powerpoint/2015/main" val="1"/>
+                </p:ext>
+              </p:extLst>
+            </p:nvPr>
+          </p:nvCxnSpPr>
+          <p:spPr>
+            <a:xfrm rot="-5040000" flipH="1">
+              <a:off x="5644476" y="3414251"/>
+              <a:ext cx="3394" cy="182880"/>
+            </a:xfrm>
+            <a:prstGeom prst="line">
+              <a:avLst/>
+            </a:prstGeom>
+            <a:ln>
+              <a:solidFill>
+                <a:srgbClr val="FFFFFF">
+                  <a:alpha val="30196"/>
+                </a:srgbClr>
+              </a:solidFill>
+            </a:ln>
+          </p:spPr>
+          <p:style>
+            <a:lnRef idx="1">
+              <a:schemeClr val="accent1"/>
+            </a:lnRef>
+            <a:fillRef idx="0">
+              <a:schemeClr val="accent1"/>
+            </a:fillRef>
+            <a:effectRef idx="0">
+              <a:schemeClr val="accent1"/>
+            </a:effectRef>
+            <a:fontRef idx="minor">
+              <a:schemeClr val="tx1"/>
+            </a:fontRef>
+          </p:style>
+        </p:cxnSp>
+        <p:cxnSp>
+          <p:nvCxnSpPr>
+            <p:cNvPr id="85" name="Straight Connector 84">
+              <a:extLst>
+                <a:ext uri="{FF2B5EF4-FFF2-40B4-BE49-F238E27FC236}">
+                  <a16:creationId xmlns:a16="http://schemas.microsoft.com/office/drawing/2014/main" id="{83B776AB-0884-47E4-AC8D-69A19A6103DD}"/>
+                </a:ext>
+                <a:ext uri="{C183D7F6-B498-43B3-948B-1728B52AA6E4}">
+                  <adec:decorative xmlns:adec="http://schemas.microsoft.com/office/drawing/2017/decorative" val="1"/>
+                </a:ext>
+              </a:extLst>
+            </p:cNvPr>
+            <p:cNvCxnSpPr/>
+            <p:nvPr>
+              <p:extLst>
+                <p:ext uri="{386F3935-93C4-4BCD-93E2-E3B085C9AB24}">
+                  <p16:designElem xmlns:p16="http://schemas.microsoft.com/office/powerpoint/2015/main" val="1"/>
+                </p:ext>
+              </p:extLst>
+            </p:nvPr>
+          </p:nvCxnSpPr>
+          <p:spPr>
+            <a:xfrm rot="-5160000" flipH="1">
+              <a:off x="5626530" y="3554628"/>
+              <a:ext cx="3394" cy="182880"/>
+            </a:xfrm>
+            <a:prstGeom prst="line">
+              <a:avLst/>
+            </a:prstGeom>
+            <a:ln>
+              <a:solidFill>
+                <a:srgbClr val="FFFFFF">
+                  <a:alpha val="30196"/>
+                </a:srgbClr>
+              </a:solidFill>
+            </a:ln>
+          </p:spPr>
+          <p:style>
+            <a:lnRef idx="1">
+              <a:schemeClr val="accent1"/>
+            </a:lnRef>
+            <a:fillRef idx="0">
+              <a:schemeClr val="accent1"/>
+            </a:fillRef>
+            <a:effectRef idx="0">
+              <a:schemeClr val="accent1"/>
+            </a:effectRef>
+            <a:fontRef idx="minor">
+              <a:schemeClr val="tx1"/>
+            </a:fontRef>
+          </p:style>
+        </p:cxnSp>
+        <p:cxnSp>
+          <p:nvCxnSpPr>
+            <p:cNvPr id="86" name="Straight Connector 85">
+              <a:extLst>
+                <a:ext uri="{FF2B5EF4-FFF2-40B4-BE49-F238E27FC236}">
+                  <a16:creationId xmlns:a16="http://schemas.microsoft.com/office/drawing/2014/main" id="{01EC5397-87DB-4803-855B-44DFE9BBB81D}"/>
+                </a:ext>
+                <a:ext uri="{C183D7F6-B498-43B3-948B-1728B52AA6E4}">
+                  <adec:decorative xmlns:adec="http://schemas.microsoft.com/office/drawing/2017/decorative" val="1"/>
+                </a:ext>
+              </a:extLst>
+            </p:cNvPr>
+            <p:cNvCxnSpPr/>
+            <p:nvPr>
+              <p:extLst>
+                <p:ext uri="{386F3935-93C4-4BCD-93E2-E3B085C9AB24}">
+                  <p16:designElem xmlns:p16="http://schemas.microsoft.com/office/powerpoint/2015/main" val="1"/>
+                </p:ext>
+              </p:extLst>
+            </p:nvPr>
+          </p:nvCxnSpPr>
+          <p:spPr>
+            <a:xfrm rot="-5280000" flipH="1">
+              <a:off x="5616429" y="3691831"/>
+              <a:ext cx="3394" cy="182880"/>
+            </a:xfrm>
+            <a:prstGeom prst="line">
+              <a:avLst/>
+            </a:prstGeom>
+            <a:ln>
+              <a:solidFill>
+                <a:srgbClr val="FFFFFF">
+                  <a:alpha val="30196"/>
+                </a:srgbClr>
+              </a:solidFill>
+            </a:ln>
+          </p:spPr>
+          <p:style>
+            <a:lnRef idx="1">
+              <a:schemeClr val="accent1"/>
+            </a:lnRef>
+            <a:fillRef idx="0">
+              <a:schemeClr val="accent1"/>
+            </a:fillRef>
+            <a:effectRef idx="0">
+              <a:schemeClr val="accent1"/>
+            </a:effectRef>
+            <a:fontRef idx="minor">
+              <a:schemeClr val="tx1"/>
+            </a:fontRef>
+          </p:style>
+        </p:cxnSp>
+        <p:cxnSp>
+          <p:nvCxnSpPr>
+            <p:cNvPr id="87" name="Straight Connector 86">
+              <a:extLst>
+                <a:ext uri="{FF2B5EF4-FFF2-40B4-BE49-F238E27FC236}">
+                  <a16:creationId xmlns:a16="http://schemas.microsoft.com/office/drawing/2014/main" id="{18EF0075-59DA-4C16-BF01-C65EE2DDD80A}"/>
+                </a:ext>
+                <a:ext uri="{C183D7F6-B498-43B3-948B-1728B52AA6E4}">
+                  <adec:decorative xmlns:adec="http://schemas.microsoft.com/office/drawing/2017/decorative" val="1"/>
+                </a:ext>
+              </a:extLst>
+            </p:cNvPr>
+            <p:cNvCxnSpPr/>
+            <p:nvPr>
+              <p:extLst>
+                <p:ext uri="{386F3935-93C4-4BCD-93E2-E3B085C9AB24}">
+                  <p16:designElem xmlns:p16="http://schemas.microsoft.com/office/powerpoint/2015/main" val="1"/>
+                </p:ext>
+              </p:extLst>
+            </p:nvPr>
+          </p:nvCxnSpPr>
+          <p:spPr>
+            <a:xfrm rot="-5400000" flipH="1">
+              <a:off x="5611319" y="3835374"/>
+              <a:ext cx="3394" cy="182880"/>
+            </a:xfrm>
+            <a:prstGeom prst="line">
+              <a:avLst/>
+            </a:prstGeom>
+            <a:ln>
+              <a:solidFill>
+                <a:srgbClr val="FFFFFF">
+                  <a:alpha val="30196"/>
+                </a:srgbClr>
+              </a:solidFill>
+            </a:ln>
+          </p:spPr>
+          <p:style>
+            <a:lnRef idx="1">
+              <a:schemeClr val="accent1"/>
+            </a:lnRef>
+            <a:fillRef idx="0">
+              <a:schemeClr val="accent1"/>
+            </a:fillRef>
+            <a:effectRef idx="0">
+              <a:schemeClr val="accent1"/>
+            </a:effectRef>
+            <a:fontRef idx="minor">
+              <a:schemeClr val="tx1"/>
+            </a:fontRef>
+          </p:style>
+        </p:cxnSp>
+        <p:cxnSp>
+          <p:nvCxnSpPr>
+            <p:cNvPr id="88" name="Straight Connector 87">
+              <a:extLst>
+                <a:ext uri="{FF2B5EF4-FFF2-40B4-BE49-F238E27FC236}">
+                  <a16:creationId xmlns:a16="http://schemas.microsoft.com/office/drawing/2014/main" id="{9ABF3642-CC62-4EA5-8A59-1AFF97A5608A}"/>
+                </a:ext>
+                <a:ext uri="{C183D7F6-B498-43B3-948B-1728B52AA6E4}">
+                  <adec:decorative xmlns:adec="http://schemas.microsoft.com/office/drawing/2017/decorative" val="1"/>
+                </a:ext>
+              </a:extLst>
+            </p:cNvPr>
+            <p:cNvCxnSpPr/>
+            <p:nvPr>
+              <p:extLst>
+                <p:ext uri="{386F3935-93C4-4BCD-93E2-E3B085C9AB24}">
+                  <p16:designElem xmlns:p16="http://schemas.microsoft.com/office/powerpoint/2015/main" val="1"/>
+                </p:ext>
+              </p:extLst>
+            </p:nvPr>
+          </p:nvCxnSpPr>
+          <p:spPr>
+            <a:xfrm rot="-5580000" flipH="1">
+              <a:off x="5608540" y="3975726"/>
+              <a:ext cx="3394" cy="182880"/>
+            </a:xfrm>
+            <a:prstGeom prst="line">
+              <a:avLst/>
+            </a:prstGeom>
+            <a:ln>
+              <a:solidFill>
+                <a:srgbClr val="FFFFFF">
+                  <a:alpha val="30196"/>
+                </a:srgbClr>
+              </a:solidFill>
+            </a:ln>
+          </p:spPr>
+          <p:style>
+            <a:lnRef idx="1">
+              <a:schemeClr val="accent1"/>
+            </a:lnRef>
+            <a:fillRef idx="0">
+              <a:schemeClr val="accent1"/>
+            </a:fillRef>
+            <a:effectRef idx="0">
+              <a:schemeClr val="accent1"/>
+            </a:effectRef>
+            <a:fontRef idx="minor">
+              <a:schemeClr val="tx1"/>
+            </a:fontRef>
+          </p:style>
+        </p:cxnSp>
+        <p:cxnSp>
+          <p:nvCxnSpPr>
+            <p:cNvPr id="89" name="Straight Connector 88">
+              <a:extLst>
+                <a:ext uri="{FF2B5EF4-FFF2-40B4-BE49-F238E27FC236}">
+                  <a16:creationId xmlns:a16="http://schemas.microsoft.com/office/drawing/2014/main" id="{F7715913-AE6D-4FFC-A6EC-E7EE027D2718}"/>
+                </a:ext>
+                <a:ext uri="{C183D7F6-B498-43B3-948B-1728B52AA6E4}">
+                  <adec:decorative xmlns:adec="http://schemas.microsoft.com/office/drawing/2017/decorative" val="1"/>
+                </a:ext>
+              </a:extLst>
+            </p:cNvPr>
+            <p:cNvCxnSpPr/>
+            <p:nvPr>
+              <p:extLst>
+                <p:ext uri="{386F3935-93C4-4BCD-93E2-E3B085C9AB24}">
+                  <p16:designElem xmlns:p16="http://schemas.microsoft.com/office/powerpoint/2015/main" val="1"/>
+                </p:ext>
+              </p:extLst>
+            </p:nvPr>
+          </p:nvCxnSpPr>
+          <p:spPr>
+            <a:xfrm rot="-5700000" flipH="1">
+              <a:off x="5605761" y="4116078"/>
+              <a:ext cx="3394" cy="182880"/>
+            </a:xfrm>
+            <a:prstGeom prst="line">
+              <a:avLst/>
+            </a:prstGeom>
+            <a:ln>
+              <a:solidFill>
+                <a:srgbClr val="FFFFFF">
+                  <a:alpha val="30196"/>
+                </a:srgbClr>
+              </a:solidFill>
+            </a:ln>
+          </p:spPr>
+          <p:style>
+            <a:lnRef idx="1">
+              <a:schemeClr val="accent1"/>
+            </a:lnRef>
+            <a:fillRef idx="0">
+              <a:schemeClr val="accent1"/>
+            </a:fillRef>
+            <a:effectRef idx="0">
+              <a:schemeClr val="accent1"/>
+            </a:effectRef>
+            <a:fontRef idx="minor">
+              <a:schemeClr val="tx1"/>
+            </a:fontRef>
+          </p:style>
+        </p:cxnSp>
+        <p:cxnSp>
+          <p:nvCxnSpPr>
+            <p:cNvPr id="90" name="Straight Connector 89">
+              <a:extLst>
+                <a:ext uri="{FF2B5EF4-FFF2-40B4-BE49-F238E27FC236}">
+                  <a16:creationId xmlns:a16="http://schemas.microsoft.com/office/drawing/2014/main" id="{46B78CB6-17D0-445E-A523-FD18D3BE29D4}"/>
+                </a:ext>
+                <a:ext uri="{C183D7F6-B498-43B3-948B-1728B52AA6E4}">
+                  <adec:decorative xmlns:adec="http://schemas.microsoft.com/office/drawing/2017/decorative" val="1"/>
+                </a:ext>
+              </a:extLst>
+            </p:cNvPr>
+            <p:cNvCxnSpPr/>
+            <p:nvPr>
+              <p:extLst>
+                <p:ext uri="{386F3935-93C4-4BCD-93E2-E3B085C9AB24}">
+                  <p16:designElem xmlns:p16="http://schemas.microsoft.com/office/powerpoint/2015/main" val="1"/>
+                </p:ext>
+              </p:extLst>
+            </p:nvPr>
+          </p:nvCxnSpPr>
+          <p:spPr>
+            <a:xfrm rot="-5820000" flipH="1">
+              <a:off x="5624195" y="4254218"/>
+              <a:ext cx="3394" cy="182880"/>
+            </a:xfrm>
+            <a:prstGeom prst="line">
+              <a:avLst/>
+            </a:prstGeom>
+            <a:ln>
+              <a:solidFill>
+                <a:srgbClr val="FFFFFF">
+                  <a:alpha val="30196"/>
+                </a:srgbClr>
+              </a:solidFill>
+            </a:ln>
+          </p:spPr>
+          <p:style>
+            <a:lnRef idx="1">
+              <a:schemeClr val="accent1"/>
+            </a:lnRef>
+            <a:fillRef idx="0">
+              <a:schemeClr val="accent1"/>
+            </a:fillRef>
+            <a:effectRef idx="0">
+              <a:schemeClr val="accent1"/>
+            </a:effectRef>
+            <a:fontRef idx="minor">
+              <a:schemeClr val="tx1"/>
+            </a:fontRef>
+          </p:style>
+        </p:cxnSp>
+        <p:cxnSp>
+          <p:nvCxnSpPr>
+            <p:cNvPr id="91" name="Straight Connector 90">
+              <a:extLst>
+                <a:ext uri="{FF2B5EF4-FFF2-40B4-BE49-F238E27FC236}">
+                  <a16:creationId xmlns:a16="http://schemas.microsoft.com/office/drawing/2014/main" id="{783E7655-41DA-4DFA-9DEC-FD37064F0AB2}"/>
+                </a:ext>
+                <a:ext uri="{C183D7F6-B498-43B3-948B-1728B52AA6E4}">
+                  <adec:decorative xmlns:adec="http://schemas.microsoft.com/office/drawing/2017/decorative" val="1"/>
+                </a:ext>
+              </a:extLst>
+            </p:cNvPr>
+            <p:cNvCxnSpPr/>
+            <p:nvPr>
+              <p:extLst>
+                <p:ext uri="{386F3935-93C4-4BCD-93E2-E3B085C9AB24}">
+                  <p16:designElem xmlns:p16="http://schemas.microsoft.com/office/powerpoint/2015/main" val="1"/>
+                </p:ext>
+              </p:extLst>
+            </p:nvPr>
+          </p:nvCxnSpPr>
+          <p:spPr>
+            <a:xfrm rot="-5940000" flipH="1">
+              <a:off x="5642629" y="4392358"/>
+              <a:ext cx="3394" cy="182880"/>
+            </a:xfrm>
+            <a:prstGeom prst="line">
+              <a:avLst/>
+            </a:prstGeom>
+            <a:ln>
+              <a:solidFill>
+                <a:srgbClr val="FFFFFF">
+                  <a:alpha val="30196"/>
+                </a:srgbClr>
+              </a:solidFill>
+            </a:ln>
+          </p:spPr>
+          <p:style>
+            <a:lnRef idx="1">
+              <a:schemeClr val="accent1"/>
+            </a:lnRef>
+            <a:fillRef idx="0">
+              <a:schemeClr val="accent1"/>
+            </a:fillRef>
+            <a:effectRef idx="0">
+              <a:schemeClr val="accent1"/>
+            </a:effectRef>
+            <a:fontRef idx="minor">
+              <a:schemeClr val="tx1"/>
+            </a:fontRef>
+          </p:style>
+        </p:cxnSp>
+        <p:cxnSp>
+          <p:nvCxnSpPr>
+            <p:cNvPr id="92" name="Straight Connector 91">
+              <a:extLst>
+                <a:ext uri="{FF2B5EF4-FFF2-40B4-BE49-F238E27FC236}">
+                  <a16:creationId xmlns:a16="http://schemas.microsoft.com/office/drawing/2014/main" id="{5E953697-F897-4DE0-B735-80C721129E64}"/>
+                </a:ext>
+                <a:ext uri="{C183D7F6-B498-43B3-948B-1728B52AA6E4}">
+                  <adec:decorative xmlns:adec="http://schemas.microsoft.com/office/drawing/2017/decorative" val="1"/>
+                </a:ext>
+              </a:extLst>
+            </p:cNvPr>
+            <p:cNvCxnSpPr/>
+            <p:nvPr>
+              <p:extLst>
+                <p:ext uri="{386F3935-93C4-4BCD-93E2-E3B085C9AB24}">
+                  <p16:designElem xmlns:p16="http://schemas.microsoft.com/office/powerpoint/2015/main" val="1"/>
+                </p:ext>
+              </p:extLst>
+            </p:nvPr>
+          </p:nvCxnSpPr>
+          <p:spPr>
+            <a:xfrm rot="-6120000" flipH="1">
+              <a:off x="5654818" y="4536385"/>
+              <a:ext cx="3394" cy="182880"/>
+            </a:xfrm>
+            <a:prstGeom prst="line">
+              <a:avLst/>
+            </a:prstGeom>
+            <a:ln>
+              <a:solidFill>
+                <a:srgbClr val="FFFFFF">
+                  <a:alpha val="30196"/>
+                </a:srgbClr>
+              </a:solidFill>
+            </a:ln>
+          </p:spPr>
+          <p:style>
+            <a:lnRef idx="1">
+              <a:schemeClr val="accent1"/>
+            </a:lnRef>
+            <a:fillRef idx="0">
+              <a:schemeClr val="accent1"/>
+            </a:fillRef>
+            <a:effectRef idx="0">
+              <a:schemeClr val="accent1"/>
+            </a:effectRef>
+            <a:fontRef idx="minor">
+              <a:schemeClr val="tx1"/>
+            </a:fontRef>
+          </p:style>
+        </p:cxnSp>
+        <p:cxnSp>
+          <p:nvCxnSpPr>
+            <p:cNvPr id="93" name="Straight Connector 92">
+              <a:extLst>
+                <a:ext uri="{FF2B5EF4-FFF2-40B4-BE49-F238E27FC236}">
+                  <a16:creationId xmlns:a16="http://schemas.microsoft.com/office/drawing/2014/main" id="{7C7CED19-0566-4D81-A59A-5A3561F1B70C}"/>
+                </a:ext>
+                <a:ext uri="{C183D7F6-B498-43B3-948B-1728B52AA6E4}">
+                  <adec:decorative xmlns:adec="http://schemas.microsoft.com/office/drawing/2017/decorative" val="1"/>
+                </a:ext>
+              </a:extLst>
+            </p:cNvPr>
+            <p:cNvCxnSpPr/>
+            <p:nvPr>
+              <p:extLst>
+                <p:ext uri="{386F3935-93C4-4BCD-93E2-E3B085C9AB24}">
+                  <p16:designElem xmlns:p16="http://schemas.microsoft.com/office/powerpoint/2015/main" val="1"/>
+                </p:ext>
+              </p:extLst>
+            </p:nvPr>
+          </p:nvCxnSpPr>
+          <p:spPr>
+            <a:xfrm rot="-6240000" flipH="1">
+              <a:off x="5684446" y="4671367"/>
+              <a:ext cx="3394" cy="182880"/>
+            </a:xfrm>
+            <a:prstGeom prst="line">
+              <a:avLst/>
+            </a:prstGeom>
+            <a:ln>
+              <a:solidFill>
+                <a:srgbClr val="FFFFFF">
+                  <a:alpha val="30196"/>
+                </a:srgbClr>
+              </a:solidFill>
+            </a:ln>
+          </p:spPr>
+          <p:style>
+            <a:lnRef idx="1">
+              <a:schemeClr val="accent1"/>
+            </a:lnRef>
+            <a:fillRef idx="0">
+              <a:schemeClr val="accent1"/>
+            </a:fillRef>
+            <a:effectRef idx="0">
+              <a:schemeClr val="accent1"/>
+            </a:effectRef>
+            <a:fontRef idx="minor">
+              <a:schemeClr val="tx1"/>
+            </a:fontRef>
+          </p:style>
+        </p:cxnSp>
+        <p:cxnSp>
+          <p:nvCxnSpPr>
+            <p:cNvPr id="94" name="Straight Connector 93">
+              <a:extLst>
+                <a:ext uri="{FF2B5EF4-FFF2-40B4-BE49-F238E27FC236}">
+                  <a16:creationId xmlns:a16="http://schemas.microsoft.com/office/drawing/2014/main" id="{CE247A59-B18F-4331-BC8D-07C3DA5E8E8C}"/>
+                </a:ext>
+                <a:ext uri="{C183D7F6-B498-43B3-948B-1728B52AA6E4}">
+                  <adec:decorative xmlns:adec="http://schemas.microsoft.com/office/drawing/2017/decorative" val="1"/>
+                </a:ext>
+              </a:extLst>
+            </p:cNvPr>
+            <p:cNvCxnSpPr/>
+            <p:nvPr>
+              <p:extLst>
+                <p:ext uri="{386F3935-93C4-4BCD-93E2-E3B085C9AB24}">
+                  <p16:designElem xmlns:p16="http://schemas.microsoft.com/office/powerpoint/2015/main" val="1"/>
+                </p:ext>
+              </p:extLst>
+            </p:nvPr>
+          </p:nvCxnSpPr>
+          <p:spPr>
+            <a:xfrm rot="-6360000" flipH="1">
+              <a:off x="5714074" y="4808730"/>
+              <a:ext cx="3394" cy="182880"/>
+            </a:xfrm>
+            <a:prstGeom prst="line">
+              <a:avLst/>
+            </a:prstGeom>
+            <a:ln>
+              <a:solidFill>
+                <a:srgbClr val="FFFFFF">
+                  <a:alpha val="30196"/>
+                </a:srgbClr>
+              </a:solidFill>
+            </a:ln>
+          </p:spPr>
+          <p:style>
+            <a:lnRef idx="1">
+              <a:schemeClr val="accent1"/>
+            </a:lnRef>
+            <a:fillRef idx="0">
+              <a:schemeClr val="accent1"/>
+            </a:fillRef>
+            <a:effectRef idx="0">
+              <a:schemeClr val="accent1"/>
+            </a:effectRef>
+            <a:fontRef idx="minor">
+              <a:schemeClr val="tx1"/>
+            </a:fontRef>
+          </p:style>
+        </p:cxnSp>
+        <p:cxnSp>
+          <p:nvCxnSpPr>
+            <p:cNvPr id="95" name="Straight Connector 94">
+              <a:extLst>
+                <a:ext uri="{FF2B5EF4-FFF2-40B4-BE49-F238E27FC236}">
+                  <a16:creationId xmlns:a16="http://schemas.microsoft.com/office/drawing/2014/main" id="{F21C3132-6A07-4EB5-A00C-2176067CB118}"/>
+                </a:ext>
+                <a:ext uri="{C183D7F6-B498-43B3-948B-1728B52AA6E4}">
+                  <adec:decorative xmlns:adec="http://schemas.microsoft.com/office/drawing/2017/decorative" val="1"/>
+                </a:ext>
+              </a:extLst>
+            </p:cNvPr>
+            <p:cNvCxnSpPr/>
+            <p:nvPr>
+              <p:extLst>
+                <p:ext uri="{386F3935-93C4-4BCD-93E2-E3B085C9AB24}">
+                  <p16:designElem xmlns:p16="http://schemas.microsoft.com/office/powerpoint/2015/main" val="1"/>
+                </p:ext>
+              </p:extLst>
+            </p:nvPr>
+          </p:nvCxnSpPr>
+          <p:spPr>
+            <a:xfrm rot="-6480000" flipH="1">
+              <a:off x="5748464" y="4948474"/>
+              <a:ext cx="3394" cy="182880"/>
+            </a:xfrm>
+            <a:prstGeom prst="line">
+              <a:avLst/>
+            </a:prstGeom>
+            <a:ln>
+              <a:solidFill>
+                <a:srgbClr val="FFFFFF">
+                  <a:alpha val="30196"/>
+                </a:srgbClr>
+              </a:solidFill>
+            </a:ln>
+          </p:spPr>
+          <p:style>
+            <a:lnRef idx="1">
+              <a:schemeClr val="accent1"/>
+            </a:lnRef>
+            <a:fillRef idx="0">
+              <a:schemeClr val="accent1"/>
+            </a:fillRef>
+            <a:effectRef idx="0">
+              <a:schemeClr val="accent1"/>
+            </a:effectRef>
+            <a:fontRef idx="minor">
+              <a:schemeClr val="tx1"/>
+            </a:fontRef>
+          </p:style>
+        </p:cxnSp>
+        <p:cxnSp>
+          <p:nvCxnSpPr>
+            <p:cNvPr id="96" name="Straight Connector 95">
+              <a:extLst>
+                <a:ext uri="{FF2B5EF4-FFF2-40B4-BE49-F238E27FC236}">
+                  <a16:creationId xmlns:a16="http://schemas.microsoft.com/office/drawing/2014/main" id="{4067D677-3FA9-4187-B1CA-F6298A917C27}"/>
+                </a:ext>
+                <a:ext uri="{C183D7F6-B498-43B3-948B-1728B52AA6E4}">
+                  <adec:decorative xmlns:adec="http://schemas.microsoft.com/office/drawing/2017/decorative" val="1"/>
+                </a:ext>
+              </a:extLst>
+            </p:cNvPr>
+            <p:cNvCxnSpPr/>
+            <p:nvPr>
+              <p:extLst>
+                <p:ext uri="{386F3935-93C4-4BCD-93E2-E3B085C9AB24}">
+                  <p16:designElem xmlns:p16="http://schemas.microsoft.com/office/powerpoint/2015/main" val="1"/>
+                </p:ext>
+              </p:extLst>
+            </p:nvPr>
+          </p:nvCxnSpPr>
+          <p:spPr>
+            <a:xfrm rot="-6660000" flipH="1">
+              <a:off x="5792091" y="5077607"/>
+              <a:ext cx="3394" cy="182880"/>
+            </a:xfrm>
+            <a:prstGeom prst="line">
+              <a:avLst/>
+            </a:prstGeom>
+            <a:ln>
+              <a:solidFill>
+                <a:srgbClr val="FFFFFF">
+                  <a:alpha val="30196"/>
+                </a:srgbClr>
+              </a:solidFill>
+            </a:ln>
+          </p:spPr>
+          <p:style>
+            <a:lnRef idx="1">
+              <a:schemeClr val="accent1"/>
+            </a:lnRef>
+            <a:fillRef idx="0">
+              <a:schemeClr val="accent1"/>
+            </a:fillRef>
+            <a:effectRef idx="0">
+              <a:schemeClr val="accent1"/>
+            </a:effectRef>
+            <a:fontRef idx="minor">
+              <a:schemeClr val="tx1"/>
+            </a:fontRef>
+          </p:style>
+        </p:cxnSp>
+        <p:cxnSp>
+          <p:nvCxnSpPr>
+            <p:cNvPr id="97" name="Straight Connector 96">
+              <a:extLst>
+                <a:ext uri="{FF2B5EF4-FFF2-40B4-BE49-F238E27FC236}">
+                  <a16:creationId xmlns:a16="http://schemas.microsoft.com/office/drawing/2014/main" id="{82E9FC80-B3E8-47CE-862C-9F6E9E598A41}"/>
+                </a:ext>
+                <a:ext uri="{C183D7F6-B498-43B3-948B-1728B52AA6E4}">
+                  <adec:decorative xmlns:adec="http://schemas.microsoft.com/office/drawing/2017/decorative" val="1"/>
+                </a:ext>
+              </a:extLst>
+            </p:cNvPr>
+            <p:cNvCxnSpPr/>
+            <p:nvPr>
+              <p:extLst>
+                <p:ext uri="{386F3935-93C4-4BCD-93E2-E3B085C9AB24}">
+                  <p16:designElem xmlns:p16="http://schemas.microsoft.com/office/powerpoint/2015/main" val="1"/>
+                </p:ext>
+              </p:extLst>
+            </p:nvPr>
+          </p:nvCxnSpPr>
+          <p:spPr>
+            <a:xfrm rot="-6780000" flipH="1">
+              <a:off x="5847441" y="5211223"/>
+              <a:ext cx="3394" cy="182880"/>
+            </a:xfrm>
+            <a:prstGeom prst="line">
+              <a:avLst/>
+            </a:prstGeom>
+            <a:ln>
+              <a:solidFill>
+                <a:srgbClr val="FFFFFF">
+                  <a:alpha val="30196"/>
+                </a:srgbClr>
+              </a:solidFill>
+            </a:ln>
+          </p:spPr>
+          <p:style>
+            <a:lnRef idx="1">
+              <a:schemeClr val="accent1"/>
+            </a:lnRef>
+            <a:fillRef idx="0">
+              <a:schemeClr val="accent1"/>
+            </a:fillRef>
+            <a:effectRef idx="0">
+              <a:schemeClr val="accent1"/>
+            </a:effectRef>
+            <a:fontRef idx="minor">
+              <a:schemeClr val="tx1"/>
+            </a:fontRef>
+          </p:style>
+        </p:cxnSp>
+        <p:cxnSp>
+          <p:nvCxnSpPr>
+            <p:cNvPr id="98" name="Straight Connector 97">
+              <a:extLst>
+                <a:ext uri="{FF2B5EF4-FFF2-40B4-BE49-F238E27FC236}">
+                  <a16:creationId xmlns:a16="http://schemas.microsoft.com/office/drawing/2014/main" id="{2D383F3C-A57C-472A-9E05-CCD8A4F8E507}"/>
+                </a:ext>
+                <a:ext uri="{C183D7F6-B498-43B3-948B-1728B52AA6E4}">
+                  <adec:decorative xmlns:adec="http://schemas.microsoft.com/office/drawing/2017/decorative" val="1"/>
+                </a:ext>
+              </a:extLst>
+            </p:cNvPr>
+            <p:cNvCxnSpPr/>
+            <p:nvPr>
+              <p:extLst>
+                <p:ext uri="{386F3935-93C4-4BCD-93E2-E3B085C9AB24}">
+                  <p16:designElem xmlns:p16="http://schemas.microsoft.com/office/powerpoint/2015/main" val="1"/>
+                </p:ext>
+              </p:extLst>
+            </p:nvPr>
+          </p:nvCxnSpPr>
+          <p:spPr>
+            <a:xfrm rot="-6900000" flipH="1">
+              <a:off x="5900410" y="5342458"/>
+              <a:ext cx="3394" cy="182880"/>
+            </a:xfrm>
+            <a:prstGeom prst="line">
+              <a:avLst/>
+            </a:prstGeom>
+            <a:ln>
+              <a:solidFill>
+                <a:srgbClr val="FFFFFF">
+                  <a:alpha val="30196"/>
+                </a:srgbClr>
+              </a:solidFill>
+            </a:ln>
+          </p:spPr>
+          <p:style>
+            <a:lnRef idx="1">
+              <a:schemeClr val="accent1"/>
+            </a:lnRef>
+            <a:fillRef idx="0">
+              <a:schemeClr val="accent1"/>
+            </a:fillRef>
+            <a:effectRef idx="0">
+              <a:schemeClr val="accent1"/>
+            </a:effectRef>
+            <a:fontRef idx="minor">
+              <a:schemeClr val="tx1"/>
+            </a:fontRef>
+          </p:style>
+        </p:cxnSp>
+        <p:cxnSp>
+          <p:nvCxnSpPr>
+            <p:cNvPr id="99" name="Straight Connector 98">
+              <a:extLst>
+                <a:ext uri="{FF2B5EF4-FFF2-40B4-BE49-F238E27FC236}">
+                  <a16:creationId xmlns:a16="http://schemas.microsoft.com/office/drawing/2014/main" id="{E534D376-6ABA-4DF9-BBEA-EB5A88180432}"/>
+                </a:ext>
+                <a:ext uri="{C183D7F6-B498-43B3-948B-1728B52AA6E4}">
+                  <adec:decorative xmlns:adec="http://schemas.microsoft.com/office/drawing/2017/decorative" val="1"/>
+                </a:ext>
+              </a:extLst>
+            </p:cNvPr>
+            <p:cNvCxnSpPr/>
+            <p:nvPr>
+              <p:extLst>
+                <p:ext uri="{386F3935-93C4-4BCD-93E2-E3B085C9AB24}">
+                  <p16:designElem xmlns:p16="http://schemas.microsoft.com/office/powerpoint/2015/main" val="1"/>
+                </p:ext>
+              </p:extLst>
+            </p:nvPr>
+          </p:nvCxnSpPr>
+          <p:spPr>
+            <a:xfrm rot="-7020000" flipH="1">
+              <a:off x="5955760" y="5473693"/>
+              <a:ext cx="3394" cy="182880"/>
+            </a:xfrm>
+            <a:prstGeom prst="line">
+              <a:avLst/>
+            </a:prstGeom>
+            <a:ln>
+              <a:solidFill>
+                <a:srgbClr val="FFFFFF">
+                  <a:alpha val="30196"/>
+                </a:srgbClr>
+              </a:solidFill>
+            </a:ln>
+          </p:spPr>
+          <p:style>
+            <a:lnRef idx="1">
+              <a:schemeClr val="accent1"/>
+            </a:lnRef>
+            <a:fillRef idx="0">
+              <a:schemeClr val="accent1"/>
+            </a:fillRef>
+            <a:effectRef idx="0">
+              <a:schemeClr val="accent1"/>
+            </a:effectRef>
+            <a:fontRef idx="minor">
+              <a:schemeClr val="tx1"/>
+            </a:fontRef>
+          </p:style>
+        </p:cxnSp>
+      </p:grpSp>
+      <p:pic>
+        <p:nvPicPr>
+          <p:cNvPr id="4" name="Picture 3">
+            <a:extLst>
+              <a:ext uri="{FF2B5EF4-FFF2-40B4-BE49-F238E27FC236}">
+                <a16:creationId xmlns:a16="http://schemas.microsoft.com/office/drawing/2014/main" id="{2BB64D50-2612-E1AB-3582-3EC0F25781DD}"/>
+              </a:ext>
+            </a:extLst>
+          </p:cNvPr>
+          <p:cNvPicPr>
+            <a:picLocks noChangeAspect="1"/>
+          </p:cNvPicPr>
+          <p:nvPr/>
+        </p:nvPicPr>
+        <p:blipFill>
+          <a:blip r:embed="rId4"/>
+          <a:stretch>
+            <a:fillRect/>
+          </a:stretch>
+        </p:blipFill>
+        <p:spPr>
+          <a:xfrm>
+            <a:off x="550343" y="302887"/>
+            <a:ext cx="2445296" cy="3054381"/>
+          </a:xfrm>
+          <a:prstGeom prst="rect">
+            <a:avLst/>
+          </a:prstGeom>
+          <a:solidFill>
+            <a:srgbClr val="FFFFFF">
+              <a:shade val="85000"/>
+            </a:srgbClr>
+          </a:solidFill>
+        </p:spPr>
+      </p:pic>
+      <p:sp>
+        <p:nvSpPr>
+          <p:cNvPr id="7" name="TextBox 6">
+            <a:extLst>
+              <a:ext uri="{FF2B5EF4-FFF2-40B4-BE49-F238E27FC236}">
+                <a16:creationId xmlns:a16="http://schemas.microsoft.com/office/drawing/2014/main" id="{EC30F526-AE41-E2C2-352A-037BA5C2D2A9}"/>
+              </a:ext>
+            </a:extLst>
+          </p:cNvPr>
+          <p:cNvSpPr txBox="1"/>
+          <p:nvPr/>
+        </p:nvSpPr>
+        <p:spPr>
+          <a:xfrm>
+            <a:off x="3029199" y="306246"/>
+            <a:ext cx="1742786" cy="1323439"/>
+          </a:xfrm>
+          <a:prstGeom prst="rect">
+            <a:avLst/>
+          </a:prstGeom>
+          <a:noFill/>
+        </p:spPr>
+        <p:txBody>
+          <a:bodyPr wrap="none" rtlCol="0">
+            <a:spAutoFit/>
+          </a:bodyPr>
+          <a:lstStyle/>
+          <a:p>
+            <a:pPr algn="ctr"/>
+            <a:r>
+              <a:rPr lang="en-US" sz="8000" dirty="0">
+                <a:solidFill>
+                  <a:schemeClr val="bg1"/>
+                </a:solidFill>
+              </a:rPr>
+              <a:t>003</a:t>
+            </a:r>
+          </a:p>
+        </p:txBody>
+      </p:sp>
+      <p:pic>
+        <p:nvPicPr>
+          <p:cNvPr id="10" name="Picture 9">
+            <a:extLst>
+              <a:ext uri="{FF2B5EF4-FFF2-40B4-BE49-F238E27FC236}">
+                <a16:creationId xmlns:a16="http://schemas.microsoft.com/office/drawing/2014/main" id="{E48F5147-C8E0-A152-44DB-A337E02ADE52}"/>
+              </a:ext>
+            </a:extLst>
+          </p:cNvPr>
+          <p:cNvPicPr>
+            <a:picLocks noChangeAspect="1"/>
+          </p:cNvPicPr>
+          <p:nvPr/>
+        </p:nvPicPr>
+        <p:blipFill>
+          <a:blip r:embed="rId5"/>
+          <a:stretch>
+            <a:fillRect/>
+          </a:stretch>
+        </p:blipFill>
+        <p:spPr>
+          <a:xfrm>
+            <a:off x="6928399" y="1641526"/>
+            <a:ext cx="4571410" cy="4752970"/>
+          </a:xfrm>
+          <a:prstGeom prst="rect">
+            <a:avLst/>
+          </a:prstGeom>
+          <a:ln>
+            <a:noFill/>
+          </a:ln>
+          <a:effectLst>
+            <a:outerShdw blurRad="292100" dist="139700" dir="2700000" algn="tl" rotWithShape="0">
+              <a:srgbClr val="333333">
+                <a:alpha val="65000"/>
+              </a:srgbClr>
+            </a:outerShdw>
+          </a:effectLst>
+        </p:spPr>
+      </p:pic>
+    </p:spTree>
+    <p:extLst>
+      <p:ext uri="{BB962C8B-B14F-4D97-AF65-F5344CB8AC3E}">
+        <p14:creationId xmlns:p14="http://schemas.microsoft.com/office/powerpoint/2010/main" val="908896336"/>
+      </p:ext>
+    </p:extLst>
+  </p:cSld>
+  <p:clrMapOvr>
+    <a:overrideClrMapping bg1="lt1" tx1="dk1" bg2="lt2" tx2="dk2" accent1="accent1" accent2="accent2" accent3="accent3" accent4="accent4" accent5="accent5" accent6="accent6" hlink="hlink" folHlink="folHlink"/>
   </p:clrMapOvr>
 </p:sld>
 </file>

--- a/Processing_创意编程.pptx
+++ b/Processing_创意编程.pptx
@@ -5,15 +5,17 @@
     <p:sldMasterId id="2147483744" r:id="rId4"/>
   </p:sldMasterIdLst>
   <p:notesMasterIdLst>
-    <p:notesMasterId r:id="rId8"/>
+    <p:notesMasterId r:id="rId10"/>
   </p:notesMasterIdLst>
   <p:handoutMasterIdLst>
-    <p:handoutMasterId r:id="rId9"/>
+    <p:handoutMasterId r:id="rId11"/>
   </p:handoutMasterIdLst>
   <p:sldIdLst>
     <p:sldId id="256" r:id="rId5"/>
     <p:sldId id="257" r:id="rId6"/>
     <p:sldId id="258" r:id="rId7"/>
+    <p:sldId id="259" r:id="rId8"/>
+    <p:sldId id="260" r:id="rId9"/>
   </p:sldIdLst>
   <p:sldSz cx="12192000" cy="6858000"/>
   <p:notesSz cx="6858000" cy="9144000"/>
@@ -16528,6 +16530,624 @@
 </p:sld>
 </file>
 
+<file path=ppt/slides/slide4.xml><?xml version="1.0" encoding="utf-8"?>
+<p:sld xmlns:a="http://schemas.openxmlformats.org/drawingml/2006/main" xmlns:r="http://schemas.openxmlformats.org/officeDocument/2006/relationships" xmlns:p="http://schemas.openxmlformats.org/presentationml/2006/main">
+  <p:cSld>
+    <p:spTree>
+      <p:nvGrpSpPr>
+        <p:cNvPr id="1" name=""/>
+        <p:cNvGrpSpPr/>
+        <p:nvPr/>
+      </p:nvGrpSpPr>
+      <p:grpSpPr>
+        <a:xfrm>
+          <a:off x="0" y="0"/>
+          <a:ext cx="0" cy="0"/>
+          <a:chOff x="0" y="0"/>
+          <a:chExt cx="0" cy="0"/>
+        </a:xfrm>
+      </p:grpSpPr>
+      <p:sp>
+        <p:nvSpPr>
+          <p:cNvPr id="5" name="Title 4">
+            <a:extLst>
+              <a:ext uri="{FF2B5EF4-FFF2-40B4-BE49-F238E27FC236}">
+                <a16:creationId xmlns:a16="http://schemas.microsoft.com/office/drawing/2014/main" id="{F658C86E-4204-9782-02DC-6BBD4E5ED57D}"/>
+              </a:ext>
+            </a:extLst>
+          </p:cNvPr>
+          <p:cNvSpPr>
+            <a:spLocks noGrp="1"/>
+          </p:cNvSpPr>
+          <p:nvPr>
+            <p:ph type="title"/>
+          </p:nvPr>
+        </p:nvSpPr>
+        <p:spPr>
+          <a:xfrm>
+            <a:off x="568031" y="3536903"/>
+            <a:ext cx="5196272" cy="1576276"/>
+          </a:xfrm>
+        </p:spPr>
+        <p:txBody>
+          <a:bodyPr vert="horz" lIns="91440" tIns="45720" rIns="91440" bIns="45720" rtlCol="0" anchor="b">
+            <a:normAutofit/>
+          </a:bodyPr>
+          <a:lstStyle/>
+          <a:p>
+            <a:r>
+              <a:rPr lang="en-US" sz="4400" dirty="0">
+                <a:solidFill>
+                  <a:srgbClr val="FFFFFF"/>
+                </a:solidFill>
+              </a:rPr>
+              <a:t>Processing </a:t>
+            </a:r>
+            <a:br>
+              <a:rPr lang="en-US" sz="4400" dirty="0">
+                <a:solidFill>
+                  <a:srgbClr val="FFFFFF"/>
+                </a:solidFill>
+              </a:rPr>
+            </a:br>
+            <a:r>
+              <a:rPr lang="zh-CN" altLang="en-US" sz="4400" dirty="0">
+                <a:solidFill>
+                  <a:srgbClr val="FFFFFF"/>
+                </a:solidFill>
+              </a:rPr>
+              <a:t>点 </a:t>
+            </a:r>
+            <a:r>
+              <a:rPr lang="en-US" altLang="zh-CN" sz="4400" dirty="0">
+                <a:solidFill>
+                  <a:srgbClr val="FFFFFF"/>
+                </a:solidFill>
+              </a:rPr>
+              <a:t>Point</a:t>
+            </a:r>
+            <a:endParaRPr lang="en-US" sz="4400" dirty="0">
+              <a:solidFill>
+                <a:srgbClr val="FFFFFF"/>
+              </a:solidFill>
+            </a:endParaRPr>
+          </a:p>
+        </p:txBody>
+      </p:sp>
+      <p:sp>
+        <p:nvSpPr>
+          <p:cNvPr id="6" name="Text Placeholder 5">
+            <a:extLst>
+              <a:ext uri="{FF2B5EF4-FFF2-40B4-BE49-F238E27FC236}">
+                <a16:creationId xmlns:a16="http://schemas.microsoft.com/office/drawing/2014/main" id="{0948C32B-C854-A931-D9ED-1A29A8A882CA}"/>
+              </a:ext>
+            </a:extLst>
+          </p:cNvPr>
+          <p:cNvSpPr>
+            <a:spLocks noGrp="1"/>
+          </p:cNvSpPr>
+          <p:nvPr>
+            <p:ph type="body" idx="1"/>
+          </p:nvPr>
+        </p:nvSpPr>
+        <p:spPr>
+          <a:xfrm>
+            <a:off x="29384" y="5805023"/>
+            <a:ext cx="6259035" cy="435206"/>
+          </a:xfrm>
+        </p:spPr>
+        <p:txBody>
+          <a:bodyPr vert="horz" lIns="91440" tIns="45720" rIns="91440" bIns="45720" rtlCol="0" anchor="t">
+            <a:normAutofit fontScale="92500" lnSpcReduction="20000"/>
+          </a:bodyPr>
+          <a:lstStyle/>
+          <a:p>
+            <a:pPr algn="r"/>
+            <a:r>
+              <a:rPr lang="en-US" sz="1800" b="1" dirty="0">
+                <a:hlinkClick r:id="rId2"/>
+              </a:rPr>
+              <a:t>https://github.com/yasenstar/Processing_Programming</a:t>
+            </a:r>
+            <a:endParaRPr lang="en-US" sz="1800" b="1" dirty="0">
+              <a:solidFill>
+                <a:srgbClr val="FFFFFF"/>
+              </a:solidFill>
+            </a:endParaRPr>
+          </a:p>
+          <a:p>
+            <a:pPr algn="r"/>
+            <a:endParaRPr lang="en-US" sz="1800" b="1" dirty="0"/>
+          </a:p>
+        </p:txBody>
+      </p:sp>
+      <p:pic>
+        <p:nvPicPr>
+          <p:cNvPr id="4" name="Picture 3">
+            <a:extLst>
+              <a:ext uri="{FF2B5EF4-FFF2-40B4-BE49-F238E27FC236}">
+                <a16:creationId xmlns:a16="http://schemas.microsoft.com/office/drawing/2014/main" id="{2BB64D50-2612-E1AB-3582-3EC0F25781DD}"/>
+              </a:ext>
+            </a:extLst>
+          </p:cNvPr>
+          <p:cNvPicPr>
+            <a:picLocks noChangeAspect="1"/>
+          </p:cNvPicPr>
+          <p:nvPr/>
+        </p:nvPicPr>
+        <p:blipFill>
+          <a:blip r:embed="rId3"/>
+          <a:stretch>
+            <a:fillRect/>
+          </a:stretch>
+        </p:blipFill>
+        <p:spPr>
+          <a:xfrm>
+            <a:off x="550343" y="302887"/>
+            <a:ext cx="2445296" cy="3054381"/>
+          </a:xfrm>
+          <a:prstGeom prst="rect">
+            <a:avLst/>
+          </a:prstGeom>
+          <a:solidFill>
+            <a:srgbClr val="FFFFFF">
+              <a:shade val="85000"/>
+            </a:srgbClr>
+          </a:solidFill>
+        </p:spPr>
+      </p:pic>
+      <p:sp>
+        <p:nvSpPr>
+          <p:cNvPr id="7" name="TextBox 6">
+            <a:extLst>
+              <a:ext uri="{FF2B5EF4-FFF2-40B4-BE49-F238E27FC236}">
+                <a16:creationId xmlns:a16="http://schemas.microsoft.com/office/drawing/2014/main" id="{EC30F526-AE41-E2C2-352A-037BA5C2D2A9}"/>
+              </a:ext>
+            </a:extLst>
+          </p:cNvPr>
+          <p:cNvSpPr txBox="1"/>
+          <p:nvPr/>
+        </p:nvSpPr>
+        <p:spPr>
+          <a:xfrm>
+            <a:off x="3029200" y="306246"/>
+            <a:ext cx="1742785" cy="1323439"/>
+          </a:xfrm>
+          <a:prstGeom prst="rect">
+            <a:avLst/>
+          </a:prstGeom>
+          <a:noFill/>
+        </p:spPr>
+        <p:txBody>
+          <a:bodyPr wrap="none" rtlCol="0">
+            <a:spAutoFit/>
+          </a:bodyPr>
+          <a:lstStyle/>
+          <a:p>
+            <a:pPr algn="ctr"/>
+            <a:r>
+              <a:rPr lang="en-US" sz="8000" dirty="0"/>
+              <a:t>004</a:t>
+            </a:r>
+          </a:p>
+        </p:txBody>
+      </p:sp>
+      <p:pic>
+        <p:nvPicPr>
+          <p:cNvPr id="3" name="Picture 2">
+            <a:extLst>
+              <a:ext uri="{FF2B5EF4-FFF2-40B4-BE49-F238E27FC236}">
+                <a16:creationId xmlns:a16="http://schemas.microsoft.com/office/drawing/2014/main" id="{F51AD2B4-29E3-7290-D683-AA319D5A6BD7}"/>
+              </a:ext>
+            </a:extLst>
+          </p:cNvPr>
+          <p:cNvPicPr>
+            <a:picLocks noChangeAspect="1"/>
+          </p:cNvPicPr>
+          <p:nvPr/>
+        </p:nvPicPr>
+        <p:blipFill>
+          <a:blip r:embed="rId4"/>
+          <a:stretch>
+            <a:fillRect/>
+          </a:stretch>
+        </p:blipFill>
+        <p:spPr>
+          <a:xfrm>
+            <a:off x="4063627" y="1528062"/>
+            <a:ext cx="7652403" cy="3801875"/>
+          </a:xfrm>
+          <a:prstGeom prst="rect">
+            <a:avLst/>
+          </a:prstGeom>
+          <a:ln>
+            <a:noFill/>
+          </a:ln>
+          <a:effectLst>
+            <a:outerShdw blurRad="292100" dist="139700" dir="2700000" algn="tl" rotWithShape="0">
+              <a:srgbClr val="333333">
+                <a:alpha val="65000"/>
+              </a:srgbClr>
+            </a:outerShdw>
+          </a:effectLst>
+        </p:spPr>
+      </p:pic>
+      <p:sp>
+        <p:nvSpPr>
+          <p:cNvPr id="8" name="Rectangle: Rounded Corners 7">
+            <a:extLst>
+              <a:ext uri="{FF2B5EF4-FFF2-40B4-BE49-F238E27FC236}">
+                <a16:creationId xmlns:a16="http://schemas.microsoft.com/office/drawing/2014/main" id="{2C0EB603-92E7-8307-088A-9CF94AE03B89}"/>
+              </a:ext>
+            </a:extLst>
+          </p:cNvPr>
+          <p:cNvSpPr/>
+          <p:nvPr/>
+        </p:nvSpPr>
+        <p:spPr>
+          <a:xfrm>
+            <a:off x="6427699" y="1927412"/>
+            <a:ext cx="5109877" cy="699247"/>
+          </a:xfrm>
+          <a:prstGeom prst="roundRect">
+            <a:avLst>
+              <a:gd name="adj" fmla="val 6410"/>
+            </a:avLst>
+          </a:prstGeom>
+          <a:noFill/>
+          <a:ln w="57150">
+            <a:solidFill>
+              <a:schemeClr val="accent1"/>
+            </a:solidFill>
+          </a:ln>
+        </p:spPr>
+        <p:style>
+          <a:lnRef idx="2">
+            <a:schemeClr val="accent1">
+              <a:shade val="15000"/>
+            </a:schemeClr>
+          </a:lnRef>
+          <a:fillRef idx="1">
+            <a:schemeClr val="accent1"/>
+          </a:fillRef>
+          <a:effectRef idx="0">
+            <a:schemeClr val="accent1"/>
+          </a:effectRef>
+          <a:fontRef idx="minor">
+            <a:schemeClr val="lt1"/>
+          </a:fontRef>
+        </p:style>
+        <p:txBody>
+          <a:bodyPr rtlCol="0" anchor="ctr"/>
+          <a:lstStyle/>
+          <a:p>
+            <a:pPr algn="ctr"/>
+            <a:endParaRPr lang="en-US"/>
+          </a:p>
+        </p:txBody>
+      </p:sp>
+    </p:spTree>
+    <p:extLst>
+      <p:ext uri="{BB962C8B-B14F-4D97-AF65-F5344CB8AC3E}">
+        <p14:creationId xmlns:p14="http://schemas.microsoft.com/office/powerpoint/2010/main" val="3732279348"/>
+      </p:ext>
+    </p:extLst>
+  </p:cSld>
+  <p:clrMapOvr>
+    <a:masterClrMapping/>
+  </p:clrMapOvr>
+</p:sld>
+</file>
+
+<file path=ppt/slides/slide5.xml><?xml version="1.0" encoding="utf-8"?>
+<p:sld xmlns:a="http://schemas.openxmlformats.org/drawingml/2006/main" xmlns:r="http://schemas.openxmlformats.org/officeDocument/2006/relationships" xmlns:p="http://schemas.openxmlformats.org/presentationml/2006/main">
+  <p:cSld>
+    <p:spTree>
+      <p:nvGrpSpPr>
+        <p:cNvPr id="1" name=""/>
+        <p:cNvGrpSpPr/>
+        <p:nvPr/>
+      </p:nvGrpSpPr>
+      <p:grpSpPr>
+        <a:xfrm>
+          <a:off x="0" y="0"/>
+          <a:ext cx="0" cy="0"/>
+          <a:chOff x="0" y="0"/>
+          <a:chExt cx="0" cy="0"/>
+        </a:xfrm>
+      </p:grpSpPr>
+      <p:sp>
+        <p:nvSpPr>
+          <p:cNvPr id="5" name="Title 4">
+            <a:extLst>
+              <a:ext uri="{FF2B5EF4-FFF2-40B4-BE49-F238E27FC236}">
+                <a16:creationId xmlns:a16="http://schemas.microsoft.com/office/drawing/2014/main" id="{F658C86E-4204-9782-02DC-6BBD4E5ED57D}"/>
+              </a:ext>
+            </a:extLst>
+          </p:cNvPr>
+          <p:cNvSpPr>
+            <a:spLocks noGrp="1"/>
+          </p:cNvSpPr>
+          <p:nvPr>
+            <p:ph type="title"/>
+          </p:nvPr>
+        </p:nvSpPr>
+        <p:spPr>
+          <a:xfrm>
+            <a:off x="568031" y="3536903"/>
+            <a:ext cx="5196272" cy="1576276"/>
+          </a:xfrm>
+        </p:spPr>
+        <p:txBody>
+          <a:bodyPr vert="horz" lIns="91440" tIns="45720" rIns="91440" bIns="45720" rtlCol="0" anchor="b">
+            <a:normAutofit/>
+          </a:bodyPr>
+          <a:lstStyle/>
+          <a:p>
+            <a:r>
+              <a:rPr lang="en-US" sz="4400" dirty="0">
+                <a:solidFill>
+                  <a:srgbClr val="FFFFFF"/>
+                </a:solidFill>
+              </a:rPr>
+              <a:t>Processing </a:t>
+            </a:r>
+            <a:br>
+              <a:rPr lang="en-US" sz="4400" dirty="0">
+                <a:solidFill>
+                  <a:srgbClr val="FFFFFF"/>
+                </a:solidFill>
+              </a:rPr>
+            </a:br>
+            <a:r>
+              <a:rPr lang="zh-CN" altLang="en-US" sz="4400" dirty="0">
+                <a:solidFill>
+                  <a:srgbClr val="FFFFFF"/>
+                </a:solidFill>
+              </a:rPr>
+              <a:t>点 </a:t>
+            </a:r>
+            <a:r>
+              <a:rPr lang="en-US" altLang="zh-CN" sz="4400" dirty="0">
+                <a:solidFill>
+                  <a:srgbClr val="FFFFFF"/>
+                </a:solidFill>
+              </a:rPr>
+              <a:t>Point</a:t>
+            </a:r>
+            <a:endParaRPr lang="en-US" sz="4400" dirty="0">
+              <a:solidFill>
+                <a:srgbClr val="FFFFFF"/>
+              </a:solidFill>
+            </a:endParaRPr>
+          </a:p>
+        </p:txBody>
+      </p:sp>
+      <p:sp>
+        <p:nvSpPr>
+          <p:cNvPr id="6" name="Text Placeholder 5">
+            <a:extLst>
+              <a:ext uri="{FF2B5EF4-FFF2-40B4-BE49-F238E27FC236}">
+                <a16:creationId xmlns:a16="http://schemas.microsoft.com/office/drawing/2014/main" id="{0948C32B-C854-A931-D9ED-1A29A8A882CA}"/>
+              </a:ext>
+            </a:extLst>
+          </p:cNvPr>
+          <p:cNvSpPr>
+            <a:spLocks noGrp="1"/>
+          </p:cNvSpPr>
+          <p:nvPr>
+            <p:ph type="body" idx="1"/>
+          </p:nvPr>
+        </p:nvSpPr>
+        <p:spPr>
+          <a:xfrm>
+            <a:off x="29384" y="5805023"/>
+            <a:ext cx="6259035" cy="435206"/>
+          </a:xfrm>
+        </p:spPr>
+        <p:txBody>
+          <a:bodyPr vert="horz" lIns="91440" tIns="45720" rIns="91440" bIns="45720" rtlCol="0" anchor="t">
+            <a:normAutofit fontScale="92500" lnSpcReduction="20000"/>
+          </a:bodyPr>
+          <a:lstStyle/>
+          <a:p>
+            <a:pPr algn="r"/>
+            <a:r>
+              <a:rPr lang="en-US" sz="1800" b="1" dirty="0">
+                <a:hlinkClick r:id="rId2"/>
+              </a:rPr>
+              <a:t>https://github.com/yasenstar/Processing_Programming</a:t>
+            </a:r>
+            <a:endParaRPr lang="en-US" sz="1800" b="1" dirty="0">
+              <a:solidFill>
+                <a:srgbClr val="FFFFFF"/>
+              </a:solidFill>
+            </a:endParaRPr>
+          </a:p>
+          <a:p>
+            <a:pPr algn="r"/>
+            <a:endParaRPr lang="en-US" sz="1800" b="1" dirty="0"/>
+          </a:p>
+        </p:txBody>
+      </p:sp>
+      <p:pic>
+        <p:nvPicPr>
+          <p:cNvPr id="4" name="Picture 3">
+            <a:extLst>
+              <a:ext uri="{FF2B5EF4-FFF2-40B4-BE49-F238E27FC236}">
+                <a16:creationId xmlns:a16="http://schemas.microsoft.com/office/drawing/2014/main" id="{2BB64D50-2612-E1AB-3582-3EC0F25781DD}"/>
+              </a:ext>
+            </a:extLst>
+          </p:cNvPr>
+          <p:cNvPicPr>
+            <a:picLocks noChangeAspect="1"/>
+          </p:cNvPicPr>
+          <p:nvPr/>
+        </p:nvPicPr>
+        <p:blipFill>
+          <a:blip r:embed="rId3"/>
+          <a:stretch>
+            <a:fillRect/>
+          </a:stretch>
+        </p:blipFill>
+        <p:spPr>
+          <a:xfrm>
+            <a:off x="550343" y="302887"/>
+            <a:ext cx="2445296" cy="3054381"/>
+          </a:xfrm>
+          <a:prstGeom prst="rect">
+            <a:avLst/>
+          </a:prstGeom>
+          <a:solidFill>
+            <a:srgbClr val="FFFFFF">
+              <a:shade val="85000"/>
+            </a:srgbClr>
+          </a:solidFill>
+        </p:spPr>
+      </p:pic>
+      <p:sp>
+        <p:nvSpPr>
+          <p:cNvPr id="7" name="TextBox 6">
+            <a:extLst>
+              <a:ext uri="{FF2B5EF4-FFF2-40B4-BE49-F238E27FC236}">
+                <a16:creationId xmlns:a16="http://schemas.microsoft.com/office/drawing/2014/main" id="{EC30F526-AE41-E2C2-352A-037BA5C2D2A9}"/>
+              </a:ext>
+            </a:extLst>
+          </p:cNvPr>
+          <p:cNvSpPr txBox="1"/>
+          <p:nvPr/>
+        </p:nvSpPr>
+        <p:spPr>
+          <a:xfrm>
+            <a:off x="3029200" y="306246"/>
+            <a:ext cx="1742785" cy="1323439"/>
+          </a:xfrm>
+          <a:prstGeom prst="rect">
+            <a:avLst/>
+          </a:prstGeom>
+          <a:noFill/>
+        </p:spPr>
+        <p:txBody>
+          <a:bodyPr wrap="none" rtlCol="0">
+            <a:spAutoFit/>
+          </a:bodyPr>
+          <a:lstStyle/>
+          <a:p>
+            <a:pPr algn="ctr"/>
+            <a:r>
+              <a:rPr lang="en-US" sz="8000" dirty="0"/>
+              <a:t>005</a:t>
+            </a:r>
+          </a:p>
+        </p:txBody>
+      </p:sp>
+      <p:pic>
+        <p:nvPicPr>
+          <p:cNvPr id="3" name="Picture 2">
+            <a:extLst>
+              <a:ext uri="{FF2B5EF4-FFF2-40B4-BE49-F238E27FC236}">
+                <a16:creationId xmlns:a16="http://schemas.microsoft.com/office/drawing/2014/main" id="{F51AD2B4-29E3-7290-D683-AA319D5A6BD7}"/>
+              </a:ext>
+            </a:extLst>
+          </p:cNvPr>
+          <p:cNvPicPr>
+            <a:picLocks noChangeAspect="1"/>
+          </p:cNvPicPr>
+          <p:nvPr/>
+        </p:nvPicPr>
+        <p:blipFill>
+          <a:blip r:embed="rId4"/>
+          <a:stretch>
+            <a:fillRect/>
+          </a:stretch>
+        </p:blipFill>
+        <p:spPr>
+          <a:xfrm>
+            <a:off x="4063627" y="1528062"/>
+            <a:ext cx="7652403" cy="3801875"/>
+          </a:xfrm>
+          <a:prstGeom prst="rect">
+            <a:avLst/>
+          </a:prstGeom>
+          <a:ln>
+            <a:noFill/>
+          </a:ln>
+          <a:effectLst>
+            <a:outerShdw blurRad="292100" dist="139700" dir="2700000" algn="tl" rotWithShape="0">
+              <a:srgbClr val="333333">
+                <a:alpha val="65000"/>
+              </a:srgbClr>
+            </a:outerShdw>
+          </a:effectLst>
+        </p:spPr>
+      </p:pic>
+      <p:sp>
+        <p:nvSpPr>
+          <p:cNvPr id="8" name="Rectangle: Rounded Corners 7">
+            <a:extLst>
+              <a:ext uri="{FF2B5EF4-FFF2-40B4-BE49-F238E27FC236}">
+                <a16:creationId xmlns:a16="http://schemas.microsoft.com/office/drawing/2014/main" id="{2C0EB603-92E7-8307-088A-9CF94AE03B89}"/>
+              </a:ext>
+            </a:extLst>
+          </p:cNvPr>
+          <p:cNvSpPr/>
+          <p:nvPr/>
+        </p:nvSpPr>
+        <p:spPr>
+          <a:xfrm>
+            <a:off x="6427699" y="2635624"/>
+            <a:ext cx="5109877" cy="600639"/>
+          </a:xfrm>
+          <a:prstGeom prst="roundRect">
+            <a:avLst>
+              <a:gd name="adj" fmla="val 6410"/>
+            </a:avLst>
+          </a:prstGeom>
+          <a:noFill/>
+          <a:ln w="57150">
+            <a:solidFill>
+              <a:schemeClr val="accent1"/>
+            </a:solidFill>
+          </a:ln>
+        </p:spPr>
+        <p:style>
+          <a:lnRef idx="2">
+            <a:schemeClr val="accent1">
+              <a:shade val="15000"/>
+            </a:schemeClr>
+          </a:lnRef>
+          <a:fillRef idx="1">
+            <a:schemeClr val="accent1"/>
+          </a:fillRef>
+          <a:effectRef idx="0">
+            <a:schemeClr val="accent1"/>
+          </a:effectRef>
+          <a:fontRef idx="minor">
+            <a:schemeClr val="lt1"/>
+          </a:fontRef>
+        </p:style>
+        <p:txBody>
+          <a:bodyPr rtlCol="0" anchor="ctr"/>
+          <a:lstStyle/>
+          <a:p>
+            <a:pPr algn="ctr"/>
+            <a:endParaRPr lang="en-US"/>
+          </a:p>
+        </p:txBody>
+      </p:sp>
+    </p:spTree>
+    <p:extLst>
+      <p:ext uri="{BB962C8B-B14F-4D97-AF65-F5344CB8AC3E}">
+        <p14:creationId xmlns:p14="http://schemas.microsoft.com/office/powerpoint/2010/main" val="1276539571"/>
+      </p:ext>
+    </p:extLst>
+  </p:cSld>
+  <p:clrMapOvr>
+    <a:masterClrMapping/>
+  </p:clrMapOvr>
+</p:sld>
+</file>
+
 <file path=ppt/theme/theme1.xml><?xml version="1.0" encoding="utf-8"?>
 <a:theme xmlns:a="http://schemas.openxmlformats.org/drawingml/2006/main" name="Celestial">
   <a:themeElements>

--- a/Processing_创意编程.pptx
+++ b/Processing_创意编程.pptx
@@ -5,10 +5,10 @@
     <p:sldMasterId id="2147483744" r:id="rId4"/>
   </p:sldMasterIdLst>
   <p:notesMasterIdLst>
-    <p:notesMasterId r:id="rId10"/>
+    <p:notesMasterId r:id="rId12"/>
   </p:notesMasterIdLst>
   <p:handoutMasterIdLst>
-    <p:handoutMasterId r:id="rId11"/>
+    <p:handoutMasterId r:id="rId13"/>
   </p:handoutMasterIdLst>
   <p:sldIdLst>
     <p:sldId id="256" r:id="rId5"/>
@@ -16,6 +16,8 @@
     <p:sldId id="258" r:id="rId7"/>
     <p:sldId id="259" r:id="rId8"/>
     <p:sldId id="260" r:id="rId9"/>
+    <p:sldId id="261" r:id="rId10"/>
+    <p:sldId id="262" r:id="rId11"/>
   </p:sldIdLst>
   <p:sldSz cx="12192000" cy="6858000"/>
   <p:notesSz cx="6858000" cy="9144000"/>
@@ -17139,6 +17141,624 @@
     <p:extLst>
       <p:ext uri="{BB962C8B-B14F-4D97-AF65-F5344CB8AC3E}">
         <p14:creationId xmlns:p14="http://schemas.microsoft.com/office/powerpoint/2010/main" val="1276539571"/>
+      </p:ext>
+    </p:extLst>
+  </p:cSld>
+  <p:clrMapOvr>
+    <a:masterClrMapping/>
+  </p:clrMapOvr>
+</p:sld>
+</file>
+
+<file path=ppt/slides/slide6.xml><?xml version="1.0" encoding="utf-8"?>
+<p:sld xmlns:a="http://schemas.openxmlformats.org/drawingml/2006/main" xmlns:r="http://schemas.openxmlformats.org/officeDocument/2006/relationships" xmlns:p="http://schemas.openxmlformats.org/presentationml/2006/main">
+  <p:cSld>
+    <p:spTree>
+      <p:nvGrpSpPr>
+        <p:cNvPr id="1" name=""/>
+        <p:cNvGrpSpPr/>
+        <p:nvPr/>
+      </p:nvGrpSpPr>
+      <p:grpSpPr>
+        <a:xfrm>
+          <a:off x="0" y="0"/>
+          <a:ext cx="0" cy="0"/>
+          <a:chOff x="0" y="0"/>
+          <a:chExt cx="0" cy="0"/>
+        </a:xfrm>
+      </p:grpSpPr>
+      <p:sp>
+        <p:nvSpPr>
+          <p:cNvPr id="5" name="Title 4">
+            <a:extLst>
+              <a:ext uri="{FF2B5EF4-FFF2-40B4-BE49-F238E27FC236}">
+                <a16:creationId xmlns:a16="http://schemas.microsoft.com/office/drawing/2014/main" id="{F658C86E-4204-9782-02DC-6BBD4E5ED57D}"/>
+              </a:ext>
+            </a:extLst>
+          </p:cNvPr>
+          <p:cNvSpPr>
+            <a:spLocks noGrp="1"/>
+          </p:cNvSpPr>
+          <p:nvPr>
+            <p:ph type="title"/>
+          </p:nvPr>
+        </p:nvSpPr>
+        <p:spPr>
+          <a:xfrm>
+            <a:off x="568031" y="3536903"/>
+            <a:ext cx="5196272" cy="1576276"/>
+          </a:xfrm>
+        </p:spPr>
+        <p:txBody>
+          <a:bodyPr vert="horz" lIns="91440" tIns="45720" rIns="91440" bIns="45720" rtlCol="0" anchor="b">
+            <a:normAutofit/>
+          </a:bodyPr>
+          <a:lstStyle/>
+          <a:p>
+            <a:r>
+              <a:rPr lang="en-US" sz="4400" dirty="0">
+                <a:solidFill>
+                  <a:srgbClr val="FFFFFF"/>
+                </a:solidFill>
+              </a:rPr>
+              <a:t>Processing </a:t>
+            </a:r>
+            <a:br>
+              <a:rPr lang="en-US" sz="4400" dirty="0">
+                <a:solidFill>
+                  <a:srgbClr val="FFFFFF"/>
+                </a:solidFill>
+              </a:rPr>
+            </a:br>
+            <a:r>
+              <a:rPr lang="zh-CN" altLang="en-US" sz="4400" dirty="0">
+                <a:solidFill>
+                  <a:srgbClr val="FFFFFF"/>
+                </a:solidFill>
+              </a:rPr>
+              <a:t>点 </a:t>
+            </a:r>
+            <a:r>
+              <a:rPr lang="en-US" altLang="zh-CN" sz="4400" dirty="0">
+                <a:solidFill>
+                  <a:srgbClr val="FFFFFF"/>
+                </a:solidFill>
+              </a:rPr>
+              <a:t>Point</a:t>
+            </a:r>
+            <a:endParaRPr lang="en-US" sz="4400" dirty="0">
+              <a:solidFill>
+                <a:srgbClr val="FFFFFF"/>
+              </a:solidFill>
+            </a:endParaRPr>
+          </a:p>
+        </p:txBody>
+      </p:sp>
+      <p:sp>
+        <p:nvSpPr>
+          <p:cNvPr id="6" name="Text Placeholder 5">
+            <a:extLst>
+              <a:ext uri="{FF2B5EF4-FFF2-40B4-BE49-F238E27FC236}">
+                <a16:creationId xmlns:a16="http://schemas.microsoft.com/office/drawing/2014/main" id="{0948C32B-C854-A931-D9ED-1A29A8A882CA}"/>
+              </a:ext>
+            </a:extLst>
+          </p:cNvPr>
+          <p:cNvSpPr>
+            <a:spLocks noGrp="1"/>
+          </p:cNvSpPr>
+          <p:nvPr>
+            <p:ph type="body" idx="1"/>
+          </p:nvPr>
+        </p:nvSpPr>
+        <p:spPr>
+          <a:xfrm>
+            <a:off x="29384" y="5805023"/>
+            <a:ext cx="6259035" cy="435206"/>
+          </a:xfrm>
+        </p:spPr>
+        <p:txBody>
+          <a:bodyPr vert="horz" lIns="91440" tIns="45720" rIns="91440" bIns="45720" rtlCol="0" anchor="t">
+            <a:normAutofit fontScale="92500" lnSpcReduction="20000"/>
+          </a:bodyPr>
+          <a:lstStyle/>
+          <a:p>
+            <a:pPr algn="r"/>
+            <a:r>
+              <a:rPr lang="en-US" sz="1800" b="1" dirty="0">
+                <a:hlinkClick r:id="rId2"/>
+              </a:rPr>
+              <a:t>https://github.com/yasenstar/Processing_Programming</a:t>
+            </a:r>
+            <a:endParaRPr lang="en-US" sz="1800" b="1" dirty="0">
+              <a:solidFill>
+                <a:srgbClr val="FFFFFF"/>
+              </a:solidFill>
+            </a:endParaRPr>
+          </a:p>
+          <a:p>
+            <a:pPr algn="r"/>
+            <a:endParaRPr lang="en-US" sz="1800" b="1" dirty="0"/>
+          </a:p>
+        </p:txBody>
+      </p:sp>
+      <p:pic>
+        <p:nvPicPr>
+          <p:cNvPr id="4" name="Picture 3">
+            <a:extLst>
+              <a:ext uri="{FF2B5EF4-FFF2-40B4-BE49-F238E27FC236}">
+                <a16:creationId xmlns:a16="http://schemas.microsoft.com/office/drawing/2014/main" id="{2BB64D50-2612-E1AB-3582-3EC0F25781DD}"/>
+              </a:ext>
+            </a:extLst>
+          </p:cNvPr>
+          <p:cNvPicPr>
+            <a:picLocks noChangeAspect="1"/>
+          </p:cNvPicPr>
+          <p:nvPr/>
+        </p:nvPicPr>
+        <p:blipFill>
+          <a:blip r:embed="rId3"/>
+          <a:stretch>
+            <a:fillRect/>
+          </a:stretch>
+        </p:blipFill>
+        <p:spPr>
+          <a:xfrm>
+            <a:off x="550343" y="302887"/>
+            <a:ext cx="2445296" cy="3054381"/>
+          </a:xfrm>
+          <a:prstGeom prst="rect">
+            <a:avLst/>
+          </a:prstGeom>
+          <a:solidFill>
+            <a:srgbClr val="FFFFFF">
+              <a:shade val="85000"/>
+            </a:srgbClr>
+          </a:solidFill>
+        </p:spPr>
+      </p:pic>
+      <p:sp>
+        <p:nvSpPr>
+          <p:cNvPr id="7" name="TextBox 6">
+            <a:extLst>
+              <a:ext uri="{FF2B5EF4-FFF2-40B4-BE49-F238E27FC236}">
+                <a16:creationId xmlns:a16="http://schemas.microsoft.com/office/drawing/2014/main" id="{EC30F526-AE41-E2C2-352A-037BA5C2D2A9}"/>
+              </a:ext>
+            </a:extLst>
+          </p:cNvPr>
+          <p:cNvSpPr txBox="1"/>
+          <p:nvPr/>
+        </p:nvSpPr>
+        <p:spPr>
+          <a:xfrm>
+            <a:off x="3029200" y="306246"/>
+            <a:ext cx="1742785" cy="1323439"/>
+          </a:xfrm>
+          <a:prstGeom prst="rect">
+            <a:avLst/>
+          </a:prstGeom>
+          <a:noFill/>
+        </p:spPr>
+        <p:txBody>
+          <a:bodyPr wrap="none" rtlCol="0">
+            <a:spAutoFit/>
+          </a:bodyPr>
+          <a:lstStyle/>
+          <a:p>
+            <a:pPr algn="ctr"/>
+            <a:r>
+              <a:rPr lang="en-US" sz="8000" dirty="0"/>
+              <a:t>006</a:t>
+            </a:r>
+          </a:p>
+        </p:txBody>
+      </p:sp>
+      <p:pic>
+        <p:nvPicPr>
+          <p:cNvPr id="3" name="Picture 2">
+            <a:extLst>
+              <a:ext uri="{FF2B5EF4-FFF2-40B4-BE49-F238E27FC236}">
+                <a16:creationId xmlns:a16="http://schemas.microsoft.com/office/drawing/2014/main" id="{F51AD2B4-29E3-7290-D683-AA319D5A6BD7}"/>
+              </a:ext>
+            </a:extLst>
+          </p:cNvPr>
+          <p:cNvPicPr>
+            <a:picLocks noChangeAspect="1"/>
+          </p:cNvPicPr>
+          <p:nvPr/>
+        </p:nvPicPr>
+        <p:blipFill>
+          <a:blip r:embed="rId4"/>
+          <a:stretch>
+            <a:fillRect/>
+          </a:stretch>
+        </p:blipFill>
+        <p:spPr>
+          <a:xfrm>
+            <a:off x="4063627" y="1528062"/>
+            <a:ext cx="7652403" cy="3801875"/>
+          </a:xfrm>
+          <a:prstGeom prst="rect">
+            <a:avLst/>
+          </a:prstGeom>
+          <a:ln>
+            <a:noFill/>
+          </a:ln>
+          <a:effectLst>
+            <a:outerShdw blurRad="292100" dist="139700" dir="2700000" algn="tl" rotWithShape="0">
+              <a:srgbClr val="333333">
+                <a:alpha val="65000"/>
+              </a:srgbClr>
+            </a:outerShdw>
+          </a:effectLst>
+        </p:spPr>
+      </p:pic>
+      <p:sp>
+        <p:nvSpPr>
+          <p:cNvPr id="8" name="Rectangle: Rounded Corners 7">
+            <a:extLst>
+              <a:ext uri="{FF2B5EF4-FFF2-40B4-BE49-F238E27FC236}">
+                <a16:creationId xmlns:a16="http://schemas.microsoft.com/office/drawing/2014/main" id="{2C0EB603-92E7-8307-088A-9CF94AE03B89}"/>
+              </a:ext>
+            </a:extLst>
+          </p:cNvPr>
+          <p:cNvSpPr/>
+          <p:nvPr/>
+        </p:nvSpPr>
+        <p:spPr>
+          <a:xfrm>
+            <a:off x="6558325" y="3200400"/>
+            <a:ext cx="5109877" cy="336503"/>
+          </a:xfrm>
+          <a:prstGeom prst="roundRect">
+            <a:avLst>
+              <a:gd name="adj" fmla="val 6410"/>
+            </a:avLst>
+          </a:prstGeom>
+          <a:noFill/>
+          <a:ln w="57150">
+            <a:solidFill>
+              <a:schemeClr val="accent1"/>
+            </a:solidFill>
+          </a:ln>
+        </p:spPr>
+        <p:style>
+          <a:lnRef idx="2">
+            <a:schemeClr val="accent1">
+              <a:shade val="15000"/>
+            </a:schemeClr>
+          </a:lnRef>
+          <a:fillRef idx="1">
+            <a:schemeClr val="accent1"/>
+          </a:fillRef>
+          <a:effectRef idx="0">
+            <a:schemeClr val="accent1"/>
+          </a:effectRef>
+          <a:fontRef idx="minor">
+            <a:schemeClr val="lt1"/>
+          </a:fontRef>
+        </p:style>
+        <p:txBody>
+          <a:bodyPr rtlCol="0" anchor="ctr"/>
+          <a:lstStyle/>
+          <a:p>
+            <a:pPr algn="ctr"/>
+            <a:endParaRPr lang="en-US"/>
+          </a:p>
+        </p:txBody>
+      </p:sp>
+    </p:spTree>
+    <p:extLst>
+      <p:ext uri="{BB962C8B-B14F-4D97-AF65-F5344CB8AC3E}">
+        <p14:creationId xmlns:p14="http://schemas.microsoft.com/office/powerpoint/2010/main" val="1106173487"/>
+      </p:ext>
+    </p:extLst>
+  </p:cSld>
+  <p:clrMapOvr>
+    <a:masterClrMapping/>
+  </p:clrMapOvr>
+</p:sld>
+</file>
+
+<file path=ppt/slides/slide7.xml><?xml version="1.0" encoding="utf-8"?>
+<p:sld xmlns:a="http://schemas.openxmlformats.org/drawingml/2006/main" xmlns:r="http://schemas.openxmlformats.org/officeDocument/2006/relationships" xmlns:p="http://schemas.openxmlformats.org/presentationml/2006/main">
+  <p:cSld>
+    <p:spTree>
+      <p:nvGrpSpPr>
+        <p:cNvPr id="1" name=""/>
+        <p:cNvGrpSpPr/>
+        <p:nvPr/>
+      </p:nvGrpSpPr>
+      <p:grpSpPr>
+        <a:xfrm>
+          <a:off x="0" y="0"/>
+          <a:ext cx="0" cy="0"/>
+          <a:chOff x="0" y="0"/>
+          <a:chExt cx="0" cy="0"/>
+        </a:xfrm>
+      </p:grpSpPr>
+      <p:sp>
+        <p:nvSpPr>
+          <p:cNvPr id="5" name="Title 4">
+            <a:extLst>
+              <a:ext uri="{FF2B5EF4-FFF2-40B4-BE49-F238E27FC236}">
+                <a16:creationId xmlns:a16="http://schemas.microsoft.com/office/drawing/2014/main" id="{F658C86E-4204-9782-02DC-6BBD4E5ED57D}"/>
+              </a:ext>
+            </a:extLst>
+          </p:cNvPr>
+          <p:cNvSpPr>
+            <a:spLocks noGrp="1"/>
+          </p:cNvSpPr>
+          <p:nvPr>
+            <p:ph type="title"/>
+          </p:nvPr>
+        </p:nvSpPr>
+        <p:spPr>
+          <a:xfrm>
+            <a:off x="568031" y="3536903"/>
+            <a:ext cx="5196272" cy="1576276"/>
+          </a:xfrm>
+        </p:spPr>
+        <p:txBody>
+          <a:bodyPr vert="horz" lIns="91440" tIns="45720" rIns="91440" bIns="45720" rtlCol="0" anchor="b">
+            <a:normAutofit/>
+          </a:bodyPr>
+          <a:lstStyle/>
+          <a:p>
+            <a:r>
+              <a:rPr lang="en-US" sz="4400" dirty="0">
+                <a:solidFill>
+                  <a:srgbClr val="FFFFFF"/>
+                </a:solidFill>
+              </a:rPr>
+              <a:t>Processing </a:t>
+            </a:r>
+            <a:br>
+              <a:rPr lang="en-US" sz="4400" dirty="0">
+                <a:solidFill>
+                  <a:srgbClr val="FFFFFF"/>
+                </a:solidFill>
+              </a:rPr>
+            </a:br>
+            <a:r>
+              <a:rPr lang="zh-CN" altLang="en-US" sz="4400" dirty="0">
+                <a:solidFill>
+                  <a:srgbClr val="FFFFFF"/>
+                </a:solidFill>
+              </a:rPr>
+              <a:t>点 </a:t>
+            </a:r>
+            <a:r>
+              <a:rPr lang="en-US" altLang="zh-CN" sz="4400" dirty="0">
+                <a:solidFill>
+                  <a:srgbClr val="FFFFFF"/>
+                </a:solidFill>
+              </a:rPr>
+              <a:t>Point</a:t>
+            </a:r>
+            <a:endParaRPr lang="en-US" sz="4400" dirty="0">
+              <a:solidFill>
+                <a:srgbClr val="FFFFFF"/>
+              </a:solidFill>
+            </a:endParaRPr>
+          </a:p>
+        </p:txBody>
+      </p:sp>
+      <p:sp>
+        <p:nvSpPr>
+          <p:cNvPr id="6" name="Text Placeholder 5">
+            <a:extLst>
+              <a:ext uri="{FF2B5EF4-FFF2-40B4-BE49-F238E27FC236}">
+                <a16:creationId xmlns:a16="http://schemas.microsoft.com/office/drawing/2014/main" id="{0948C32B-C854-A931-D9ED-1A29A8A882CA}"/>
+              </a:ext>
+            </a:extLst>
+          </p:cNvPr>
+          <p:cNvSpPr>
+            <a:spLocks noGrp="1"/>
+          </p:cNvSpPr>
+          <p:nvPr>
+            <p:ph type="body" idx="1"/>
+          </p:nvPr>
+        </p:nvSpPr>
+        <p:spPr>
+          <a:xfrm>
+            <a:off x="29384" y="5805023"/>
+            <a:ext cx="6259035" cy="435206"/>
+          </a:xfrm>
+        </p:spPr>
+        <p:txBody>
+          <a:bodyPr vert="horz" lIns="91440" tIns="45720" rIns="91440" bIns="45720" rtlCol="0" anchor="t">
+            <a:normAutofit fontScale="92500" lnSpcReduction="20000"/>
+          </a:bodyPr>
+          <a:lstStyle/>
+          <a:p>
+            <a:pPr algn="r"/>
+            <a:r>
+              <a:rPr lang="en-US" sz="1800" b="1" dirty="0">
+                <a:hlinkClick r:id="rId2"/>
+              </a:rPr>
+              <a:t>https://github.com/yasenstar/Processing_Programming</a:t>
+            </a:r>
+            <a:endParaRPr lang="en-US" sz="1800" b="1" dirty="0">
+              <a:solidFill>
+                <a:srgbClr val="FFFFFF"/>
+              </a:solidFill>
+            </a:endParaRPr>
+          </a:p>
+          <a:p>
+            <a:pPr algn="r"/>
+            <a:endParaRPr lang="en-US" sz="1800" b="1" dirty="0"/>
+          </a:p>
+        </p:txBody>
+      </p:sp>
+      <p:pic>
+        <p:nvPicPr>
+          <p:cNvPr id="4" name="Picture 3">
+            <a:extLst>
+              <a:ext uri="{FF2B5EF4-FFF2-40B4-BE49-F238E27FC236}">
+                <a16:creationId xmlns:a16="http://schemas.microsoft.com/office/drawing/2014/main" id="{2BB64D50-2612-E1AB-3582-3EC0F25781DD}"/>
+              </a:ext>
+            </a:extLst>
+          </p:cNvPr>
+          <p:cNvPicPr>
+            <a:picLocks noChangeAspect="1"/>
+          </p:cNvPicPr>
+          <p:nvPr/>
+        </p:nvPicPr>
+        <p:blipFill>
+          <a:blip r:embed="rId3"/>
+          <a:stretch>
+            <a:fillRect/>
+          </a:stretch>
+        </p:blipFill>
+        <p:spPr>
+          <a:xfrm>
+            <a:off x="550343" y="302887"/>
+            <a:ext cx="2445296" cy="3054381"/>
+          </a:xfrm>
+          <a:prstGeom prst="rect">
+            <a:avLst/>
+          </a:prstGeom>
+          <a:solidFill>
+            <a:srgbClr val="FFFFFF">
+              <a:shade val="85000"/>
+            </a:srgbClr>
+          </a:solidFill>
+        </p:spPr>
+      </p:pic>
+      <p:sp>
+        <p:nvSpPr>
+          <p:cNvPr id="7" name="TextBox 6">
+            <a:extLst>
+              <a:ext uri="{FF2B5EF4-FFF2-40B4-BE49-F238E27FC236}">
+                <a16:creationId xmlns:a16="http://schemas.microsoft.com/office/drawing/2014/main" id="{EC30F526-AE41-E2C2-352A-037BA5C2D2A9}"/>
+              </a:ext>
+            </a:extLst>
+          </p:cNvPr>
+          <p:cNvSpPr txBox="1"/>
+          <p:nvPr/>
+        </p:nvSpPr>
+        <p:spPr>
+          <a:xfrm>
+            <a:off x="3029200" y="306246"/>
+            <a:ext cx="1742785" cy="1323439"/>
+          </a:xfrm>
+          <a:prstGeom prst="rect">
+            <a:avLst/>
+          </a:prstGeom>
+          <a:noFill/>
+        </p:spPr>
+        <p:txBody>
+          <a:bodyPr wrap="none" rtlCol="0">
+            <a:spAutoFit/>
+          </a:bodyPr>
+          <a:lstStyle/>
+          <a:p>
+            <a:pPr algn="ctr"/>
+            <a:r>
+              <a:rPr lang="en-US" sz="8000" dirty="0"/>
+              <a:t>007</a:t>
+            </a:r>
+          </a:p>
+        </p:txBody>
+      </p:sp>
+      <p:pic>
+        <p:nvPicPr>
+          <p:cNvPr id="3" name="Picture 2">
+            <a:extLst>
+              <a:ext uri="{FF2B5EF4-FFF2-40B4-BE49-F238E27FC236}">
+                <a16:creationId xmlns:a16="http://schemas.microsoft.com/office/drawing/2014/main" id="{F51AD2B4-29E3-7290-D683-AA319D5A6BD7}"/>
+              </a:ext>
+            </a:extLst>
+          </p:cNvPr>
+          <p:cNvPicPr>
+            <a:picLocks noChangeAspect="1"/>
+          </p:cNvPicPr>
+          <p:nvPr/>
+        </p:nvPicPr>
+        <p:blipFill>
+          <a:blip r:embed="rId4"/>
+          <a:stretch>
+            <a:fillRect/>
+          </a:stretch>
+        </p:blipFill>
+        <p:spPr>
+          <a:xfrm>
+            <a:off x="4063627" y="1528062"/>
+            <a:ext cx="7652403" cy="3801875"/>
+          </a:xfrm>
+          <a:prstGeom prst="rect">
+            <a:avLst/>
+          </a:prstGeom>
+          <a:ln>
+            <a:noFill/>
+          </a:ln>
+          <a:effectLst>
+            <a:outerShdw blurRad="292100" dist="139700" dir="2700000" algn="tl" rotWithShape="0">
+              <a:srgbClr val="333333">
+                <a:alpha val="65000"/>
+              </a:srgbClr>
+            </a:outerShdw>
+          </a:effectLst>
+        </p:spPr>
+      </p:pic>
+      <p:sp>
+        <p:nvSpPr>
+          <p:cNvPr id="8" name="Rectangle: Rounded Corners 7">
+            <a:extLst>
+              <a:ext uri="{FF2B5EF4-FFF2-40B4-BE49-F238E27FC236}">
+                <a16:creationId xmlns:a16="http://schemas.microsoft.com/office/drawing/2014/main" id="{2C0EB603-92E7-8307-088A-9CF94AE03B89}"/>
+              </a:ext>
+            </a:extLst>
+          </p:cNvPr>
+          <p:cNvSpPr/>
+          <p:nvPr/>
+        </p:nvSpPr>
+        <p:spPr>
+          <a:xfrm>
+            <a:off x="6536554" y="3528253"/>
+            <a:ext cx="5109877" cy="325291"/>
+          </a:xfrm>
+          <a:prstGeom prst="roundRect">
+            <a:avLst>
+              <a:gd name="adj" fmla="val 6410"/>
+            </a:avLst>
+          </a:prstGeom>
+          <a:noFill/>
+          <a:ln w="57150">
+            <a:solidFill>
+              <a:schemeClr val="accent1"/>
+            </a:solidFill>
+          </a:ln>
+        </p:spPr>
+        <p:style>
+          <a:lnRef idx="2">
+            <a:schemeClr val="accent1">
+              <a:shade val="15000"/>
+            </a:schemeClr>
+          </a:lnRef>
+          <a:fillRef idx="1">
+            <a:schemeClr val="accent1"/>
+          </a:fillRef>
+          <a:effectRef idx="0">
+            <a:schemeClr val="accent1"/>
+          </a:effectRef>
+          <a:fontRef idx="minor">
+            <a:schemeClr val="lt1"/>
+          </a:fontRef>
+        </p:style>
+        <p:txBody>
+          <a:bodyPr rtlCol="0" anchor="ctr"/>
+          <a:lstStyle/>
+          <a:p>
+            <a:pPr algn="ctr"/>
+            <a:endParaRPr lang="en-US"/>
+          </a:p>
+        </p:txBody>
+      </p:sp>
+    </p:spTree>
+    <p:extLst>
+      <p:ext uri="{BB962C8B-B14F-4D97-AF65-F5344CB8AC3E}">
+        <p14:creationId xmlns:p14="http://schemas.microsoft.com/office/powerpoint/2010/main" val="2515206935"/>
       </p:ext>
     </p:extLst>
   </p:cSld>

--- a/Processing_创意编程.pptx
+++ b/Processing_创意编程.pptx
@@ -5,10 +5,10 @@
     <p:sldMasterId id="2147483744" r:id="rId4"/>
   </p:sldMasterIdLst>
   <p:notesMasterIdLst>
-    <p:notesMasterId r:id="rId12"/>
+    <p:notesMasterId r:id="rId14"/>
   </p:notesMasterIdLst>
   <p:handoutMasterIdLst>
-    <p:handoutMasterId r:id="rId13"/>
+    <p:handoutMasterId r:id="rId15"/>
   </p:handoutMasterIdLst>
   <p:sldIdLst>
     <p:sldId id="256" r:id="rId5"/>
@@ -18,6 +18,8 @@
     <p:sldId id="260" r:id="rId9"/>
     <p:sldId id="261" r:id="rId10"/>
     <p:sldId id="262" r:id="rId11"/>
+    <p:sldId id="263" r:id="rId12"/>
+    <p:sldId id="264" r:id="rId13"/>
   </p:sldIdLst>
   <p:sldSz cx="12192000" cy="6858000"/>
   <p:notesSz cx="6858000" cy="9144000"/>
@@ -17759,6 +17761,624 @@
     <p:extLst>
       <p:ext uri="{BB962C8B-B14F-4D97-AF65-F5344CB8AC3E}">
         <p14:creationId xmlns:p14="http://schemas.microsoft.com/office/powerpoint/2010/main" val="2515206935"/>
+      </p:ext>
+    </p:extLst>
+  </p:cSld>
+  <p:clrMapOvr>
+    <a:masterClrMapping/>
+  </p:clrMapOvr>
+</p:sld>
+</file>
+
+<file path=ppt/slides/slide8.xml><?xml version="1.0" encoding="utf-8"?>
+<p:sld xmlns:a="http://schemas.openxmlformats.org/drawingml/2006/main" xmlns:r="http://schemas.openxmlformats.org/officeDocument/2006/relationships" xmlns:p="http://schemas.openxmlformats.org/presentationml/2006/main">
+  <p:cSld>
+    <p:spTree>
+      <p:nvGrpSpPr>
+        <p:cNvPr id="1" name=""/>
+        <p:cNvGrpSpPr/>
+        <p:nvPr/>
+      </p:nvGrpSpPr>
+      <p:grpSpPr>
+        <a:xfrm>
+          <a:off x="0" y="0"/>
+          <a:ext cx="0" cy="0"/>
+          <a:chOff x="0" y="0"/>
+          <a:chExt cx="0" cy="0"/>
+        </a:xfrm>
+      </p:grpSpPr>
+      <p:sp>
+        <p:nvSpPr>
+          <p:cNvPr id="5" name="Title 4">
+            <a:extLst>
+              <a:ext uri="{FF2B5EF4-FFF2-40B4-BE49-F238E27FC236}">
+                <a16:creationId xmlns:a16="http://schemas.microsoft.com/office/drawing/2014/main" id="{F658C86E-4204-9782-02DC-6BBD4E5ED57D}"/>
+              </a:ext>
+            </a:extLst>
+          </p:cNvPr>
+          <p:cNvSpPr>
+            <a:spLocks noGrp="1"/>
+          </p:cNvSpPr>
+          <p:nvPr>
+            <p:ph type="title"/>
+          </p:nvPr>
+        </p:nvSpPr>
+        <p:spPr>
+          <a:xfrm>
+            <a:off x="568031" y="3536903"/>
+            <a:ext cx="5196272" cy="1576276"/>
+          </a:xfrm>
+        </p:spPr>
+        <p:txBody>
+          <a:bodyPr vert="horz" lIns="91440" tIns="45720" rIns="91440" bIns="45720" rtlCol="0" anchor="b">
+            <a:normAutofit/>
+          </a:bodyPr>
+          <a:lstStyle/>
+          <a:p>
+            <a:r>
+              <a:rPr lang="en-US" sz="4400" dirty="0">
+                <a:solidFill>
+                  <a:srgbClr val="FFFFFF"/>
+                </a:solidFill>
+              </a:rPr>
+              <a:t>Processing </a:t>
+            </a:r>
+            <a:br>
+              <a:rPr lang="en-US" sz="4400" dirty="0">
+                <a:solidFill>
+                  <a:srgbClr val="FFFFFF"/>
+                </a:solidFill>
+              </a:rPr>
+            </a:br>
+            <a:r>
+              <a:rPr lang="zh-CN" altLang="en-US" sz="4400" dirty="0">
+                <a:solidFill>
+                  <a:srgbClr val="FFFFFF"/>
+                </a:solidFill>
+              </a:rPr>
+              <a:t>点 </a:t>
+            </a:r>
+            <a:r>
+              <a:rPr lang="en-US" altLang="zh-CN" sz="4400" dirty="0">
+                <a:solidFill>
+                  <a:srgbClr val="FFFFFF"/>
+                </a:solidFill>
+              </a:rPr>
+              <a:t>Point</a:t>
+            </a:r>
+            <a:endParaRPr lang="en-US" sz="4400" dirty="0">
+              <a:solidFill>
+                <a:srgbClr val="FFFFFF"/>
+              </a:solidFill>
+            </a:endParaRPr>
+          </a:p>
+        </p:txBody>
+      </p:sp>
+      <p:sp>
+        <p:nvSpPr>
+          <p:cNvPr id="6" name="Text Placeholder 5">
+            <a:extLst>
+              <a:ext uri="{FF2B5EF4-FFF2-40B4-BE49-F238E27FC236}">
+                <a16:creationId xmlns:a16="http://schemas.microsoft.com/office/drawing/2014/main" id="{0948C32B-C854-A931-D9ED-1A29A8A882CA}"/>
+              </a:ext>
+            </a:extLst>
+          </p:cNvPr>
+          <p:cNvSpPr>
+            <a:spLocks noGrp="1"/>
+          </p:cNvSpPr>
+          <p:nvPr>
+            <p:ph type="body" idx="1"/>
+          </p:nvPr>
+        </p:nvSpPr>
+        <p:spPr>
+          <a:xfrm>
+            <a:off x="29384" y="5805023"/>
+            <a:ext cx="6259035" cy="435206"/>
+          </a:xfrm>
+        </p:spPr>
+        <p:txBody>
+          <a:bodyPr vert="horz" lIns="91440" tIns="45720" rIns="91440" bIns="45720" rtlCol="0" anchor="t">
+            <a:normAutofit fontScale="92500" lnSpcReduction="20000"/>
+          </a:bodyPr>
+          <a:lstStyle/>
+          <a:p>
+            <a:pPr algn="r"/>
+            <a:r>
+              <a:rPr lang="en-US" sz="1800" b="1" dirty="0">
+                <a:hlinkClick r:id="rId2"/>
+              </a:rPr>
+              <a:t>https://github.com/yasenstar/Processing_Programming</a:t>
+            </a:r>
+            <a:endParaRPr lang="en-US" sz="1800" b="1" dirty="0">
+              <a:solidFill>
+                <a:srgbClr val="FFFFFF"/>
+              </a:solidFill>
+            </a:endParaRPr>
+          </a:p>
+          <a:p>
+            <a:pPr algn="r"/>
+            <a:endParaRPr lang="en-US" sz="1800" b="1" dirty="0"/>
+          </a:p>
+        </p:txBody>
+      </p:sp>
+      <p:pic>
+        <p:nvPicPr>
+          <p:cNvPr id="4" name="Picture 3">
+            <a:extLst>
+              <a:ext uri="{FF2B5EF4-FFF2-40B4-BE49-F238E27FC236}">
+                <a16:creationId xmlns:a16="http://schemas.microsoft.com/office/drawing/2014/main" id="{2BB64D50-2612-E1AB-3582-3EC0F25781DD}"/>
+              </a:ext>
+            </a:extLst>
+          </p:cNvPr>
+          <p:cNvPicPr>
+            <a:picLocks noChangeAspect="1"/>
+          </p:cNvPicPr>
+          <p:nvPr/>
+        </p:nvPicPr>
+        <p:blipFill>
+          <a:blip r:embed="rId3"/>
+          <a:stretch>
+            <a:fillRect/>
+          </a:stretch>
+        </p:blipFill>
+        <p:spPr>
+          <a:xfrm>
+            <a:off x="550343" y="302887"/>
+            <a:ext cx="2445296" cy="3054381"/>
+          </a:xfrm>
+          <a:prstGeom prst="rect">
+            <a:avLst/>
+          </a:prstGeom>
+          <a:solidFill>
+            <a:srgbClr val="FFFFFF">
+              <a:shade val="85000"/>
+            </a:srgbClr>
+          </a:solidFill>
+        </p:spPr>
+      </p:pic>
+      <p:sp>
+        <p:nvSpPr>
+          <p:cNvPr id="7" name="TextBox 6">
+            <a:extLst>
+              <a:ext uri="{FF2B5EF4-FFF2-40B4-BE49-F238E27FC236}">
+                <a16:creationId xmlns:a16="http://schemas.microsoft.com/office/drawing/2014/main" id="{EC30F526-AE41-E2C2-352A-037BA5C2D2A9}"/>
+              </a:ext>
+            </a:extLst>
+          </p:cNvPr>
+          <p:cNvSpPr txBox="1"/>
+          <p:nvPr/>
+        </p:nvSpPr>
+        <p:spPr>
+          <a:xfrm>
+            <a:off x="3029200" y="306246"/>
+            <a:ext cx="1742785" cy="1323439"/>
+          </a:xfrm>
+          <a:prstGeom prst="rect">
+            <a:avLst/>
+          </a:prstGeom>
+          <a:noFill/>
+        </p:spPr>
+        <p:txBody>
+          <a:bodyPr wrap="none" rtlCol="0">
+            <a:spAutoFit/>
+          </a:bodyPr>
+          <a:lstStyle/>
+          <a:p>
+            <a:pPr algn="ctr"/>
+            <a:r>
+              <a:rPr lang="en-US" sz="8000" dirty="0"/>
+              <a:t>008</a:t>
+            </a:r>
+          </a:p>
+        </p:txBody>
+      </p:sp>
+      <p:pic>
+        <p:nvPicPr>
+          <p:cNvPr id="3" name="Picture 2">
+            <a:extLst>
+              <a:ext uri="{FF2B5EF4-FFF2-40B4-BE49-F238E27FC236}">
+                <a16:creationId xmlns:a16="http://schemas.microsoft.com/office/drawing/2014/main" id="{F51AD2B4-29E3-7290-D683-AA319D5A6BD7}"/>
+              </a:ext>
+            </a:extLst>
+          </p:cNvPr>
+          <p:cNvPicPr>
+            <a:picLocks noChangeAspect="1"/>
+          </p:cNvPicPr>
+          <p:nvPr/>
+        </p:nvPicPr>
+        <p:blipFill>
+          <a:blip r:embed="rId4"/>
+          <a:stretch>
+            <a:fillRect/>
+          </a:stretch>
+        </p:blipFill>
+        <p:spPr>
+          <a:xfrm>
+            <a:off x="4063627" y="1528062"/>
+            <a:ext cx="7652403" cy="3801875"/>
+          </a:xfrm>
+          <a:prstGeom prst="rect">
+            <a:avLst/>
+          </a:prstGeom>
+          <a:ln>
+            <a:noFill/>
+          </a:ln>
+          <a:effectLst>
+            <a:outerShdw blurRad="292100" dist="139700" dir="2700000" algn="tl" rotWithShape="0">
+              <a:srgbClr val="333333">
+                <a:alpha val="65000"/>
+              </a:srgbClr>
+            </a:outerShdw>
+          </a:effectLst>
+        </p:spPr>
+      </p:pic>
+      <p:sp>
+        <p:nvSpPr>
+          <p:cNvPr id="8" name="Rectangle: Rounded Corners 7">
+            <a:extLst>
+              <a:ext uri="{FF2B5EF4-FFF2-40B4-BE49-F238E27FC236}">
+                <a16:creationId xmlns:a16="http://schemas.microsoft.com/office/drawing/2014/main" id="{2C0EB603-92E7-8307-088A-9CF94AE03B89}"/>
+              </a:ext>
+            </a:extLst>
+          </p:cNvPr>
+          <p:cNvSpPr/>
+          <p:nvPr/>
+        </p:nvSpPr>
+        <p:spPr>
+          <a:xfrm>
+            <a:off x="6536554" y="3876591"/>
+            <a:ext cx="5109877" cy="630095"/>
+          </a:xfrm>
+          <a:prstGeom prst="roundRect">
+            <a:avLst>
+              <a:gd name="adj" fmla="val 6410"/>
+            </a:avLst>
+          </a:prstGeom>
+          <a:noFill/>
+          <a:ln w="57150">
+            <a:solidFill>
+              <a:schemeClr val="accent1"/>
+            </a:solidFill>
+          </a:ln>
+        </p:spPr>
+        <p:style>
+          <a:lnRef idx="2">
+            <a:schemeClr val="accent1">
+              <a:shade val="15000"/>
+            </a:schemeClr>
+          </a:lnRef>
+          <a:fillRef idx="1">
+            <a:schemeClr val="accent1"/>
+          </a:fillRef>
+          <a:effectRef idx="0">
+            <a:schemeClr val="accent1"/>
+          </a:effectRef>
+          <a:fontRef idx="minor">
+            <a:schemeClr val="lt1"/>
+          </a:fontRef>
+        </p:style>
+        <p:txBody>
+          <a:bodyPr rtlCol="0" anchor="ctr"/>
+          <a:lstStyle/>
+          <a:p>
+            <a:pPr algn="ctr"/>
+            <a:endParaRPr lang="en-US"/>
+          </a:p>
+        </p:txBody>
+      </p:sp>
+    </p:spTree>
+    <p:extLst>
+      <p:ext uri="{BB962C8B-B14F-4D97-AF65-F5344CB8AC3E}">
+        <p14:creationId xmlns:p14="http://schemas.microsoft.com/office/powerpoint/2010/main" val="3234177862"/>
+      </p:ext>
+    </p:extLst>
+  </p:cSld>
+  <p:clrMapOvr>
+    <a:masterClrMapping/>
+  </p:clrMapOvr>
+</p:sld>
+</file>
+
+<file path=ppt/slides/slide9.xml><?xml version="1.0" encoding="utf-8"?>
+<p:sld xmlns:a="http://schemas.openxmlformats.org/drawingml/2006/main" xmlns:r="http://schemas.openxmlformats.org/officeDocument/2006/relationships" xmlns:p="http://schemas.openxmlformats.org/presentationml/2006/main">
+  <p:cSld>
+    <p:spTree>
+      <p:nvGrpSpPr>
+        <p:cNvPr id="1" name=""/>
+        <p:cNvGrpSpPr/>
+        <p:nvPr/>
+      </p:nvGrpSpPr>
+      <p:grpSpPr>
+        <a:xfrm>
+          <a:off x="0" y="0"/>
+          <a:ext cx="0" cy="0"/>
+          <a:chOff x="0" y="0"/>
+          <a:chExt cx="0" cy="0"/>
+        </a:xfrm>
+      </p:grpSpPr>
+      <p:sp>
+        <p:nvSpPr>
+          <p:cNvPr id="5" name="Title 4">
+            <a:extLst>
+              <a:ext uri="{FF2B5EF4-FFF2-40B4-BE49-F238E27FC236}">
+                <a16:creationId xmlns:a16="http://schemas.microsoft.com/office/drawing/2014/main" id="{F658C86E-4204-9782-02DC-6BBD4E5ED57D}"/>
+              </a:ext>
+            </a:extLst>
+          </p:cNvPr>
+          <p:cNvSpPr>
+            <a:spLocks noGrp="1"/>
+          </p:cNvSpPr>
+          <p:nvPr>
+            <p:ph type="title"/>
+          </p:nvPr>
+        </p:nvSpPr>
+        <p:spPr>
+          <a:xfrm>
+            <a:off x="568031" y="3536903"/>
+            <a:ext cx="5196272" cy="1576276"/>
+          </a:xfrm>
+        </p:spPr>
+        <p:txBody>
+          <a:bodyPr vert="horz" lIns="91440" tIns="45720" rIns="91440" bIns="45720" rtlCol="0" anchor="b">
+            <a:normAutofit/>
+          </a:bodyPr>
+          <a:lstStyle/>
+          <a:p>
+            <a:r>
+              <a:rPr lang="en-US" sz="4400" dirty="0">
+                <a:solidFill>
+                  <a:srgbClr val="FFFFFF"/>
+                </a:solidFill>
+              </a:rPr>
+              <a:t>Processing </a:t>
+            </a:r>
+            <a:br>
+              <a:rPr lang="en-US" sz="4400" dirty="0">
+                <a:solidFill>
+                  <a:srgbClr val="FFFFFF"/>
+                </a:solidFill>
+              </a:rPr>
+            </a:br>
+            <a:r>
+              <a:rPr lang="zh-CN" altLang="en-US" sz="4400" dirty="0">
+                <a:solidFill>
+                  <a:srgbClr val="FFFFFF"/>
+                </a:solidFill>
+              </a:rPr>
+              <a:t>点 </a:t>
+            </a:r>
+            <a:r>
+              <a:rPr lang="en-US" altLang="zh-CN" sz="4400" dirty="0">
+                <a:solidFill>
+                  <a:srgbClr val="FFFFFF"/>
+                </a:solidFill>
+              </a:rPr>
+              <a:t>Point</a:t>
+            </a:r>
+            <a:endParaRPr lang="en-US" sz="4400" dirty="0">
+              <a:solidFill>
+                <a:srgbClr val="FFFFFF"/>
+              </a:solidFill>
+            </a:endParaRPr>
+          </a:p>
+        </p:txBody>
+      </p:sp>
+      <p:sp>
+        <p:nvSpPr>
+          <p:cNvPr id="6" name="Text Placeholder 5">
+            <a:extLst>
+              <a:ext uri="{FF2B5EF4-FFF2-40B4-BE49-F238E27FC236}">
+                <a16:creationId xmlns:a16="http://schemas.microsoft.com/office/drawing/2014/main" id="{0948C32B-C854-A931-D9ED-1A29A8A882CA}"/>
+              </a:ext>
+            </a:extLst>
+          </p:cNvPr>
+          <p:cNvSpPr>
+            <a:spLocks noGrp="1"/>
+          </p:cNvSpPr>
+          <p:nvPr>
+            <p:ph type="body" idx="1"/>
+          </p:nvPr>
+        </p:nvSpPr>
+        <p:spPr>
+          <a:xfrm>
+            <a:off x="29384" y="5805023"/>
+            <a:ext cx="6259035" cy="435206"/>
+          </a:xfrm>
+        </p:spPr>
+        <p:txBody>
+          <a:bodyPr vert="horz" lIns="91440" tIns="45720" rIns="91440" bIns="45720" rtlCol="0" anchor="t">
+            <a:normAutofit fontScale="92500" lnSpcReduction="20000"/>
+          </a:bodyPr>
+          <a:lstStyle/>
+          <a:p>
+            <a:pPr algn="r"/>
+            <a:r>
+              <a:rPr lang="en-US" sz="1800" b="1" dirty="0">
+                <a:hlinkClick r:id="rId2"/>
+              </a:rPr>
+              <a:t>https://github.com/yasenstar/Processing_Programming</a:t>
+            </a:r>
+            <a:endParaRPr lang="en-US" sz="1800" b="1" dirty="0">
+              <a:solidFill>
+                <a:srgbClr val="FFFFFF"/>
+              </a:solidFill>
+            </a:endParaRPr>
+          </a:p>
+          <a:p>
+            <a:pPr algn="r"/>
+            <a:endParaRPr lang="en-US" sz="1800" b="1" dirty="0"/>
+          </a:p>
+        </p:txBody>
+      </p:sp>
+      <p:pic>
+        <p:nvPicPr>
+          <p:cNvPr id="4" name="Picture 3">
+            <a:extLst>
+              <a:ext uri="{FF2B5EF4-FFF2-40B4-BE49-F238E27FC236}">
+                <a16:creationId xmlns:a16="http://schemas.microsoft.com/office/drawing/2014/main" id="{2BB64D50-2612-E1AB-3582-3EC0F25781DD}"/>
+              </a:ext>
+            </a:extLst>
+          </p:cNvPr>
+          <p:cNvPicPr>
+            <a:picLocks noChangeAspect="1"/>
+          </p:cNvPicPr>
+          <p:nvPr/>
+        </p:nvPicPr>
+        <p:blipFill>
+          <a:blip r:embed="rId3"/>
+          <a:stretch>
+            <a:fillRect/>
+          </a:stretch>
+        </p:blipFill>
+        <p:spPr>
+          <a:xfrm>
+            <a:off x="550343" y="302887"/>
+            <a:ext cx="2445296" cy="3054381"/>
+          </a:xfrm>
+          <a:prstGeom prst="rect">
+            <a:avLst/>
+          </a:prstGeom>
+          <a:solidFill>
+            <a:srgbClr val="FFFFFF">
+              <a:shade val="85000"/>
+            </a:srgbClr>
+          </a:solidFill>
+        </p:spPr>
+      </p:pic>
+      <p:sp>
+        <p:nvSpPr>
+          <p:cNvPr id="7" name="TextBox 6">
+            <a:extLst>
+              <a:ext uri="{FF2B5EF4-FFF2-40B4-BE49-F238E27FC236}">
+                <a16:creationId xmlns:a16="http://schemas.microsoft.com/office/drawing/2014/main" id="{EC30F526-AE41-E2C2-352A-037BA5C2D2A9}"/>
+              </a:ext>
+            </a:extLst>
+          </p:cNvPr>
+          <p:cNvSpPr txBox="1"/>
+          <p:nvPr/>
+        </p:nvSpPr>
+        <p:spPr>
+          <a:xfrm>
+            <a:off x="3029200" y="306246"/>
+            <a:ext cx="1742785" cy="1323439"/>
+          </a:xfrm>
+          <a:prstGeom prst="rect">
+            <a:avLst/>
+          </a:prstGeom>
+          <a:noFill/>
+        </p:spPr>
+        <p:txBody>
+          <a:bodyPr wrap="none" rtlCol="0">
+            <a:spAutoFit/>
+          </a:bodyPr>
+          <a:lstStyle/>
+          <a:p>
+            <a:pPr algn="ctr"/>
+            <a:r>
+              <a:rPr lang="en-US" sz="8000" dirty="0"/>
+              <a:t>009</a:t>
+            </a:r>
+          </a:p>
+        </p:txBody>
+      </p:sp>
+      <p:pic>
+        <p:nvPicPr>
+          <p:cNvPr id="3" name="Picture 2">
+            <a:extLst>
+              <a:ext uri="{FF2B5EF4-FFF2-40B4-BE49-F238E27FC236}">
+                <a16:creationId xmlns:a16="http://schemas.microsoft.com/office/drawing/2014/main" id="{F51AD2B4-29E3-7290-D683-AA319D5A6BD7}"/>
+              </a:ext>
+            </a:extLst>
+          </p:cNvPr>
+          <p:cNvPicPr>
+            <a:picLocks noChangeAspect="1"/>
+          </p:cNvPicPr>
+          <p:nvPr/>
+        </p:nvPicPr>
+        <p:blipFill>
+          <a:blip r:embed="rId4"/>
+          <a:stretch>
+            <a:fillRect/>
+          </a:stretch>
+        </p:blipFill>
+        <p:spPr>
+          <a:xfrm>
+            <a:off x="4063627" y="1528062"/>
+            <a:ext cx="7652403" cy="3801875"/>
+          </a:xfrm>
+          <a:prstGeom prst="rect">
+            <a:avLst/>
+          </a:prstGeom>
+          <a:ln>
+            <a:noFill/>
+          </a:ln>
+          <a:effectLst>
+            <a:outerShdw blurRad="292100" dist="139700" dir="2700000" algn="tl" rotWithShape="0">
+              <a:srgbClr val="333333">
+                <a:alpha val="65000"/>
+              </a:srgbClr>
+            </a:outerShdw>
+          </a:effectLst>
+        </p:spPr>
+      </p:pic>
+      <p:sp>
+        <p:nvSpPr>
+          <p:cNvPr id="8" name="Rectangle: Rounded Corners 7">
+            <a:extLst>
+              <a:ext uri="{FF2B5EF4-FFF2-40B4-BE49-F238E27FC236}">
+                <a16:creationId xmlns:a16="http://schemas.microsoft.com/office/drawing/2014/main" id="{2C0EB603-92E7-8307-088A-9CF94AE03B89}"/>
+              </a:ext>
+            </a:extLst>
+          </p:cNvPr>
+          <p:cNvSpPr/>
+          <p:nvPr/>
+        </p:nvSpPr>
+        <p:spPr>
+          <a:xfrm>
+            <a:off x="6536554" y="4463143"/>
+            <a:ext cx="5109877" cy="650036"/>
+          </a:xfrm>
+          <a:prstGeom prst="roundRect">
+            <a:avLst>
+              <a:gd name="adj" fmla="val 6410"/>
+            </a:avLst>
+          </a:prstGeom>
+          <a:noFill/>
+          <a:ln w="57150">
+            <a:solidFill>
+              <a:schemeClr val="accent1"/>
+            </a:solidFill>
+          </a:ln>
+        </p:spPr>
+        <p:style>
+          <a:lnRef idx="2">
+            <a:schemeClr val="accent1">
+              <a:shade val="15000"/>
+            </a:schemeClr>
+          </a:lnRef>
+          <a:fillRef idx="1">
+            <a:schemeClr val="accent1"/>
+          </a:fillRef>
+          <a:effectRef idx="0">
+            <a:schemeClr val="accent1"/>
+          </a:effectRef>
+          <a:fontRef idx="minor">
+            <a:schemeClr val="lt1"/>
+          </a:fontRef>
+        </p:style>
+        <p:txBody>
+          <a:bodyPr rtlCol="0" anchor="ctr"/>
+          <a:lstStyle/>
+          <a:p>
+            <a:pPr algn="ctr"/>
+            <a:endParaRPr lang="en-US"/>
+          </a:p>
+        </p:txBody>
+      </p:sp>
+    </p:spTree>
+    <p:extLst>
+      <p:ext uri="{BB962C8B-B14F-4D97-AF65-F5344CB8AC3E}">
+        <p14:creationId xmlns:p14="http://schemas.microsoft.com/office/powerpoint/2010/main" val="2718071313"/>
       </p:ext>
     </p:extLst>
   </p:cSld>

--- a/Processing_创意编程.pptx
+++ b/Processing_创意编程.pptx
@@ -5,10 +5,10 @@
     <p:sldMasterId id="2147483744" r:id="rId4"/>
   </p:sldMasterIdLst>
   <p:notesMasterIdLst>
-    <p:notesMasterId r:id="rId14"/>
+    <p:notesMasterId r:id="rId17"/>
   </p:notesMasterIdLst>
   <p:handoutMasterIdLst>
-    <p:handoutMasterId r:id="rId15"/>
+    <p:handoutMasterId r:id="rId18"/>
   </p:handoutMasterIdLst>
   <p:sldIdLst>
     <p:sldId id="256" r:id="rId5"/>
@@ -19,7 +19,10 @@
     <p:sldId id="261" r:id="rId10"/>
     <p:sldId id="262" r:id="rId11"/>
     <p:sldId id="263" r:id="rId12"/>
-    <p:sldId id="264" r:id="rId13"/>
+    <p:sldId id="265" r:id="rId13"/>
+    <p:sldId id="266" r:id="rId14"/>
+    <p:sldId id="267" r:id="rId15"/>
+    <p:sldId id="264" r:id="rId16"/>
   </p:sldIdLst>
   <p:sldSz cx="12192000" cy="6858000"/>
   <p:notesSz cx="6858000" cy="9144000"/>
@@ -6842,6 +6845,1028 @@
 </p:sld>
 </file>
 
+<file path=ppt/slides/slide10.xml><?xml version="1.0" encoding="utf-8"?>
+<p:sld xmlns:a="http://schemas.openxmlformats.org/drawingml/2006/main" xmlns:r="http://schemas.openxmlformats.org/officeDocument/2006/relationships" xmlns:p="http://schemas.openxmlformats.org/presentationml/2006/main">
+  <p:cSld>
+    <p:spTree>
+      <p:nvGrpSpPr>
+        <p:cNvPr id="1" name=""/>
+        <p:cNvGrpSpPr/>
+        <p:nvPr/>
+      </p:nvGrpSpPr>
+      <p:grpSpPr>
+        <a:xfrm>
+          <a:off x="0" y="0"/>
+          <a:ext cx="0" cy="0"/>
+          <a:chOff x="0" y="0"/>
+          <a:chExt cx="0" cy="0"/>
+        </a:xfrm>
+      </p:grpSpPr>
+      <p:sp>
+        <p:nvSpPr>
+          <p:cNvPr id="6" name="Title 5">
+            <a:extLst>
+              <a:ext uri="{FF2B5EF4-FFF2-40B4-BE49-F238E27FC236}">
+                <a16:creationId xmlns:a16="http://schemas.microsoft.com/office/drawing/2014/main" id="{C0433D6F-7302-B92F-0DD7-B2EFDBC8DCB7}"/>
+              </a:ext>
+            </a:extLst>
+          </p:cNvPr>
+          <p:cNvSpPr>
+            <a:spLocks noGrp="1"/>
+          </p:cNvSpPr>
+          <p:nvPr>
+            <p:ph type="title"/>
+          </p:nvPr>
+        </p:nvSpPr>
+        <p:spPr/>
+        <p:txBody>
+          <a:bodyPr/>
+          <a:lstStyle/>
+          <a:p>
+            <a:r>
+              <a:rPr lang="zh-CN" altLang="en-US" dirty="0"/>
+              <a:t>补充知识：坐标系旋转公式</a:t>
+            </a:r>
+            <a:br>
+              <a:rPr lang="en-US" altLang="zh-CN" dirty="0"/>
+            </a:br>
+            <a:r>
+              <a:rPr lang="en-US" altLang="zh-CN" dirty="0"/>
+              <a:t>2)</a:t>
+            </a:r>
+            <a:r>
+              <a:rPr lang="zh-CN" altLang="en-US" dirty="0"/>
+              <a:t> </a:t>
+            </a:r>
+            <a:r>
+              <a:rPr lang="en-US" altLang="zh-CN" dirty="0"/>
+              <a:t>Sin(</a:t>
+            </a:r>
+            <a:r>
+              <a:rPr lang="en-US" altLang="zh-CN" dirty="0" err="1"/>
+              <a:t>a+b</a:t>
+            </a:r>
+            <a:r>
+              <a:rPr lang="en-US" altLang="zh-CN" dirty="0"/>
+              <a:t>) = cos(A)Cos(B) – Sin(A)Sin(B)</a:t>
+            </a:r>
+            <a:endParaRPr lang="en-US" dirty="0"/>
+          </a:p>
+        </p:txBody>
+      </p:sp>
+      <p:pic>
+        <p:nvPicPr>
+          <p:cNvPr id="3" name="Content Placeholder 2">
+            <a:extLst>
+              <a:ext uri="{FF2B5EF4-FFF2-40B4-BE49-F238E27FC236}">
+                <a16:creationId xmlns:a16="http://schemas.microsoft.com/office/drawing/2014/main" id="{50AF9353-AB81-595A-B14D-B1C7279C0AAD}"/>
+              </a:ext>
+            </a:extLst>
+          </p:cNvPr>
+          <p:cNvPicPr>
+            <a:picLocks noGrp="1" noChangeAspect="1"/>
+          </p:cNvPicPr>
+          <p:nvPr>
+            <p:ph sz="half" idx="1"/>
+          </p:nvPr>
+        </p:nvPicPr>
+        <p:blipFill>
+          <a:blip r:embed="rId2"/>
+          <a:stretch>
+            <a:fillRect/>
+          </a:stretch>
+        </p:blipFill>
+        <p:spPr>
+          <a:xfrm>
+            <a:off x="940204" y="2500287"/>
+            <a:ext cx="4211471" cy="2953014"/>
+          </a:xfrm>
+        </p:spPr>
+      </p:pic>
+      <p:sp>
+        <p:nvSpPr>
+          <p:cNvPr id="8" name="Content Placeholder 7">
+            <a:extLst>
+              <a:ext uri="{FF2B5EF4-FFF2-40B4-BE49-F238E27FC236}">
+                <a16:creationId xmlns:a16="http://schemas.microsoft.com/office/drawing/2014/main" id="{F3229864-1ECE-3539-6BA1-76E42C0591B3}"/>
+              </a:ext>
+            </a:extLst>
+          </p:cNvPr>
+          <p:cNvSpPr>
+            <a:spLocks noGrp="1"/>
+          </p:cNvSpPr>
+          <p:nvPr>
+            <p:ph sz="half" idx="2"/>
+          </p:nvPr>
+        </p:nvSpPr>
+        <p:spPr/>
+        <p:txBody>
+          <a:bodyPr/>
+          <a:lstStyle/>
+          <a:p>
+            <a:pPr marL="0" indent="0">
+              <a:buNone/>
+            </a:pPr>
+            <a:r>
+              <a:rPr lang="en-US" dirty="0"/>
+              <a:t>sin(</a:t>
+            </a:r>
+            <a:r>
+              <a:rPr lang="en-US" dirty="0" err="1"/>
+              <a:t>a+b</a:t>
+            </a:r>
+            <a:r>
+              <a:rPr lang="en-US" dirty="0"/>
+              <a:t>)</a:t>
+            </a:r>
+          </a:p>
+          <a:p>
+            <a:pPr marL="0" indent="0">
+              <a:buNone/>
+            </a:pPr>
+            <a:r>
+              <a:rPr lang="en-US" dirty="0"/>
+              <a:t>= PQ/OP</a:t>
+            </a:r>
+          </a:p>
+          <a:p>
+            <a:pPr marL="0" indent="0">
+              <a:buNone/>
+            </a:pPr>
+            <a:r>
+              <a:rPr lang="en-US" dirty="0"/>
+              <a:t>= (PT + TQ) / OP</a:t>
+            </a:r>
+          </a:p>
+          <a:p>
+            <a:pPr marL="0" indent="0">
+              <a:buNone/>
+            </a:pPr>
+            <a:r>
+              <a:rPr lang="en-US" dirty="0"/>
+              <a:t>= PT/OP + TQ/OP</a:t>
+            </a:r>
+          </a:p>
+          <a:p>
+            <a:pPr marL="0" indent="0">
+              <a:buNone/>
+            </a:pPr>
+            <a:r>
+              <a:rPr lang="en-US" dirty="0"/>
+              <a:t>= PT/OP + RS/OP</a:t>
+            </a:r>
+          </a:p>
+          <a:p>
+            <a:pPr marL="0" indent="0">
+              <a:buNone/>
+            </a:pPr>
+            <a:r>
+              <a:rPr lang="en-US" dirty="0"/>
+              <a:t>= PT/PR </a:t>
+            </a:r>
+            <a:r>
+              <a:rPr lang="en-US" dirty="0">
+                <a:sym typeface="Wingdings" panose="05000000000000000000" pitchFamily="2" charset="2"/>
+              </a:rPr>
+              <a:t> PR/OP + RS/OR  OR/OP</a:t>
+            </a:r>
+          </a:p>
+          <a:p>
+            <a:pPr marL="0" indent="0">
+              <a:buNone/>
+            </a:pPr>
+            <a:r>
+              <a:rPr lang="en-US" dirty="0">
+                <a:sym typeface="Wingdings" panose="05000000000000000000" pitchFamily="2" charset="2"/>
+              </a:rPr>
+              <a:t>= cos(a)  sin(b) + sin(a)  cos(b)</a:t>
+            </a:r>
+            <a:endParaRPr lang="en-US" dirty="0"/>
+          </a:p>
+        </p:txBody>
+      </p:sp>
+    </p:spTree>
+    <p:extLst>
+      <p:ext uri="{BB962C8B-B14F-4D97-AF65-F5344CB8AC3E}">
+        <p14:creationId xmlns:p14="http://schemas.microsoft.com/office/powerpoint/2010/main" val="1297516261"/>
+      </p:ext>
+    </p:extLst>
+  </p:cSld>
+  <p:clrMapOvr>
+    <a:masterClrMapping/>
+  </p:clrMapOvr>
+</p:sld>
+</file>
+
+<file path=ppt/slides/slide11.xml><?xml version="1.0" encoding="utf-8"?>
+<p:sld xmlns:a="http://schemas.openxmlformats.org/drawingml/2006/main" xmlns:r="http://schemas.openxmlformats.org/officeDocument/2006/relationships" xmlns:p="http://schemas.openxmlformats.org/presentationml/2006/main">
+  <p:cSld>
+    <p:spTree>
+      <p:nvGrpSpPr>
+        <p:cNvPr id="1" name=""/>
+        <p:cNvGrpSpPr/>
+        <p:nvPr/>
+      </p:nvGrpSpPr>
+      <p:grpSpPr>
+        <a:xfrm>
+          <a:off x="0" y="0"/>
+          <a:ext cx="0" cy="0"/>
+          <a:chOff x="0" y="0"/>
+          <a:chExt cx="0" cy="0"/>
+        </a:xfrm>
+      </p:grpSpPr>
+      <p:sp>
+        <p:nvSpPr>
+          <p:cNvPr id="2" name="Title 1">
+            <a:extLst>
+              <a:ext uri="{FF2B5EF4-FFF2-40B4-BE49-F238E27FC236}">
+                <a16:creationId xmlns:a16="http://schemas.microsoft.com/office/drawing/2014/main" id="{1C2D1CCF-6071-E2CA-4593-071078F4F0DF}"/>
+              </a:ext>
+            </a:extLst>
+          </p:cNvPr>
+          <p:cNvSpPr>
+            <a:spLocks noGrp="1"/>
+          </p:cNvSpPr>
+          <p:nvPr>
+            <p:ph type="title"/>
+          </p:nvPr>
+        </p:nvSpPr>
+        <p:spPr/>
+        <p:txBody>
+          <a:bodyPr/>
+          <a:lstStyle/>
+          <a:p>
+            <a:r>
+              <a:rPr lang="zh-CN" altLang="en-US" dirty="0"/>
+              <a:t>补充知识：坐标系旋转公式</a:t>
+            </a:r>
+            <a:br>
+              <a:rPr lang="en-US" altLang="zh-CN" dirty="0"/>
+            </a:br>
+            <a:r>
+              <a:rPr lang="zh-CN" altLang="en-US" dirty="0"/>
+              <a:t>圆弧上的旋转</a:t>
+            </a:r>
+            <a:endParaRPr lang="en-US" dirty="0"/>
+          </a:p>
+        </p:txBody>
+      </p:sp>
+      <p:pic>
+        <p:nvPicPr>
+          <p:cNvPr id="6" name="Content Placeholder 5">
+            <a:extLst>
+              <a:ext uri="{FF2B5EF4-FFF2-40B4-BE49-F238E27FC236}">
+                <a16:creationId xmlns:a16="http://schemas.microsoft.com/office/drawing/2014/main" id="{A26520B9-7F7C-E76F-ABF2-BA126FCB49FB}"/>
+              </a:ext>
+            </a:extLst>
+          </p:cNvPr>
+          <p:cNvPicPr>
+            <a:picLocks noGrp="1" noChangeAspect="1"/>
+          </p:cNvPicPr>
+          <p:nvPr>
+            <p:ph sz="half" idx="1"/>
+          </p:nvPr>
+        </p:nvPicPr>
+        <p:blipFill>
+          <a:blip r:embed="rId2"/>
+          <a:stretch>
+            <a:fillRect/>
+          </a:stretch>
+        </p:blipFill>
+        <p:spPr>
+          <a:xfrm>
+            <a:off x="685800" y="2394142"/>
+            <a:ext cx="4995863" cy="3144454"/>
+          </a:xfrm>
+        </p:spPr>
+      </p:pic>
+      <p:sp>
+        <p:nvSpPr>
+          <p:cNvPr id="4" name="Content Placeholder 3">
+            <a:extLst>
+              <a:ext uri="{FF2B5EF4-FFF2-40B4-BE49-F238E27FC236}">
+                <a16:creationId xmlns:a16="http://schemas.microsoft.com/office/drawing/2014/main" id="{2AD9D923-9983-4EA6-64D1-FFE2A903F617}"/>
+              </a:ext>
+            </a:extLst>
+          </p:cNvPr>
+          <p:cNvSpPr>
+            <a:spLocks noGrp="1"/>
+          </p:cNvSpPr>
+          <p:nvPr>
+            <p:ph sz="half" idx="2"/>
+          </p:nvPr>
+        </p:nvSpPr>
+        <p:spPr>
+          <a:xfrm>
+            <a:off x="5821894" y="2142067"/>
+            <a:ext cx="6262529" cy="3649133"/>
+          </a:xfrm>
+        </p:spPr>
+        <p:txBody>
+          <a:bodyPr/>
+          <a:lstStyle/>
+          <a:p>
+            <a:r>
+              <a:rPr lang="zh-CN" altLang="en-US" dirty="0"/>
+              <a:t>以圆心为原点，半径为 </a:t>
+            </a:r>
+            <a:r>
+              <a:rPr lang="en-US" altLang="zh-CN" dirty="0"/>
+              <a:t>r</a:t>
+            </a:r>
+          </a:p>
+          <a:p>
+            <a:r>
+              <a:rPr lang="en-US" altLang="zh-CN" dirty="0"/>
+              <a:t>P</a:t>
+            </a:r>
+            <a:r>
+              <a:rPr lang="zh-CN" altLang="en-US" dirty="0"/>
+              <a:t>点相对圆心坐标为</a:t>
+            </a:r>
+            <a:r>
+              <a:rPr lang="en-US" altLang="zh-CN" dirty="0"/>
+              <a:t> (</a:t>
+            </a:r>
+            <a:r>
+              <a:rPr lang="en-US" altLang="zh-CN" dirty="0" err="1"/>
+              <a:t>p.x-c.x</a:t>
+            </a:r>
+            <a:r>
+              <a:rPr lang="en-US" altLang="zh-CN" dirty="0"/>
+              <a:t>, </a:t>
+            </a:r>
+            <a:r>
+              <a:rPr lang="en-US" altLang="zh-CN" dirty="0" err="1"/>
+              <a:t>p.y-c.y</a:t>
+            </a:r>
+            <a:r>
+              <a:rPr lang="en-US" altLang="zh-CN" dirty="0"/>
+              <a:t>) = (dx, </a:t>
+            </a:r>
+            <a:r>
+              <a:rPr lang="en-US" altLang="zh-CN" dirty="0" err="1"/>
+              <a:t>dy</a:t>
+            </a:r>
+            <a:r>
+              <a:rPr lang="en-US" altLang="zh-CN" dirty="0"/>
+              <a:t>)</a:t>
+            </a:r>
+          </a:p>
+          <a:p>
+            <a:r>
+              <a:rPr lang="en-US" dirty="0"/>
+              <a:t>P’</a:t>
+            </a:r>
+            <a:r>
+              <a:rPr lang="zh-CN" altLang="en-US" dirty="0"/>
+              <a:t>点相对圆心坐标为</a:t>
+            </a:r>
+            <a:r>
+              <a:rPr lang="en-US" altLang="zh-CN" dirty="0"/>
+              <a:t> (p’.</a:t>
+            </a:r>
+            <a:r>
+              <a:rPr lang="en-US" altLang="zh-CN" dirty="0" err="1"/>
+              <a:t>x-c</a:t>
+            </a:r>
+            <a:r>
+              <a:rPr lang="en-US" altLang="zh-CN" dirty="0"/>
+              <a:t>.x, p’.</a:t>
+            </a:r>
+            <a:r>
+              <a:rPr lang="en-US" altLang="zh-CN" dirty="0" err="1"/>
+              <a:t>y-c</a:t>
+            </a:r>
+            <a:r>
+              <a:rPr lang="en-US" altLang="zh-CN" dirty="0"/>
+              <a:t>.y)</a:t>
+            </a:r>
+          </a:p>
+          <a:p>
+            <a:r>
+              <a:rPr lang="el-GR" altLang="zh-CN" dirty="0">
+                <a:cs typeface="Kokila" panose="020B0502040204020203" pitchFamily="34" charset="0"/>
+              </a:rPr>
+              <a:t>Θ</a:t>
+            </a:r>
+            <a:r>
+              <a:rPr lang="en-US" altLang="zh-CN" dirty="0">
+                <a:latin typeface="Latha" panose="020B0502040204020203" pitchFamily="34" charset="0"/>
+                <a:cs typeface="Latha" panose="020B0502040204020203" pitchFamily="34" charset="0"/>
+              </a:rPr>
+              <a:t> = a</a:t>
+            </a:r>
+          </a:p>
+          <a:p>
+            <a:r>
+              <a:rPr lang="en-US" dirty="0"/>
+              <a:t>p’. x-</a:t>
+            </a:r>
+            <a:r>
+              <a:rPr lang="en-US" dirty="0" err="1"/>
+              <a:t>c.x</a:t>
+            </a:r>
+            <a:r>
+              <a:rPr lang="en-US" dirty="0"/>
+              <a:t> = r </a:t>
+            </a:r>
+            <a:r>
+              <a:rPr lang="en-US" dirty="0">
+                <a:sym typeface="Wingdings" panose="05000000000000000000" pitchFamily="2" charset="2"/>
+              </a:rPr>
+              <a:t> cos(</a:t>
+            </a:r>
+            <a:r>
+              <a:rPr lang="en-US" dirty="0" err="1">
+                <a:sym typeface="Wingdings" panose="05000000000000000000" pitchFamily="2" charset="2"/>
+              </a:rPr>
+              <a:t>a+b</a:t>
+            </a:r>
+            <a:r>
+              <a:rPr lang="en-US" dirty="0">
+                <a:sym typeface="Wingdings" panose="05000000000000000000" pitchFamily="2" charset="2"/>
+              </a:rPr>
+              <a:t>) = r  cos(a)cos(b) – r  sin(a)sin(b)</a:t>
+            </a:r>
+            <a:br>
+              <a:rPr lang="en-US" dirty="0">
+                <a:sym typeface="Wingdings" panose="05000000000000000000" pitchFamily="2" charset="2"/>
+              </a:rPr>
+            </a:br>
+            <a:r>
+              <a:rPr lang="en-US" dirty="0">
+                <a:sym typeface="Wingdings" panose="05000000000000000000" pitchFamily="2" charset="2"/>
+              </a:rPr>
+              <a:t>= cos(a)  dx – sin(a)  </a:t>
+            </a:r>
+            <a:r>
+              <a:rPr lang="en-US" dirty="0" err="1">
+                <a:sym typeface="Wingdings" panose="05000000000000000000" pitchFamily="2" charset="2"/>
+              </a:rPr>
+              <a:t>dy</a:t>
+            </a:r>
+            <a:r>
+              <a:rPr lang="en-US" dirty="0">
+                <a:sym typeface="Wingdings" panose="05000000000000000000" pitchFamily="2" charset="2"/>
+              </a:rPr>
+              <a:t> = cos(</a:t>
+            </a:r>
+            <a:r>
+              <a:rPr lang="el-GR" altLang="zh-CN" dirty="0">
+                <a:cs typeface="Kokila" panose="020B0502040204020203" pitchFamily="34" charset="0"/>
+              </a:rPr>
+              <a:t>Θ</a:t>
+            </a:r>
+            <a:r>
+              <a:rPr lang="en-US" dirty="0">
+                <a:sym typeface="Wingdings" panose="05000000000000000000" pitchFamily="2" charset="2"/>
+              </a:rPr>
+              <a:t>)  dx – sin(</a:t>
+            </a:r>
+            <a:r>
+              <a:rPr lang="el-GR" altLang="zh-CN" dirty="0">
+                <a:cs typeface="Kokila" panose="020B0502040204020203" pitchFamily="34" charset="0"/>
+              </a:rPr>
+              <a:t>Θ</a:t>
+            </a:r>
+            <a:r>
+              <a:rPr lang="en-US" dirty="0">
+                <a:sym typeface="Wingdings" panose="05000000000000000000" pitchFamily="2" charset="2"/>
+              </a:rPr>
+              <a:t>)  </a:t>
+            </a:r>
+            <a:r>
+              <a:rPr lang="en-US" dirty="0" err="1">
+                <a:sym typeface="Wingdings" panose="05000000000000000000" pitchFamily="2" charset="2"/>
+              </a:rPr>
+              <a:t>dy</a:t>
+            </a:r>
+            <a:endParaRPr lang="en-US" dirty="0">
+              <a:sym typeface="Wingdings" panose="05000000000000000000" pitchFamily="2" charset="2"/>
+            </a:endParaRPr>
+          </a:p>
+          <a:p>
+            <a:r>
+              <a:rPr lang="en-US" dirty="0"/>
+              <a:t>p’. y-</a:t>
+            </a:r>
+            <a:r>
+              <a:rPr lang="en-US" dirty="0" err="1"/>
+              <a:t>c.y</a:t>
+            </a:r>
+            <a:r>
+              <a:rPr lang="en-US" dirty="0"/>
+              <a:t> = r </a:t>
+            </a:r>
+            <a:r>
+              <a:rPr lang="en-US" dirty="0">
+                <a:sym typeface="Wingdings" panose="05000000000000000000" pitchFamily="2" charset="2"/>
+              </a:rPr>
+              <a:t> sin(</a:t>
+            </a:r>
+            <a:r>
+              <a:rPr lang="en-US" dirty="0" err="1">
+                <a:sym typeface="Wingdings" panose="05000000000000000000" pitchFamily="2" charset="2"/>
+              </a:rPr>
+              <a:t>a+b</a:t>
+            </a:r>
+            <a:r>
+              <a:rPr lang="en-US" dirty="0">
+                <a:sym typeface="Wingdings" panose="05000000000000000000" pitchFamily="2" charset="2"/>
+              </a:rPr>
+              <a:t>) = r  sin(a)cos(b) + r  cos(a)sin(b)</a:t>
+            </a:r>
+            <a:br>
+              <a:rPr lang="en-US" dirty="0">
+                <a:sym typeface="Wingdings" panose="05000000000000000000" pitchFamily="2" charset="2"/>
+              </a:rPr>
+            </a:br>
+            <a:r>
+              <a:rPr lang="en-US" dirty="0">
+                <a:sym typeface="Wingdings" panose="05000000000000000000" pitchFamily="2" charset="2"/>
+              </a:rPr>
+              <a:t>= sin(a)  dx + cos(a)  </a:t>
+            </a:r>
+            <a:r>
+              <a:rPr lang="en-US" dirty="0" err="1">
+                <a:sym typeface="Wingdings" panose="05000000000000000000" pitchFamily="2" charset="2"/>
+              </a:rPr>
+              <a:t>dy</a:t>
+            </a:r>
+            <a:r>
+              <a:rPr lang="en-US" dirty="0">
+                <a:sym typeface="Wingdings" panose="05000000000000000000" pitchFamily="2" charset="2"/>
+              </a:rPr>
+              <a:t> = sin(</a:t>
+            </a:r>
+            <a:r>
+              <a:rPr lang="el-GR" altLang="zh-CN" dirty="0">
+                <a:cs typeface="Kokila" panose="020B0502040204020203" pitchFamily="34" charset="0"/>
+              </a:rPr>
+              <a:t>Θ</a:t>
+            </a:r>
+            <a:r>
+              <a:rPr lang="en-US" dirty="0">
+                <a:sym typeface="Wingdings" panose="05000000000000000000" pitchFamily="2" charset="2"/>
+              </a:rPr>
+              <a:t>)  dx + cos(</a:t>
+            </a:r>
+            <a:r>
+              <a:rPr lang="el-GR" altLang="zh-CN" dirty="0">
+                <a:cs typeface="Kokila" panose="020B0502040204020203" pitchFamily="34" charset="0"/>
+              </a:rPr>
+              <a:t>Θ</a:t>
+            </a:r>
+            <a:r>
+              <a:rPr lang="en-US" dirty="0">
+                <a:sym typeface="Wingdings" panose="05000000000000000000" pitchFamily="2" charset="2"/>
+              </a:rPr>
+              <a:t>)  </a:t>
+            </a:r>
+            <a:r>
+              <a:rPr lang="en-US" dirty="0" err="1">
+                <a:sym typeface="Wingdings" panose="05000000000000000000" pitchFamily="2" charset="2"/>
+              </a:rPr>
+              <a:t>dy</a:t>
+            </a:r>
+            <a:endParaRPr lang="en-US" dirty="0"/>
+          </a:p>
+        </p:txBody>
+      </p:sp>
+      <p:sp>
+        <p:nvSpPr>
+          <p:cNvPr id="7" name="TextBox 6">
+            <a:extLst>
+              <a:ext uri="{FF2B5EF4-FFF2-40B4-BE49-F238E27FC236}">
+                <a16:creationId xmlns:a16="http://schemas.microsoft.com/office/drawing/2014/main" id="{642E1A78-E9B6-1720-31CD-E459EE8E4654}"/>
+              </a:ext>
+            </a:extLst>
+          </p:cNvPr>
+          <p:cNvSpPr txBox="1"/>
+          <p:nvPr/>
+        </p:nvSpPr>
+        <p:spPr>
+          <a:xfrm>
+            <a:off x="3103610" y="3316941"/>
+            <a:ext cx="295274" cy="369332"/>
+          </a:xfrm>
+          <a:prstGeom prst="rect">
+            <a:avLst/>
+          </a:prstGeom>
+          <a:solidFill>
+            <a:srgbClr val="00B0F0"/>
+          </a:solidFill>
+        </p:spPr>
+        <p:txBody>
+          <a:bodyPr wrap="none" rtlCol="0">
+            <a:spAutoFit/>
+          </a:bodyPr>
+          <a:lstStyle/>
+          <a:p>
+            <a:r>
+              <a:rPr lang="en-US" dirty="0"/>
+              <a:t>a</a:t>
+            </a:r>
+          </a:p>
+        </p:txBody>
+      </p:sp>
+      <p:sp>
+        <p:nvSpPr>
+          <p:cNvPr id="8" name="TextBox 7">
+            <a:extLst>
+              <a:ext uri="{FF2B5EF4-FFF2-40B4-BE49-F238E27FC236}">
+                <a16:creationId xmlns:a16="http://schemas.microsoft.com/office/drawing/2014/main" id="{62C06754-B61E-C0E8-9649-4A67C1AAFC4C}"/>
+              </a:ext>
+            </a:extLst>
+          </p:cNvPr>
+          <p:cNvSpPr txBox="1"/>
+          <p:nvPr/>
+        </p:nvSpPr>
+        <p:spPr>
+          <a:xfrm>
+            <a:off x="2776118" y="4058436"/>
+            <a:ext cx="306494" cy="369332"/>
+          </a:xfrm>
+          <a:prstGeom prst="rect">
+            <a:avLst/>
+          </a:prstGeom>
+          <a:solidFill>
+            <a:srgbClr val="00B0F0"/>
+          </a:solidFill>
+        </p:spPr>
+        <p:txBody>
+          <a:bodyPr wrap="none" rtlCol="0">
+            <a:spAutoFit/>
+          </a:bodyPr>
+          <a:lstStyle/>
+          <a:p>
+            <a:r>
+              <a:rPr lang="en-US" dirty="0"/>
+              <a:t>b</a:t>
+            </a:r>
+          </a:p>
+        </p:txBody>
+      </p:sp>
+      <p:cxnSp>
+        <p:nvCxnSpPr>
+          <p:cNvPr id="10" name="Straight Connector 9">
+            <a:extLst>
+              <a:ext uri="{FF2B5EF4-FFF2-40B4-BE49-F238E27FC236}">
+                <a16:creationId xmlns:a16="http://schemas.microsoft.com/office/drawing/2014/main" id="{B7E675C2-9A14-082B-9F63-690444ED74F7}"/>
+              </a:ext>
+            </a:extLst>
+          </p:cNvPr>
+          <p:cNvCxnSpPr/>
+          <p:nvPr/>
+        </p:nvCxnSpPr>
+        <p:spPr>
+          <a:xfrm flipH="1">
+            <a:off x="2590800" y="2886635"/>
+            <a:ext cx="779929" cy="1389530"/>
+          </a:xfrm>
+          <a:prstGeom prst="line">
+            <a:avLst/>
+          </a:prstGeom>
+          <a:ln w="38100"/>
+        </p:spPr>
+        <p:style>
+          <a:lnRef idx="1">
+            <a:schemeClr val="accent1"/>
+          </a:lnRef>
+          <a:fillRef idx="0">
+            <a:schemeClr val="accent1"/>
+          </a:fillRef>
+          <a:effectRef idx="0">
+            <a:schemeClr val="accent1"/>
+          </a:effectRef>
+          <a:fontRef idx="minor">
+            <a:schemeClr val="tx1"/>
+          </a:fontRef>
+        </p:style>
+      </p:cxnSp>
+    </p:spTree>
+    <p:extLst>
+      <p:ext uri="{BB962C8B-B14F-4D97-AF65-F5344CB8AC3E}">
+        <p14:creationId xmlns:p14="http://schemas.microsoft.com/office/powerpoint/2010/main" val="2567597157"/>
+      </p:ext>
+    </p:extLst>
+  </p:cSld>
+  <p:clrMapOvr>
+    <a:masterClrMapping/>
+  </p:clrMapOvr>
+</p:sld>
+</file>
+
+<file path=ppt/slides/slide12.xml><?xml version="1.0" encoding="utf-8"?>
+<p:sld xmlns:a="http://schemas.openxmlformats.org/drawingml/2006/main" xmlns:r="http://schemas.openxmlformats.org/officeDocument/2006/relationships" xmlns:p="http://schemas.openxmlformats.org/presentationml/2006/main">
+  <p:cSld>
+    <p:spTree>
+      <p:nvGrpSpPr>
+        <p:cNvPr id="1" name=""/>
+        <p:cNvGrpSpPr/>
+        <p:nvPr/>
+      </p:nvGrpSpPr>
+      <p:grpSpPr>
+        <a:xfrm>
+          <a:off x="0" y="0"/>
+          <a:ext cx="0" cy="0"/>
+          <a:chOff x="0" y="0"/>
+          <a:chExt cx="0" cy="0"/>
+        </a:xfrm>
+      </p:grpSpPr>
+      <p:sp>
+        <p:nvSpPr>
+          <p:cNvPr id="5" name="Title 4">
+            <a:extLst>
+              <a:ext uri="{FF2B5EF4-FFF2-40B4-BE49-F238E27FC236}">
+                <a16:creationId xmlns:a16="http://schemas.microsoft.com/office/drawing/2014/main" id="{F658C86E-4204-9782-02DC-6BBD4E5ED57D}"/>
+              </a:ext>
+            </a:extLst>
+          </p:cNvPr>
+          <p:cNvSpPr>
+            <a:spLocks noGrp="1"/>
+          </p:cNvSpPr>
+          <p:nvPr>
+            <p:ph type="title"/>
+          </p:nvPr>
+        </p:nvSpPr>
+        <p:spPr>
+          <a:xfrm>
+            <a:off x="568031" y="3536903"/>
+            <a:ext cx="5196272" cy="1576276"/>
+          </a:xfrm>
+        </p:spPr>
+        <p:txBody>
+          <a:bodyPr vert="horz" lIns="91440" tIns="45720" rIns="91440" bIns="45720" rtlCol="0" anchor="b">
+            <a:normAutofit/>
+          </a:bodyPr>
+          <a:lstStyle/>
+          <a:p>
+            <a:r>
+              <a:rPr lang="en-US" sz="4400" dirty="0">
+                <a:solidFill>
+                  <a:srgbClr val="FFFFFF"/>
+                </a:solidFill>
+              </a:rPr>
+              <a:t>Processing </a:t>
+            </a:r>
+            <a:br>
+              <a:rPr lang="en-US" sz="4400" dirty="0">
+                <a:solidFill>
+                  <a:srgbClr val="FFFFFF"/>
+                </a:solidFill>
+              </a:rPr>
+            </a:br>
+            <a:r>
+              <a:rPr lang="zh-CN" altLang="en-US" sz="4400" dirty="0">
+                <a:solidFill>
+                  <a:srgbClr val="FFFFFF"/>
+                </a:solidFill>
+              </a:rPr>
+              <a:t>点 </a:t>
+            </a:r>
+            <a:r>
+              <a:rPr lang="en-US" altLang="zh-CN" sz="4400" dirty="0">
+                <a:solidFill>
+                  <a:srgbClr val="FFFFFF"/>
+                </a:solidFill>
+              </a:rPr>
+              <a:t>Point</a:t>
+            </a:r>
+            <a:endParaRPr lang="en-US" sz="4400" dirty="0">
+              <a:solidFill>
+                <a:srgbClr val="FFFFFF"/>
+              </a:solidFill>
+            </a:endParaRPr>
+          </a:p>
+        </p:txBody>
+      </p:sp>
+      <p:sp>
+        <p:nvSpPr>
+          <p:cNvPr id="6" name="Text Placeholder 5">
+            <a:extLst>
+              <a:ext uri="{FF2B5EF4-FFF2-40B4-BE49-F238E27FC236}">
+                <a16:creationId xmlns:a16="http://schemas.microsoft.com/office/drawing/2014/main" id="{0948C32B-C854-A931-D9ED-1A29A8A882CA}"/>
+              </a:ext>
+            </a:extLst>
+          </p:cNvPr>
+          <p:cNvSpPr>
+            <a:spLocks noGrp="1"/>
+          </p:cNvSpPr>
+          <p:nvPr>
+            <p:ph type="body" idx="1"/>
+          </p:nvPr>
+        </p:nvSpPr>
+        <p:spPr>
+          <a:xfrm>
+            <a:off x="29384" y="5805023"/>
+            <a:ext cx="6259035" cy="435206"/>
+          </a:xfrm>
+        </p:spPr>
+        <p:txBody>
+          <a:bodyPr vert="horz" lIns="91440" tIns="45720" rIns="91440" bIns="45720" rtlCol="0" anchor="t">
+            <a:normAutofit fontScale="92500" lnSpcReduction="20000"/>
+          </a:bodyPr>
+          <a:lstStyle/>
+          <a:p>
+            <a:pPr algn="r"/>
+            <a:r>
+              <a:rPr lang="en-US" sz="1800" b="1" dirty="0">
+                <a:hlinkClick r:id="rId2"/>
+              </a:rPr>
+              <a:t>https://github.com/yasenstar/Processing_Programming</a:t>
+            </a:r>
+            <a:endParaRPr lang="en-US" sz="1800" b="1" dirty="0">
+              <a:solidFill>
+                <a:srgbClr val="FFFFFF"/>
+              </a:solidFill>
+            </a:endParaRPr>
+          </a:p>
+          <a:p>
+            <a:pPr algn="r"/>
+            <a:endParaRPr lang="en-US" sz="1800" b="1" dirty="0"/>
+          </a:p>
+        </p:txBody>
+      </p:sp>
+      <p:pic>
+        <p:nvPicPr>
+          <p:cNvPr id="4" name="Picture 3">
+            <a:extLst>
+              <a:ext uri="{FF2B5EF4-FFF2-40B4-BE49-F238E27FC236}">
+                <a16:creationId xmlns:a16="http://schemas.microsoft.com/office/drawing/2014/main" id="{2BB64D50-2612-E1AB-3582-3EC0F25781DD}"/>
+              </a:ext>
+            </a:extLst>
+          </p:cNvPr>
+          <p:cNvPicPr>
+            <a:picLocks noChangeAspect="1"/>
+          </p:cNvPicPr>
+          <p:nvPr/>
+        </p:nvPicPr>
+        <p:blipFill>
+          <a:blip r:embed="rId3"/>
+          <a:stretch>
+            <a:fillRect/>
+          </a:stretch>
+        </p:blipFill>
+        <p:spPr>
+          <a:xfrm>
+            <a:off x="550343" y="302887"/>
+            <a:ext cx="2445296" cy="3054381"/>
+          </a:xfrm>
+          <a:prstGeom prst="rect">
+            <a:avLst/>
+          </a:prstGeom>
+          <a:solidFill>
+            <a:srgbClr val="FFFFFF">
+              <a:shade val="85000"/>
+            </a:srgbClr>
+          </a:solidFill>
+        </p:spPr>
+      </p:pic>
+      <p:sp>
+        <p:nvSpPr>
+          <p:cNvPr id="7" name="TextBox 6">
+            <a:extLst>
+              <a:ext uri="{FF2B5EF4-FFF2-40B4-BE49-F238E27FC236}">
+                <a16:creationId xmlns:a16="http://schemas.microsoft.com/office/drawing/2014/main" id="{EC30F526-AE41-E2C2-352A-037BA5C2D2A9}"/>
+              </a:ext>
+            </a:extLst>
+          </p:cNvPr>
+          <p:cNvSpPr txBox="1"/>
+          <p:nvPr/>
+        </p:nvSpPr>
+        <p:spPr>
+          <a:xfrm>
+            <a:off x="3029200" y="306246"/>
+            <a:ext cx="1742785" cy="1323439"/>
+          </a:xfrm>
+          <a:prstGeom prst="rect">
+            <a:avLst/>
+          </a:prstGeom>
+          <a:noFill/>
+        </p:spPr>
+        <p:txBody>
+          <a:bodyPr wrap="none" rtlCol="0">
+            <a:spAutoFit/>
+          </a:bodyPr>
+          <a:lstStyle/>
+          <a:p>
+            <a:pPr algn="ctr"/>
+            <a:r>
+              <a:rPr lang="en-US" sz="8000" dirty="0"/>
+              <a:t>009</a:t>
+            </a:r>
+          </a:p>
+        </p:txBody>
+      </p:sp>
+      <p:pic>
+        <p:nvPicPr>
+          <p:cNvPr id="3" name="Picture 2">
+            <a:extLst>
+              <a:ext uri="{FF2B5EF4-FFF2-40B4-BE49-F238E27FC236}">
+                <a16:creationId xmlns:a16="http://schemas.microsoft.com/office/drawing/2014/main" id="{F51AD2B4-29E3-7290-D683-AA319D5A6BD7}"/>
+              </a:ext>
+            </a:extLst>
+          </p:cNvPr>
+          <p:cNvPicPr>
+            <a:picLocks noChangeAspect="1"/>
+          </p:cNvPicPr>
+          <p:nvPr/>
+        </p:nvPicPr>
+        <p:blipFill>
+          <a:blip r:embed="rId4"/>
+          <a:stretch>
+            <a:fillRect/>
+          </a:stretch>
+        </p:blipFill>
+        <p:spPr>
+          <a:xfrm>
+            <a:off x="4063627" y="1528062"/>
+            <a:ext cx="7652403" cy="3801875"/>
+          </a:xfrm>
+          <a:prstGeom prst="rect">
+            <a:avLst/>
+          </a:prstGeom>
+          <a:ln>
+            <a:noFill/>
+          </a:ln>
+          <a:effectLst>
+            <a:outerShdw blurRad="292100" dist="139700" dir="2700000" algn="tl" rotWithShape="0">
+              <a:srgbClr val="333333">
+                <a:alpha val="65000"/>
+              </a:srgbClr>
+            </a:outerShdw>
+          </a:effectLst>
+        </p:spPr>
+      </p:pic>
+      <p:sp>
+        <p:nvSpPr>
+          <p:cNvPr id="8" name="Rectangle: Rounded Corners 7">
+            <a:extLst>
+              <a:ext uri="{FF2B5EF4-FFF2-40B4-BE49-F238E27FC236}">
+                <a16:creationId xmlns:a16="http://schemas.microsoft.com/office/drawing/2014/main" id="{2C0EB603-92E7-8307-088A-9CF94AE03B89}"/>
+              </a:ext>
+            </a:extLst>
+          </p:cNvPr>
+          <p:cNvSpPr/>
+          <p:nvPr/>
+        </p:nvSpPr>
+        <p:spPr>
+          <a:xfrm>
+            <a:off x="6536554" y="4463143"/>
+            <a:ext cx="5109877" cy="650036"/>
+          </a:xfrm>
+          <a:prstGeom prst="roundRect">
+            <a:avLst>
+              <a:gd name="adj" fmla="val 6410"/>
+            </a:avLst>
+          </a:prstGeom>
+          <a:noFill/>
+          <a:ln w="57150">
+            <a:solidFill>
+              <a:schemeClr val="accent1"/>
+            </a:solidFill>
+          </a:ln>
+        </p:spPr>
+        <p:style>
+          <a:lnRef idx="2">
+            <a:schemeClr val="accent1">
+              <a:shade val="15000"/>
+            </a:schemeClr>
+          </a:lnRef>
+          <a:fillRef idx="1">
+            <a:schemeClr val="accent1"/>
+          </a:fillRef>
+          <a:effectRef idx="0">
+            <a:schemeClr val="accent1"/>
+          </a:effectRef>
+          <a:fontRef idx="minor">
+            <a:schemeClr val="lt1"/>
+          </a:fontRef>
+        </p:style>
+        <p:txBody>
+          <a:bodyPr rtlCol="0" anchor="ctr"/>
+          <a:lstStyle/>
+          <a:p>
+            <a:pPr algn="ctr"/>
+            <a:endParaRPr lang="en-US"/>
+          </a:p>
+        </p:txBody>
+      </p:sp>
+    </p:spTree>
+    <p:extLst>
+      <p:ext uri="{BB962C8B-B14F-4D97-AF65-F5344CB8AC3E}">
+        <p14:creationId xmlns:p14="http://schemas.microsoft.com/office/powerpoint/2010/main" val="2718071313"/>
+      </p:ext>
+    </p:extLst>
+  </p:cSld>
+  <p:clrMapOvr>
+    <a:masterClrMapping/>
+  </p:clrMapOvr>
+</p:sld>
+</file>
+
 <file path=ppt/slides/slide2.xml><?xml version="1.0" encoding="utf-8"?>
 <p:sld xmlns:a="http://schemas.openxmlformats.org/drawingml/2006/main" xmlns:r="http://schemas.openxmlformats.org/officeDocument/2006/relationships" xmlns:p="http://schemas.openxmlformats.org/presentationml/2006/main">
   <p:cSld>
@@ -18098,10 +19123,10 @@
       </p:grpSpPr>
       <p:sp>
         <p:nvSpPr>
-          <p:cNvPr id="5" name="Title 4">
+          <p:cNvPr id="6" name="Title 5">
             <a:extLst>
               <a:ext uri="{FF2B5EF4-FFF2-40B4-BE49-F238E27FC236}">
-                <a16:creationId xmlns:a16="http://schemas.microsoft.com/office/drawing/2014/main" id="{F658C86E-4204-9782-02DC-6BBD4E5ED57D}"/>
+                <a16:creationId xmlns:a16="http://schemas.microsoft.com/office/drawing/2014/main" id="{C0433D6F-7302-B92F-0DD7-B2EFDBC8DCB7}"/>
               </a:ext>
             </a:extLst>
           </p:cNvPr>
@@ -18112,63 +19137,97 @@
             <p:ph type="title"/>
           </p:nvPr>
         </p:nvSpPr>
+        <p:spPr/>
+        <p:txBody>
+          <a:bodyPr/>
+          <a:lstStyle/>
+          <a:p>
+            <a:r>
+              <a:rPr lang="zh-CN" altLang="en-US" dirty="0"/>
+              <a:t>补充知识：坐标系旋转公式</a:t>
+            </a:r>
+            <a:br>
+              <a:rPr lang="en-US" altLang="zh-CN" dirty="0"/>
+            </a:br>
+            <a:r>
+              <a:rPr lang="en-US" altLang="zh-CN" dirty="0"/>
+              <a:t>1)</a:t>
+            </a:r>
+            <a:r>
+              <a:rPr lang="zh-CN" altLang="en-US" dirty="0"/>
+              <a:t> </a:t>
+            </a:r>
+            <a:r>
+              <a:rPr lang="en-US" altLang="zh-CN" dirty="0"/>
+              <a:t>cos(</a:t>
+            </a:r>
+            <a:r>
+              <a:rPr lang="en-US" altLang="zh-CN" dirty="0" err="1"/>
+              <a:t>a+b</a:t>
+            </a:r>
+            <a:r>
+              <a:rPr lang="en-US" altLang="zh-CN" dirty="0"/>
+              <a:t>) = cos(A)</a:t>
+            </a:r>
+            <a:r>
+              <a:rPr lang="en-US" dirty="0">
+                <a:sym typeface="Wingdings" panose="05000000000000000000" pitchFamily="2" charset="2"/>
+              </a:rPr>
+              <a:t>  </a:t>
+            </a:r>
+            <a:r>
+              <a:rPr lang="en-US" altLang="zh-CN" dirty="0"/>
+              <a:t>Cos(B) – Sin(A)</a:t>
+            </a:r>
+            <a:r>
+              <a:rPr lang="en-US" dirty="0">
+                <a:sym typeface="Wingdings" panose="05000000000000000000" pitchFamily="2" charset="2"/>
+              </a:rPr>
+              <a:t>  </a:t>
+            </a:r>
+            <a:r>
+              <a:rPr lang="en-US" altLang="zh-CN" dirty="0"/>
+              <a:t>Sin(B)</a:t>
+            </a:r>
+            <a:endParaRPr lang="en-US" dirty="0"/>
+          </a:p>
+        </p:txBody>
+      </p:sp>
+      <p:pic>
+        <p:nvPicPr>
+          <p:cNvPr id="10" name="Content Placeholder 9">
+            <a:extLst>
+              <a:ext uri="{FF2B5EF4-FFF2-40B4-BE49-F238E27FC236}">
+                <a16:creationId xmlns:a16="http://schemas.microsoft.com/office/drawing/2014/main" id="{E47ABAF6-6C7A-9B4E-8FA4-A13B52D66C35}"/>
+              </a:ext>
+            </a:extLst>
+          </p:cNvPr>
+          <p:cNvPicPr>
+            <a:picLocks noGrp="1" noChangeAspect="1"/>
+          </p:cNvPicPr>
+          <p:nvPr>
+            <p:ph sz="half" idx="1"/>
+          </p:nvPr>
+        </p:nvPicPr>
+        <p:blipFill>
+          <a:blip r:embed="rId2"/>
+          <a:stretch>
+            <a:fillRect/>
+          </a:stretch>
+        </p:blipFill>
         <p:spPr>
           <a:xfrm>
-            <a:off x="568031" y="3536903"/>
-            <a:ext cx="5196272" cy="1576276"/>
+            <a:off x="933253" y="2488358"/>
+            <a:ext cx="4191810" cy="3098784"/>
           </a:xfrm>
         </p:spPr>
-        <p:txBody>
-          <a:bodyPr vert="horz" lIns="91440" tIns="45720" rIns="91440" bIns="45720" rtlCol="0" anchor="b">
-            <a:normAutofit/>
-          </a:bodyPr>
-          <a:lstStyle/>
-          <a:p>
-            <a:r>
-              <a:rPr lang="en-US" sz="4400" dirty="0">
-                <a:solidFill>
-                  <a:srgbClr val="FFFFFF"/>
-                </a:solidFill>
-              </a:rPr>
-              <a:t>Processing </a:t>
-            </a:r>
-            <a:br>
-              <a:rPr lang="en-US" sz="4400" dirty="0">
-                <a:solidFill>
-                  <a:srgbClr val="FFFFFF"/>
-                </a:solidFill>
-              </a:rPr>
-            </a:br>
-            <a:r>
-              <a:rPr lang="zh-CN" altLang="en-US" sz="4400" dirty="0">
-                <a:solidFill>
-                  <a:srgbClr val="FFFFFF"/>
-                </a:solidFill>
-              </a:rPr>
-              <a:t>点 </a:t>
-            </a:r>
-            <a:r>
-              <a:rPr lang="en-US" altLang="zh-CN" sz="4400" dirty="0">
-                <a:solidFill>
-                  <a:srgbClr val="FFFFFF"/>
-                </a:solidFill>
-              </a:rPr>
-              <a:t>Point</a:t>
-            </a:r>
-            <a:endParaRPr lang="en-US" sz="4400" dirty="0">
-              <a:solidFill>
-                <a:srgbClr val="FFFFFF"/>
-              </a:solidFill>
-            </a:endParaRPr>
-          </a:p>
-        </p:txBody>
-      </p:sp>
+      </p:pic>
       <p:sp>
         <p:nvSpPr>
-          <p:cNvPr id="6" name="Text Placeholder 5">
+          <p:cNvPr id="8" name="Content Placeholder 7">
             <a:extLst>
               <a:ext uri="{FF2B5EF4-FFF2-40B4-BE49-F238E27FC236}">
-                <a16:creationId xmlns:a16="http://schemas.microsoft.com/office/drawing/2014/main" id="{0948C32B-C854-A931-D9ED-1A29A8A882CA}"/>
+                <a16:creationId xmlns:a16="http://schemas.microsoft.com/office/drawing/2014/main" id="{F3229864-1ECE-3539-6BA1-76E42C0591B3}"/>
               </a:ext>
             </a:extLst>
           </p:cNvPr>
@@ -18176,209 +19235,111 @@
             <a:spLocks noGrp="1"/>
           </p:cNvSpPr>
           <p:nvPr>
-            <p:ph type="body" idx="1"/>
+            <p:ph sz="half" idx="2"/>
           </p:nvPr>
         </p:nvSpPr>
-        <p:spPr>
-          <a:xfrm>
-            <a:off x="29384" y="5805023"/>
-            <a:ext cx="6259035" cy="435206"/>
-          </a:xfrm>
-        </p:spPr>
+        <p:spPr/>
         <p:txBody>
-          <a:bodyPr vert="horz" lIns="91440" tIns="45720" rIns="91440" bIns="45720" rtlCol="0" anchor="t">
-            <a:normAutofit fontScale="92500" lnSpcReduction="20000"/>
-          </a:bodyPr>
+          <a:bodyPr/>
           <a:lstStyle/>
           <a:p>
-            <a:pPr algn="r"/>
-            <a:r>
-              <a:rPr lang="en-US" sz="1800" b="1" dirty="0">
-                <a:hlinkClick r:id="rId2"/>
+            <a:pPr marL="0" indent="0">
+              <a:buNone/>
+            </a:pPr>
+            <a:r>
+              <a:rPr lang="en-US" dirty="0"/>
+              <a:t>cos(</a:t>
+            </a:r>
+            <a:r>
+              <a:rPr lang="en-US" dirty="0" err="1"/>
+              <a:t>a+b</a:t>
+            </a:r>
+            <a:r>
+              <a:rPr lang="en-US" dirty="0"/>
+              <a:t>)</a:t>
+            </a:r>
+          </a:p>
+          <a:p>
+            <a:pPr marL="0" indent="0">
+              <a:buNone/>
+            </a:pPr>
+            <a:r>
+              <a:rPr lang="en-US" dirty="0"/>
+              <a:t>= OQ / OP</a:t>
+            </a:r>
+          </a:p>
+          <a:p>
+            <a:pPr marL="0" indent="0">
+              <a:buNone/>
+            </a:pPr>
+            <a:r>
+              <a:rPr lang="en-US" dirty="0"/>
+              <a:t>= (OS – QS) / OP</a:t>
+            </a:r>
+          </a:p>
+          <a:p>
+            <a:pPr marL="0" indent="0">
+              <a:buNone/>
+            </a:pPr>
+            <a:r>
+              <a:rPr lang="en-US" dirty="0"/>
+              <a:t>= OS / OP – QS / OP</a:t>
+            </a:r>
+          </a:p>
+          <a:p>
+            <a:pPr marL="0" indent="0">
+              <a:buNone/>
+            </a:pPr>
+            <a:r>
+              <a:rPr lang="en-US" dirty="0"/>
+              <a:t>= OS / OP – TR / OP</a:t>
+            </a:r>
+          </a:p>
+          <a:p>
+            <a:pPr marL="0" indent="0">
+              <a:buNone/>
+            </a:pPr>
+            <a:r>
+              <a:rPr lang="en-US" dirty="0"/>
+              <a:t>= OS/OR </a:t>
+            </a:r>
+            <a:r>
+              <a:rPr lang="en-US" dirty="0">
+                <a:sym typeface="Wingdings" panose="05000000000000000000" pitchFamily="2" charset="2"/>
               </a:rPr>
-              <a:t>https://github.com/yasenstar/Processing_Programming</a:t>
-            </a:r>
-            <a:endParaRPr lang="en-US" sz="1800" b="1" dirty="0">
-              <a:solidFill>
-                <a:srgbClr val="FFFFFF"/>
-              </a:solidFill>
-            </a:endParaRPr>
-          </a:p>
-          <a:p>
-            <a:pPr algn="r"/>
-            <a:endParaRPr lang="en-US" sz="1800" b="1" dirty="0"/>
-          </a:p>
-        </p:txBody>
-      </p:sp>
-      <p:pic>
-        <p:nvPicPr>
-          <p:cNvPr id="4" name="Picture 3">
-            <a:extLst>
-              <a:ext uri="{FF2B5EF4-FFF2-40B4-BE49-F238E27FC236}">
-                <a16:creationId xmlns:a16="http://schemas.microsoft.com/office/drawing/2014/main" id="{2BB64D50-2612-E1AB-3582-3EC0F25781DD}"/>
-              </a:ext>
-            </a:extLst>
-          </p:cNvPr>
-          <p:cNvPicPr>
-            <a:picLocks noChangeAspect="1"/>
-          </p:cNvPicPr>
-          <p:nvPr/>
-        </p:nvPicPr>
-        <p:blipFill>
-          <a:blip r:embed="rId3"/>
-          <a:stretch>
-            <a:fillRect/>
-          </a:stretch>
-        </p:blipFill>
-        <p:spPr>
-          <a:xfrm>
-            <a:off x="550343" y="302887"/>
-            <a:ext cx="2445296" cy="3054381"/>
-          </a:xfrm>
-          <a:prstGeom prst="rect">
-            <a:avLst/>
-          </a:prstGeom>
-          <a:solidFill>
-            <a:srgbClr val="FFFFFF">
-              <a:shade val="85000"/>
-            </a:srgbClr>
-          </a:solidFill>
-        </p:spPr>
-      </p:pic>
-      <p:sp>
-        <p:nvSpPr>
-          <p:cNvPr id="7" name="TextBox 6">
-            <a:extLst>
-              <a:ext uri="{FF2B5EF4-FFF2-40B4-BE49-F238E27FC236}">
-                <a16:creationId xmlns:a16="http://schemas.microsoft.com/office/drawing/2014/main" id="{EC30F526-AE41-E2C2-352A-037BA5C2D2A9}"/>
-              </a:ext>
-            </a:extLst>
-          </p:cNvPr>
-          <p:cNvSpPr txBox="1"/>
-          <p:nvPr/>
-        </p:nvSpPr>
-        <p:spPr>
-          <a:xfrm>
-            <a:off x="3029200" y="306246"/>
-            <a:ext cx="1742785" cy="1323439"/>
-          </a:xfrm>
-          <a:prstGeom prst="rect">
-            <a:avLst/>
-          </a:prstGeom>
-          <a:noFill/>
-        </p:spPr>
-        <p:txBody>
-          <a:bodyPr wrap="none" rtlCol="0">
-            <a:spAutoFit/>
-          </a:bodyPr>
-          <a:lstStyle/>
-          <a:p>
-            <a:pPr algn="ctr"/>
-            <a:r>
-              <a:rPr lang="en-US" sz="8000" dirty="0"/>
-              <a:t>009</a:t>
-            </a:r>
-          </a:p>
-        </p:txBody>
-      </p:sp>
-      <p:pic>
-        <p:nvPicPr>
-          <p:cNvPr id="3" name="Picture 2">
-            <a:extLst>
-              <a:ext uri="{FF2B5EF4-FFF2-40B4-BE49-F238E27FC236}">
-                <a16:creationId xmlns:a16="http://schemas.microsoft.com/office/drawing/2014/main" id="{F51AD2B4-29E3-7290-D683-AA319D5A6BD7}"/>
-              </a:ext>
-            </a:extLst>
-          </p:cNvPr>
-          <p:cNvPicPr>
-            <a:picLocks noChangeAspect="1"/>
-          </p:cNvPicPr>
-          <p:nvPr/>
-        </p:nvPicPr>
-        <p:blipFill>
-          <a:blip r:embed="rId4"/>
-          <a:stretch>
-            <a:fillRect/>
-          </a:stretch>
-        </p:blipFill>
-        <p:spPr>
-          <a:xfrm>
-            <a:off x="4063627" y="1528062"/>
-            <a:ext cx="7652403" cy="3801875"/>
-          </a:xfrm>
-          <a:prstGeom prst="rect">
-            <a:avLst/>
-          </a:prstGeom>
-          <a:ln>
-            <a:noFill/>
-          </a:ln>
-          <a:effectLst>
-            <a:outerShdw blurRad="292100" dist="139700" dir="2700000" algn="tl" rotWithShape="0">
-              <a:srgbClr val="333333">
-                <a:alpha val="65000"/>
-              </a:srgbClr>
-            </a:outerShdw>
-          </a:effectLst>
-        </p:spPr>
-      </p:pic>
-      <p:sp>
-        <p:nvSpPr>
-          <p:cNvPr id="8" name="Rectangle: Rounded Corners 7">
-            <a:extLst>
-              <a:ext uri="{FF2B5EF4-FFF2-40B4-BE49-F238E27FC236}">
-                <a16:creationId xmlns:a16="http://schemas.microsoft.com/office/drawing/2014/main" id="{2C0EB603-92E7-8307-088A-9CF94AE03B89}"/>
-              </a:ext>
-            </a:extLst>
-          </p:cNvPr>
-          <p:cNvSpPr/>
-          <p:nvPr/>
-        </p:nvSpPr>
-        <p:spPr>
-          <a:xfrm>
-            <a:off x="6536554" y="4463143"/>
-            <a:ext cx="5109877" cy="650036"/>
-          </a:xfrm>
-          <a:prstGeom prst="roundRect">
-            <a:avLst>
-              <a:gd name="adj" fmla="val 6410"/>
-            </a:avLst>
-          </a:prstGeom>
-          <a:noFill/>
-          <a:ln w="57150">
-            <a:solidFill>
-              <a:schemeClr val="accent1"/>
-            </a:solidFill>
-          </a:ln>
-        </p:spPr>
-        <p:style>
-          <a:lnRef idx="2">
-            <a:schemeClr val="accent1">
-              <a:shade val="15000"/>
-            </a:schemeClr>
-          </a:lnRef>
-          <a:fillRef idx="1">
-            <a:schemeClr val="accent1"/>
-          </a:fillRef>
-          <a:effectRef idx="0">
-            <a:schemeClr val="accent1"/>
-          </a:effectRef>
-          <a:fontRef idx="minor">
-            <a:schemeClr val="lt1"/>
-          </a:fontRef>
-        </p:style>
-        <p:txBody>
-          <a:bodyPr rtlCol="0" anchor="ctr"/>
-          <a:lstStyle/>
-          <a:p>
-            <a:pPr algn="ctr"/>
-            <a:endParaRPr lang="en-US"/>
+              <a:t> OR/OP - TR/PR  PR/OP</a:t>
+            </a:r>
+          </a:p>
+          <a:p>
+            <a:pPr marL="0" indent="0">
+              <a:buNone/>
+            </a:pPr>
+            <a:r>
+              <a:rPr lang="en-US" dirty="0">
+                <a:sym typeface="Wingdings" panose="05000000000000000000" pitchFamily="2" charset="2"/>
+              </a:rPr>
+              <a:t>= </a:t>
+            </a:r>
+            <a:r>
+              <a:rPr lang="en-US" altLang="zh-CN" dirty="0">
+                <a:sym typeface="Wingdings" panose="05000000000000000000" pitchFamily="2" charset="2"/>
+              </a:rPr>
+              <a:t>cos</a:t>
+            </a:r>
+            <a:r>
+              <a:rPr lang="en-US" dirty="0">
+                <a:sym typeface="Wingdings" panose="05000000000000000000" pitchFamily="2" charset="2"/>
+              </a:rPr>
+              <a:t>(a)  cos(b) - sin(a)  sin(b)</a:t>
+            </a:r>
+            <a:endParaRPr lang="en-US" dirty="0"/>
           </a:p>
         </p:txBody>
       </p:sp>
     </p:spTree>
     <p:extLst>
       <p:ext uri="{BB962C8B-B14F-4D97-AF65-F5344CB8AC3E}">
-        <p14:creationId xmlns:p14="http://schemas.microsoft.com/office/powerpoint/2010/main" val="2718071313"/>
+        <p14:creationId xmlns:p14="http://schemas.microsoft.com/office/powerpoint/2010/main" val="1684409642"/>
       </p:ext>
     </p:extLst>
   </p:cSld>

--- a/Processing_创意编程.pptx
+++ b/Processing_创意编程.pptx
@@ -7555,6 +7555,458 @@
   <p:clrMapOvr>
     <a:masterClrMapping/>
   </p:clrMapOvr>
+  <p:timing>
+    <p:tnLst>
+      <p:par>
+        <p:cTn id="1" dur="indefinite" restart="never" nodeType="tmRoot">
+          <p:childTnLst>
+            <p:seq concurrent="1" nextAc="seek">
+              <p:cTn id="2" dur="indefinite" nodeType="mainSeq">
+                <p:childTnLst>
+                  <p:par>
+                    <p:cTn id="3" fill="hold">
+                      <p:stCondLst>
+                        <p:cond delay="indefinite"/>
+                      </p:stCondLst>
+                      <p:childTnLst>
+                        <p:par>
+                          <p:cTn id="4" fill="hold">
+                            <p:stCondLst>
+                              <p:cond delay="0"/>
+                            </p:stCondLst>
+                            <p:childTnLst>
+                              <p:par>
+                                <p:cTn id="5" presetID="22" presetClass="entr" presetSubtype="1" fill="hold" nodeType="clickEffect">
+                                  <p:stCondLst>
+                                    <p:cond delay="0"/>
+                                  </p:stCondLst>
+                                  <p:childTnLst>
+                                    <p:set>
+                                      <p:cBhvr>
+                                        <p:cTn id="6" dur="1" fill="hold">
+                                          <p:stCondLst>
+                                            <p:cond delay="0"/>
+                                          </p:stCondLst>
+                                        </p:cTn>
+                                        <p:tgtEl>
+                                          <p:spTgt spid="10"/>
+                                        </p:tgtEl>
+                                        <p:attrNameLst>
+                                          <p:attrName>style.visibility</p:attrName>
+                                        </p:attrNameLst>
+                                      </p:cBhvr>
+                                      <p:to>
+                                        <p:strVal val="visible"/>
+                                      </p:to>
+                                    </p:set>
+                                    <p:animEffect transition="in" filter="wipe(up)">
+                                      <p:cBhvr>
+                                        <p:cTn id="7" dur="500"/>
+                                        <p:tgtEl>
+                                          <p:spTgt spid="10"/>
+                                        </p:tgtEl>
+                                      </p:cBhvr>
+                                    </p:animEffect>
+                                  </p:childTnLst>
+                                </p:cTn>
+                              </p:par>
+                            </p:childTnLst>
+                          </p:cTn>
+                        </p:par>
+                      </p:childTnLst>
+                    </p:cTn>
+                  </p:par>
+                  <p:par>
+                    <p:cTn id="8" fill="hold">
+                      <p:stCondLst>
+                        <p:cond delay="indefinite"/>
+                      </p:stCondLst>
+                      <p:childTnLst>
+                        <p:par>
+                          <p:cTn id="9" fill="hold">
+                            <p:stCondLst>
+                              <p:cond delay="0"/>
+                            </p:stCondLst>
+                            <p:childTnLst>
+                              <p:par>
+                                <p:cTn id="10" presetID="10" presetClass="entr" presetSubtype="0" fill="hold" grpId="0" nodeType="clickEffect">
+                                  <p:stCondLst>
+                                    <p:cond delay="0"/>
+                                  </p:stCondLst>
+                                  <p:childTnLst>
+                                    <p:set>
+                                      <p:cBhvr>
+                                        <p:cTn id="11" dur="1" fill="hold">
+                                          <p:stCondLst>
+                                            <p:cond delay="0"/>
+                                          </p:stCondLst>
+                                        </p:cTn>
+                                        <p:tgtEl>
+                                          <p:spTgt spid="4">
+                                            <p:txEl>
+                                              <p:pRg st="0" end="0"/>
+                                            </p:txEl>
+                                          </p:spTgt>
+                                        </p:tgtEl>
+                                        <p:attrNameLst>
+                                          <p:attrName>style.visibility</p:attrName>
+                                        </p:attrNameLst>
+                                      </p:cBhvr>
+                                      <p:to>
+                                        <p:strVal val="visible"/>
+                                      </p:to>
+                                    </p:set>
+                                    <p:animEffect transition="in" filter="fade">
+                                      <p:cBhvr>
+                                        <p:cTn id="12" dur="500"/>
+                                        <p:tgtEl>
+                                          <p:spTgt spid="4">
+                                            <p:txEl>
+                                              <p:pRg st="0" end="0"/>
+                                            </p:txEl>
+                                          </p:spTgt>
+                                        </p:tgtEl>
+                                      </p:cBhvr>
+                                    </p:animEffect>
+                                  </p:childTnLst>
+                                </p:cTn>
+                              </p:par>
+                            </p:childTnLst>
+                          </p:cTn>
+                        </p:par>
+                      </p:childTnLst>
+                    </p:cTn>
+                  </p:par>
+                  <p:par>
+                    <p:cTn id="13" fill="hold">
+                      <p:stCondLst>
+                        <p:cond delay="indefinite"/>
+                      </p:stCondLst>
+                      <p:childTnLst>
+                        <p:par>
+                          <p:cTn id="14" fill="hold">
+                            <p:stCondLst>
+                              <p:cond delay="0"/>
+                            </p:stCondLst>
+                            <p:childTnLst>
+                              <p:par>
+                                <p:cTn id="15" presetID="10" presetClass="entr" presetSubtype="0" fill="hold" grpId="0" nodeType="clickEffect">
+                                  <p:stCondLst>
+                                    <p:cond delay="0"/>
+                                  </p:stCondLst>
+                                  <p:childTnLst>
+                                    <p:set>
+                                      <p:cBhvr>
+                                        <p:cTn id="16" dur="1" fill="hold">
+                                          <p:stCondLst>
+                                            <p:cond delay="0"/>
+                                          </p:stCondLst>
+                                        </p:cTn>
+                                        <p:tgtEl>
+                                          <p:spTgt spid="4">
+                                            <p:txEl>
+                                              <p:pRg st="1" end="1"/>
+                                            </p:txEl>
+                                          </p:spTgt>
+                                        </p:tgtEl>
+                                        <p:attrNameLst>
+                                          <p:attrName>style.visibility</p:attrName>
+                                        </p:attrNameLst>
+                                      </p:cBhvr>
+                                      <p:to>
+                                        <p:strVal val="visible"/>
+                                      </p:to>
+                                    </p:set>
+                                    <p:animEffect transition="in" filter="fade">
+                                      <p:cBhvr>
+                                        <p:cTn id="17" dur="500"/>
+                                        <p:tgtEl>
+                                          <p:spTgt spid="4">
+                                            <p:txEl>
+                                              <p:pRg st="1" end="1"/>
+                                            </p:txEl>
+                                          </p:spTgt>
+                                        </p:tgtEl>
+                                      </p:cBhvr>
+                                    </p:animEffect>
+                                  </p:childTnLst>
+                                </p:cTn>
+                              </p:par>
+                            </p:childTnLst>
+                          </p:cTn>
+                        </p:par>
+                      </p:childTnLst>
+                    </p:cTn>
+                  </p:par>
+                  <p:par>
+                    <p:cTn id="18" fill="hold">
+                      <p:stCondLst>
+                        <p:cond delay="indefinite"/>
+                      </p:stCondLst>
+                      <p:childTnLst>
+                        <p:par>
+                          <p:cTn id="19" fill="hold">
+                            <p:stCondLst>
+                              <p:cond delay="0"/>
+                            </p:stCondLst>
+                            <p:childTnLst>
+                              <p:par>
+                                <p:cTn id="20" presetID="10" presetClass="entr" presetSubtype="0" fill="hold" grpId="0" nodeType="clickEffect">
+                                  <p:stCondLst>
+                                    <p:cond delay="0"/>
+                                  </p:stCondLst>
+                                  <p:childTnLst>
+                                    <p:set>
+                                      <p:cBhvr>
+                                        <p:cTn id="21" dur="1" fill="hold">
+                                          <p:stCondLst>
+                                            <p:cond delay="0"/>
+                                          </p:stCondLst>
+                                        </p:cTn>
+                                        <p:tgtEl>
+                                          <p:spTgt spid="4">
+                                            <p:txEl>
+                                              <p:pRg st="2" end="2"/>
+                                            </p:txEl>
+                                          </p:spTgt>
+                                        </p:tgtEl>
+                                        <p:attrNameLst>
+                                          <p:attrName>style.visibility</p:attrName>
+                                        </p:attrNameLst>
+                                      </p:cBhvr>
+                                      <p:to>
+                                        <p:strVal val="visible"/>
+                                      </p:to>
+                                    </p:set>
+                                    <p:animEffect transition="in" filter="fade">
+                                      <p:cBhvr>
+                                        <p:cTn id="22" dur="500"/>
+                                        <p:tgtEl>
+                                          <p:spTgt spid="4">
+                                            <p:txEl>
+                                              <p:pRg st="2" end="2"/>
+                                            </p:txEl>
+                                          </p:spTgt>
+                                        </p:tgtEl>
+                                      </p:cBhvr>
+                                    </p:animEffect>
+                                  </p:childTnLst>
+                                </p:cTn>
+                              </p:par>
+                            </p:childTnLst>
+                          </p:cTn>
+                        </p:par>
+                      </p:childTnLst>
+                    </p:cTn>
+                  </p:par>
+                  <p:par>
+                    <p:cTn id="23" fill="hold">
+                      <p:stCondLst>
+                        <p:cond delay="indefinite"/>
+                      </p:stCondLst>
+                      <p:childTnLst>
+                        <p:par>
+                          <p:cTn id="24" fill="hold">
+                            <p:stCondLst>
+                              <p:cond delay="0"/>
+                            </p:stCondLst>
+                            <p:childTnLst>
+                              <p:par>
+                                <p:cTn id="25" presetID="10" presetClass="entr" presetSubtype="0" fill="hold" grpId="0" nodeType="clickEffect">
+                                  <p:stCondLst>
+                                    <p:cond delay="0"/>
+                                  </p:stCondLst>
+                                  <p:childTnLst>
+                                    <p:set>
+                                      <p:cBhvr>
+                                        <p:cTn id="26" dur="1" fill="hold">
+                                          <p:stCondLst>
+                                            <p:cond delay="0"/>
+                                          </p:stCondLst>
+                                        </p:cTn>
+                                        <p:tgtEl>
+                                          <p:spTgt spid="4">
+                                            <p:txEl>
+                                              <p:pRg st="3" end="3"/>
+                                            </p:txEl>
+                                          </p:spTgt>
+                                        </p:tgtEl>
+                                        <p:attrNameLst>
+                                          <p:attrName>style.visibility</p:attrName>
+                                        </p:attrNameLst>
+                                      </p:cBhvr>
+                                      <p:to>
+                                        <p:strVal val="visible"/>
+                                      </p:to>
+                                    </p:set>
+                                    <p:animEffect transition="in" filter="fade">
+                                      <p:cBhvr>
+                                        <p:cTn id="27" dur="500"/>
+                                        <p:tgtEl>
+                                          <p:spTgt spid="4">
+                                            <p:txEl>
+                                              <p:pRg st="3" end="3"/>
+                                            </p:txEl>
+                                          </p:spTgt>
+                                        </p:tgtEl>
+                                      </p:cBhvr>
+                                    </p:animEffect>
+                                  </p:childTnLst>
+                                </p:cTn>
+                              </p:par>
+                            </p:childTnLst>
+                          </p:cTn>
+                        </p:par>
+                      </p:childTnLst>
+                    </p:cTn>
+                  </p:par>
+                  <p:par>
+                    <p:cTn id="28" fill="hold">
+                      <p:stCondLst>
+                        <p:cond delay="indefinite"/>
+                      </p:stCondLst>
+                      <p:childTnLst>
+                        <p:par>
+                          <p:cTn id="29" fill="hold">
+                            <p:stCondLst>
+                              <p:cond delay="0"/>
+                            </p:stCondLst>
+                            <p:childTnLst>
+                              <p:par>
+                                <p:cTn id="30" presetID="10" presetClass="entr" presetSubtype="0" fill="hold" grpId="0" nodeType="clickEffect">
+                                  <p:stCondLst>
+                                    <p:cond delay="0"/>
+                                  </p:stCondLst>
+                                  <p:childTnLst>
+                                    <p:set>
+                                      <p:cBhvr>
+                                        <p:cTn id="31" dur="1" fill="hold">
+                                          <p:stCondLst>
+                                            <p:cond delay="0"/>
+                                          </p:stCondLst>
+                                        </p:cTn>
+                                        <p:tgtEl>
+                                          <p:spTgt spid="4">
+                                            <p:txEl>
+                                              <p:pRg st="4" end="4"/>
+                                            </p:txEl>
+                                          </p:spTgt>
+                                        </p:tgtEl>
+                                        <p:attrNameLst>
+                                          <p:attrName>style.visibility</p:attrName>
+                                        </p:attrNameLst>
+                                      </p:cBhvr>
+                                      <p:to>
+                                        <p:strVal val="visible"/>
+                                      </p:to>
+                                    </p:set>
+                                    <p:animEffect transition="in" filter="fade">
+                                      <p:cBhvr>
+                                        <p:cTn id="32" dur="500"/>
+                                        <p:tgtEl>
+                                          <p:spTgt spid="4">
+                                            <p:txEl>
+                                              <p:pRg st="4" end="4"/>
+                                            </p:txEl>
+                                          </p:spTgt>
+                                        </p:tgtEl>
+                                      </p:cBhvr>
+                                    </p:animEffect>
+                                  </p:childTnLst>
+                                </p:cTn>
+                              </p:par>
+                            </p:childTnLst>
+                          </p:cTn>
+                        </p:par>
+                      </p:childTnLst>
+                    </p:cTn>
+                  </p:par>
+                  <p:par>
+                    <p:cTn id="33" fill="hold">
+                      <p:stCondLst>
+                        <p:cond delay="indefinite"/>
+                      </p:stCondLst>
+                      <p:childTnLst>
+                        <p:par>
+                          <p:cTn id="34" fill="hold">
+                            <p:stCondLst>
+                              <p:cond delay="0"/>
+                            </p:stCondLst>
+                            <p:childTnLst>
+                              <p:par>
+                                <p:cTn id="35" presetID="10" presetClass="entr" presetSubtype="0" fill="hold" grpId="0" nodeType="clickEffect">
+                                  <p:stCondLst>
+                                    <p:cond delay="0"/>
+                                  </p:stCondLst>
+                                  <p:childTnLst>
+                                    <p:set>
+                                      <p:cBhvr>
+                                        <p:cTn id="36" dur="1" fill="hold">
+                                          <p:stCondLst>
+                                            <p:cond delay="0"/>
+                                          </p:stCondLst>
+                                        </p:cTn>
+                                        <p:tgtEl>
+                                          <p:spTgt spid="4">
+                                            <p:txEl>
+                                              <p:pRg st="5" end="5"/>
+                                            </p:txEl>
+                                          </p:spTgt>
+                                        </p:tgtEl>
+                                        <p:attrNameLst>
+                                          <p:attrName>style.visibility</p:attrName>
+                                        </p:attrNameLst>
+                                      </p:cBhvr>
+                                      <p:to>
+                                        <p:strVal val="visible"/>
+                                      </p:to>
+                                    </p:set>
+                                    <p:animEffect transition="in" filter="fade">
+                                      <p:cBhvr>
+                                        <p:cTn id="37" dur="500"/>
+                                        <p:tgtEl>
+                                          <p:spTgt spid="4">
+                                            <p:txEl>
+                                              <p:pRg st="5" end="5"/>
+                                            </p:txEl>
+                                          </p:spTgt>
+                                        </p:tgtEl>
+                                      </p:cBhvr>
+                                    </p:animEffect>
+                                  </p:childTnLst>
+                                </p:cTn>
+                              </p:par>
+                            </p:childTnLst>
+                          </p:cTn>
+                        </p:par>
+                      </p:childTnLst>
+                    </p:cTn>
+                  </p:par>
+                </p:childTnLst>
+              </p:cTn>
+              <p:prevCondLst>
+                <p:cond evt="onPrev" delay="0">
+                  <p:tgtEl>
+                    <p:sldTgt/>
+                  </p:tgtEl>
+                </p:cond>
+              </p:prevCondLst>
+              <p:nextCondLst>
+                <p:cond evt="onNext" delay="0">
+                  <p:tgtEl>
+                    <p:sldTgt/>
+                  </p:tgtEl>
+                </p:cond>
+              </p:nextCondLst>
+            </p:seq>
+          </p:childTnLst>
+        </p:cTn>
+      </p:par>
+    </p:tnLst>
+    <p:bldLst>
+      <p:bldP spid="4" grpId="0" build="p"/>
+    </p:bldLst>
+  </p:timing>
 </p:sld>
 </file>
 
